--- a/alles was kein code ist/Vortrag Algorithmen/gaengige_algorithmen_luna_bruentrup.pptx
+++ b/alles was kein code ist/Vortrag Algorithmen/gaengige_algorithmen_luna_bruentrup.pptx
@@ -34,35 +34,35 @@
     <p:sldId id="2147481848" r:id="rId25"/>
     <p:sldId id="2147481849" r:id="rId26"/>
     <p:sldId id="2147481852" r:id="rId27"/>
-    <p:sldId id="2147481850" r:id="rId28"/>
-    <p:sldId id="2147481851" r:id="rId29"/>
-    <p:sldId id="2147481845" r:id="rId30"/>
-    <p:sldId id="2147481856" r:id="rId31"/>
-    <p:sldId id="2147481855" r:id="rId32"/>
-    <p:sldId id="2147481857" r:id="rId33"/>
-    <p:sldId id="2147481858" r:id="rId34"/>
-    <p:sldId id="2147481859" r:id="rId35"/>
-    <p:sldId id="2147481860" r:id="rId36"/>
-    <p:sldId id="2147481861" r:id="rId37"/>
-    <p:sldId id="2147481862" r:id="rId38"/>
-    <p:sldId id="2147481863" r:id="rId39"/>
-    <p:sldId id="2147481864" r:id="rId40"/>
-    <p:sldId id="2147481854" r:id="rId41"/>
-    <p:sldId id="2147481853" r:id="rId42"/>
-    <p:sldId id="2147481867" r:id="rId43"/>
-    <p:sldId id="2147481870" r:id="rId44"/>
-    <p:sldId id="2147481873" r:id="rId45"/>
-    <p:sldId id="2147481871" r:id="rId46"/>
-    <p:sldId id="2147481874" r:id="rId47"/>
-    <p:sldId id="2147481876" r:id="rId48"/>
-    <p:sldId id="2147481877" r:id="rId49"/>
-    <p:sldId id="2147481878" r:id="rId50"/>
-    <p:sldId id="2147481879" r:id="rId51"/>
-    <p:sldId id="2147481881" r:id="rId52"/>
-    <p:sldId id="2147481882" r:id="rId53"/>
-    <p:sldId id="2147481883" r:id="rId54"/>
-    <p:sldId id="2147481884" r:id="rId55"/>
-    <p:sldId id="2147481880" r:id="rId56"/>
+    <p:sldId id="2147481885" r:id="rId28"/>
+    <p:sldId id="2147481850" r:id="rId29"/>
+    <p:sldId id="2147481851" r:id="rId30"/>
+    <p:sldId id="2147481845" r:id="rId31"/>
+    <p:sldId id="2147481856" r:id="rId32"/>
+    <p:sldId id="2147481855" r:id="rId33"/>
+    <p:sldId id="2147481857" r:id="rId34"/>
+    <p:sldId id="2147481858" r:id="rId35"/>
+    <p:sldId id="2147481859" r:id="rId36"/>
+    <p:sldId id="2147481860" r:id="rId37"/>
+    <p:sldId id="2147481861" r:id="rId38"/>
+    <p:sldId id="2147481862" r:id="rId39"/>
+    <p:sldId id="2147481863" r:id="rId40"/>
+    <p:sldId id="2147481864" r:id="rId41"/>
+    <p:sldId id="2147481854" r:id="rId42"/>
+    <p:sldId id="2147481853" r:id="rId43"/>
+    <p:sldId id="2147481867" r:id="rId44"/>
+    <p:sldId id="2147481870" r:id="rId45"/>
+    <p:sldId id="2147481873" r:id="rId46"/>
+    <p:sldId id="2147481871" r:id="rId47"/>
+    <p:sldId id="2147481874" r:id="rId48"/>
+    <p:sldId id="2147481876" r:id="rId49"/>
+    <p:sldId id="2147481877" r:id="rId50"/>
+    <p:sldId id="2147481878" r:id="rId51"/>
+    <p:sldId id="2147481879" r:id="rId52"/>
+    <p:sldId id="2147481881" r:id="rId53"/>
+    <p:sldId id="2147481882" r:id="rId54"/>
+    <p:sldId id="2147481883" r:id="rId55"/>
+    <p:sldId id="2147481884" r:id="rId56"/>
     <p:sldId id="2147481868" r:id="rId57"/>
     <p:sldId id="2147481865" r:id="rId58"/>
     <p:sldId id="2147481869" r:id="rId59"/>
@@ -187,7 +187,7 @@
 <file path=ppt/revisionInfo.xml><?xml version="1.0" encoding="utf-8"?>
 <p1510:revInfo xmlns:a="http://schemas.openxmlformats.org/drawingml/2006/main" xmlns:r="http://schemas.openxmlformats.org/officeDocument/2006/relationships" xmlns:p1510="http://schemas.microsoft.com/office/powerpoint/2015/10/main">
   <p1510:revLst>
-    <p1510:client id="{6AA40660-2766-4BD1-A74F-821FA76EB466}" v="212" dt="2026-01-06T02:36:03.742"/>
+    <p1510:client id="{6AA40660-2766-4BD1-A74F-821FA76EB466}" v="213" dt="2026-01-06T20:11:54.152"/>
   </p1510:revLst>
 </p1510:revInfo>
 </file>
@@ -197,7 +197,7 @@
   <pc:docChgLst>
     <pc:chgData name="Brüntrup, Luna Nox Fea" userId="e756c84f-b282-410e-9d44-26088df5a1d0" providerId="ADAL" clId="{6AA40660-2766-4BD1-A74F-821FA76EB466}"/>
     <pc:docChg chg="undo custSel addSld delSld modSld sldOrd">
-      <pc:chgData name="Brüntrup, Luna Nox Fea" userId="e756c84f-b282-410e-9d44-26088df5a1d0" providerId="ADAL" clId="{6AA40660-2766-4BD1-A74F-821FA76EB466}" dt="2026-01-06T02:39:28.568" v="10324" actId="478"/>
+      <pc:chgData name="Brüntrup, Luna Nox Fea" userId="e756c84f-b282-410e-9d44-26088df5a1d0" providerId="ADAL" clId="{6AA40660-2766-4BD1-A74F-821FA76EB466}" dt="2026-01-06T20:45:56.704" v="10335" actId="47"/>
       <pc:docMkLst>
         <pc:docMk/>
       </pc:docMkLst>
@@ -3763,8 +3763,8 @@
           </ac:cxnSpMkLst>
         </pc:cxnChg>
       </pc:sldChg>
-      <pc:sldChg chg="delSp modSp add mod">
-        <pc:chgData name="Brüntrup, Luna Nox Fea" userId="e756c84f-b282-410e-9d44-26088df5a1d0" providerId="ADAL" clId="{6AA40660-2766-4BD1-A74F-821FA76EB466}" dt="2026-01-06T02:39:13.604" v="10317" actId="478"/>
+      <pc:sldChg chg="delSp modSp add del mod">
+        <pc:chgData name="Brüntrup, Luna Nox Fea" userId="e756c84f-b282-410e-9d44-26088df5a1d0" providerId="ADAL" clId="{6AA40660-2766-4BD1-A74F-821FA76EB466}" dt="2026-01-06T20:45:56.704" v="10335" actId="47"/>
         <pc:sldMkLst>
           <pc:docMk/>
           <pc:sldMk cId="2651614653" sldId="2147481880"/>
@@ -3787,7 +3787,7 @@
         </pc:spChg>
       </pc:sldChg>
       <pc:sldChg chg="delSp modSp add mod">
-        <pc:chgData name="Brüntrup, Luna Nox Fea" userId="e756c84f-b282-410e-9d44-26088df5a1d0" providerId="ADAL" clId="{6AA40660-2766-4BD1-A74F-821FA76EB466}" dt="2026-01-06T02:39:01.507" v="10313" actId="478"/>
+        <pc:chgData name="Brüntrup, Luna Nox Fea" userId="e756c84f-b282-410e-9d44-26088df5a1d0" providerId="ADAL" clId="{6AA40660-2766-4BD1-A74F-821FA76EB466}" dt="2026-01-06T20:41:36.713" v="10334" actId="20577"/>
         <pc:sldMkLst>
           <pc:docMk/>
           <pc:sldMk cId="3573771183" sldId="2147481881"/>
@@ -3817,7 +3817,7 @@
           </ac:spMkLst>
         </pc:spChg>
         <pc:spChg chg="mod">
-          <ac:chgData name="Brüntrup, Luna Nox Fea" userId="e756c84f-b282-410e-9d44-26088df5a1d0" providerId="ADAL" clId="{6AA40660-2766-4BD1-A74F-821FA76EB466}" dt="2026-01-06T01:51:59.451" v="9789"/>
+          <ac:chgData name="Brüntrup, Luna Nox Fea" userId="e756c84f-b282-410e-9d44-26088df5a1d0" providerId="ADAL" clId="{6AA40660-2766-4BD1-A74F-821FA76EB466}" dt="2026-01-06T20:41:36.713" v="10334" actId="20577"/>
           <ac:spMkLst>
             <pc:docMk/>
             <pc:sldMk cId="3573771183" sldId="2147481881"/>
@@ -3926,6 +3926,45 @@
           </ac:spMkLst>
         </pc:spChg>
       </pc:sldChg>
+      <pc:sldChg chg="addSp delSp modSp add mod">
+        <pc:chgData name="Brüntrup, Luna Nox Fea" userId="e756c84f-b282-410e-9d44-26088df5a1d0" providerId="ADAL" clId="{6AA40660-2766-4BD1-A74F-821FA76EB466}" dt="2026-01-06T20:12:07.564" v="10331" actId="1076"/>
+        <pc:sldMkLst>
+          <pc:docMk/>
+          <pc:sldMk cId="1933430912" sldId="2147481885"/>
+        </pc:sldMkLst>
+        <pc:spChg chg="del">
+          <ac:chgData name="Brüntrup, Luna Nox Fea" userId="e756c84f-b282-410e-9d44-26088df5a1d0" providerId="ADAL" clId="{6AA40660-2766-4BD1-A74F-821FA76EB466}" dt="2026-01-06T20:12:02.960" v="10330" actId="478"/>
+          <ac:spMkLst>
+            <pc:docMk/>
+            <pc:sldMk cId="1933430912" sldId="2147481885"/>
+            <ac:spMk id="15" creationId="{E5EC8613-B80B-7296-0CF4-6C6F5F4CFE38}"/>
+          </ac:spMkLst>
+        </pc:spChg>
+        <pc:spChg chg="del">
+          <ac:chgData name="Brüntrup, Luna Nox Fea" userId="e756c84f-b282-410e-9d44-26088df5a1d0" providerId="ADAL" clId="{6AA40660-2766-4BD1-A74F-821FA76EB466}" dt="2026-01-06T20:11:44.437" v="10327" actId="478"/>
+          <ac:spMkLst>
+            <pc:docMk/>
+            <pc:sldMk cId="1933430912" sldId="2147481885"/>
+            <ac:spMk id="16" creationId="{A5150009-F47D-F751-E8CC-D4B042A687B8}"/>
+          </ac:spMkLst>
+        </pc:spChg>
+        <pc:picChg chg="add mod">
+          <ac:chgData name="Brüntrup, Luna Nox Fea" userId="e756c84f-b282-410e-9d44-26088df5a1d0" providerId="ADAL" clId="{6AA40660-2766-4BD1-A74F-821FA76EB466}" dt="2026-01-06T20:12:07.564" v="10331" actId="1076"/>
+          <ac:picMkLst>
+            <pc:docMk/>
+            <pc:sldMk cId="1933430912" sldId="2147481885"/>
+            <ac:picMk id="3" creationId="{6DCCFE72-7663-AFCD-6DAF-F8B2FE1A5489}"/>
+          </ac:picMkLst>
+        </pc:picChg>
+        <pc:picChg chg="del">
+          <ac:chgData name="Brüntrup, Luna Nox Fea" userId="e756c84f-b282-410e-9d44-26088df5a1d0" providerId="ADAL" clId="{6AA40660-2766-4BD1-A74F-821FA76EB466}" dt="2026-01-06T20:11:37.430" v="10326" actId="478"/>
+          <ac:picMkLst>
+            <pc:docMk/>
+            <pc:sldMk cId="1933430912" sldId="2147481885"/>
+            <ac:picMk id="14" creationId="{06D7D06D-DD6C-44A4-C63A-29F7D439638F}"/>
+          </ac:picMkLst>
+        </pc:picChg>
+      </pc:sldChg>
     </pc:docChg>
   </pc:docChgLst>
 </pc:chgInfo>
@@ -4025,7 +4064,7 @@
           <a:p>
             <a:fld id="{135F3136-E1EB-4003-A604-A7ADCA986A7A}" type="datetimeFigureOut">
               <a:rPr lang="de-DE" smtClean="0"/>
-              <a:t>05.01.2026</a:t>
+              <a:t>06.01.2026</a:t>
             </a:fld>
             <a:endParaRPr lang="de-DE"/>
           </a:p>
@@ -4218,7 +4257,7 @@
           <a:p>
             <a:fld id="{E59BDBB7-78C1-47D7-ADDE-2A30F9A7DC5B}" type="datetimeFigureOut">
               <a:rPr lang="de-DE" smtClean="0"/>
-              <a:t>05.01.2026</a:t>
+              <a:t>06.01.2026</a:t>
             </a:fld>
             <a:endParaRPr lang="de-DE"/>
           </a:p>
@@ -4818,7 +4857,7 @@
           <a:p>
             <a:fld id="{C5BAB1C2-B95E-46E9-ACD9-692B4877A4DB}" type="datetime1">
               <a:rPr lang="de-DE" smtClean="0"/>
-              <a:t>05.01.2026</a:t>
+              <a:t>06.01.2026</a:t>
             </a:fld>
             <a:r>
               <a:rPr lang="de-DE"/>
@@ -5174,7 +5213,7 @@
                   <a:srgbClr val="000000"/>
                 </a:solidFill>
               </a:rPr>
-              <a:t>05.01.2026</a:t>
+              <a:t>06.01.2026</a:t>
             </a:fld>
             <a:endParaRPr lang="de-DE" sz="1000">
               <a:solidFill>
@@ -5350,7 +5389,7 @@
                   <a:srgbClr val="000000"/>
                 </a:solidFill>
               </a:rPr>
-              <a:t>05.01.2026</a:t>
+              <a:t>06.01.2026</a:t>
             </a:fld>
             <a:endParaRPr lang="de-DE" sz="1000">
               <a:solidFill>
@@ -5600,7 +5639,7 @@
                   <a:srgbClr val="000000"/>
                 </a:solidFill>
               </a:rPr>
-              <a:t>05.01.2026</a:t>
+              <a:t>06.01.2026</a:t>
             </a:fld>
             <a:endParaRPr lang="de-DE" sz="1000">
               <a:solidFill>
@@ -5940,7 +5979,7 @@
                   <a:srgbClr val="000000"/>
                 </a:solidFill>
               </a:rPr>
-              <a:t>05.01.2026</a:t>
+              <a:t>06.01.2026</a:t>
             </a:fld>
             <a:endParaRPr lang="de-DE" sz="1000">
               <a:solidFill>
@@ -6243,7 +6282,7 @@
                   <a:srgbClr val="000000"/>
                 </a:solidFill>
               </a:rPr>
-              <a:t>05.01.2026</a:t>
+              <a:t>06.01.2026</a:t>
             </a:fld>
             <a:endParaRPr lang="de-DE" sz="1000">
               <a:solidFill>
@@ -6556,7 +6595,7 @@
                   <a:srgbClr val="000000"/>
                 </a:solidFill>
               </a:rPr>
-              <a:t>05.01.2026</a:t>
+              <a:t>06.01.2026</a:t>
             </a:fld>
             <a:endParaRPr lang="de-DE" sz="1000">
               <a:solidFill>
@@ -6868,7 +6907,7 @@
                   <a:srgbClr val="000000"/>
                 </a:solidFill>
               </a:rPr>
-              <a:t>05.01.2026</a:t>
+              <a:t>06.01.2026</a:t>
             </a:fld>
             <a:endParaRPr lang="de-DE" sz="1000">
               <a:solidFill>
@@ -7178,7 +7217,7 @@
                   <a:srgbClr val="000000"/>
                 </a:solidFill>
               </a:rPr>
-              <a:t>05.01.2026</a:t>
+              <a:t>06.01.2026</a:t>
             </a:fld>
             <a:endParaRPr lang="de-DE" sz="1000">
               <a:solidFill>
@@ -7841,7 +7880,7 @@
                   <a:srgbClr val="000000"/>
                 </a:solidFill>
               </a:rPr>
-              <a:t>05.01.2026</a:t>
+              <a:t>06.01.2026</a:t>
             </a:fld>
             <a:endParaRPr lang="de-DE" sz="1000">
               <a:solidFill>
@@ -8502,7 +8541,7 @@
                   <a:srgbClr val="000000"/>
                 </a:solidFill>
               </a:rPr>
-              <a:t>05.01.2026</a:t>
+              <a:t>06.01.2026</a:t>
             </a:fld>
             <a:endParaRPr lang="de-DE" sz="1000">
               <a:solidFill>
@@ -8973,7 +9012,7 @@
           <a:p>
             <a:fld id="{E83B46C3-D3AB-4BD0-A0BF-3748CABCFA13}" type="datetime1">
               <a:rPr lang="de-DE" smtClean="0"/>
-              <a:t>05.01.2026</a:t>
+              <a:t>06.01.2026</a:t>
             </a:fld>
             <a:r>
               <a:rPr lang="de-DE"/>
@@ -9344,7 +9383,7 @@
                   <a:srgbClr val="000000"/>
                 </a:solidFill>
               </a:rPr>
-              <a:t>05.01.2026</a:t>
+              <a:t>06.01.2026</a:t>
             </a:fld>
             <a:endParaRPr lang="de-DE" sz="1000">
               <a:solidFill>
@@ -9684,7 +9723,7 @@
                   <a:srgbClr val="000000"/>
                 </a:solidFill>
               </a:rPr>
-              <a:t>05.01.2026</a:t>
+              <a:t>06.01.2026</a:t>
             </a:fld>
             <a:endParaRPr lang="de-DE" sz="1000">
               <a:solidFill>
@@ -10302,7 +10341,7 @@
                   <a:srgbClr val="000000"/>
                 </a:solidFill>
               </a:rPr>
-              <a:t>05.01.2026</a:t>
+              <a:t>06.01.2026</a:t>
             </a:fld>
             <a:endParaRPr lang="de-DE" sz="1000">
               <a:solidFill>
@@ -10774,7 +10813,7 @@
                   <a:srgbClr val="000000"/>
                 </a:solidFill>
               </a:rPr>
-              <a:t>05.01.2026</a:t>
+              <a:t>06.01.2026</a:t>
             </a:fld>
             <a:endParaRPr lang="de-DE" sz="1000">
               <a:solidFill>
@@ -12160,7 +12199,7 @@
                   <a:srgbClr val="000000"/>
                 </a:solidFill>
               </a:rPr>
-              <a:t>05.01.2026</a:t>
+              <a:t>06.01.2026</a:t>
             </a:fld>
             <a:endParaRPr lang="de-DE" sz="1000">
               <a:solidFill>
@@ -13126,7 +13165,7 @@
                   <a:srgbClr val="000000"/>
                 </a:solidFill>
               </a:rPr>
-              <a:t>05.01.2026</a:t>
+              <a:t>06.01.2026</a:t>
             </a:fld>
             <a:endParaRPr lang="de-DE" sz="1000">
               <a:solidFill>
@@ -13643,7 +13682,7 @@
                   <a:srgbClr val="000000"/>
                 </a:solidFill>
               </a:rPr>
-              <a:t>05.01.2026</a:t>
+              <a:t>06.01.2026</a:t>
             </a:fld>
             <a:endParaRPr lang="de-DE" sz="1000">
               <a:solidFill>
@@ -14174,7 +14213,7 @@
                   <a:srgbClr val="000000"/>
                 </a:solidFill>
               </a:rPr>
-              <a:t>05.01.2026</a:t>
+              <a:t>06.01.2026</a:t>
             </a:fld>
             <a:endParaRPr lang="de-DE" sz="1000">
               <a:solidFill>
@@ -14694,7 +14733,7 @@
           <a:p>
             <a:fld id="{1F60AF2E-5BFA-49CD-BD58-2886C5AEF071}" type="datetime1">
               <a:rPr lang="de-DE" smtClean="0"/>
-              <a:t>05.01.2026</a:t>
+              <a:t>06.01.2026</a:t>
             </a:fld>
             <a:r>
               <a:rPr lang="de-DE"/>
@@ -15115,7 +15154,7 @@
                   <a:srgbClr val="000000"/>
                 </a:solidFill>
               </a:rPr>
-              <a:t>05.01.2026</a:t>
+              <a:t>06.01.2026</a:t>
             </a:fld>
             <a:endParaRPr lang="de-DE" sz="1000">
               <a:solidFill>
@@ -15520,7 +15559,7 @@
                   <a:srgbClr val="000000"/>
                 </a:solidFill>
               </a:rPr>
-              <a:t>05.01.2026</a:t>
+              <a:t>06.01.2026</a:t>
             </a:fld>
             <a:endParaRPr lang="de-DE" sz="1000">
               <a:solidFill>
@@ -17082,7 +17121,7 @@
                   <a:srgbClr val="000000"/>
                 </a:solidFill>
               </a:rPr>
-              <a:t>05.01.2026</a:t>
+              <a:t>06.01.2026</a:t>
             </a:fld>
             <a:endParaRPr lang="de-DE" sz="1000">
               <a:solidFill>
@@ -18534,7 +18573,7 @@
                   <a:srgbClr val="000000"/>
                 </a:solidFill>
               </a:rPr>
-              <a:t>05.01.2026</a:t>
+              <a:t>06.01.2026</a:t>
             </a:fld>
             <a:endParaRPr lang="de-DE" sz="1000">
               <a:solidFill>
@@ -19483,7 +19522,7 @@
                   <a:srgbClr val="000000"/>
                 </a:solidFill>
               </a:rPr>
-              <a:t>05.01.2026</a:t>
+              <a:t>06.01.2026</a:t>
             </a:fld>
             <a:endParaRPr lang="de-DE" sz="1000">
               <a:solidFill>
@@ -19863,7 +19902,7 @@
                   <a:srgbClr val="000000"/>
                 </a:solidFill>
               </a:rPr>
-              <a:t>05.01.2026</a:t>
+              <a:t>06.01.2026</a:t>
             </a:fld>
             <a:endParaRPr lang="de-DE" sz="1000">
               <a:solidFill>
@@ -20248,7 +20287,7 @@
                   <a:srgbClr val="000000"/>
                 </a:solidFill>
               </a:rPr>
-              <a:t>05.01.2026</a:t>
+              <a:t>06.01.2026</a:t>
             </a:fld>
             <a:endParaRPr lang="de-DE" sz="1000">
               <a:solidFill>
@@ -20541,7 +20580,7 @@
                   <a:srgbClr val="000000"/>
                 </a:solidFill>
               </a:rPr>
-              <a:t>05.01.2026</a:t>
+              <a:t>06.01.2026</a:t>
             </a:fld>
             <a:endParaRPr lang="de-DE" sz="1000">
               <a:solidFill>
@@ -20936,7 +20975,7 @@
                   <a:srgbClr val="000000"/>
                 </a:solidFill>
               </a:rPr>
-              <a:t>05.01.2026</a:t>
+              <a:t>06.01.2026</a:t>
             </a:fld>
             <a:endParaRPr lang="de-DE" sz="1000">
               <a:solidFill>
@@ -21339,7 +21378,7 @@
                   <a:srgbClr val="000000"/>
                 </a:solidFill>
               </a:rPr>
-              <a:t>05.01.2026</a:t>
+              <a:t>06.01.2026</a:t>
             </a:fld>
             <a:endParaRPr lang="de-DE" sz="1000">
               <a:solidFill>
@@ -21821,7 +21860,7 @@
           <a:p>
             <a:fld id="{225F03D2-45F0-4A98-BAD3-9C8997ED6FFB}" type="datetime1">
               <a:rPr lang="de-DE" smtClean="0"/>
-              <a:t>05.01.2026</a:t>
+              <a:t>06.01.2026</a:t>
             </a:fld>
             <a:r>
               <a:rPr lang="de-DE"/>
@@ -23185,7 +23224,7 @@
                   <a:srgbClr val="000000"/>
                 </a:solidFill>
               </a:rPr>
-              <a:t>05.01.2026</a:t>
+              <a:t>06.01.2026</a:t>
             </a:fld>
             <a:endParaRPr lang="de-DE" sz="1000">
               <a:solidFill>
@@ -23815,7 +23854,7 @@
                   <a:srgbClr val="000000"/>
                 </a:solidFill>
               </a:rPr>
-              <a:t>05.01.2026</a:t>
+              <a:t>06.01.2026</a:t>
             </a:fld>
             <a:endParaRPr lang="de-DE" sz="1000">
               <a:solidFill>
@@ -25240,7 +25279,7 @@
                   <a:srgbClr val="000000"/>
                 </a:solidFill>
               </a:rPr>
-              <a:t>05.01.2026</a:t>
+              <a:t>06.01.2026</a:t>
             </a:fld>
             <a:endParaRPr lang="de-DE" sz="1000">
               <a:solidFill>
@@ -25638,7 +25677,7 @@
                   <a:srgbClr val="000000"/>
                 </a:solidFill>
               </a:rPr>
-              <a:t>05.01.2026</a:t>
+              <a:t>06.01.2026</a:t>
             </a:fld>
             <a:endParaRPr lang="de-DE" sz="1000">
               <a:solidFill>
@@ -26028,7 +26067,7 @@
                   <a:srgbClr val="000000"/>
                 </a:solidFill>
               </a:rPr>
-              <a:t>05.01.2026</a:t>
+              <a:t>06.01.2026</a:t>
             </a:fld>
             <a:endParaRPr lang="de-DE" sz="1000">
               <a:solidFill>
@@ -26449,7 +26488,7 @@
                   <a:srgbClr val="000000"/>
                 </a:solidFill>
               </a:rPr>
-              <a:t>05.01.2026</a:t>
+              <a:t>06.01.2026</a:t>
             </a:fld>
             <a:endParaRPr lang="de-DE" sz="1000">
               <a:solidFill>
@@ -26739,7 +26778,7 @@
                   <a:srgbClr val="000000"/>
                 </a:solidFill>
               </a:rPr>
-              <a:t>05.01.2026</a:t>
+              <a:t>06.01.2026</a:t>
             </a:fld>
             <a:endParaRPr lang="de-DE" sz="1000">
               <a:solidFill>
@@ -27396,7 +27435,7 @@
                   <a:srgbClr val="000000"/>
                 </a:solidFill>
               </a:rPr>
-              <a:t>05.01.2026</a:t>
+              <a:t>06.01.2026</a:t>
             </a:fld>
             <a:endParaRPr lang="de-DE" sz="1000">
               <a:solidFill>
@@ -28082,7 +28121,7 @@
           <a:p>
             <a:fld id="{003102F7-326F-497C-B128-E026DECD7822}" type="datetime1">
               <a:rPr lang="de-DE" smtClean="0"/>
-              <a:t>05.01.2026</a:t>
+              <a:t>06.01.2026</a:t>
             </a:fld>
             <a:r>
               <a:rPr lang="de-DE" dirty="0"/>
@@ -31244,7 +31283,7 @@
                   <a:srgbClr val="000000"/>
                 </a:solidFill>
               </a:rPr>
-              <a:t>05.01.2026</a:t>
+              <a:t>06.01.2026</a:t>
             </a:fld>
             <a:endParaRPr lang="de-DE" sz="1000" dirty="0">
               <a:solidFill>
@@ -32536,6 +32575,125 @@
         <p:cNvPr id="1" name="">
           <a:extLst>
             <a:ext uri="{FF2B5EF4-FFF2-40B4-BE49-F238E27FC236}">
+              <a16:creationId xmlns:a16="http://schemas.microsoft.com/office/drawing/2014/main" id="{3CF010D7-F29D-6FB4-8E37-26E7E604329F}"/>
+            </a:ext>
+          </a:extLst>
+        </p:cNvPr>
+        <p:cNvGrpSpPr/>
+        <p:nvPr/>
+      </p:nvGrpSpPr>
+      <p:grpSpPr>
+        <a:xfrm>
+          <a:off x="0" y="0"/>
+          <a:ext cx="0" cy="0"/>
+          <a:chOff x="0" y="0"/>
+          <a:chExt cx="0" cy="0"/>
+        </a:xfrm>
+      </p:grpSpPr>
+      <p:sp>
+        <p:nvSpPr>
+          <p:cNvPr id="8" name="Foliennummernplatzhalter 7">
+            <a:extLst>
+              <a:ext uri="{FF2B5EF4-FFF2-40B4-BE49-F238E27FC236}">
+                <a16:creationId xmlns:a16="http://schemas.microsoft.com/office/drawing/2014/main" id="{34DBEBFC-F521-666C-8A35-400005FB5176}"/>
+              </a:ext>
+            </a:extLst>
+          </p:cNvPr>
+          <p:cNvSpPr>
+            <a:spLocks noGrp="1"/>
+          </p:cNvSpPr>
+          <p:nvPr>
+            <p:ph type="sldNum" sz="quarter" idx="19"/>
+          </p:nvPr>
+        </p:nvSpPr>
+        <p:spPr>
+          <a:xfrm>
+            <a:off x="503195" y="6480000"/>
+            <a:ext cx="960000" cy="192000"/>
+          </a:xfrm>
+        </p:spPr>
+        <p:txBody>
+          <a:bodyPr/>
+          <a:lstStyle/>
+          <a:p>
+            <a:fld id="{087158B1-A480-4390-8402-7A80A3BAEC4B}" type="slidenum">
+              <a:rPr lang="de-DE" smtClean="0">
+                <a:solidFill>
+                  <a:srgbClr val="000000"/>
+                </a:solidFill>
+              </a:rPr>
+              <a:pPr/>
+              <a:t>24</a:t>
+            </a:fld>
+            <a:r>
+              <a:rPr lang="de-DE" dirty="0"/>
+              <a:t> / 57</a:t>
+            </a:r>
+            <a:endParaRPr lang="de-DE" dirty="0">
+              <a:solidFill>
+                <a:srgbClr val="000000"/>
+              </a:solidFill>
+            </a:endParaRPr>
+          </a:p>
+        </p:txBody>
+      </p:sp>
+      <p:pic>
+        <p:nvPicPr>
+          <p:cNvPr id="3" name="Grafik 2">
+            <a:extLst>
+              <a:ext uri="{FF2B5EF4-FFF2-40B4-BE49-F238E27FC236}">
+                <a16:creationId xmlns:a16="http://schemas.microsoft.com/office/drawing/2014/main" id="{6DCCFE72-7663-AFCD-6DAF-F8B2FE1A5489}"/>
+              </a:ext>
+            </a:extLst>
+          </p:cNvPr>
+          <p:cNvPicPr>
+            <a:picLocks noChangeAspect="1"/>
+          </p:cNvPicPr>
+          <p:nvPr/>
+        </p:nvPicPr>
+        <p:blipFill>
+          <a:blip r:embed="rId2">
+            <a:extLst>
+              <a:ext uri="{28A0092B-C50C-407E-A947-70E740481C1C}">
+                <a14:useLocalDpi xmlns:a14="http://schemas.microsoft.com/office/drawing/2010/main" val="0"/>
+              </a:ext>
+            </a:extLst>
+          </a:blip>
+          <a:stretch>
+            <a:fillRect/>
+          </a:stretch>
+        </p:blipFill>
+        <p:spPr>
+          <a:xfrm>
+            <a:off x="1558086" y="422840"/>
+            <a:ext cx="8659433" cy="5753903"/>
+          </a:xfrm>
+          <a:prstGeom prst="rect">
+            <a:avLst/>
+          </a:prstGeom>
+        </p:spPr>
+      </p:pic>
+    </p:spTree>
+    <p:extLst>
+      <p:ext uri="{BB962C8B-B14F-4D97-AF65-F5344CB8AC3E}">
+        <p14:creationId xmlns:p14="http://schemas.microsoft.com/office/powerpoint/2010/main" val="1933430912"/>
+      </p:ext>
+    </p:extLst>
+  </p:cSld>
+  <p:clrMapOvr>
+    <a:masterClrMapping/>
+  </p:clrMapOvr>
+</p:sld>
+</file>
+
+<file path=ppt/slides/slide25.xml><?xml version="1.0" encoding="utf-8"?>
+<p:sld xmlns:a="http://schemas.openxmlformats.org/drawingml/2006/main" xmlns:r="http://schemas.openxmlformats.org/officeDocument/2006/relationships" xmlns:p="http://schemas.openxmlformats.org/presentationml/2006/main">
+  <p:cSld>
+    <p:spTree>
+      <p:nvGrpSpPr>
+        <p:cNvPr id="1" name="">
+          <a:extLst>
+            <a:ext uri="{FF2B5EF4-FFF2-40B4-BE49-F238E27FC236}">
               <a16:creationId xmlns:a16="http://schemas.microsoft.com/office/drawing/2014/main" id="{1CD34DB4-699F-82FB-6A62-17D25162E215}"/>
             </a:ext>
           </a:extLst>
@@ -32693,7 +32851,7 @@
             <a:fld id="{087158B1-A480-4390-8402-7A80A3BAEC4B}" type="slidenum">
               <a:rPr lang="de-DE" smtClean="0"/>
               <a:pPr/>
-              <a:t>24</a:t>
+              <a:t>25</a:t>
             </a:fld>
             <a:r>
               <a:rPr lang="de-DE" dirty="0"/>
@@ -32715,7 +32873,7 @@
 </p:sld>
 </file>
 
-<file path=ppt/slides/slide25.xml><?xml version="1.0" encoding="utf-8"?>
+<file path=ppt/slides/slide26.xml><?xml version="1.0" encoding="utf-8"?>
 <p:sld xmlns:a="http://schemas.openxmlformats.org/drawingml/2006/main" xmlns:r="http://schemas.openxmlformats.org/officeDocument/2006/relationships" xmlns:p="http://schemas.openxmlformats.org/presentationml/2006/main">
   <p:cSld>
     <p:spTree>
@@ -32808,7 +32966,7 @@
                 </a:solidFill>
               </a:rPr>
               <a:pPr/>
-              <a:t>25</a:t>
+              <a:t>26</a:t>
             </a:fld>
             <a:r>
               <a:rPr lang="de-DE" dirty="0"/>
@@ -32871,7 +33029,7 @@
 </p:sld>
 </file>
 
-<file path=ppt/slides/slide26.xml><?xml version="1.0" encoding="utf-8"?>
+<file path=ppt/slides/slide27.xml><?xml version="1.0" encoding="utf-8"?>
 <p:sld xmlns:a="http://schemas.openxmlformats.org/drawingml/2006/main" xmlns:r="http://schemas.openxmlformats.org/officeDocument/2006/relationships" xmlns:p="http://schemas.openxmlformats.org/presentationml/2006/main">
   <p:cSld>
     <p:spTree>
@@ -32964,7 +33122,7 @@
                 </a:solidFill>
               </a:rPr>
               <a:pPr/>
-              <a:t>26</a:t>
+              <a:t>27</a:t>
             </a:fld>
             <a:r>
               <a:rPr lang="de-DE" dirty="0"/>
@@ -33062,7 +33220,7 @@
 </p:sld>
 </file>
 
-<file path=ppt/slides/slide27.xml><?xml version="1.0" encoding="utf-8"?>
+<file path=ppt/slides/slide28.xml><?xml version="1.0" encoding="utf-8"?>
 <p:sld xmlns:a="http://schemas.openxmlformats.org/drawingml/2006/main" xmlns:r="http://schemas.openxmlformats.org/officeDocument/2006/relationships" xmlns:p="http://schemas.openxmlformats.org/presentationml/2006/main">
   <p:cSld>
     <p:spTree>
@@ -33214,7 +33372,7 @@
             <a:fld id="{087158B1-A480-4390-8402-7A80A3BAEC4B}" type="slidenum">
               <a:rPr lang="de-DE" smtClean="0"/>
               <a:pPr/>
-              <a:t>27</a:t>
+              <a:t>28</a:t>
             </a:fld>
             <a:r>
               <a:rPr lang="de-DE" dirty="0"/>
@@ -33236,7 +33394,7 @@
 </p:sld>
 </file>
 
-<file path=ppt/slides/slide28.xml><?xml version="1.0" encoding="utf-8"?>
+<file path=ppt/slides/slide29.xml><?xml version="1.0" encoding="utf-8"?>
 <p:sld xmlns:a="http://schemas.openxmlformats.org/drawingml/2006/main" xmlns:r="http://schemas.openxmlformats.org/officeDocument/2006/relationships" xmlns:p="http://schemas.openxmlformats.org/presentationml/2006/main">
   <p:cSld>
     <p:spTree>
@@ -33329,7 +33487,7 @@
                 </a:solidFill>
               </a:rPr>
               <a:pPr/>
-              <a:t>28</a:t>
+              <a:t>29</a:t>
             </a:fld>
             <a:r>
               <a:rPr lang="de-DE" dirty="0"/>
@@ -33732,235 +33890,6 @@
     <p:extLst>
       <p:ext uri="{BB962C8B-B14F-4D97-AF65-F5344CB8AC3E}">
         <p14:creationId xmlns:p14="http://schemas.microsoft.com/office/powerpoint/2010/main" val="3687085298"/>
-      </p:ext>
-    </p:extLst>
-  </p:cSld>
-  <p:clrMapOvr>
-    <a:masterClrMapping/>
-  </p:clrMapOvr>
-</p:sld>
-</file>
-
-<file path=ppt/slides/slide29.xml><?xml version="1.0" encoding="utf-8"?>
-<p:sld xmlns:a="http://schemas.openxmlformats.org/drawingml/2006/main" xmlns:r="http://schemas.openxmlformats.org/officeDocument/2006/relationships" xmlns:p="http://schemas.openxmlformats.org/presentationml/2006/main">
-  <p:cSld>
-    <p:spTree>
-      <p:nvGrpSpPr>
-        <p:cNvPr id="1" name="">
-          <a:extLst>
-            <a:ext uri="{FF2B5EF4-FFF2-40B4-BE49-F238E27FC236}">
-              <a16:creationId xmlns:a16="http://schemas.microsoft.com/office/drawing/2014/main" id="{D2DF36C0-C2D7-B238-3182-A8FCFB40B9F0}"/>
-            </a:ext>
-          </a:extLst>
-        </p:cNvPr>
-        <p:cNvGrpSpPr/>
-        <p:nvPr/>
-      </p:nvGrpSpPr>
-      <p:grpSpPr>
-        <a:xfrm>
-          <a:off x="0" y="0"/>
-          <a:ext cx="0" cy="0"/>
-          <a:chOff x="0" y="0"/>
-          <a:chExt cx="0" cy="0"/>
-        </a:xfrm>
-      </p:grpSpPr>
-      <p:sp>
-        <p:nvSpPr>
-          <p:cNvPr id="2" name="Textplatzhalter 1">
-            <a:extLst>
-              <a:ext uri="{FF2B5EF4-FFF2-40B4-BE49-F238E27FC236}">
-                <a16:creationId xmlns:a16="http://schemas.microsoft.com/office/drawing/2014/main" id="{526B99CE-CC3A-141E-06A0-88963B8C0F6A}"/>
-              </a:ext>
-            </a:extLst>
-          </p:cNvPr>
-          <p:cNvSpPr>
-            <a:spLocks noGrp="1"/>
-          </p:cNvSpPr>
-          <p:nvPr>
-            <p:ph type="body" sz="quarter" idx="14"/>
-          </p:nvPr>
-        </p:nvSpPr>
-        <p:spPr>
-          <a:xfrm>
-            <a:off x="501662" y="2125432"/>
-            <a:ext cx="8955605" cy="348827"/>
-          </a:xfrm>
-        </p:spPr>
-        <p:txBody>
-          <a:bodyPr/>
-          <a:lstStyle/>
-          <a:p>
-            <a:r>
-              <a:rPr lang="de-DE" dirty="0">
-                <a:solidFill>
-                  <a:srgbClr val="000000"/>
-                </a:solidFill>
-              </a:rPr>
-              <a:t>Wichtigste Matrizen Rechnung bei Computern</a:t>
-            </a:r>
-          </a:p>
-        </p:txBody>
-      </p:sp>
-      <p:sp>
-        <p:nvSpPr>
-          <p:cNvPr id="3" name="Titel 2">
-            <a:extLst>
-              <a:ext uri="{FF2B5EF4-FFF2-40B4-BE49-F238E27FC236}">
-                <a16:creationId xmlns:a16="http://schemas.microsoft.com/office/drawing/2014/main" id="{3CD372B1-EEE3-323D-7B61-6219473620EC}"/>
-              </a:ext>
-            </a:extLst>
-          </p:cNvPr>
-          <p:cNvSpPr>
-            <a:spLocks noGrp="1"/>
-          </p:cNvSpPr>
-          <p:nvPr>
-            <p:ph type="ctrTitle"/>
-          </p:nvPr>
-        </p:nvSpPr>
-        <p:spPr>
-          <a:xfrm>
-            <a:off x="501651" y="1365251"/>
-            <a:ext cx="8955605" cy="477948"/>
-          </a:xfrm>
-        </p:spPr>
-        <p:txBody>
-          <a:bodyPr/>
-          <a:lstStyle/>
-          <a:p>
-            <a:r>
-              <a:rPr lang="de-DE" dirty="0">
-                <a:solidFill>
-                  <a:srgbClr val="000000"/>
-                </a:solidFill>
-              </a:rPr>
-              <a:t>5.2 Matrizen Multiplikation</a:t>
-            </a:r>
-          </a:p>
-        </p:txBody>
-      </p:sp>
-      <p:sp>
-        <p:nvSpPr>
-          <p:cNvPr id="8" name="Foliennummernplatzhalter 7">
-            <a:extLst>
-              <a:ext uri="{FF2B5EF4-FFF2-40B4-BE49-F238E27FC236}">
-                <a16:creationId xmlns:a16="http://schemas.microsoft.com/office/drawing/2014/main" id="{F42799E0-A949-6388-58B8-852D7719D643}"/>
-              </a:ext>
-            </a:extLst>
-          </p:cNvPr>
-          <p:cNvSpPr>
-            <a:spLocks noGrp="1"/>
-          </p:cNvSpPr>
-          <p:nvPr>
-            <p:ph type="sldNum" sz="quarter" idx="19"/>
-          </p:nvPr>
-        </p:nvSpPr>
-        <p:spPr>
-          <a:xfrm>
-            <a:off x="503195" y="6480000"/>
-            <a:ext cx="960000" cy="192000"/>
-          </a:xfrm>
-        </p:spPr>
-        <p:txBody>
-          <a:bodyPr/>
-          <a:lstStyle/>
-          <a:p>
-            <a:fld id="{087158B1-A480-4390-8402-7A80A3BAEC4B}" type="slidenum">
-              <a:rPr lang="de-DE" smtClean="0">
-                <a:solidFill>
-                  <a:srgbClr val="000000"/>
-                </a:solidFill>
-              </a:rPr>
-              <a:pPr/>
-              <a:t>29</a:t>
-            </a:fld>
-            <a:r>
-              <a:rPr lang="de-DE" dirty="0"/>
-              <a:t> / 57</a:t>
-            </a:r>
-            <a:endParaRPr lang="de-DE" dirty="0">
-              <a:solidFill>
-                <a:srgbClr val="000000"/>
-              </a:solidFill>
-            </a:endParaRPr>
-          </a:p>
-        </p:txBody>
-      </p:sp>
-      <p:pic>
-        <p:nvPicPr>
-          <p:cNvPr id="9" name="Grafik 8">
-            <a:extLst>
-              <a:ext uri="{FF2B5EF4-FFF2-40B4-BE49-F238E27FC236}">
-                <a16:creationId xmlns:a16="http://schemas.microsoft.com/office/drawing/2014/main" id="{E0339F51-77E9-DA63-3E49-83BFD4BFC7EE}"/>
-              </a:ext>
-            </a:extLst>
-          </p:cNvPr>
-          <p:cNvPicPr>
-            <a:picLocks noChangeAspect="1"/>
-          </p:cNvPicPr>
-          <p:nvPr/>
-        </p:nvPicPr>
-        <p:blipFill>
-          <a:blip r:embed="rId2">
-            <a:extLst>
-              <a:ext uri="{28A0092B-C50C-407E-A947-70E740481C1C}">
-                <a14:useLocalDpi xmlns:a14="http://schemas.microsoft.com/office/drawing/2010/main" val="0"/>
-              </a:ext>
-            </a:extLst>
-          </a:blip>
-          <a:stretch>
-            <a:fillRect/>
-          </a:stretch>
-        </p:blipFill>
-        <p:spPr>
-          <a:xfrm>
-            <a:off x="501651" y="2596325"/>
-            <a:ext cx="8229600" cy="1398590"/>
-          </a:xfrm>
-          <a:prstGeom prst="rect">
-            <a:avLst/>
-          </a:prstGeom>
-        </p:spPr>
-      </p:pic>
-      <p:pic>
-        <p:nvPicPr>
-          <p:cNvPr id="12" name="Grafik 11">
-            <a:extLst>
-              <a:ext uri="{FF2B5EF4-FFF2-40B4-BE49-F238E27FC236}">
-                <a16:creationId xmlns:a16="http://schemas.microsoft.com/office/drawing/2014/main" id="{0B7DF730-9AC9-4F5F-88E8-BA928FABFE31}"/>
-              </a:ext>
-            </a:extLst>
-          </p:cNvPr>
-          <p:cNvPicPr>
-            <a:picLocks noChangeAspect="1"/>
-          </p:cNvPicPr>
-          <p:nvPr/>
-        </p:nvPicPr>
-        <p:blipFill>
-          <a:blip r:embed="rId3">
-            <a:extLst>
-              <a:ext uri="{28A0092B-C50C-407E-A947-70E740481C1C}">
-                <a14:useLocalDpi xmlns:a14="http://schemas.microsoft.com/office/drawing/2010/main" val="0"/>
-              </a:ext>
-            </a:extLst>
-          </a:blip>
-          <a:stretch>
-            <a:fillRect/>
-          </a:stretch>
-        </p:blipFill>
-        <p:spPr>
-          <a:xfrm>
-            <a:off x="360953" y="4116981"/>
-            <a:ext cx="10943541" cy="1482468"/>
-          </a:xfrm>
-          <a:prstGeom prst="rect">
-            <a:avLst/>
-          </a:prstGeom>
-        </p:spPr>
-      </p:pic>
-    </p:spTree>
-    <p:extLst>
-      <p:ext uri="{BB962C8B-B14F-4D97-AF65-F5344CB8AC3E}">
-        <p14:creationId xmlns:p14="http://schemas.microsoft.com/office/powerpoint/2010/main" val="1094150608"/>
       </p:ext>
     </p:extLst>
   </p:cSld>
@@ -34120,7 +34049,7 @@
                   <a:srgbClr val="000000"/>
                 </a:solidFill>
               </a:rPr>
-              <a:t>05.01.2026</a:t>
+              <a:t>06.01.2026</a:t>
             </a:fld>
             <a:endParaRPr lang="de-DE" sz="1000">
               <a:solidFill>
@@ -34206,6 +34135,235 @@
 </file>
 
 <file path=ppt/slides/slide30.xml><?xml version="1.0" encoding="utf-8"?>
+<p:sld xmlns:a="http://schemas.openxmlformats.org/drawingml/2006/main" xmlns:r="http://schemas.openxmlformats.org/officeDocument/2006/relationships" xmlns:p="http://schemas.openxmlformats.org/presentationml/2006/main">
+  <p:cSld>
+    <p:spTree>
+      <p:nvGrpSpPr>
+        <p:cNvPr id="1" name="">
+          <a:extLst>
+            <a:ext uri="{FF2B5EF4-FFF2-40B4-BE49-F238E27FC236}">
+              <a16:creationId xmlns:a16="http://schemas.microsoft.com/office/drawing/2014/main" id="{D2DF36C0-C2D7-B238-3182-A8FCFB40B9F0}"/>
+            </a:ext>
+          </a:extLst>
+        </p:cNvPr>
+        <p:cNvGrpSpPr/>
+        <p:nvPr/>
+      </p:nvGrpSpPr>
+      <p:grpSpPr>
+        <a:xfrm>
+          <a:off x="0" y="0"/>
+          <a:ext cx="0" cy="0"/>
+          <a:chOff x="0" y="0"/>
+          <a:chExt cx="0" cy="0"/>
+        </a:xfrm>
+      </p:grpSpPr>
+      <p:sp>
+        <p:nvSpPr>
+          <p:cNvPr id="2" name="Textplatzhalter 1">
+            <a:extLst>
+              <a:ext uri="{FF2B5EF4-FFF2-40B4-BE49-F238E27FC236}">
+                <a16:creationId xmlns:a16="http://schemas.microsoft.com/office/drawing/2014/main" id="{526B99CE-CC3A-141E-06A0-88963B8C0F6A}"/>
+              </a:ext>
+            </a:extLst>
+          </p:cNvPr>
+          <p:cNvSpPr>
+            <a:spLocks noGrp="1"/>
+          </p:cNvSpPr>
+          <p:nvPr>
+            <p:ph type="body" sz="quarter" idx="14"/>
+          </p:nvPr>
+        </p:nvSpPr>
+        <p:spPr>
+          <a:xfrm>
+            <a:off x="501662" y="2125432"/>
+            <a:ext cx="8955605" cy="348827"/>
+          </a:xfrm>
+        </p:spPr>
+        <p:txBody>
+          <a:bodyPr/>
+          <a:lstStyle/>
+          <a:p>
+            <a:r>
+              <a:rPr lang="de-DE" dirty="0">
+                <a:solidFill>
+                  <a:srgbClr val="000000"/>
+                </a:solidFill>
+              </a:rPr>
+              <a:t>Wichtigste Matrizen Rechnung bei Computern</a:t>
+            </a:r>
+          </a:p>
+        </p:txBody>
+      </p:sp>
+      <p:sp>
+        <p:nvSpPr>
+          <p:cNvPr id="3" name="Titel 2">
+            <a:extLst>
+              <a:ext uri="{FF2B5EF4-FFF2-40B4-BE49-F238E27FC236}">
+                <a16:creationId xmlns:a16="http://schemas.microsoft.com/office/drawing/2014/main" id="{3CD372B1-EEE3-323D-7B61-6219473620EC}"/>
+              </a:ext>
+            </a:extLst>
+          </p:cNvPr>
+          <p:cNvSpPr>
+            <a:spLocks noGrp="1"/>
+          </p:cNvSpPr>
+          <p:nvPr>
+            <p:ph type="ctrTitle"/>
+          </p:nvPr>
+        </p:nvSpPr>
+        <p:spPr>
+          <a:xfrm>
+            <a:off x="501651" y="1365251"/>
+            <a:ext cx="8955605" cy="477948"/>
+          </a:xfrm>
+        </p:spPr>
+        <p:txBody>
+          <a:bodyPr/>
+          <a:lstStyle/>
+          <a:p>
+            <a:r>
+              <a:rPr lang="de-DE" dirty="0">
+                <a:solidFill>
+                  <a:srgbClr val="000000"/>
+                </a:solidFill>
+              </a:rPr>
+              <a:t>5.2 Matrizen Multiplikation</a:t>
+            </a:r>
+          </a:p>
+        </p:txBody>
+      </p:sp>
+      <p:sp>
+        <p:nvSpPr>
+          <p:cNvPr id="8" name="Foliennummernplatzhalter 7">
+            <a:extLst>
+              <a:ext uri="{FF2B5EF4-FFF2-40B4-BE49-F238E27FC236}">
+                <a16:creationId xmlns:a16="http://schemas.microsoft.com/office/drawing/2014/main" id="{F42799E0-A949-6388-58B8-852D7719D643}"/>
+              </a:ext>
+            </a:extLst>
+          </p:cNvPr>
+          <p:cNvSpPr>
+            <a:spLocks noGrp="1"/>
+          </p:cNvSpPr>
+          <p:nvPr>
+            <p:ph type="sldNum" sz="quarter" idx="19"/>
+          </p:nvPr>
+        </p:nvSpPr>
+        <p:spPr>
+          <a:xfrm>
+            <a:off x="503195" y="6480000"/>
+            <a:ext cx="960000" cy="192000"/>
+          </a:xfrm>
+        </p:spPr>
+        <p:txBody>
+          <a:bodyPr/>
+          <a:lstStyle/>
+          <a:p>
+            <a:fld id="{087158B1-A480-4390-8402-7A80A3BAEC4B}" type="slidenum">
+              <a:rPr lang="de-DE" smtClean="0">
+                <a:solidFill>
+                  <a:srgbClr val="000000"/>
+                </a:solidFill>
+              </a:rPr>
+              <a:pPr/>
+              <a:t>30</a:t>
+            </a:fld>
+            <a:r>
+              <a:rPr lang="de-DE" dirty="0"/>
+              <a:t> / 57</a:t>
+            </a:r>
+            <a:endParaRPr lang="de-DE" dirty="0">
+              <a:solidFill>
+                <a:srgbClr val="000000"/>
+              </a:solidFill>
+            </a:endParaRPr>
+          </a:p>
+        </p:txBody>
+      </p:sp>
+      <p:pic>
+        <p:nvPicPr>
+          <p:cNvPr id="9" name="Grafik 8">
+            <a:extLst>
+              <a:ext uri="{FF2B5EF4-FFF2-40B4-BE49-F238E27FC236}">
+                <a16:creationId xmlns:a16="http://schemas.microsoft.com/office/drawing/2014/main" id="{E0339F51-77E9-DA63-3E49-83BFD4BFC7EE}"/>
+              </a:ext>
+            </a:extLst>
+          </p:cNvPr>
+          <p:cNvPicPr>
+            <a:picLocks noChangeAspect="1"/>
+          </p:cNvPicPr>
+          <p:nvPr/>
+        </p:nvPicPr>
+        <p:blipFill>
+          <a:blip r:embed="rId2">
+            <a:extLst>
+              <a:ext uri="{28A0092B-C50C-407E-A947-70E740481C1C}">
+                <a14:useLocalDpi xmlns:a14="http://schemas.microsoft.com/office/drawing/2010/main" val="0"/>
+              </a:ext>
+            </a:extLst>
+          </a:blip>
+          <a:stretch>
+            <a:fillRect/>
+          </a:stretch>
+        </p:blipFill>
+        <p:spPr>
+          <a:xfrm>
+            <a:off x="501651" y="2596325"/>
+            <a:ext cx="8229600" cy="1398590"/>
+          </a:xfrm>
+          <a:prstGeom prst="rect">
+            <a:avLst/>
+          </a:prstGeom>
+        </p:spPr>
+      </p:pic>
+      <p:pic>
+        <p:nvPicPr>
+          <p:cNvPr id="12" name="Grafik 11">
+            <a:extLst>
+              <a:ext uri="{FF2B5EF4-FFF2-40B4-BE49-F238E27FC236}">
+                <a16:creationId xmlns:a16="http://schemas.microsoft.com/office/drawing/2014/main" id="{0B7DF730-9AC9-4F5F-88E8-BA928FABFE31}"/>
+              </a:ext>
+            </a:extLst>
+          </p:cNvPr>
+          <p:cNvPicPr>
+            <a:picLocks noChangeAspect="1"/>
+          </p:cNvPicPr>
+          <p:nvPr/>
+        </p:nvPicPr>
+        <p:blipFill>
+          <a:blip r:embed="rId3">
+            <a:extLst>
+              <a:ext uri="{28A0092B-C50C-407E-A947-70E740481C1C}">
+                <a14:useLocalDpi xmlns:a14="http://schemas.microsoft.com/office/drawing/2010/main" val="0"/>
+              </a:ext>
+            </a:extLst>
+          </a:blip>
+          <a:stretch>
+            <a:fillRect/>
+          </a:stretch>
+        </p:blipFill>
+        <p:spPr>
+          <a:xfrm>
+            <a:off x="360953" y="4116981"/>
+            <a:ext cx="10943541" cy="1482468"/>
+          </a:xfrm>
+          <a:prstGeom prst="rect">
+            <a:avLst/>
+          </a:prstGeom>
+        </p:spPr>
+      </p:pic>
+    </p:spTree>
+    <p:extLst>
+      <p:ext uri="{BB962C8B-B14F-4D97-AF65-F5344CB8AC3E}">
+        <p14:creationId xmlns:p14="http://schemas.microsoft.com/office/powerpoint/2010/main" val="1094150608"/>
+      </p:ext>
+    </p:extLst>
+  </p:cSld>
+  <p:clrMapOvr>
+    <a:masterClrMapping/>
+  </p:clrMapOvr>
+</p:sld>
+</file>
+
+<file path=ppt/slides/slide31.xml><?xml version="1.0" encoding="utf-8"?>
 <p:sld xmlns:a="http://schemas.openxmlformats.org/drawingml/2006/main" xmlns:r="http://schemas.openxmlformats.org/officeDocument/2006/relationships" xmlns:p="http://schemas.openxmlformats.org/presentationml/2006/main">
   <p:cSld>
     <p:spTree>
@@ -34298,7 +34456,7 @@
                 </a:solidFill>
               </a:rPr>
               <a:pPr/>
-              <a:t>30</a:t>
+              <a:t>31</a:t>
             </a:fld>
             <a:r>
               <a:rPr lang="de-DE" dirty="0"/>
@@ -34361,7 +34519,7 @@
 </p:sld>
 </file>
 
-<file path=ppt/slides/slide31.xml><?xml version="1.0" encoding="utf-8"?>
+<file path=ppt/slides/slide32.xml><?xml version="1.0" encoding="utf-8"?>
 <p:sld xmlns:a="http://schemas.openxmlformats.org/drawingml/2006/main" xmlns:r="http://schemas.openxmlformats.org/officeDocument/2006/relationships" xmlns:p="http://schemas.openxmlformats.org/presentationml/2006/main">
   <p:cSld>
     <p:spTree>
@@ -34505,7 +34663,7 @@
                 </a:solidFill>
               </a:rPr>
               <a:pPr/>
-              <a:t>31</a:t>
+              <a:t>32</a:t>
             </a:fld>
             <a:r>
               <a:rPr lang="de-DE" dirty="0"/>
@@ -34663,7 +34821,7 @@
 </p:sld>
 </file>
 
-<file path=ppt/slides/slide32.xml><?xml version="1.0" encoding="utf-8"?>
+<file path=ppt/slides/slide33.xml><?xml version="1.0" encoding="utf-8"?>
 <p:sld xmlns:a="http://schemas.openxmlformats.org/drawingml/2006/main" xmlns:r="http://schemas.openxmlformats.org/officeDocument/2006/relationships" xmlns:p="http://schemas.openxmlformats.org/presentationml/2006/main">
   <p:cSld>
     <p:spTree>
@@ -34719,7 +34877,7 @@
                 </a:solidFill>
               </a:rPr>
               <a:pPr/>
-              <a:t>32</a:t>
+              <a:t>33</a:t>
             </a:fld>
             <a:r>
               <a:rPr lang="de-DE" dirty="0"/>
@@ -34855,7 +35013,7 @@
 </p:sld>
 </file>
 
-<file path=ppt/slides/slide33.xml><?xml version="1.0" encoding="utf-8"?>
+<file path=ppt/slides/slide34.xml><?xml version="1.0" encoding="utf-8"?>
 <p:sld xmlns:a="http://schemas.openxmlformats.org/drawingml/2006/main" xmlns:r="http://schemas.openxmlformats.org/officeDocument/2006/relationships" xmlns:p="http://schemas.openxmlformats.org/presentationml/2006/main">
   <p:cSld>
     <p:spTree>
@@ -34911,7 +35069,7 @@
                 </a:solidFill>
               </a:rPr>
               <a:pPr/>
-              <a:t>33</a:t>
+              <a:t>34</a:t>
             </a:fld>
             <a:r>
               <a:rPr lang="de-DE" dirty="0"/>
@@ -35047,7 +35205,7 @@
 </p:sld>
 </file>
 
-<file path=ppt/slides/slide34.xml><?xml version="1.0" encoding="utf-8"?>
+<file path=ppt/slides/slide35.xml><?xml version="1.0" encoding="utf-8"?>
 <p:sld xmlns:a="http://schemas.openxmlformats.org/drawingml/2006/main" xmlns:r="http://schemas.openxmlformats.org/officeDocument/2006/relationships" xmlns:p="http://schemas.openxmlformats.org/presentationml/2006/main">
   <p:cSld>
     <p:spTree>
@@ -35103,7 +35261,7 @@
                 </a:solidFill>
               </a:rPr>
               <a:pPr/>
-              <a:t>34</a:t>
+              <a:t>35</a:t>
             </a:fld>
             <a:r>
               <a:rPr lang="de-DE" dirty="0"/>
@@ -35301,7 +35459,7 @@
 </p:sld>
 </file>
 
-<file path=ppt/slides/slide35.xml><?xml version="1.0" encoding="utf-8"?>
+<file path=ppt/slides/slide36.xml><?xml version="1.0" encoding="utf-8"?>
 <p:sld xmlns:a="http://schemas.openxmlformats.org/drawingml/2006/main" xmlns:r="http://schemas.openxmlformats.org/officeDocument/2006/relationships" xmlns:p="http://schemas.openxmlformats.org/presentationml/2006/main">
   <p:cSld>
     <p:spTree>
@@ -35357,7 +35515,7 @@
                 </a:solidFill>
               </a:rPr>
               <a:pPr/>
-              <a:t>35</a:t>
+              <a:t>36</a:t>
             </a:fld>
             <a:r>
               <a:rPr lang="de-DE" dirty="0"/>
@@ -35493,7 +35651,7 @@
 </p:sld>
 </file>
 
-<file path=ppt/slides/slide36.xml><?xml version="1.0" encoding="utf-8"?>
+<file path=ppt/slides/slide37.xml><?xml version="1.0" encoding="utf-8"?>
 <p:sld xmlns:a="http://schemas.openxmlformats.org/drawingml/2006/main" xmlns:r="http://schemas.openxmlformats.org/officeDocument/2006/relationships" xmlns:p="http://schemas.openxmlformats.org/presentationml/2006/main">
   <p:cSld>
     <p:spTree>
@@ -35703,7 +35861,7 @@
                 </a:solidFill>
               </a:rPr>
               <a:pPr/>
-              <a:t>36</a:t>
+              <a:t>37</a:t>
             </a:fld>
             <a:r>
               <a:rPr lang="de-DE" dirty="0"/>
@@ -35730,7 +35888,7 @@
 </p:sld>
 </file>
 
-<file path=ppt/slides/slide37.xml><?xml version="1.0" encoding="utf-8"?>
+<file path=ppt/slides/slide38.xml><?xml version="1.0" encoding="utf-8"?>
 <p:sld xmlns:a="http://schemas.openxmlformats.org/drawingml/2006/main" xmlns:r="http://schemas.openxmlformats.org/officeDocument/2006/relationships" xmlns:p="http://schemas.openxmlformats.org/presentationml/2006/main">
   <p:cSld>
     <p:spTree>
@@ -35916,7 +36074,7 @@
                 </a:solidFill>
               </a:rPr>
               <a:pPr/>
-              <a:t>37</a:t>
+              <a:t>38</a:t>
             </a:fld>
             <a:r>
               <a:rPr lang="de-DE" dirty="0"/>
@@ -35943,7 +36101,7 @@
 </p:sld>
 </file>
 
-<file path=ppt/slides/slide38.xml><?xml version="1.0" encoding="utf-8"?>
+<file path=ppt/slides/slide39.xml><?xml version="1.0" encoding="utf-8"?>
 <p:sld xmlns:a="http://schemas.openxmlformats.org/drawingml/2006/main" xmlns:r="http://schemas.openxmlformats.org/officeDocument/2006/relationships" xmlns:p="http://schemas.openxmlformats.org/presentationml/2006/main">
   <p:cSld>
     <p:spTree>
@@ -36094,7 +36252,7 @@
                   <a:srgbClr val="000000"/>
                 </a:solidFill>
               </a:rPr>
-              <a:t>05.01.2026</a:t>
+              <a:t>06.01.2026</a:t>
             </a:fld>
             <a:endParaRPr lang="de-DE" sz="1000">
               <a:solidFill>
@@ -36162,7 +36320,7 @@
             <a:fld id="{087158B1-A480-4390-8402-7A80A3BAEC4B}" type="slidenum">
               <a:rPr lang="de-DE" smtClean="0"/>
               <a:pPr/>
-              <a:t>38</a:t>
+              <a:t>39</a:t>
             </a:fld>
             <a:r>
               <a:rPr lang="de-DE" dirty="0"/>
@@ -36175,789 +36333,6 @@
     <p:extLst>
       <p:ext uri="{BB962C8B-B14F-4D97-AF65-F5344CB8AC3E}">
         <p14:creationId xmlns:p14="http://schemas.microsoft.com/office/powerpoint/2010/main" val="3006082538"/>
-      </p:ext>
-    </p:extLst>
-  </p:cSld>
-  <p:clrMapOvr>
-    <a:masterClrMapping/>
-  </p:clrMapOvr>
-</p:sld>
-</file>
-
-<file path=ppt/slides/slide39.xml><?xml version="1.0" encoding="utf-8"?>
-<p:sld xmlns:a="http://schemas.openxmlformats.org/drawingml/2006/main" xmlns:r="http://schemas.openxmlformats.org/officeDocument/2006/relationships" xmlns:p="http://schemas.openxmlformats.org/presentationml/2006/main">
-  <p:cSld>
-    <p:spTree>
-      <p:nvGrpSpPr>
-        <p:cNvPr id="1" name="">
-          <a:extLst>
-            <a:ext uri="{FF2B5EF4-FFF2-40B4-BE49-F238E27FC236}">
-              <a16:creationId xmlns:a16="http://schemas.microsoft.com/office/drawing/2014/main" id="{1750A472-8044-D1B0-E296-45F3AA13FE65}"/>
-            </a:ext>
-          </a:extLst>
-        </p:cNvPr>
-        <p:cNvGrpSpPr/>
-        <p:nvPr/>
-      </p:nvGrpSpPr>
-      <p:grpSpPr>
-        <a:xfrm>
-          <a:off x="0" y="0"/>
-          <a:ext cx="0" cy="0"/>
-          <a:chOff x="0" y="0"/>
-          <a:chExt cx="0" cy="0"/>
-        </a:xfrm>
-      </p:grpSpPr>
-      <p:sp>
-        <p:nvSpPr>
-          <p:cNvPr id="3" name="Titel 2">
-            <a:extLst>
-              <a:ext uri="{FF2B5EF4-FFF2-40B4-BE49-F238E27FC236}">
-                <a16:creationId xmlns:a16="http://schemas.microsoft.com/office/drawing/2014/main" id="{581EA932-D185-6849-91AC-23D0F767F03B}"/>
-              </a:ext>
-            </a:extLst>
-          </p:cNvPr>
-          <p:cNvSpPr>
-            <a:spLocks noGrp="1"/>
-          </p:cNvSpPr>
-          <p:nvPr>
-            <p:ph type="ctrTitle"/>
-          </p:nvPr>
-        </p:nvSpPr>
-        <p:spPr>
-          <a:xfrm>
-            <a:off x="501651" y="522565"/>
-            <a:ext cx="8955605" cy="477948"/>
-          </a:xfrm>
-        </p:spPr>
-        <p:txBody>
-          <a:bodyPr/>
-          <a:lstStyle/>
-          <a:p>
-            <a:r>
-              <a:rPr lang="de-DE" dirty="0">
-                <a:solidFill>
-                  <a:srgbClr val="000000"/>
-                </a:solidFill>
-              </a:rPr>
-              <a:t>6.1 </a:t>
-            </a:r>
-            <a:r>
-              <a:rPr lang="de-DE" dirty="0" err="1">
-                <a:solidFill>
-                  <a:srgbClr val="000000"/>
-                </a:solidFill>
-              </a:rPr>
-              <a:t>Caeser</a:t>
-            </a:r>
-            <a:r>
-              <a:rPr lang="de-DE" dirty="0">
-                <a:solidFill>
-                  <a:srgbClr val="000000"/>
-                </a:solidFill>
-              </a:rPr>
-              <a:t> Verschlüsselung</a:t>
-            </a:r>
-          </a:p>
-        </p:txBody>
-      </p:sp>
-      <p:sp>
-        <p:nvSpPr>
-          <p:cNvPr id="10" name="Textplatzhalter 9">
-            <a:extLst>
-              <a:ext uri="{FF2B5EF4-FFF2-40B4-BE49-F238E27FC236}">
-                <a16:creationId xmlns:a16="http://schemas.microsoft.com/office/drawing/2014/main" id="{8159619F-9080-63BC-0E8F-1F5124E07F2E}"/>
-              </a:ext>
-            </a:extLst>
-          </p:cNvPr>
-          <p:cNvSpPr>
-            <a:spLocks noGrp="1"/>
-          </p:cNvSpPr>
-          <p:nvPr>
-            <p:ph type="body" sz="quarter" idx="17"/>
-          </p:nvPr>
-        </p:nvSpPr>
-        <p:spPr>
-          <a:xfrm>
-            <a:off x="501651" y="1282747"/>
-            <a:ext cx="8955605" cy="795144"/>
-          </a:xfrm>
-        </p:spPr>
-        <p:txBody>
-          <a:bodyPr/>
-          <a:lstStyle/>
-          <a:p>
-            <a:pPr lvl="2"/>
-            <a:r>
-              <a:rPr lang="de-DE" dirty="0">
-                <a:solidFill>
-                  <a:srgbClr val="000000"/>
-                </a:solidFill>
-              </a:rPr>
-              <a:t>Einfaches symmetrisches Verschlüsselungsverfahren</a:t>
-            </a:r>
-          </a:p>
-          <a:p>
-            <a:pPr lvl="3"/>
-            <a:r>
-              <a:rPr lang="de-DE" dirty="0"/>
-              <a:t>Symmetrisch: beide Teilnehmer verwenden den gleichen Schlüssel</a:t>
-            </a:r>
-            <a:endParaRPr lang="de-DE" dirty="0">
-              <a:solidFill>
-                <a:srgbClr val="000000"/>
-              </a:solidFill>
-            </a:endParaRPr>
-          </a:p>
-        </p:txBody>
-      </p:sp>
-      <p:sp>
-        <p:nvSpPr>
-          <p:cNvPr id="8" name="Foliennummernplatzhalter 7">
-            <a:extLst>
-              <a:ext uri="{FF2B5EF4-FFF2-40B4-BE49-F238E27FC236}">
-                <a16:creationId xmlns:a16="http://schemas.microsoft.com/office/drawing/2014/main" id="{222432DE-1D05-6349-1E6F-9331309FC077}"/>
-              </a:ext>
-            </a:extLst>
-          </p:cNvPr>
-          <p:cNvSpPr>
-            <a:spLocks noGrp="1"/>
-          </p:cNvSpPr>
-          <p:nvPr>
-            <p:ph type="sldNum" sz="quarter" idx="19"/>
-          </p:nvPr>
-        </p:nvSpPr>
-        <p:spPr>
-          <a:xfrm>
-            <a:off x="503195" y="6480000"/>
-            <a:ext cx="960000" cy="192000"/>
-          </a:xfrm>
-        </p:spPr>
-        <p:txBody>
-          <a:bodyPr/>
-          <a:lstStyle/>
-          <a:p>
-            <a:fld id="{087158B1-A480-4390-8402-7A80A3BAEC4B}" type="slidenum">
-              <a:rPr lang="de-DE" smtClean="0">
-                <a:solidFill>
-                  <a:srgbClr val="000000"/>
-                </a:solidFill>
-              </a:rPr>
-              <a:pPr/>
-              <a:t>39</a:t>
-            </a:fld>
-            <a:r>
-              <a:rPr lang="de-DE" dirty="0"/>
-              <a:t> / 57</a:t>
-            </a:r>
-            <a:endParaRPr lang="de-DE" dirty="0">
-              <a:solidFill>
-                <a:srgbClr val="000000"/>
-              </a:solidFill>
-            </a:endParaRPr>
-          </a:p>
-        </p:txBody>
-      </p:sp>
-      <p:pic>
-        <p:nvPicPr>
-          <p:cNvPr id="12" name="Grafik 11">
-            <a:extLst>
-              <a:ext uri="{FF2B5EF4-FFF2-40B4-BE49-F238E27FC236}">
-                <a16:creationId xmlns:a16="http://schemas.microsoft.com/office/drawing/2014/main" id="{6FDE5575-DDBC-B765-5030-60647179ECAA}"/>
-              </a:ext>
-            </a:extLst>
-          </p:cNvPr>
-          <p:cNvPicPr>
-            <a:picLocks noChangeAspect="1"/>
-          </p:cNvPicPr>
-          <p:nvPr/>
-        </p:nvPicPr>
-        <p:blipFill>
-          <a:blip r:embed="rId2">
-            <a:extLst>
-              <a:ext uri="{28A0092B-C50C-407E-A947-70E740481C1C}">
-                <a14:useLocalDpi xmlns:a14="http://schemas.microsoft.com/office/drawing/2010/main" val="0"/>
-              </a:ext>
-            </a:extLst>
-          </a:blip>
-          <a:stretch>
-            <a:fillRect/>
-          </a:stretch>
-        </p:blipFill>
-        <p:spPr>
-          <a:xfrm>
-            <a:off x="815788" y="2360125"/>
-            <a:ext cx="4303059" cy="1811991"/>
-          </a:xfrm>
-          <a:prstGeom prst="rect">
-            <a:avLst/>
-          </a:prstGeom>
-        </p:spPr>
-      </p:pic>
-      <p:pic>
-        <p:nvPicPr>
-          <p:cNvPr id="14" name="Grafik 13">
-            <a:extLst>
-              <a:ext uri="{FF2B5EF4-FFF2-40B4-BE49-F238E27FC236}">
-                <a16:creationId xmlns:a16="http://schemas.microsoft.com/office/drawing/2014/main" id="{D8244200-18B7-A214-6A8E-D4771C4DC7E7}"/>
-              </a:ext>
-            </a:extLst>
-          </p:cNvPr>
-          <p:cNvPicPr>
-            <a:picLocks noChangeAspect="1"/>
-          </p:cNvPicPr>
-          <p:nvPr/>
-        </p:nvPicPr>
-        <p:blipFill>
-          <a:blip r:embed="rId3">
-            <a:extLst>
-              <a:ext uri="{28A0092B-C50C-407E-A947-70E740481C1C}">
-                <a14:useLocalDpi xmlns:a14="http://schemas.microsoft.com/office/drawing/2010/main" val="0"/>
-              </a:ext>
-            </a:extLst>
-          </a:blip>
-          <a:stretch>
-            <a:fillRect/>
-          </a:stretch>
-        </p:blipFill>
-        <p:spPr>
-          <a:xfrm>
-            <a:off x="5620498" y="2421183"/>
-            <a:ext cx="4158060" cy="1750933"/>
-          </a:xfrm>
-          <a:prstGeom prst="rect">
-            <a:avLst/>
-          </a:prstGeom>
-        </p:spPr>
-      </p:pic>
-      <p:sp>
-        <p:nvSpPr>
-          <p:cNvPr id="15" name="Textplatzhalter 1">
-            <a:extLst>
-              <a:ext uri="{FF2B5EF4-FFF2-40B4-BE49-F238E27FC236}">
-                <a16:creationId xmlns:a16="http://schemas.microsoft.com/office/drawing/2014/main" id="{1CE18D84-CE05-F57B-F904-BFD048B915C7}"/>
-              </a:ext>
-            </a:extLst>
-          </p:cNvPr>
-          <p:cNvSpPr>
-            <a:spLocks noGrp="1"/>
-          </p:cNvSpPr>
-          <p:nvPr>
-            <p:ph type="body" sz="quarter" idx="14"/>
-          </p:nvPr>
-        </p:nvSpPr>
-        <p:spPr>
-          <a:xfrm>
-            <a:off x="815788" y="4454350"/>
-            <a:ext cx="4303059" cy="576000"/>
-          </a:xfrm>
-        </p:spPr>
-        <p:txBody>
-          <a:bodyPr/>
-          <a:lstStyle/>
-          <a:p>
-            <a:r>
-              <a:rPr lang="de-DE" dirty="0">
-                <a:solidFill>
-                  <a:srgbClr val="000000"/>
-                </a:solidFill>
-              </a:rPr>
-              <a:t>Verschlüsselung mit dem Schlüssel C, also eine Verschiebung um 3 Zeichen</a:t>
-            </a:r>
-          </a:p>
-        </p:txBody>
-      </p:sp>
-      <p:sp>
-        <p:nvSpPr>
-          <p:cNvPr id="16" name="Textplatzhalter 1">
-            <a:extLst>
-              <a:ext uri="{FF2B5EF4-FFF2-40B4-BE49-F238E27FC236}">
-                <a16:creationId xmlns:a16="http://schemas.microsoft.com/office/drawing/2014/main" id="{0DE86A16-D32E-FB49-01A5-CC8F24412AC7}"/>
-              </a:ext>
-            </a:extLst>
-          </p:cNvPr>
-          <p:cNvSpPr txBox="1">
-            <a:spLocks/>
-          </p:cNvSpPr>
-          <p:nvPr/>
-        </p:nvSpPr>
-        <p:spPr>
-          <a:xfrm>
-            <a:off x="5620499" y="4454350"/>
-            <a:ext cx="3926914" cy="324730"/>
-          </a:xfrm>
-          <a:prstGeom prst="rect">
-            <a:avLst/>
-          </a:prstGeom>
-        </p:spPr>
-        <p:txBody>
-          <a:bodyPr vert="horz" lIns="0" tIns="0" rIns="0" bIns="0" rtlCol="0" anchor="t" anchorCtr="0">
-            <a:noAutofit/>
-          </a:bodyPr>
-          <a:lstStyle>
-            <a:lvl1pPr marL="0" indent="0" algn="l" defTabSz="914377" rtl="0" eaLnBrk="1" latinLnBrk="0" hangingPunct="1">
-              <a:lnSpc>
-                <a:spcPct val="100000"/>
-              </a:lnSpc>
-              <a:spcBef>
-                <a:spcPts val="0"/>
-              </a:spcBef>
-              <a:spcAft>
-                <a:spcPts val="0"/>
-              </a:spcAft>
-              <a:buFont typeface="Arial" panose="020B0604020202020204" pitchFamily="34" charset="0"/>
-              <a:buNone/>
-              <a:defRPr sz="1600" b="0" kern="1200">
-                <a:solidFill>
-                  <a:srgbClr val="000000"/>
-                </a:solidFill>
-                <a:latin typeface="+mn-lt"/>
-                <a:ea typeface="+mn-ea"/>
-                <a:cs typeface="+mn-cs"/>
-              </a:defRPr>
-            </a:lvl1pPr>
-            <a:lvl2pPr marL="0" indent="0" algn="l" defTabSz="914377" rtl="0" eaLnBrk="1" latinLnBrk="0" hangingPunct="1">
-              <a:lnSpc>
-                <a:spcPct val="100000"/>
-              </a:lnSpc>
-              <a:spcBef>
-                <a:spcPts val="0"/>
-              </a:spcBef>
-              <a:spcAft>
-                <a:spcPts val="0"/>
-              </a:spcAft>
-              <a:buFont typeface="Arial" panose="020B0604020202020204" pitchFamily="34" charset="0"/>
-              <a:buNone/>
-              <a:defRPr sz="1600" b="0" kern="1200">
-                <a:solidFill>
-                  <a:srgbClr val="000000"/>
-                </a:solidFill>
-                <a:latin typeface="+mn-lt"/>
-                <a:ea typeface="+mn-ea"/>
-                <a:cs typeface="+mn-cs"/>
-              </a:defRPr>
-            </a:lvl2pPr>
-            <a:lvl3pPr marL="0" indent="0" algn="l" defTabSz="914377" rtl="0" eaLnBrk="1" latinLnBrk="0" hangingPunct="1">
-              <a:lnSpc>
-                <a:spcPct val="100000"/>
-              </a:lnSpc>
-              <a:spcBef>
-                <a:spcPts val="0"/>
-              </a:spcBef>
-              <a:spcAft>
-                <a:spcPts val="0"/>
-              </a:spcAft>
-              <a:buClr>
-                <a:schemeClr val="accent1"/>
-              </a:buClr>
-              <a:buFont typeface="Verdana" panose="020B0604030504040204" pitchFamily="34" charset="0"/>
-              <a:buNone/>
-              <a:defRPr sz="1600" b="0" kern="1200">
-                <a:solidFill>
-                  <a:srgbClr val="000000"/>
-                </a:solidFill>
-                <a:latin typeface="+mn-lt"/>
-                <a:ea typeface="+mn-ea"/>
-                <a:cs typeface="+mn-cs"/>
-              </a:defRPr>
-            </a:lvl3pPr>
-            <a:lvl4pPr marL="0" indent="0" algn="l" defTabSz="914377" rtl="0" eaLnBrk="1" latinLnBrk="0" hangingPunct="1">
-              <a:lnSpc>
-                <a:spcPct val="100000"/>
-              </a:lnSpc>
-              <a:spcBef>
-                <a:spcPts val="0"/>
-              </a:spcBef>
-              <a:spcAft>
-                <a:spcPts val="0"/>
-              </a:spcAft>
-              <a:buClr>
-                <a:schemeClr val="accent1"/>
-              </a:buClr>
-              <a:buFont typeface="Verdana" panose="020B0604030504040204" pitchFamily="34" charset="0"/>
-              <a:buNone/>
-              <a:defRPr sz="1600" b="0" kern="1200">
-                <a:solidFill>
-                  <a:srgbClr val="000000"/>
-                </a:solidFill>
-                <a:latin typeface="+mn-lt"/>
-                <a:ea typeface="+mn-ea"/>
-                <a:cs typeface="+mn-cs"/>
-              </a:defRPr>
-            </a:lvl4pPr>
-            <a:lvl5pPr marL="0" indent="0" algn="l" defTabSz="914377" rtl="0" eaLnBrk="1" latinLnBrk="0" hangingPunct="1">
-              <a:lnSpc>
-                <a:spcPct val="100000"/>
-              </a:lnSpc>
-              <a:spcBef>
-                <a:spcPts val="0"/>
-              </a:spcBef>
-              <a:spcAft>
-                <a:spcPts val="0"/>
-              </a:spcAft>
-              <a:buClr>
-                <a:schemeClr val="accent1"/>
-              </a:buClr>
-              <a:buFont typeface="Verdana" panose="020B0604030504040204" pitchFamily="34" charset="0"/>
-              <a:buNone/>
-              <a:defRPr sz="1600" b="0" kern="1200">
-                <a:solidFill>
-                  <a:srgbClr val="000000"/>
-                </a:solidFill>
-                <a:latin typeface="+mn-lt"/>
-                <a:ea typeface="+mn-ea"/>
-                <a:cs typeface="+mn-cs"/>
-              </a:defRPr>
-            </a:lvl5pPr>
-            <a:lvl6pPr marL="0" indent="0" algn="l" defTabSz="914377" rtl="0" eaLnBrk="1" latinLnBrk="0" hangingPunct="1">
-              <a:lnSpc>
-                <a:spcPct val="100000"/>
-              </a:lnSpc>
-              <a:spcBef>
-                <a:spcPts val="0"/>
-              </a:spcBef>
-              <a:spcAft>
-                <a:spcPts val="0"/>
-              </a:spcAft>
-              <a:buClr>
-                <a:schemeClr val="accent1"/>
-              </a:buClr>
-              <a:buFont typeface="Arial" panose="020B0604020202020204" pitchFamily="34" charset="0"/>
-              <a:buNone/>
-              <a:tabLst>
-                <a:tab pos="2159946" algn="l"/>
-              </a:tabLst>
-              <a:defRPr sz="1600" b="0" kern="1200">
-                <a:solidFill>
-                  <a:srgbClr val="000000"/>
-                </a:solidFill>
-                <a:latin typeface="+mn-lt"/>
-                <a:ea typeface="+mn-ea"/>
-                <a:cs typeface="+mn-cs"/>
-              </a:defRPr>
-            </a:lvl6pPr>
-            <a:lvl7pPr marL="0" indent="0" algn="l" defTabSz="914377" rtl="0" eaLnBrk="1" latinLnBrk="0" hangingPunct="1">
-              <a:lnSpc>
-                <a:spcPct val="100000"/>
-              </a:lnSpc>
-              <a:spcBef>
-                <a:spcPts val="0"/>
-              </a:spcBef>
-              <a:spcAft>
-                <a:spcPts val="0"/>
-              </a:spcAft>
-              <a:buFont typeface="Arial" panose="020B0604020202020204" pitchFamily="34" charset="0"/>
-              <a:buNone/>
-              <a:defRPr sz="1600" b="0" kern="1200">
-                <a:solidFill>
-                  <a:schemeClr val="tx1"/>
-                </a:solidFill>
-                <a:latin typeface="+mn-lt"/>
-                <a:ea typeface="+mn-ea"/>
-                <a:cs typeface="+mn-cs"/>
-              </a:defRPr>
-            </a:lvl7pPr>
-            <a:lvl8pPr marL="0" indent="0" algn="l" defTabSz="914377" rtl="0" eaLnBrk="1" latinLnBrk="0" hangingPunct="1">
-              <a:lnSpc>
-                <a:spcPct val="100000"/>
-              </a:lnSpc>
-              <a:spcBef>
-                <a:spcPts val="0"/>
-              </a:spcBef>
-              <a:spcAft>
-                <a:spcPts val="0"/>
-              </a:spcAft>
-              <a:buFont typeface="Arial" panose="020B0604020202020204" pitchFamily="34" charset="0"/>
-              <a:buNone/>
-              <a:defRPr sz="1600" b="0" kern="1200">
-                <a:solidFill>
-                  <a:schemeClr val="tx1"/>
-                </a:solidFill>
-                <a:latin typeface="+mn-lt"/>
-                <a:ea typeface="+mn-ea"/>
-                <a:cs typeface="+mn-cs"/>
-              </a:defRPr>
-            </a:lvl8pPr>
-            <a:lvl9pPr marL="0" indent="0" algn="l" defTabSz="914377" rtl="0" eaLnBrk="1" latinLnBrk="0" hangingPunct="1">
-              <a:lnSpc>
-                <a:spcPct val="100000"/>
-              </a:lnSpc>
-              <a:spcBef>
-                <a:spcPts val="0"/>
-              </a:spcBef>
-              <a:spcAft>
-                <a:spcPts val="0"/>
-              </a:spcAft>
-              <a:buFont typeface="Arial" panose="020B0604020202020204" pitchFamily="34" charset="0"/>
-              <a:buNone/>
-              <a:defRPr sz="1600" b="0" kern="1200">
-                <a:solidFill>
-                  <a:schemeClr val="tx1"/>
-                </a:solidFill>
-                <a:latin typeface="+mn-lt"/>
-                <a:ea typeface="+mn-ea"/>
-                <a:cs typeface="+mn-cs"/>
-              </a:defRPr>
-            </a:lvl9pPr>
-          </a:lstStyle>
-          <a:p>
-            <a:r>
-              <a:rPr lang="de-DE" dirty="0"/>
-              <a:t>Entschlüsselung mit dem Schlüssel C</a:t>
-            </a:r>
-          </a:p>
-        </p:txBody>
-      </p:sp>
-      <p:sp>
-        <p:nvSpPr>
-          <p:cNvPr id="17" name="Textplatzhalter 1">
-            <a:extLst>
-              <a:ext uri="{FF2B5EF4-FFF2-40B4-BE49-F238E27FC236}">
-                <a16:creationId xmlns:a16="http://schemas.microsoft.com/office/drawing/2014/main" id="{5693C96E-5EC4-E5A4-2101-80FABB21C44B}"/>
-              </a:ext>
-            </a:extLst>
-          </p:cNvPr>
-          <p:cNvSpPr txBox="1">
-            <a:spLocks/>
-          </p:cNvSpPr>
-          <p:nvPr/>
-        </p:nvSpPr>
-        <p:spPr>
-          <a:xfrm>
-            <a:off x="501651" y="5341540"/>
-            <a:ext cx="9045762" cy="576000"/>
-          </a:xfrm>
-          <a:prstGeom prst="rect">
-            <a:avLst/>
-          </a:prstGeom>
-        </p:spPr>
-        <p:txBody>
-          <a:bodyPr vert="horz" lIns="0" tIns="0" rIns="0" bIns="0" rtlCol="0" anchor="t" anchorCtr="0">
-            <a:noAutofit/>
-          </a:bodyPr>
-          <a:lstStyle>
-            <a:lvl1pPr marL="0" indent="0" algn="l" defTabSz="914377" rtl="0" eaLnBrk="1" latinLnBrk="0" hangingPunct="1">
-              <a:lnSpc>
-                <a:spcPct val="100000"/>
-              </a:lnSpc>
-              <a:spcBef>
-                <a:spcPts val="0"/>
-              </a:spcBef>
-              <a:spcAft>
-                <a:spcPts val="0"/>
-              </a:spcAft>
-              <a:buFont typeface="Arial" panose="020B0604020202020204" pitchFamily="34" charset="0"/>
-              <a:buNone/>
-              <a:defRPr sz="1600" b="0" kern="1200">
-                <a:solidFill>
-                  <a:srgbClr val="000000"/>
-                </a:solidFill>
-                <a:latin typeface="+mn-lt"/>
-                <a:ea typeface="+mn-ea"/>
-                <a:cs typeface="+mn-cs"/>
-              </a:defRPr>
-            </a:lvl1pPr>
-            <a:lvl2pPr marL="0" indent="0" algn="l" defTabSz="914377" rtl="0" eaLnBrk="1" latinLnBrk="0" hangingPunct="1">
-              <a:lnSpc>
-                <a:spcPct val="100000"/>
-              </a:lnSpc>
-              <a:spcBef>
-                <a:spcPts val="0"/>
-              </a:spcBef>
-              <a:spcAft>
-                <a:spcPts val="0"/>
-              </a:spcAft>
-              <a:buFont typeface="Arial" panose="020B0604020202020204" pitchFamily="34" charset="0"/>
-              <a:buNone/>
-              <a:defRPr sz="1600" b="0" kern="1200">
-                <a:solidFill>
-                  <a:srgbClr val="000000"/>
-                </a:solidFill>
-                <a:latin typeface="+mn-lt"/>
-                <a:ea typeface="+mn-ea"/>
-                <a:cs typeface="+mn-cs"/>
-              </a:defRPr>
-            </a:lvl2pPr>
-            <a:lvl3pPr marL="0" indent="0" algn="l" defTabSz="914377" rtl="0" eaLnBrk="1" latinLnBrk="0" hangingPunct="1">
-              <a:lnSpc>
-                <a:spcPct val="100000"/>
-              </a:lnSpc>
-              <a:spcBef>
-                <a:spcPts val="0"/>
-              </a:spcBef>
-              <a:spcAft>
-                <a:spcPts val="0"/>
-              </a:spcAft>
-              <a:buClr>
-                <a:schemeClr val="accent1"/>
-              </a:buClr>
-              <a:buFont typeface="Verdana" panose="020B0604030504040204" pitchFamily="34" charset="0"/>
-              <a:buNone/>
-              <a:defRPr sz="1600" b="0" kern="1200">
-                <a:solidFill>
-                  <a:srgbClr val="000000"/>
-                </a:solidFill>
-                <a:latin typeface="+mn-lt"/>
-                <a:ea typeface="+mn-ea"/>
-                <a:cs typeface="+mn-cs"/>
-              </a:defRPr>
-            </a:lvl3pPr>
-            <a:lvl4pPr marL="0" indent="0" algn="l" defTabSz="914377" rtl="0" eaLnBrk="1" latinLnBrk="0" hangingPunct="1">
-              <a:lnSpc>
-                <a:spcPct val="100000"/>
-              </a:lnSpc>
-              <a:spcBef>
-                <a:spcPts val="0"/>
-              </a:spcBef>
-              <a:spcAft>
-                <a:spcPts val="0"/>
-              </a:spcAft>
-              <a:buClr>
-                <a:schemeClr val="accent1"/>
-              </a:buClr>
-              <a:buFont typeface="Verdana" panose="020B0604030504040204" pitchFamily="34" charset="0"/>
-              <a:buNone/>
-              <a:defRPr sz="1600" b="0" kern="1200">
-                <a:solidFill>
-                  <a:srgbClr val="000000"/>
-                </a:solidFill>
-                <a:latin typeface="+mn-lt"/>
-                <a:ea typeface="+mn-ea"/>
-                <a:cs typeface="+mn-cs"/>
-              </a:defRPr>
-            </a:lvl4pPr>
-            <a:lvl5pPr marL="0" indent="0" algn="l" defTabSz="914377" rtl="0" eaLnBrk="1" latinLnBrk="0" hangingPunct="1">
-              <a:lnSpc>
-                <a:spcPct val="100000"/>
-              </a:lnSpc>
-              <a:spcBef>
-                <a:spcPts val="0"/>
-              </a:spcBef>
-              <a:spcAft>
-                <a:spcPts val="0"/>
-              </a:spcAft>
-              <a:buClr>
-                <a:schemeClr val="accent1"/>
-              </a:buClr>
-              <a:buFont typeface="Verdana" panose="020B0604030504040204" pitchFamily="34" charset="0"/>
-              <a:buNone/>
-              <a:defRPr sz="1600" b="0" kern="1200">
-                <a:solidFill>
-                  <a:srgbClr val="000000"/>
-                </a:solidFill>
-                <a:latin typeface="+mn-lt"/>
-                <a:ea typeface="+mn-ea"/>
-                <a:cs typeface="+mn-cs"/>
-              </a:defRPr>
-            </a:lvl5pPr>
-            <a:lvl6pPr marL="0" indent="0" algn="l" defTabSz="914377" rtl="0" eaLnBrk="1" latinLnBrk="0" hangingPunct="1">
-              <a:lnSpc>
-                <a:spcPct val="100000"/>
-              </a:lnSpc>
-              <a:spcBef>
-                <a:spcPts val="0"/>
-              </a:spcBef>
-              <a:spcAft>
-                <a:spcPts val="0"/>
-              </a:spcAft>
-              <a:buClr>
-                <a:schemeClr val="accent1"/>
-              </a:buClr>
-              <a:buFont typeface="Arial" panose="020B0604020202020204" pitchFamily="34" charset="0"/>
-              <a:buNone/>
-              <a:tabLst>
-                <a:tab pos="2159946" algn="l"/>
-              </a:tabLst>
-              <a:defRPr sz="1600" b="0" kern="1200">
-                <a:solidFill>
-                  <a:srgbClr val="000000"/>
-                </a:solidFill>
-                <a:latin typeface="+mn-lt"/>
-                <a:ea typeface="+mn-ea"/>
-                <a:cs typeface="+mn-cs"/>
-              </a:defRPr>
-            </a:lvl6pPr>
-            <a:lvl7pPr marL="0" indent="0" algn="l" defTabSz="914377" rtl="0" eaLnBrk="1" latinLnBrk="0" hangingPunct="1">
-              <a:lnSpc>
-                <a:spcPct val="100000"/>
-              </a:lnSpc>
-              <a:spcBef>
-                <a:spcPts val="0"/>
-              </a:spcBef>
-              <a:spcAft>
-                <a:spcPts val="0"/>
-              </a:spcAft>
-              <a:buFont typeface="Arial" panose="020B0604020202020204" pitchFamily="34" charset="0"/>
-              <a:buNone/>
-              <a:defRPr sz="1600" b="0" kern="1200">
-                <a:solidFill>
-                  <a:schemeClr val="tx1"/>
-                </a:solidFill>
-                <a:latin typeface="+mn-lt"/>
-                <a:ea typeface="+mn-ea"/>
-                <a:cs typeface="+mn-cs"/>
-              </a:defRPr>
-            </a:lvl7pPr>
-            <a:lvl8pPr marL="0" indent="0" algn="l" defTabSz="914377" rtl="0" eaLnBrk="1" latinLnBrk="0" hangingPunct="1">
-              <a:lnSpc>
-                <a:spcPct val="100000"/>
-              </a:lnSpc>
-              <a:spcBef>
-                <a:spcPts val="0"/>
-              </a:spcBef>
-              <a:spcAft>
-                <a:spcPts val="0"/>
-              </a:spcAft>
-              <a:buFont typeface="Arial" panose="020B0604020202020204" pitchFamily="34" charset="0"/>
-              <a:buNone/>
-              <a:defRPr sz="1600" b="0" kern="1200">
-                <a:solidFill>
-                  <a:schemeClr val="tx1"/>
-                </a:solidFill>
-                <a:latin typeface="+mn-lt"/>
-                <a:ea typeface="+mn-ea"/>
-                <a:cs typeface="+mn-cs"/>
-              </a:defRPr>
-            </a:lvl8pPr>
-            <a:lvl9pPr marL="0" indent="0" algn="l" defTabSz="914377" rtl="0" eaLnBrk="1" latinLnBrk="0" hangingPunct="1">
-              <a:lnSpc>
-                <a:spcPct val="100000"/>
-              </a:lnSpc>
-              <a:spcBef>
-                <a:spcPts val="0"/>
-              </a:spcBef>
-              <a:spcAft>
-                <a:spcPts val="0"/>
-              </a:spcAft>
-              <a:buFont typeface="Arial" panose="020B0604020202020204" pitchFamily="34" charset="0"/>
-              <a:buNone/>
-              <a:defRPr sz="1600" b="0" kern="1200">
-                <a:solidFill>
-                  <a:schemeClr val="tx1"/>
-                </a:solidFill>
-                <a:latin typeface="+mn-lt"/>
-                <a:ea typeface="+mn-ea"/>
-                <a:cs typeface="+mn-cs"/>
-              </a:defRPr>
-            </a:lvl9pPr>
-          </a:lstStyle>
-          <a:p>
-            <a:r>
-              <a:rPr lang="de-DE" dirty="0"/>
-              <a:t>Klar:       A B C D E F G H I J K L M N O P Q R S T U V W X Y Z</a:t>
-            </a:r>
-          </a:p>
-          <a:p>
-            <a:r>
-              <a:rPr lang="de-DE" dirty="0"/>
-              <a:t>Geheim:  D E F G H I J K L M N O P Q R S T U V W X Y Z A B C</a:t>
-            </a:r>
-          </a:p>
-        </p:txBody>
-      </p:sp>
-    </p:spTree>
-    <p:extLst>
-      <p:ext uri="{BB962C8B-B14F-4D97-AF65-F5344CB8AC3E}">
-        <p14:creationId xmlns:p14="http://schemas.microsoft.com/office/powerpoint/2010/main" val="3619777134"/>
       </p:ext>
     </p:extLst>
   </p:cSld>
@@ -37273,7 +36648,7 @@
                   <a:srgbClr val="000000"/>
                 </a:solidFill>
               </a:rPr>
-              <a:t>05.01.2026</a:t>
+              <a:t>06.01.2026</a:t>
             </a:fld>
             <a:endParaRPr lang="de-DE" sz="1000">
               <a:solidFill>
@@ -37330,6 +36705,789 @@
 </file>
 
 <file path=ppt/slides/slide40.xml><?xml version="1.0" encoding="utf-8"?>
+<p:sld xmlns:a="http://schemas.openxmlformats.org/drawingml/2006/main" xmlns:r="http://schemas.openxmlformats.org/officeDocument/2006/relationships" xmlns:p="http://schemas.openxmlformats.org/presentationml/2006/main">
+  <p:cSld>
+    <p:spTree>
+      <p:nvGrpSpPr>
+        <p:cNvPr id="1" name="">
+          <a:extLst>
+            <a:ext uri="{FF2B5EF4-FFF2-40B4-BE49-F238E27FC236}">
+              <a16:creationId xmlns:a16="http://schemas.microsoft.com/office/drawing/2014/main" id="{1750A472-8044-D1B0-E296-45F3AA13FE65}"/>
+            </a:ext>
+          </a:extLst>
+        </p:cNvPr>
+        <p:cNvGrpSpPr/>
+        <p:nvPr/>
+      </p:nvGrpSpPr>
+      <p:grpSpPr>
+        <a:xfrm>
+          <a:off x="0" y="0"/>
+          <a:ext cx="0" cy="0"/>
+          <a:chOff x="0" y="0"/>
+          <a:chExt cx="0" cy="0"/>
+        </a:xfrm>
+      </p:grpSpPr>
+      <p:sp>
+        <p:nvSpPr>
+          <p:cNvPr id="3" name="Titel 2">
+            <a:extLst>
+              <a:ext uri="{FF2B5EF4-FFF2-40B4-BE49-F238E27FC236}">
+                <a16:creationId xmlns:a16="http://schemas.microsoft.com/office/drawing/2014/main" id="{581EA932-D185-6849-91AC-23D0F767F03B}"/>
+              </a:ext>
+            </a:extLst>
+          </p:cNvPr>
+          <p:cNvSpPr>
+            <a:spLocks noGrp="1"/>
+          </p:cNvSpPr>
+          <p:nvPr>
+            <p:ph type="ctrTitle"/>
+          </p:nvPr>
+        </p:nvSpPr>
+        <p:spPr>
+          <a:xfrm>
+            <a:off x="501651" y="522565"/>
+            <a:ext cx="8955605" cy="477948"/>
+          </a:xfrm>
+        </p:spPr>
+        <p:txBody>
+          <a:bodyPr/>
+          <a:lstStyle/>
+          <a:p>
+            <a:r>
+              <a:rPr lang="de-DE" dirty="0">
+                <a:solidFill>
+                  <a:srgbClr val="000000"/>
+                </a:solidFill>
+              </a:rPr>
+              <a:t>6.1 </a:t>
+            </a:r>
+            <a:r>
+              <a:rPr lang="de-DE" dirty="0" err="1">
+                <a:solidFill>
+                  <a:srgbClr val="000000"/>
+                </a:solidFill>
+              </a:rPr>
+              <a:t>Caeser</a:t>
+            </a:r>
+            <a:r>
+              <a:rPr lang="de-DE" dirty="0">
+                <a:solidFill>
+                  <a:srgbClr val="000000"/>
+                </a:solidFill>
+              </a:rPr>
+              <a:t> Verschlüsselung</a:t>
+            </a:r>
+          </a:p>
+        </p:txBody>
+      </p:sp>
+      <p:sp>
+        <p:nvSpPr>
+          <p:cNvPr id="10" name="Textplatzhalter 9">
+            <a:extLst>
+              <a:ext uri="{FF2B5EF4-FFF2-40B4-BE49-F238E27FC236}">
+                <a16:creationId xmlns:a16="http://schemas.microsoft.com/office/drawing/2014/main" id="{8159619F-9080-63BC-0E8F-1F5124E07F2E}"/>
+              </a:ext>
+            </a:extLst>
+          </p:cNvPr>
+          <p:cNvSpPr>
+            <a:spLocks noGrp="1"/>
+          </p:cNvSpPr>
+          <p:nvPr>
+            <p:ph type="body" sz="quarter" idx="17"/>
+          </p:nvPr>
+        </p:nvSpPr>
+        <p:spPr>
+          <a:xfrm>
+            <a:off x="501651" y="1282747"/>
+            <a:ext cx="8955605" cy="795144"/>
+          </a:xfrm>
+        </p:spPr>
+        <p:txBody>
+          <a:bodyPr/>
+          <a:lstStyle/>
+          <a:p>
+            <a:pPr lvl="2"/>
+            <a:r>
+              <a:rPr lang="de-DE" dirty="0">
+                <a:solidFill>
+                  <a:srgbClr val="000000"/>
+                </a:solidFill>
+              </a:rPr>
+              <a:t>Einfaches symmetrisches Verschlüsselungsverfahren</a:t>
+            </a:r>
+          </a:p>
+          <a:p>
+            <a:pPr lvl="3"/>
+            <a:r>
+              <a:rPr lang="de-DE" dirty="0"/>
+              <a:t>Symmetrisch: beide Teilnehmer verwenden den gleichen Schlüssel</a:t>
+            </a:r>
+            <a:endParaRPr lang="de-DE" dirty="0">
+              <a:solidFill>
+                <a:srgbClr val="000000"/>
+              </a:solidFill>
+            </a:endParaRPr>
+          </a:p>
+        </p:txBody>
+      </p:sp>
+      <p:sp>
+        <p:nvSpPr>
+          <p:cNvPr id="8" name="Foliennummernplatzhalter 7">
+            <a:extLst>
+              <a:ext uri="{FF2B5EF4-FFF2-40B4-BE49-F238E27FC236}">
+                <a16:creationId xmlns:a16="http://schemas.microsoft.com/office/drawing/2014/main" id="{222432DE-1D05-6349-1E6F-9331309FC077}"/>
+              </a:ext>
+            </a:extLst>
+          </p:cNvPr>
+          <p:cNvSpPr>
+            <a:spLocks noGrp="1"/>
+          </p:cNvSpPr>
+          <p:nvPr>
+            <p:ph type="sldNum" sz="quarter" idx="19"/>
+          </p:nvPr>
+        </p:nvSpPr>
+        <p:spPr>
+          <a:xfrm>
+            <a:off x="503195" y="6480000"/>
+            <a:ext cx="960000" cy="192000"/>
+          </a:xfrm>
+        </p:spPr>
+        <p:txBody>
+          <a:bodyPr/>
+          <a:lstStyle/>
+          <a:p>
+            <a:fld id="{087158B1-A480-4390-8402-7A80A3BAEC4B}" type="slidenum">
+              <a:rPr lang="de-DE" smtClean="0">
+                <a:solidFill>
+                  <a:srgbClr val="000000"/>
+                </a:solidFill>
+              </a:rPr>
+              <a:pPr/>
+              <a:t>40</a:t>
+            </a:fld>
+            <a:r>
+              <a:rPr lang="de-DE" dirty="0"/>
+              <a:t> / 57</a:t>
+            </a:r>
+            <a:endParaRPr lang="de-DE" dirty="0">
+              <a:solidFill>
+                <a:srgbClr val="000000"/>
+              </a:solidFill>
+            </a:endParaRPr>
+          </a:p>
+        </p:txBody>
+      </p:sp>
+      <p:pic>
+        <p:nvPicPr>
+          <p:cNvPr id="12" name="Grafik 11">
+            <a:extLst>
+              <a:ext uri="{FF2B5EF4-FFF2-40B4-BE49-F238E27FC236}">
+                <a16:creationId xmlns:a16="http://schemas.microsoft.com/office/drawing/2014/main" id="{6FDE5575-DDBC-B765-5030-60647179ECAA}"/>
+              </a:ext>
+            </a:extLst>
+          </p:cNvPr>
+          <p:cNvPicPr>
+            <a:picLocks noChangeAspect="1"/>
+          </p:cNvPicPr>
+          <p:nvPr/>
+        </p:nvPicPr>
+        <p:blipFill>
+          <a:blip r:embed="rId2">
+            <a:extLst>
+              <a:ext uri="{28A0092B-C50C-407E-A947-70E740481C1C}">
+                <a14:useLocalDpi xmlns:a14="http://schemas.microsoft.com/office/drawing/2010/main" val="0"/>
+              </a:ext>
+            </a:extLst>
+          </a:blip>
+          <a:stretch>
+            <a:fillRect/>
+          </a:stretch>
+        </p:blipFill>
+        <p:spPr>
+          <a:xfrm>
+            <a:off x="815788" y="2360125"/>
+            <a:ext cx="4303059" cy="1811991"/>
+          </a:xfrm>
+          <a:prstGeom prst="rect">
+            <a:avLst/>
+          </a:prstGeom>
+        </p:spPr>
+      </p:pic>
+      <p:pic>
+        <p:nvPicPr>
+          <p:cNvPr id="14" name="Grafik 13">
+            <a:extLst>
+              <a:ext uri="{FF2B5EF4-FFF2-40B4-BE49-F238E27FC236}">
+                <a16:creationId xmlns:a16="http://schemas.microsoft.com/office/drawing/2014/main" id="{D8244200-18B7-A214-6A8E-D4771C4DC7E7}"/>
+              </a:ext>
+            </a:extLst>
+          </p:cNvPr>
+          <p:cNvPicPr>
+            <a:picLocks noChangeAspect="1"/>
+          </p:cNvPicPr>
+          <p:nvPr/>
+        </p:nvPicPr>
+        <p:blipFill>
+          <a:blip r:embed="rId3">
+            <a:extLst>
+              <a:ext uri="{28A0092B-C50C-407E-A947-70E740481C1C}">
+                <a14:useLocalDpi xmlns:a14="http://schemas.microsoft.com/office/drawing/2010/main" val="0"/>
+              </a:ext>
+            </a:extLst>
+          </a:blip>
+          <a:stretch>
+            <a:fillRect/>
+          </a:stretch>
+        </p:blipFill>
+        <p:spPr>
+          <a:xfrm>
+            <a:off x="5620498" y="2421183"/>
+            <a:ext cx="4158060" cy="1750933"/>
+          </a:xfrm>
+          <a:prstGeom prst="rect">
+            <a:avLst/>
+          </a:prstGeom>
+        </p:spPr>
+      </p:pic>
+      <p:sp>
+        <p:nvSpPr>
+          <p:cNvPr id="15" name="Textplatzhalter 1">
+            <a:extLst>
+              <a:ext uri="{FF2B5EF4-FFF2-40B4-BE49-F238E27FC236}">
+                <a16:creationId xmlns:a16="http://schemas.microsoft.com/office/drawing/2014/main" id="{1CE18D84-CE05-F57B-F904-BFD048B915C7}"/>
+              </a:ext>
+            </a:extLst>
+          </p:cNvPr>
+          <p:cNvSpPr>
+            <a:spLocks noGrp="1"/>
+          </p:cNvSpPr>
+          <p:nvPr>
+            <p:ph type="body" sz="quarter" idx="14"/>
+          </p:nvPr>
+        </p:nvSpPr>
+        <p:spPr>
+          <a:xfrm>
+            <a:off x="815788" y="4454350"/>
+            <a:ext cx="4303059" cy="576000"/>
+          </a:xfrm>
+        </p:spPr>
+        <p:txBody>
+          <a:bodyPr/>
+          <a:lstStyle/>
+          <a:p>
+            <a:r>
+              <a:rPr lang="de-DE" dirty="0">
+                <a:solidFill>
+                  <a:srgbClr val="000000"/>
+                </a:solidFill>
+              </a:rPr>
+              <a:t>Verschlüsselung mit dem Schlüssel C, also eine Verschiebung um 3 Zeichen</a:t>
+            </a:r>
+          </a:p>
+        </p:txBody>
+      </p:sp>
+      <p:sp>
+        <p:nvSpPr>
+          <p:cNvPr id="16" name="Textplatzhalter 1">
+            <a:extLst>
+              <a:ext uri="{FF2B5EF4-FFF2-40B4-BE49-F238E27FC236}">
+                <a16:creationId xmlns:a16="http://schemas.microsoft.com/office/drawing/2014/main" id="{0DE86A16-D32E-FB49-01A5-CC8F24412AC7}"/>
+              </a:ext>
+            </a:extLst>
+          </p:cNvPr>
+          <p:cNvSpPr txBox="1">
+            <a:spLocks/>
+          </p:cNvSpPr>
+          <p:nvPr/>
+        </p:nvSpPr>
+        <p:spPr>
+          <a:xfrm>
+            <a:off x="5620499" y="4454350"/>
+            <a:ext cx="3926914" cy="324730"/>
+          </a:xfrm>
+          <a:prstGeom prst="rect">
+            <a:avLst/>
+          </a:prstGeom>
+        </p:spPr>
+        <p:txBody>
+          <a:bodyPr vert="horz" lIns="0" tIns="0" rIns="0" bIns="0" rtlCol="0" anchor="t" anchorCtr="0">
+            <a:noAutofit/>
+          </a:bodyPr>
+          <a:lstStyle>
+            <a:lvl1pPr marL="0" indent="0" algn="l" defTabSz="914377" rtl="0" eaLnBrk="1" latinLnBrk="0" hangingPunct="1">
+              <a:lnSpc>
+                <a:spcPct val="100000"/>
+              </a:lnSpc>
+              <a:spcBef>
+                <a:spcPts val="0"/>
+              </a:spcBef>
+              <a:spcAft>
+                <a:spcPts val="0"/>
+              </a:spcAft>
+              <a:buFont typeface="Arial" panose="020B0604020202020204" pitchFamily="34" charset="0"/>
+              <a:buNone/>
+              <a:defRPr sz="1600" b="0" kern="1200">
+                <a:solidFill>
+                  <a:srgbClr val="000000"/>
+                </a:solidFill>
+                <a:latin typeface="+mn-lt"/>
+                <a:ea typeface="+mn-ea"/>
+                <a:cs typeface="+mn-cs"/>
+              </a:defRPr>
+            </a:lvl1pPr>
+            <a:lvl2pPr marL="0" indent="0" algn="l" defTabSz="914377" rtl="0" eaLnBrk="1" latinLnBrk="0" hangingPunct="1">
+              <a:lnSpc>
+                <a:spcPct val="100000"/>
+              </a:lnSpc>
+              <a:spcBef>
+                <a:spcPts val="0"/>
+              </a:spcBef>
+              <a:spcAft>
+                <a:spcPts val="0"/>
+              </a:spcAft>
+              <a:buFont typeface="Arial" panose="020B0604020202020204" pitchFamily="34" charset="0"/>
+              <a:buNone/>
+              <a:defRPr sz="1600" b="0" kern="1200">
+                <a:solidFill>
+                  <a:srgbClr val="000000"/>
+                </a:solidFill>
+                <a:latin typeface="+mn-lt"/>
+                <a:ea typeface="+mn-ea"/>
+                <a:cs typeface="+mn-cs"/>
+              </a:defRPr>
+            </a:lvl2pPr>
+            <a:lvl3pPr marL="0" indent="0" algn="l" defTabSz="914377" rtl="0" eaLnBrk="1" latinLnBrk="0" hangingPunct="1">
+              <a:lnSpc>
+                <a:spcPct val="100000"/>
+              </a:lnSpc>
+              <a:spcBef>
+                <a:spcPts val="0"/>
+              </a:spcBef>
+              <a:spcAft>
+                <a:spcPts val="0"/>
+              </a:spcAft>
+              <a:buClr>
+                <a:schemeClr val="accent1"/>
+              </a:buClr>
+              <a:buFont typeface="Verdana" panose="020B0604030504040204" pitchFamily="34" charset="0"/>
+              <a:buNone/>
+              <a:defRPr sz="1600" b="0" kern="1200">
+                <a:solidFill>
+                  <a:srgbClr val="000000"/>
+                </a:solidFill>
+                <a:latin typeface="+mn-lt"/>
+                <a:ea typeface="+mn-ea"/>
+                <a:cs typeface="+mn-cs"/>
+              </a:defRPr>
+            </a:lvl3pPr>
+            <a:lvl4pPr marL="0" indent="0" algn="l" defTabSz="914377" rtl="0" eaLnBrk="1" latinLnBrk="0" hangingPunct="1">
+              <a:lnSpc>
+                <a:spcPct val="100000"/>
+              </a:lnSpc>
+              <a:spcBef>
+                <a:spcPts val="0"/>
+              </a:spcBef>
+              <a:spcAft>
+                <a:spcPts val="0"/>
+              </a:spcAft>
+              <a:buClr>
+                <a:schemeClr val="accent1"/>
+              </a:buClr>
+              <a:buFont typeface="Verdana" panose="020B0604030504040204" pitchFamily="34" charset="0"/>
+              <a:buNone/>
+              <a:defRPr sz="1600" b="0" kern="1200">
+                <a:solidFill>
+                  <a:srgbClr val="000000"/>
+                </a:solidFill>
+                <a:latin typeface="+mn-lt"/>
+                <a:ea typeface="+mn-ea"/>
+                <a:cs typeface="+mn-cs"/>
+              </a:defRPr>
+            </a:lvl4pPr>
+            <a:lvl5pPr marL="0" indent="0" algn="l" defTabSz="914377" rtl="0" eaLnBrk="1" latinLnBrk="0" hangingPunct="1">
+              <a:lnSpc>
+                <a:spcPct val="100000"/>
+              </a:lnSpc>
+              <a:spcBef>
+                <a:spcPts val="0"/>
+              </a:spcBef>
+              <a:spcAft>
+                <a:spcPts val="0"/>
+              </a:spcAft>
+              <a:buClr>
+                <a:schemeClr val="accent1"/>
+              </a:buClr>
+              <a:buFont typeface="Verdana" panose="020B0604030504040204" pitchFamily="34" charset="0"/>
+              <a:buNone/>
+              <a:defRPr sz="1600" b="0" kern="1200">
+                <a:solidFill>
+                  <a:srgbClr val="000000"/>
+                </a:solidFill>
+                <a:latin typeface="+mn-lt"/>
+                <a:ea typeface="+mn-ea"/>
+                <a:cs typeface="+mn-cs"/>
+              </a:defRPr>
+            </a:lvl5pPr>
+            <a:lvl6pPr marL="0" indent="0" algn="l" defTabSz="914377" rtl="0" eaLnBrk="1" latinLnBrk="0" hangingPunct="1">
+              <a:lnSpc>
+                <a:spcPct val="100000"/>
+              </a:lnSpc>
+              <a:spcBef>
+                <a:spcPts val="0"/>
+              </a:spcBef>
+              <a:spcAft>
+                <a:spcPts val="0"/>
+              </a:spcAft>
+              <a:buClr>
+                <a:schemeClr val="accent1"/>
+              </a:buClr>
+              <a:buFont typeface="Arial" panose="020B0604020202020204" pitchFamily="34" charset="0"/>
+              <a:buNone/>
+              <a:tabLst>
+                <a:tab pos="2159946" algn="l"/>
+              </a:tabLst>
+              <a:defRPr sz="1600" b="0" kern="1200">
+                <a:solidFill>
+                  <a:srgbClr val="000000"/>
+                </a:solidFill>
+                <a:latin typeface="+mn-lt"/>
+                <a:ea typeface="+mn-ea"/>
+                <a:cs typeface="+mn-cs"/>
+              </a:defRPr>
+            </a:lvl6pPr>
+            <a:lvl7pPr marL="0" indent="0" algn="l" defTabSz="914377" rtl="0" eaLnBrk="1" latinLnBrk="0" hangingPunct="1">
+              <a:lnSpc>
+                <a:spcPct val="100000"/>
+              </a:lnSpc>
+              <a:spcBef>
+                <a:spcPts val="0"/>
+              </a:spcBef>
+              <a:spcAft>
+                <a:spcPts val="0"/>
+              </a:spcAft>
+              <a:buFont typeface="Arial" panose="020B0604020202020204" pitchFamily="34" charset="0"/>
+              <a:buNone/>
+              <a:defRPr sz="1600" b="0" kern="1200">
+                <a:solidFill>
+                  <a:schemeClr val="tx1"/>
+                </a:solidFill>
+                <a:latin typeface="+mn-lt"/>
+                <a:ea typeface="+mn-ea"/>
+                <a:cs typeface="+mn-cs"/>
+              </a:defRPr>
+            </a:lvl7pPr>
+            <a:lvl8pPr marL="0" indent="0" algn="l" defTabSz="914377" rtl="0" eaLnBrk="1" latinLnBrk="0" hangingPunct="1">
+              <a:lnSpc>
+                <a:spcPct val="100000"/>
+              </a:lnSpc>
+              <a:spcBef>
+                <a:spcPts val="0"/>
+              </a:spcBef>
+              <a:spcAft>
+                <a:spcPts val="0"/>
+              </a:spcAft>
+              <a:buFont typeface="Arial" panose="020B0604020202020204" pitchFamily="34" charset="0"/>
+              <a:buNone/>
+              <a:defRPr sz="1600" b="0" kern="1200">
+                <a:solidFill>
+                  <a:schemeClr val="tx1"/>
+                </a:solidFill>
+                <a:latin typeface="+mn-lt"/>
+                <a:ea typeface="+mn-ea"/>
+                <a:cs typeface="+mn-cs"/>
+              </a:defRPr>
+            </a:lvl8pPr>
+            <a:lvl9pPr marL="0" indent="0" algn="l" defTabSz="914377" rtl="0" eaLnBrk="1" latinLnBrk="0" hangingPunct="1">
+              <a:lnSpc>
+                <a:spcPct val="100000"/>
+              </a:lnSpc>
+              <a:spcBef>
+                <a:spcPts val="0"/>
+              </a:spcBef>
+              <a:spcAft>
+                <a:spcPts val="0"/>
+              </a:spcAft>
+              <a:buFont typeface="Arial" panose="020B0604020202020204" pitchFamily="34" charset="0"/>
+              <a:buNone/>
+              <a:defRPr sz="1600" b="0" kern="1200">
+                <a:solidFill>
+                  <a:schemeClr val="tx1"/>
+                </a:solidFill>
+                <a:latin typeface="+mn-lt"/>
+                <a:ea typeface="+mn-ea"/>
+                <a:cs typeface="+mn-cs"/>
+              </a:defRPr>
+            </a:lvl9pPr>
+          </a:lstStyle>
+          <a:p>
+            <a:r>
+              <a:rPr lang="de-DE" dirty="0"/>
+              <a:t>Entschlüsselung mit dem Schlüssel C</a:t>
+            </a:r>
+          </a:p>
+        </p:txBody>
+      </p:sp>
+      <p:sp>
+        <p:nvSpPr>
+          <p:cNvPr id="17" name="Textplatzhalter 1">
+            <a:extLst>
+              <a:ext uri="{FF2B5EF4-FFF2-40B4-BE49-F238E27FC236}">
+                <a16:creationId xmlns:a16="http://schemas.microsoft.com/office/drawing/2014/main" id="{5693C96E-5EC4-E5A4-2101-80FABB21C44B}"/>
+              </a:ext>
+            </a:extLst>
+          </p:cNvPr>
+          <p:cNvSpPr txBox="1">
+            <a:spLocks/>
+          </p:cNvSpPr>
+          <p:nvPr/>
+        </p:nvSpPr>
+        <p:spPr>
+          <a:xfrm>
+            <a:off x="501651" y="5341540"/>
+            <a:ext cx="9045762" cy="576000"/>
+          </a:xfrm>
+          <a:prstGeom prst="rect">
+            <a:avLst/>
+          </a:prstGeom>
+        </p:spPr>
+        <p:txBody>
+          <a:bodyPr vert="horz" lIns="0" tIns="0" rIns="0" bIns="0" rtlCol="0" anchor="t" anchorCtr="0">
+            <a:noAutofit/>
+          </a:bodyPr>
+          <a:lstStyle>
+            <a:lvl1pPr marL="0" indent="0" algn="l" defTabSz="914377" rtl="0" eaLnBrk="1" latinLnBrk="0" hangingPunct="1">
+              <a:lnSpc>
+                <a:spcPct val="100000"/>
+              </a:lnSpc>
+              <a:spcBef>
+                <a:spcPts val="0"/>
+              </a:spcBef>
+              <a:spcAft>
+                <a:spcPts val="0"/>
+              </a:spcAft>
+              <a:buFont typeface="Arial" panose="020B0604020202020204" pitchFamily="34" charset="0"/>
+              <a:buNone/>
+              <a:defRPr sz="1600" b="0" kern="1200">
+                <a:solidFill>
+                  <a:srgbClr val="000000"/>
+                </a:solidFill>
+                <a:latin typeface="+mn-lt"/>
+                <a:ea typeface="+mn-ea"/>
+                <a:cs typeface="+mn-cs"/>
+              </a:defRPr>
+            </a:lvl1pPr>
+            <a:lvl2pPr marL="0" indent="0" algn="l" defTabSz="914377" rtl="0" eaLnBrk="1" latinLnBrk="0" hangingPunct="1">
+              <a:lnSpc>
+                <a:spcPct val="100000"/>
+              </a:lnSpc>
+              <a:spcBef>
+                <a:spcPts val="0"/>
+              </a:spcBef>
+              <a:spcAft>
+                <a:spcPts val="0"/>
+              </a:spcAft>
+              <a:buFont typeface="Arial" panose="020B0604020202020204" pitchFamily="34" charset="0"/>
+              <a:buNone/>
+              <a:defRPr sz="1600" b="0" kern="1200">
+                <a:solidFill>
+                  <a:srgbClr val="000000"/>
+                </a:solidFill>
+                <a:latin typeface="+mn-lt"/>
+                <a:ea typeface="+mn-ea"/>
+                <a:cs typeface="+mn-cs"/>
+              </a:defRPr>
+            </a:lvl2pPr>
+            <a:lvl3pPr marL="0" indent="0" algn="l" defTabSz="914377" rtl="0" eaLnBrk="1" latinLnBrk="0" hangingPunct="1">
+              <a:lnSpc>
+                <a:spcPct val="100000"/>
+              </a:lnSpc>
+              <a:spcBef>
+                <a:spcPts val="0"/>
+              </a:spcBef>
+              <a:spcAft>
+                <a:spcPts val="0"/>
+              </a:spcAft>
+              <a:buClr>
+                <a:schemeClr val="accent1"/>
+              </a:buClr>
+              <a:buFont typeface="Verdana" panose="020B0604030504040204" pitchFamily="34" charset="0"/>
+              <a:buNone/>
+              <a:defRPr sz="1600" b="0" kern="1200">
+                <a:solidFill>
+                  <a:srgbClr val="000000"/>
+                </a:solidFill>
+                <a:latin typeface="+mn-lt"/>
+                <a:ea typeface="+mn-ea"/>
+                <a:cs typeface="+mn-cs"/>
+              </a:defRPr>
+            </a:lvl3pPr>
+            <a:lvl4pPr marL="0" indent="0" algn="l" defTabSz="914377" rtl="0" eaLnBrk="1" latinLnBrk="0" hangingPunct="1">
+              <a:lnSpc>
+                <a:spcPct val="100000"/>
+              </a:lnSpc>
+              <a:spcBef>
+                <a:spcPts val="0"/>
+              </a:spcBef>
+              <a:spcAft>
+                <a:spcPts val="0"/>
+              </a:spcAft>
+              <a:buClr>
+                <a:schemeClr val="accent1"/>
+              </a:buClr>
+              <a:buFont typeface="Verdana" panose="020B0604030504040204" pitchFamily="34" charset="0"/>
+              <a:buNone/>
+              <a:defRPr sz="1600" b="0" kern="1200">
+                <a:solidFill>
+                  <a:srgbClr val="000000"/>
+                </a:solidFill>
+                <a:latin typeface="+mn-lt"/>
+                <a:ea typeface="+mn-ea"/>
+                <a:cs typeface="+mn-cs"/>
+              </a:defRPr>
+            </a:lvl4pPr>
+            <a:lvl5pPr marL="0" indent="0" algn="l" defTabSz="914377" rtl="0" eaLnBrk="1" latinLnBrk="0" hangingPunct="1">
+              <a:lnSpc>
+                <a:spcPct val="100000"/>
+              </a:lnSpc>
+              <a:spcBef>
+                <a:spcPts val="0"/>
+              </a:spcBef>
+              <a:spcAft>
+                <a:spcPts val="0"/>
+              </a:spcAft>
+              <a:buClr>
+                <a:schemeClr val="accent1"/>
+              </a:buClr>
+              <a:buFont typeface="Verdana" panose="020B0604030504040204" pitchFamily="34" charset="0"/>
+              <a:buNone/>
+              <a:defRPr sz="1600" b="0" kern="1200">
+                <a:solidFill>
+                  <a:srgbClr val="000000"/>
+                </a:solidFill>
+                <a:latin typeface="+mn-lt"/>
+                <a:ea typeface="+mn-ea"/>
+                <a:cs typeface="+mn-cs"/>
+              </a:defRPr>
+            </a:lvl5pPr>
+            <a:lvl6pPr marL="0" indent="0" algn="l" defTabSz="914377" rtl="0" eaLnBrk="1" latinLnBrk="0" hangingPunct="1">
+              <a:lnSpc>
+                <a:spcPct val="100000"/>
+              </a:lnSpc>
+              <a:spcBef>
+                <a:spcPts val="0"/>
+              </a:spcBef>
+              <a:spcAft>
+                <a:spcPts val="0"/>
+              </a:spcAft>
+              <a:buClr>
+                <a:schemeClr val="accent1"/>
+              </a:buClr>
+              <a:buFont typeface="Arial" panose="020B0604020202020204" pitchFamily="34" charset="0"/>
+              <a:buNone/>
+              <a:tabLst>
+                <a:tab pos="2159946" algn="l"/>
+              </a:tabLst>
+              <a:defRPr sz="1600" b="0" kern="1200">
+                <a:solidFill>
+                  <a:srgbClr val="000000"/>
+                </a:solidFill>
+                <a:latin typeface="+mn-lt"/>
+                <a:ea typeface="+mn-ea"/>
+                <a:cs typeface="+mn-cs"/>
+              </a:defRPr>
+            </a:lvl6pPr>
+            <a:lvl7pPr marL="0" indent="0" algn="l" defTabSz="914377" rtl="0" eaLnBrk="1" latinLnBrk="0" hangingPunct="1">
+              <a:lnSpc>
+                <a:spcPct val="100000"/>
+              </a:lnSpc>
+              <a:spcBef>
+                <a:spcPts val="0"/>
+              </a:spcBef>
+              <a:spcAft>
+                <a:spcPts val="0"/>
+              </a:spcAft>
+              <a:buFont typeface="Arial" panose="020B0604020202020204" pitchFamily="34" charset="0"/>
+              <a:buNone/>
+              <a:defRPr sz="1600" b="0" kern="1200">
+                <a:solidFill>
+                  <a:schemeClr val="tx1"/>
+                </a:solidFill>
+                <a:latin typeface="+mn-lt"/>
+                <a:ea typeface="+mn-ea"/>
+                <a:cs typeface="+mn-cs"/>
+              </a:defRPr>
+            </a:lvl7pPr>
+            <a:lvl8pPr marL="0" indent="0" algn="l" defTabSz="914377" rtl="0" eaLnBrk="1" latinLnBrk="0" hangingPunct="1">
+              <a:lnSpc>
+                <a:spcPct val="100000"/>
+              </a:lnSpc>
+              <a:spcBef>
+                <a:spcPts val="0"/>
+              </a:spcBef>
+              <a:spcAft>
+                <a:spcPts val="0"/>
+              </a:spcAft>
+              <a:buFont typeface="Arial" panose="020B0604020202020204" pitchFamily="34" charset="0"/>
+              <a:buNone/>
+              <a:defRPr sz="1600" b="0" kern="1200">
+                <a:solidFill>
+                  <a:schemeClr val="tx1"/>
+                </a:solidFill>
+                <a:latin typeface="+mn-lt"/>
+                <a:ea typeface="+mn-ea"/>
+                <a:cs typeface="+mn-cs"/>
+              </a:defRPr>
+            </a:lvl8pPr>
+            <a:lvl9pPr marL="0" indent="0" algn="l" defTabSz="914377" rtl="0" eaLnBrk="1" latinLnBrk="0" hangingPunct="1">
+              <a:lnSpc>
+                <a:spcPct val="100000"/>
+              </a:lnSpc>
+              <a:spcBef>
+                <a:spcPts val="0"/>
+              </a:spcBef>
+              <a:spcAft>
+                <a:spcPts val="0"/>
+              </a:spcAft>
+              <a:buFont typeface="Arial" panose="020B0604020202020204" pitchFamily="34" charset="0"/>
+              <a:buNone/>
+              <a:defRPr sz="1600" b="0" kern="1200">
+                <a:solidFill>
+                  <a:schemeClr val="tx1"/>
+                </a:solidFill>
+                <a:latin typeface="+mn-lt"/>
+                <a:ea typeface="+mn-ea"/>
+                <a:cs typeface="+mn-cs"/>
+              </a:defRPr>
+            </a:lvl9pPr>
+          </a:lstStyle>
+          <a:p>
+            <a:r>
+              <a:rPr lang="de-DE" dirty="0"/>
+              <a:t>Klar:       A B C D E F G H I J K L M N O P Q R S T U V W X Y Z</a:t>
+            </a:r>
+          </a:p>
+          <a:p>
+            <a:r>
+              <a:rPr lang="de-DE" dirty="0"/>
+              <a:t>Geheim:  D E F G H I J K L M N O P Q R S T U V W X Y Z A B C</a:t>
+            </a:r>
+          </a:p>
+        </p:txBody>
+      </p:sp>
+    </p:spTree>
+    <p:extLst>
+      <p:ext uri="{BB962C8B-B14F-4D97-AF65-F5344CB8AC3E}">
+        <p14:creationId xmlns:p14="http://schemas.microsoft.com/office/powerpoint/2010/main" val="3619777134"/>
+      </p:ext>
+    </p:extLst>
+  </p:cSld>
+  <p:clrMapOvr>
+    <a:masterClrMapping/>
+  </p:clrMapOvr>
+</p:sld>
+</file>
+
+<file path=ppt/slides/slide41.xml><?xml version="1.0" encoding="utf-8"?>
 <p:sld xmlns:a="http://schemas.openxmlformats.org/drawingml/2006/main" xmlns:r="http://schemas.openxmlformats.org/officeDocument/2006/relationships" xmlns:p="http://schemas.openxmlformats.org/presentationml/2006/main">
   <p:cSld>
     <p:spTree>
@@ -37571,7 +37729,7 @@
                 </a:solidFill>
               </a:rPr>
               <a:pPr/>
-              <a:t>40</a:t>
+              <a:t>41</a:t>
             </a:fld>
             <a:r>
               <a:rPr lang="de-DE" dirty="0"/>
@@ -37598,7 +37756,7 @@
 </p:sld>
 </file>
 
-<file path=ppt/slides/slide41.xml><?xml version="1.0" encoding="utf-8"?>
+<file path=ppt/slides/slide42.xml><?xml version="1.0" encoding="utf-8"?>
 <p:sld xmlns:a="http://schemas.openxmlformats.org/drawingml/2006/main" xmlns:r="http://schemas.openxmlformats.org/officeDocument/2006/relationships" xmlns:p="http://schemas.openxmlformats.org/presentationml/2006/main">
   <p:cSld>
     <p:spTree>
@@ -37750,7 +37908,7 @@
             <a:fld id="{087158B1-A480-4390-8402-7A80A3BAEC4B}" type="slidenum">
               <a:rPr lang="de-DE" smtClean="0"/>
               <a:pPr/>
-              <a:t>41</a:t>
+              <a:t>42</a:t>
             </a:fld>
             <a:r>
               <a:rPr lang="de-DE" dirty="0"/>
@@ -37772,7 +37930,7 @@
 </p:sld>
 </file>
 
-<file path=ppt/slides/slide42.xml><?xml version="1.0" encoding="utf-8"?>
+<file path=ppt/slides/slide43.xml><?xml version="1.0" encoding="utf-8"?>
 <p:sld xmlns:a="http://schemas.openxmlformats.org/drawingml/2006/main" xmlns:r="http://schemas.openxmlformats.org/officeDocument/2006/relationships" xmlns:p="http://schemas.openxmlformats.org/presentationml/2006/main">
   <p:cSld>
     <p:spTree>
@@ -37902,7 +38060,7 @@
                 </a:solidFill>
               </a:rPr>
               <a:pPr/>
-              <a:t>42</a:t>
+              <a:t>43</a:t>
             </a:fld>
             <a:r>
               <a:rPr lang="de-DE" dirty="0"/>
@@ -38037,7 +38195,7 @@
 </p:sld>
 </file>
 
-<file path=ppt/slides/slide43.xml><?xml version="1.0" encoding="utf-8"?>
+<file path=ppt/slides/slide44.xml><?xml version="1.0" encoding="utf-8"?>
 <p:sld xmlns:a="http://schemas.openxmlformats.org/drawingml/2006/main" xmlns:r="http://schemas.openxmlformats.org/officeDocument/2006/relationships" xmlns:p="http://schemas.openxmlformats.org/presentationml/2006/main">
   <p:cSld>
     <p:spTree>
@@ -38275,7 +38433,7 @@
                 </a:solidFill>
               </a:rPr>
               <a:pPr/>
-              <a:t>43</a:t>
+              <a:t>44</a:t>
             </a:fld>
             <a:r>
               <a:rPr lang="de-DE" dirty="0"/>
@@ -38302,7 +38460,7 @@
 </p:sld>
 </file>
 
-<file path=ppt/slides/slide44.xml><?xml version="1.0" encoding="utf-8"?>
+<file path=ppt/slides/slide45.xml><?xml version="1.0" encoding="utf-8"?>
 <p:sld xmlns:a="http://schemas.openxmlformats.org/drawingml/2006/main" xmlns:r="http://schemas.openxmlformats.org/officeDocument/2006/relationships" xmlns:p="http://schemas.openxmlformats.org/presentationml/2006/main">
   <p:cSld>
     <p:spTree>
@@ -38575,7 +38733,7 @@
                 </a:solidFill>
               </a:rPr>
               <a:pPr/>
-              <a:t>44</a:t>
+              <a:t>45</a:t>
             </a:fld>
             <a:r>
               <a:rPr lang="de-DE" dirty="0"/>
@@ -38602,7 +38760,7 @@
 </p:sld>
 </file>
 
-<file path=ppt/slides/slide45.xml><?xml version="1.0" encoding="utf-8"?>
+<file path=ppt/slides/slide46.xml><?xml version="1.0" encoding="utf-8"?>
 <p:sld xmlns:a="http://schemas.openxmlformats.org/drawingml/2006/main" xmlns:r="http://schemas.openxmlformats.org/officeDocument/2006/relationships" xmlns:p="http://schemas.openxmlformats.org/presentationml/2006/main">
   <p:cSld>
     <p:spTree>
@@ -38833,7 +38991,7 @@
                 </a:solidFill>
               </a:rPr>
               <a:pPr/>
-              <a:t>45</a:t>
+              <a:t>46</a:t>
             </a:fld>
             <a:r>
               <a:rPr lang="de-DE" dirty="0"/>
@@ -38860,7 +39018,7 @@
 </p:sld>
 </file>
 
-<file path=ppt/slides/slide46.xml><?xml version="1.0" encoding="utf-8"?>
+<file path=ppt/slides/slide47.xml><?xml version="1.0" encoding="utf-8"?>
 <p:sld xmlns:a="http://schemas.openxmlformats.org/drawingml/2006/main" xmlns:r="http://schemas.openxmlformats.org/officeDocument/2006/relationships" xmlns:p="http://schemas.openxmlformats.org/presentationml/2006/main">
   <p:cSld>
     <p:spTree>
@@ -39011,7 +39169,7 @@
                 </a:solidFill>
               </a:rPr>
               <a:pPr/>
-              <a:t>46</a:t>
+              <a:t>47</a:t>
             </a:fld>
             <a:r>
               <a:rPr lang="de-DE" dirty="0"/>
@@ -39074,7 +39232,7 @@
 </p:sld>
 </file>
 
-<file path=ppt/slides/slide47.xml><?xml version="1.0" encoding="utf-8"?>
+<file path=ppt/slides/slide48.xml><?xml version="1.0" encoding="utf-8"?>
 <p:sld xmlns:a="http://schemas.openxmlformats.org/drawingml/2006/main" xmlns:r="http://schemas.openxmlformats.org/officeDocument/2006/relationships" xmlns:p="http://schemas.openxmlformats.org/presentationml/2006/main">
   <p:cSld>
     <p:spTree>
@@ -39310,7 +39468,7 @@
                 </a:solidFill>
               </a:rPr>
               <a:pPr/>
-              <a:t>47</a:t>
+              <a:t>48</a:t>
             </a:fld>
             <a:r>
               <a:rPr lang="de-DE" dirty="0"/>
@@ -39670,7 +39828,7 @@
 </p:sld>
 </file>
 
-<file path=ppt/slides/slide48.xml><?xml version="1.0" encoding="utf-8"?>
+<file path=ppt/slides/slide49.xml><?xml version="1.0" encoding="utf-8"?>
 <p:sld xmlns:a="http://schemas.openxmlformats.org/drawingml/2006/main" xmlns:r="http://schemas.openxmlformats.org/officeDocument/2006/relationships" xmlns:p="http://schemas.openxmlformats.org/presentationml/2006/main">
   <p:cSld>
     <p:spTree>
@@ -39795,32 +39953,6 @@
             </a:r>
           </a:p>
           <a:p>
-            <a:r>
-              <a:rPr lang="de-DE" dirty="0"/>
-              <a:t>3.:</a:t>
-            </a:r>
-          </a:p>
-          <a:p>
-            <a:r>
-              <a:rPr lang="de-DE" dirty="0"/>
-              <a:t>Berechne die Anzahl an Teilfremden (</a:t>
-            </a:r>
-            <a:r>
-              <a:rPr lang="de-DE" dirty="0" err="1"/>
-              <a:t>coprimes</a:t>
-            </a:r>
-            <a:r>
-              <a:rPr lang="de-DE" dirty="0"/>
-              <a:t>) von 14</a:t>
-            </a:r>
-          </a:p>
-          <a:p>
-            <a:endParaRPr lang="de-DE" dirty="0"/>
-          </a:p>
-          <a:p>
-            <a:endParaRPr lang="de-DE" dirty="0"/>
-          </a:p>
-          <a:p>
             <a:endParaRPr lang="de-DE" dirty="0"/>
           </a:p>
           <a:p>
@@ -39880,7 +40012,7 @@
                 </a:solidFill>
               </a:rPr>
               <a:pPr/>
-              <a:t>48</a:t>
+              <a:t>49</a:t>
             </a:fld>
             <a:r>
               <a:rPr lang="de-DE" dirty="0"/>
@@ -39898,403 +40030,6 @@
     <p:extLst>
       <p:ext uri="{BB962C8B-B14F-4D97-AF65-F5344CB8AC3E}">
         <p14:creationId xmlns:p14="http://schemas.microsoft.com/office/powerpoint/2010/main" val="3573771183"/>
-      </p:ext>
-    </p:extLst>
-  </p:cSld>
-  <p:clrMapOvr>
-    <a:masterClrMapping/>
-  </p:clrMapOvr>
-</p:sld>
-</file>
-
-<file path=ppt/slides/slide49.xml><?xml version="1.0" encoding="utf-8"?>
-<p:sld xmlns:a="http://schemas.openxmlformats.org/drawingml/2006/main" xmlns:r="http://schemas.openxmlformats.org/officeDocument/2006/relationships" xmlns:p="http://schemas.openxmlformats.org/presentationml/2006/main">
-  <p:cSld>
-    <p:spTree>
-      <p:nvGrpSpPr>
-        <p:cNvPr id="1" name="">
-          <a:extLst>
-            <a:ext uri="{FF2B5EF4-FFF2-40B4-BE49-F238E27FC236}">
-              <a16:creationId xmlns:a16="http://schemas.microsoft.com/office/drawing/2014/main" id="{D0DBB5A7-2D49-B733-6A73-12A6265D9339}"/>
-            </a:ext>
-          </a:extLst>
-        </p:cNvPr>
-        <p:cNvGrpSpPr/>
-        <p:nvPr/>
-      </p:nvGrpSpPr>
-      <p:grpSpPr>
-        <a:xfrm>
-          <a:off x="0" y="0"/>
-          <a:ext cx="0" cy="0"/>
-          <a:chOff x="0" y="0"/>
-          <a:chExt cx="0" cy="0"/>
-        </a:xfrm>
-      </p:grpSpPr>
-      <p:sp>
-        <p:nvSpPr>
-          <p:cNvPr id="3" name="Titel 2">
-            <a:extLst>
-              <a:ext uri="{FF2B5EF4-FFF2-40B4-BE49-F238E27FC236}">
-                <a16:creationId xmlns:a16="http://schemas.microsoft.com/office/drawing/2014/main" id="{035A2BD3-3C9C-20DD-E679-6E25CACECDDA}"/>
-              </a:ext>
-            </a:extLst>
-          </p:cNvPr>
-          <p:cNvSpPr>
-            <a:spLocks noGrp="1"/>
-          </p:cNvSpPr>
-          <p:nvPr>
-            <p:ph type="ctrTitle"/>
-          </p:nvPr>
-        </p:nvSpPr>
-        <p:spPr>
-          <a:xfrm>
-            <a:off x="501651" y="1365251"/>
-            <a:ext cx="8955605" cy="477948"/>
-          </a:xfrm>
-        </p:spPr>
-        <p:txBody>
-          <a:bodyPr/>
-          <a:lstStyle/>
-          <a:p>
-            <a:r>
-              <a:rPr lang="de-DE" dirty="0">
-                <a:solidFill>
-                  <a:srgbClr val="000000"/>
-                </a:solidFill>
-              </a:rPr>
-              <a:t>7.3 Beispiel für RSA Schlüsselgenerierung</a:t>
-            </a:r>
-          </a:p>
-        </p:txBody>
-      </p:sp>
-      <p:sp>
-        <p:nvSpPr>
-          <p:cNvPr id="10" name="Textplatzhalter 9">
-            <a:extLst>
-              <a:ext uri="{FF2B5EF4-FFF2-40B4-BE49-F238E27FC236}">
-                <a16:creationId xmlns:a16="http://schemas.microsoft.com/office/drawing/2014/main" id="{38E40D65-AA94-A10A-E27F-1AD6D1220A3C}"/>
-              </a:ext>
-            </a:extLst>
-          </p:cNvPr>
-          <p:cNvSpPr>
-            <a:spLocks noGrp="1"/>
-          </p:cNvSpPr>
-          <p:nvPr>
-            <p:ph type="body" sz="quarter" idx="17"/>
-          </p:nvPr>
-        </p:nvSpPr>
-        <p:spPr>
-          <a:xfrm>
-            <a:off x="501651" y="2125433"/>
-            <a:ext cx="8955605" cy="4154720"/>
-          </a:xfrm>
-        </p:spPr>
-        <p:txBody>
-          <a:bodyPr/>
-          <a:lstStyle/>
-          <a:p>
-            <a:r>
-              <a:rPr lang="de-DE" dirty="0"/>
-              <a:t>3.:</a:t>
-            </a:r>
-          </a:p>
-          <a:p>
-            <a:r>
-              <a:rPr lang="de-DE" dirty="0"/>
-              <a:t>Berechne die Anzahl an Teilfremden (</a:t>
-            </a:r>
-            <a:r>
-              <a:rPr lang="de-DE" dirty="0" err="1"/>
-              <a:t>coprimes</a:t>
-            </a:r>
-            <a:r>
-              <a:rPr lang="de-DE" dirty="0"/>
-              <a:t>) von 14</a:t>
-            </a:r>
-          </a:p>
-          <a:p>
-            <a:r>
-              <a:rPr lang="de-DE" dirty="0"/>
-              <a:t> [</a:t>
-            </a:r>
-            <a:r>
-              <a:rPr lang="de-DE" dirty="0">
-                <a:highlight>
-                  <a:srgbClr val="FFFF00"/>
-                </a:highlight>
-              </a:rPr>
-              <a:t>1</a:t>
-            </a:r>
-            <a:r>
-              <a:rPr lang="de-DE" dirty="0"/>
-              <a:t>, </a:t>
-            </a:r>
-            <a:r>
-              <a:rPr lang="de-DE" strike="sngStrike" dirty="0"/>
-              <a:t>2</a:t>
-            </a:r>
-            <a:r>
-              <a:rPr lang="de-DE" dirty="0"/>
-              <a:t>, </a:t>
-            </a:r>
-            <a:r>
-              <a:rPr lang="de-DE" dirty="0">
-                <a:highlight>
-                  <a:srgbClr val="FFFF00"/>
-                </a:highlight>
-              </a:rPr>
-              <a:t>3</a:t>
-            </a:r>
-            <a:r>
-              <a:rPr lang="de-DE" dirty="0"/>
-              <a:t>, </a:t>
-            </a:r>
-            <a:r>
-              <a:rPr lang="de-DE" strike="sngStrike" dirty="0"/>
-              <a:t>4</a:t>
-            </a:r>
-            <a:r>
-              <a:rPr lang="de-DE" dirty="0"/>
-              <a:t>, </a:t>
-            </a:r>
-            <a:r>
-              <a:rPr lang="de-DE" dirty="0">
-                <a:highlight>
-                  <a:srgbClr val="FFFF00"/>
-                </a:highlight>
-              </a:rPr>
-              <a:t>5</a:t>
-            </a:r>
-            <a:r>
-              <a:rPr lang="de-DE" dirty="0"/>
-              <a:t>, </a:t>
-            </a:r>
-            <a:r>
-              <a:rPr lang="de-DE" strike="sngStrike" dirty="0"/>
-              <a:t>6</a:t>
-            </a:r>
-            <a:r>
-              <a:rPr lang="de-DE" dirty="0"/>
-              <a:t>, </a:t>
-            </a:r>
-            <a:r>
-              <a:rPr lang="de-DE" strike="sngStrike" dirty="0"/>
-              <a:t>7</a:t>
-            </a:r>
-            <a:r>
-              <a:rPr lang="de-DE" dirty="0"/>
-              <a:t>, </a:t>
-            </a:r>
-            <a:r>
-              <a:rPr lang="de-DE" strike="sngStrike" dirty="0"/>
-              <a:t>8</a:t>
-            </a:r>
-            <a:r>
-              <a:rPr lang="de-DE" dirty="0"/>
-              <a:t>, </a:t>
-            </a:r>
-            <a:r>
-              <a:rPr lang="de-DE" dirty="0">
-                <a:highlight>
-                  <a:srgbClr val="FFFF00"/>
-                </a:highlight>
-              </a:rPr>
-              <a:t>9</a:t>
-            </a:r>
-            <a:r>
-              <a:rPr lang="de-DE" dirty="0"/>
-              <a:t>, </a:t>
-            </a:r>
-            <a:r>
-              <a:rPr lang="de-DE" strike="sngStrike" dirty="0"/>
-              <a:t>10</a:t>
-            </a:r>
-            <a:r>
-              <a:rPr lang="de-DE" dirty="0"/>
-              <a:t>, </a:t>
-            </a:r>
-            <a:r>
-              <a:rPr lang="de-DE" dirty="0">
-                <a:highlight>
-                  <a:srgbClr val="FFFF00"/>
-                </a:highlight>
-              </a:rPr>
-              <a:t>11</a:t>
-            </a:r>
-            <a:r>
-              <a:rPr lang="de-DE" dirty="0"/>
-              <a:t>, </a:t>
-            </a:r>
-            <a:r>
-              <a:rPr lang="de-DE" strike="sngStrike" dirty="0"/>
-              <a:t>12</a:t>
-            </a:r>
-            <a:r>
-              <a:rPr lang="de-DE" dirty="0"/>
-              <a:t>, </a:t>
-            </a:r>
-            <a:r>
-              <a:rPr lang="de-DE" dirty="0">
-                <a:highlight>
-                  <a:srgbClr val="FFFF00"/>
-                </a:highlight>
-              </a:rPr>
-              <a:t>13</a:t>
-            </a:r>
-            <a:r>
-              <a:rPr lang="de-DE" dirty="0"/>
-              <a:t>, </a:t>
-            </a:r>
-            <a:r>
-              <a:rPr lang="de-DE" strike="sngStrike" dirty="0"/>
-              <a:t>14</a:t>
-            </a:r>
-            <a:r>
-              <a:rPr lang="de-DE" dirty="0"/>
-              <a:t>]</a:t>
-            </a:r>
-          </a:p>
-          <a:p>
-            <a:r>
-              <a:rPr lang="de-DE" dirty="0"/>
-              <a:t>	Beispiel: </a:t>
-            </a:r>
-          </a:p>
-          <a:p>
-            <a:r>
-              <a:rPr lang="de-DE" dirty="0"/>
-              <a:t>		Primfaktoren von 14 = 2 * 7</a:t>
-            </a:r>
-          </a:p>
-          <a:p>
-            <a:r>
-              <a:rPr lang="de-DE" dirty="0"/>
-              <a:t>		Primfaktoren von 6 = 2 * 3</a:t>
-            </a:r>
-          </a:p>
-          <a:p>
-            <a:r>
-              <a:rPr lang="de-DE" dirty="0"/>
-              <a:t>	Folgerung: 2 und 7 können nicht Teilfremd sein, da sie die Primfaktoren</a:t>
-            </a:r>
-          </a:p>
-          <a:p>
-            <a:r>
-              <a:rPr lang="de-DE" dirty="0"/>
-              <a:t>	von 14 sind. Und 6 kann nicht Teilfremd sein, weil einer der Primfaktoren</a:t>
-            </a:r>
-          </a:p>
-          <a:p>
-            <a:r>
-              <a:rPr lang="de-DE" dirty="0"/>
-              <a:t>	sich mit 14 geteilt wird</a:t>
-            </a:r>
-          </a:p>
-          <a:p>
-            <a:endParaRPr lang="de-DE" dirty="0"/>
-          </a:p>
-          <a:p>
-            <a:r>
-              <a:rPr lang="de-DE" dirty="0"/>
-              <a:t>Einfacher: Phi Funktion von N: Φ(N) = (p-1)*(q-1)</a:t>
-            </a:r>
-          </a:p>
-          <a:p>
-            <a:r>
-              <a:rPr lang="de-DE" dirty="0"/>
-              <a:t>Φ(N) = 6</a:t>
-            </a:r>
-          </a:p>
-          <a:p>
-            <a:endParaRPr lang="de-DE" dirty="0"/>
-          </a:p>
-          <a:p>
-            <a:endParaRPr lang="de-DE" dirty="0"/>
-          </a:p>
-          <a:p>
-            <a:endParaRPr lang="de-DE" dirty="0"/>
-          </a:p>
-          <a:p>
-            <a:endParaRPr lang="de-DE" dirty="0"/>
-          </a:p>
-          <a:p>
-            <a:endParaRPr lang="de-DE" dirty="0"/>
-          </a:p>
-          <a:p>
-            <a:endParaRPr lang="de-DE" dirty="0"/>
-          </a:p>
-          <a:p>
-            <a:endParaRPr lang="de-DE" dirty="0"/>
-          </a:p>
-          <a:p>
-            <a:endParaRPr lang="de-DE" dirty="0"/>
-          </a:p>
-          <a:p>
-            <a:endParaRPr lang="de-DE" dirty="0"/>
-          </a:p>
-          <a:p>
-            <a:pPr marL="0" lvl="2" indent="0">
-              <a:buNone/>
-            </a:pPr>
-            <a:endParaRPr lang="de-DE" dirty="0">
-              <a:solidFill>
-                <a:srgbClr val="000000"/>
-              </a:solidFill>
-            </a:endParaRPr>
-          </a:p>
-        </p:txBody>
-      </p:sp>
-      <p:sp>
-        <p:nvSpPr>
-          <p:cNvPr id="8" name="Foliennummernplatzhalter 7">
-            <a:extLst>
-              <a:ext uri="{FF2B5EF4-FFF2-40B4-BE49-F238E27FC236}">
-                <a16:creationId xmlns:a16="http://schemas.microsoft.com/office/drawing/2014/main" id="{00DE83F8-515E-ABFB-A8FD-08B7B29AAFAA}"/>
-              </a:ext>
-            </a:extLst>
-          </p:cNvPr>
-          <p:cNvSpPr>
-            <a:spLocks noGrp="1"/>
-          </p:cNvSpPr>
-          <p:nvPr>
-            <p:ph type="sldNum" sz="quarter" idx="19"/>
-          </p:nvPr>
-        </p:nvSpPr>
-        <p:spPr>
-          <a:xfrm>
-            <a:off x="503195" y="6480000"/>
-            <a:ext cx="960000" cy="192000"/>
-          </a:xfrm>
-        </p:spPr>
-        <p:txBody>
-          <a:bodyPr/>
-          <a:lstStyle/>
-          <a:p>
-            <a:fld id="{087158B1-A480-4390-8402-7A80A3BAEC4B}" type="slidenum">
-              <a:rPr lang="de-DE" smtClean="0">
-                <a:solidFill>
-                  <a:srgbClr val="000000"/>
-                </a:solidFill>
-              </a:rPr>
-              <a:pPr/>
-              <a:t>49</a:t>
-            </a:fld>
-            <a:r>
-              <a:rPr lang="de-DE" dirty="0"/>
-              <a:t> / 57</a:t>
-            </a:r>
-            <a:endParaRPr lang="de-DE" dirty="0">
-              <a:solidFill>
-                <a:srgbClr val="000000"/>
-              </a:solidFill>
-            </a:endParaRPr>
-          </a:p>
-        </p:txBody>
-      </p:sp>
-    </p:spTree>
-    <p:extLst>
-      <p:ext uri="{BB962C8B-B14F-4D97-AF65-F5344CB8AC3E}">
-        <p14:creationId xmlns:p14="http://schemas.microsoft.com/office/powerpoint/2010/main" val="2526433449"/>
       </p:ext>
     </p:extLst>
   </p:cSld>
@@ -40586,6 +40321,403 @@
         <p:cNvPr id="1" name="">
           <a:extLst>
             <a:ext uri="{FF2B5EF4-FFF2-40B4-BE49-F238E27FC236}">
+              <a16:creationId xmlns:a16="http://schemas.microsoft.com/office/drawing/2014/main" id="{D0DBB5A7-2D49-B733-6A73-12A6265D9339}"/>
+            </a:ext>
+          </a:extLst>
+        </p:cNvPr>
+        <p:cNvGrpSpPr/>
+        <p:nvPr/>
+      </p:nvGrpSpPr>
+      <p:grpSpPr>
+        <a:xfrm>
+          <a:off x="0" y="0"/>
+          <a:ext cx="0" cy="0"/>
+          <a:chOff x="0" y="0"/>
+          <a:chExt cx="0" cy="0"/>
+        </a:xfrm>
+      </p:grpSpPr>
+      <p:sp>
+        <p:nvSpPr>
+          <p:cNvPr id="3" name="Titel 2">
+            <a:extLst>
+              <a:ext uri="{FF2B5EF4-FFF2-40B4-BE49-F238E27FC236}">
+                <a16:creationId xmlns:a16="http://schemas.microsoft.com/office/drawing/2014/main" id="{035A2BD3-3C9C-20DD-E679-6E25CACECDDA}"/>
+              </a:ext>
+            </a:extLst>
+          </p:cNvPr>
+          <p:cNvSpPr>
+            <a:spLocks noGrp="1"/>
+          </p:cNvSpPr>
+          <p:nvPr>
+            <p:ph type="ctrTitle"/>
+          </p:nvPr>
+        </p:nvSpPr>
+        <p:spPr>
+          <a:xfrm>
+            <a:off x="501651" y="1365251"/>
+            <a:ext cx="8955605" cy="477948"/>
+          </a:xfrm>
+        </p:spPr>
+        <p:txBody>
+          <a:bodyPr/>
+          <a:lstStyle/>
+          <a:p>
+            <a:r>
+              <a:rPr lang="de-DE" dirty="0">
+                <a:solidFill>
+                  <a:srgbClr val="000000"/>
+                </a:solidFill>
+              </a:rPr>
+              <a:t>7.3 Beispiel für RSA Schlüsselgenerierung</a:t>
+            </a:r>
+          </a:p>
+        </p:txBody>
+      </p:sp>
+      <p:sp>
+        <p:nvSpPr>
+          <p:cNvPr id="10" name="Textplatzhalter 9">
+            <a:extLst>
+              <a:ext uri="{FF2B5EF4-FFF2-40B4-BE49-F238E27FC236}">
+                <a16:creationId xmlns:a16="http://schemas.microsoft.com/office/drawing/2014/main" id="{38E40D65-AA94-A10A-E27F-1AD6D1220A3C}"/>
+              </a:ext>
+            </a:extLst>
+          </p:cNvPr>
+          <p:cNvSpPr>
+            <a:spLocks noGrp="1"/>
+          </p:cNvSpPr>
+          <p:nvPr>
+            <p:ph type="body" sz="quarter" idx="17"/>
+          </p:nvPr>
+        </p:nvSpPr>
+        <p:spPr>
+          <a:xfrm>
+            <a:off x="501651" y="2125433"/>
+            <a:ext cx="8955605" cy="4154720"/>
+          </a:xfrm>
+        </p:spPr>
+        <p:txBody>
+          <a:bodyPr/>
+          <a:lstStyle/>
+          <a:p>
+            <a:r>
+              <a:rPr lang="de-DE" dirty="0"/>
+              <a:t>3.:</a:t>
+            </a:r>
+          </a:p>
+          <a:p>
+            <a:r>
+              <a:rPr lang="de-DE" dirty="0"/>
+              <a:t>Berechne die Anzahl an Teilfremden (</a:t>
+            </a:r>
+            <a:r>
+              <a:rPr lang="de-DE" dirty="0" err="1"/>
+              <a:t>coprimes</a:t>
+            </a:r>
+            <a:r>
+              <a:rPr lang="de-DE" dirty="0"/>
+              <a:t>) von 14</a:t>
+            </a:r>
+          </a:p>
+          <a:p>
+            <a:r>
+              <a:rPr lang="de-DE" dirty="0"/>
+              <a:t> [</a:t>
+            </a:r>
+            <a:r>
+              <a:rPr lang="de-DE" dirty="0">
+                <a:highlight>
+                  <a:srgbClr val="FFFF00"/>
+                </a:highlight>
+              </a:rPr>
+              <a:t>1</a:t>
+            </a:r>
+            <a:r>
+              <a:rPr lang="de-DE" dirty="0"/>
+              <a:t>, </a:t>
+            </a:r>
+            <a:r>
+              <a:rPr lang="de-DE" strike="sngStrike" dirty="0"/>
+              <a:t>2</a:t>
+            </a:r>
+            <a:r>
+              <a:rPr lang="de-DE" dirty="0"/>
+              <a:t>, </a:t>
+            </a:r>
+            <a:r>
+              <a:rPr lang="de-DE" dirty="0">
+                <a:highlight>
+                  <a:srgbClr val="FFFF00"/>
+                </a:highlight>
+              </a:rPr>
+              <a:t>3</a:t>
+            </a:r>
+            <a:r>
+              <a:rPr lang="de-DE" dirty="0"/>
+              <a:t>, </a:t>
+            </a:r>
+            <a:r>
+              <a:rPr lang="de-DE" strike="sngStrike" dirty="0"/>
+              <a:t>4</a:t>
+            </a:r>
+            <a:r>
+              <a:rPr lang="de-DE" dirty="0"/>
+              <a:t>, </a:t>
+            </a:r>
+            <a:r>
+              <a:rPr lang="de-DE" dirty="0">
+                <a:highlight>
+                  <a:srgbClr val="FFFF00"/>
+                </a:highlight>
+              </a:rPr>
+              <a:t>5</a:t>
+            </a:r>
+            <a:r>
+              <a:rPr lang="de-DE" dirty="0"/>
+              <a:t>, </a:t>
+            </a:r>
+            <a:r>
+              <a:rPr lang="de-DE" strike="sngStrike" dirty="0"/>
+              <a:t>6</a:t>
+            </a:r>
+            <a:r>
+              <a:rPr lang="de-DE" dirty="0"/>
+              <a:t>, </a:t>
+            </a:r>
+            <a:r>
+              <a:rPr lang="de-DE" strike="sngStrike" dirty="0"/>
+              <a:t>7</a:t>
+            </a:r>
+            <a:r>
+              <a:rPr lang="de-DE" dirty="0"/>
+              <a:t>, </a:t>
+            </a:r>
+            <a:r>
+              <a:rPr lang="de-DE" strike="sngStrike" dirty="0"/>
+              <a:t>8</a:t>
+            </a:r>
+            <a:r>
+              <a:rPr lang="de-DE" dirty="0"/>
+              <a:t>, </a:t>
+            </a:r>
+            <a:r>
+              <a:rPr lang="de-DE" dirty="0">
+                <a:highlight>
+                  <a:srgbClr val="FFFF00"/>
+                </a:highlight>
+              </a:rPr>
+              <a:t>9</a:t>
+            </a:r>
+            <a:r>
+              <a:rPr lang="de-DE" dirty="0"/>
+              <a:t>, </a:t>
+            </a:r>
+            <a:r>
+              <a:rPr lang="de-DE" strike="sngStrike" dirty="0"/>
+              <a:t>10</a:t>
+            </a:r>
+            <a:r>
+              <a:rPr lang="de-DE" dirty="0"/>
+              <a:t>, </a:t>
+            </a:r>
+            <a:r>
+              <a:rPr lang="de-DE" dirty="0">
+                <a:highlight>
+                  <a:srgbClr val="FFFF00"/>
+                </a:highlight>
+              </a:rPr>
+              <a:t>11</a:t>
+            </a:r>
+            <a:r>
+              <a:rPr lang="de-DE" dirty="0"/>
+              <a:t>, </a:t>
+            </a:r>
+            <a:r>
+              <a:rPr lang="de-DE" strike="sngStrike" dirty="0"/>
+              <a:t>12</a:t>
+            </a:r>
+            <a:r>
+              <a:rPr lang="de-DE" dirty="0"/>
+              <a:t>, </a:t>
+            </a:r>
+            <a:r>
+              <a:rPr lang="de-DE" dirty="0">
+                <a:highlight>
+                  <a:srgbClr val="FFFF00"/>
+                </a:highlight>
+              </a:rPr>
+              <a:t>13</a:t>
+            </a:r>
+            <a:r>
+              <a:rPr lang="de-DE" dirty="0"/>
+              <a:t>, </a:t>
+            </a:r>
+            <a:r>
+              <a:rPr lang="de-DE" strike="sngStrike" dirty="0"/>
+              <a:t>14</a:t>
+            </a:r>
+            <a:r>
+              <a:rPr lang="de-DE" dirty="0"/>
+              <a:t>]</a:t>
+            </a:r>
+          </a:p>
+          <a:p>
+            <a:r>
+              <a:rPr lang="de-DE" dirty="0"/>
+              <a:t>	Beispiel: </a:t>
+            </a:r>
+          </a:p>
+          <a:p>
+            <a:r>
+              <a:rPr lang="de-DE" dirty="0"/>
+              <a:t>		Primfaktoren von 14 = 2 * 7</a:t>
+            </a:r>
+          </a:p>
+          <a:p>
+            <a:r>
+              <a:rPr lang="de-DE" dirty="0"/>
+              <a:t>		Primfaktoren von 6 = 2 * 3</a:t>
+            </a:r>
+          </a:p>
+          <a:p>
+            <a:r>
+              <a:rPr lang="de-DE" dirty="0"/>
+              <a:t>	Folgerung: 2 und 7 können nicht Teilfremd sein, da sie die Primfaktoren</a:t>
+            </a:r>
+          </a:p>
+          <a:p>
+            <a:r>
+              <a:rPr lang="de-DE" dirty="0"/>
+              <a:t>	von 14 sind. Und 6 kann nicht Teilfremd sein, weil einer der Primfaktoren</a:t>
+            </a:r>
+          </a:p>
+          <a:p>
+            <a:r>
+              <a:rPr lang="de-DE" dirty="0"/>
+              <a:t>	sich mit 14 geteilt wird</a:t>
+            </a:r>
+          </a:p>
+          <a:p>
+            <a:endParaRPr lang="de-DE" dirty="0"/>
+          </a:p>
+          <a:p>
+            <a:r>
+              <a:rPr lang="de-DE" dirty="0"/>
+              <a:t>Einfacher: Phi Funktion von N: Φ(N) = (p-1)*(q-1)</a:t>
+            </a:r>
+          </a:p>
+          <a:p>
+            <a:r>
+              <a:rPr lang="de-DE" dirty="0"/>
+              <a:t>Φ(N) = 6</a:t>
+            </a:r>
+          </a:p>
+          <a:p>
+            <a:endParaRPr lang="de-DE" dirty="0"/>
+          </a:p>
+          <a:p>
+            <a:endParaRPr lang="de-DE" dirty="0"/>
+          </a:p>
+          <a:p>
+            <a:endParaRPr lang="de-DE" dirty="0"/>
+          </a:p>
+          <a:p>
+            <a:endParaRPr lang="de-DE" dirty="0"/>
+          </a:p>
+          <a:p>
+            <a:endParaRPr lang="de-DE" dirty="0"/>
+          </a:p>
+          <a:p>
+            <a:endParaRPr lang="de-DE" dirty="0"/>
+          </a:p>
+          <a:p>
+            <a:endParaRPr lang="de-DE" dirty="0"/>
+          </a:p>
+          <a:p>
+            <a:endParaRPr lang="de-DE" dirty="0"/>
+          </a:p>
+          <a:p>
+            <a:endParaRPr lang="de-DE" dirty="0"/>
+          </a:p>
+          <a:p>
+            <a:pPr marL="0" lvl="2" indent="0">
+              <a:buNone/>
+            </a:pPr>
+            <a:endParaRPr lang="de-DE" dirty="0">
+              <a:solidFill>
+                <a:srgbClr val="000000"/>
+              </a:solidFill>
+            </a:endParaRPr>
+          </a:p>
+        </p:txBody>
+      </p:sp>
+      <p:sp>
+        <p:nvSpPr>
+          <p:cNvPr id="8" name="Foliennummernplatzhalter 7">
+            <a:extLst>
+              <a:ext uri="{FF2B5EF4-FFF2-40B4-BE49-F238E27FC236}">
+                <a16:creationId xmlns:a16="http://schemas.microsoft.com/office/drawing/2014/main" id="{00DE83F8-515E-ABFB-A8FD-08B7B29AAFAA}"/>
+              </a:ext>
+            </a:extLst>
+          </p:cNvPr>
+          <p:cNvSpPr>
+            <a:spLocks noGrp="1"/>
+          </p:cNvSpPr>
+          <p:nvPr>
+            <p:ph type="sldNum" sz="quarter" idx="19"/>
+          </p:nvPr>
+        </p:nvSpPr>
+        <p:spPr>
+          <a:xfrm>
+            <a:off x="503195" y="6480000"/>
+            <a:ext cx="960000" cy="192000"/>
+          </a:xfrm>
+        </p:spPr>
+        <p:txBody>
+          <a:bodyPr/>
+          <a:lstStyle/>
+          <a:p>
+            <a:fld id="{087158B1-A480-4390-8402-7A80A3BAEC4B}" type="slidenum">
+              <a:rPr lang="de-DE" smtClean="0">
+                <a:solidFill>
+                  <a:srgbClr val="000000"/>
+                </a:solidFill>
+              </a:rPr>
+              <a:pPr/>
+              <a:t>50</a:t>
+            </a:fld>
+            <a:r>
+              <a:rPr lang="de-DE" dirty="0"/>
+              <a:t> / 57</a:t>
+            </a:r>
+            <a:endParaRPr lang="de-DE" dirty="0">
+              <a:solidFill>
+                <a:srgbClr val="000000"/>
+              </a:solidFill>
+            </a:endParaRPr>
+          </a:p>
+        </p:txBody>
+      </p:sp>
+    </p:spTree>
+    <p:extLst>
+      <p:ext uri="{BB962C8B-B14F-4D97-AF65-F5344CB8AC3E}">
+        <p14:creationId xmlns:p14="http://schemas.microsoft.com/office/powerpoint/2010/main" val="2526433449"/>
+      </p:ext>
+    </p:extLst>
+  </p:cSld>
+  <p:clrMapOvr>
+    <a:masterClrMapping/>
+  </p:clrMapOvr>
+</p:sld>
+</file>
+
+<file path=ppt/slides/slide51.xml><?xml version="1.0" encoding="utf-8"?>
+<p:sld xmlns:a="http://schemas.openxmlformats.org/drawingml/2006/main" xmlns:r="http://schemas.openxmlformats.org/officeDocument/2006/relationships" xmlns:p="http://schemas.openxmlformats.org/presentationml/2006/main">
+  <p:cSld>
+    <p:spTree>
+      <p:nvGrpSpPr>
+        <p:cNvPr id="1" name="">
+          <a:extLst>
+            <a:ext uri="{FF2B5EF4-FFF2-40B4-BE49-F238E27FC236}">
               <a16:creationId xmlns:a16="http://schemas.microsoft.com/office/drawing/2014/main" id="{5568C04B-4C83-91CF-89AC-D20B310FD593}"/>
             </a:ext>
           </a:extLst>
@@ -40780,7 +40912,7 @@
                 </a:solidFill>
               </a:rPr>
               <a:pPr/>
-              <a:t>50</a:t>
+              <a:t>51</a:t>
             </a:fld>
             <a:r>
               <a:rPr lang="de-DE" dirty="0"/>
@@ -40807,7 +40939,7 @@
 </p:sld>
 </file>
 
-<file path=ppt/slides/slide51.xml><?xml version="1.0" encoding="utf-8"?>
+<file path=ppt/slides/slide52.xml><?xml version="1.0" encoding="utf-8"?>
 <p:sld xmlns:a="http://schemas.openxmlformats.org/drawingml/2006/main" xmlns:r="http://schemas.openxmlformats.org/officeDocument/2006/relationships" xmlns:p="http://schemas.openxmlformats.org/presentationml/2006/main">
   <p:cSld>
     <p:spTree>
@@ -41033,7 +41165,7 @@
                 </a:solidFill>
               </a:rPr>
               <a:pPr/>
-              <a:t>51</a:t>
+              <a:t>52</a:t>
             </a:fld>
             <a:r>
               <a:rPr lang="de-DE" dirty="0"/>
@@ -41051,218 +41183,6 @@
     <p:extLst>
       <p:ext uri="{BB962C8B-B14F-4D97-AF65-F5344CB8AC3E}">
         <p14:creationId xmlns:p14="http://schemas.microsoft.com/office/powerpoint/2010/main" val="350746444"/>
-      </p:ext>
-    </p:extLst>
-  </p:cSld>
-  <p:clrMapOvr>
-    <a:masterClrMapping/>
-  </p:clrMapOvr>
-</p:sld>
-</file>
-
-<file path=ppt/slides/slide52.xml><?xml version="1.0" encoding="utf-8"?>
-<p:sld xmlns:a="http://schemas.openxmlformats.org/drawingml/2006/main" xmlns:r="http://schemas.openxmlformats.org/officeDocument/2006/relationships" xmlns:p="http://schemas.openxmlformats.org/presentationml/2006/main">
-  <p:cSld>
-    <p:spTree>
-      <p:nvGrpSpPr>
-        <p:cNvPr id="1" name="">
-          <a:extLst>
-            <a:ext uri="{FF2B5EF4-FFF2-40B4-BE49-F238E27FC236}">
-              <a16:creationId xmlns:a16="http://schemas.microsoft.com/office/drawing/2014/main" id="{E5EB18F8-BEE9-CDA1-0331-F2A3DA1DF4DF}"/>
-            </a:ext>
-          </a:extLst>
-        </p:cNvPr>
-        <p:cNvGrpSpPr/>
-        <p:nvPr/>
-      </p:nvGrpSpPr>
-      <p:grpSpPr>
-        <a:xfrm>
-          <a:off x="0" y="0"/>
-          <a:ext cx="0" cy="0"/>
-          <a:chOff x="0" y="0"/>
-          <a:chExt cx="0" cy="0"/>
-        </a:xfrm>
-      </p:grpSpPr>
-      <p:sp>
-        <p:nvSpPr>
-          <p:cNvPr id="2" name="Textplatzhalter 1">
-            <a:extLst>
-              <a:ext uri="{FF2B5EF4-FFF2-40B4-BE49-F238E27FC236}">
-                <a16:creationId xmlns:a16="http://schemas.microsoft.com/office/drawing/2014/main" id="{DE819EBD-0CDE-727B-5FF2-12FED9D741B8}"/>
-              </a:ext>
-            </a:extLst>
-          </p:cNvPr>
-          <p:cNvSpPr>
-            <a:spLocks noGrp="1"/>
-          </p:cNvSpPr>
-          <p:nvPr>
-            <p:ph type="body" sz="quarter" idx="14"/>
-          </p:nvPr>
-        </p:nvSpPr>
-        <p:spPr>
-          <a:xfrm>
-            <a:off x="501662" y="2125432"/>
-            <a:ext cx="8955605" cy="576000"/>
-          </a:xfrm>
-        </p:spPr>
-        <p:txBody>
-          <a:bodyPr/>
-          <a:lstStyle/>
-          <a:p>
-            <a:r>
-              <a:rPr lang="de-DE" dirty="0">
-                <a:solidFill>
-                  <a:srgbClr val="000000"/>
-                </a:solidFill>
-              </a:rPr>
-              <a:t>Verdana 12pt Ich bin Blindtext. Von Geburt an. Es hat lange gedauert, bis ich begriffen habe, was es bedeutet, ein blinder Text zu sein: Man macht keinen Sinn.</a:t>
-            </a:r>
-          </a:p>
-        </p:txBody>
-      </p:sp>
-      <p:sp>
-        <p:nvSpPr>
-          <p:cNvPr id="3" name="Titel 2">
-            <a:extLst>
-              <a:ext uri="{FF2B5EF4-FFF2-40B4-BE49-F238E27FC236}">
-                <a16:creationId xmlns:a16="http://schemas.microsoft.com/office/drawing/2014/main" id="{4EB3DEA6-0EA6-4801-B9A9-A676E6A390A1}"/>
-              </a:ext>
-            </a:extLst>
-          </p:cNvPr>
-          <p:cNvSpPr>
-            <a:spLocks noGrp="1"/>
-          </p:cNvSpPr>
-          <p:nvPr>
-            <p:ph type="ctrTitle"/>
-          </p:nvPr>
-        </p:nvSpPr>
-        <p:spPr>
-          <a:xfrm>
-            <a:off x="501651" y="1365251"/>
-            <a:ext cx="8955605" cy="477948"/>
-          </a:xfrm>
-        </p:spPr>
-        <p:txBody>
-          <a:bodyPr/>
-          <a:lstStyle/>
-          <a:p>
-            <a:r>
-              <a:rPr lang="de-DE" dirty="0">
-                <a:solidFill>
-                  <a:srgbClr val="000000"/>
-                </a:solidFill>
-              </a:rPr>
-              <a:t>Kapitelfolie, Verdana 24pt</a:t>
-            </a:r>
-          </a:p>
-        </p:txBody>
-      </p:sp>
-      <p:sp>
-        <p:nvSpPr>
-          <p:cNvPr id="10" name="Textplatzhalter 9">
-            <a:extLst>
-              <a:ext uri="{FF2B5EF4-FFF2-40B4-BE49-F238E27FC236}">
-                <a16:creationId xmlns:a16="http://schemas.microsoft.com/office/drawing/2014/main" id="{EF2BEC88-53CE-05D3-AC5F-79746749222C}"/>
-              </a:ext>
-            </a:extLst>
-          </p:cNvPr>
-          <p:cNvSpPr>
-            <a:spLocks noGrp="1"/>
-          </p:cNvSpPr>
-          <p:nvPr>
-            <p:ph type="body" sz="quarter" idx="17"/>
-          </p:nvPr>
-        </p:nvSpPr>
-        <p:spPr/>
-        <p:txBody>
-          <a:bodyPr/>
-          <a:lstStyle/>
-          <a:p>
-            <a:pPr lvl="2"/>
-            <a:r>
-              <a:rPr lang="de-DE" dirty="0">
-                <a:solidFill>
-                  <a:srgbClr val="000000"/>
-                </a:solidFill>
-              </a:rPr>
-              <a:t>Ich bin Blindtext. </a:t>
-            </a:r>
-          </a:p>
-          <a:p>
-            <a:pPr lvl="3"/>
-            <a:r>
-              <a:rPr lang="de-DE" dirty="0">
-                <a:solidFill>
-                  <a:srgbClr val="000000"/>
-                </a:solidFill>
-              </a:rPr>
-              <a:t>Von Geburt an. Es hat lange gedauert, bis ich begriffen habe, was es bedeutet, ein blinder Text zu sein. </a:t>
-            </a:r>
-          </a:p>
-          <a:p>
-            <a:pPr lvl="3"/>
-            <a:r>
-              <a:rPr lang="de-DE" dirty="0">
-                <a:solidFill>
-                  <a:srgbClr val="000000"/>
-                </a:solidFill>
-              </a:rPr>
-              <a:t>Man macht keinen Sinn.</a:t>
-            </a:r>
-          </a:p>
-        </p:txBody>
-      </p:sp>
-      <p:sp>
-        <p:nvSpPr>
-          <p:cNvPr id="8" name="Foliennummernplatzhalter 7">
-            <a:extLst>
-              <a:ext uri="{FF2B5EF4-FFF2-40B4-BE49-F238E27FC236}">
-                <a16:creationId xmlns:a16="http://schemas.microsoft.com/office/drawing/2014/main" id="{15900611-F5F9-F823-E2E6-AB5801FC4A80}"/>
-              </a:ext>
-            </a:extLst>
-          </p:cNvPr>
-          <p:cNvSpPr>
-            <a:spLocks noGrp="1"/>
-          </p:cNvSpPr>
-          <p:nvPr>
-            <p:ph type="sldNum" sz="quarter" idx="19"/>
-          </p:nvPr>
-        </p:nvSpPr>
-        <p:spPr>
-          <a:xfrm>
-            <a:off x="503195" y="6480000"/>
-            <a:ext cx="960000" cy="192000"/>
-          </a:xfrm>
-        </p:spPr>
-        <p:txBody>
-          <a:bodyPr/>
-          <a:lstStyle/>
-          <a:p>
-            <a:fld id="{087158B1-A480-4390-8402-7A80A3BAEC4B}" type="slidenum">
-              <a:rPr lang="de-DE" smtClean="0">
-                <a:solidFill>
-                  <a:srgbClr val="000000"/>
-                </a:solidFill>
-              </a:rPr>
-              <a:pPr/>
-              <a:t>52</a:t>
-            </a:fld>
-            <a:r>
-              <a:rPr lang="de-DE" dirty="0"/>
-              <a:t> / 57</a:t>
-            </a:r>
-            <a:endParaRPr lang="de-DE" dirty="0">
-              <a:solidFill>
-                <a:srgbClr val="000000"/>
-              </a:solidFill>
-            </a:endParaRPr>
-          </a:p>
-        </p:txBody>
-      </p:sp>
-    </p:spTree>
-    <p:extLst>
-      <p:ext uri="{BB962C8B-B14F-4D97-AF65-F5344CB8AC3E}">
-        <p14:creationId xmlns:p14="http://schemas.microsoft.com/office/powerpoint/2010/main" val="2651614653"/>
       </p:ext>
     </p:extLst>
   </p:cSld>
@@ -44331,6 +44251,15 @@
 </file>
 
 <file path=customXml/item1.xml><?xml version="1.0" encoding="utf-8"?>
+<?mso-contentType ?>
+<FormTemplates xmlns="http://schemas.microsoft.com/sharepoint/v3/contenttype/forms">
+  <Display>DocumentLibraryForm</Display>
+  <Edit>DocumentLibraryForm</Edit>
+  <New>DocumentLibraryForm</New>
+</FormTemplates>
+</file>
+
+<file path=customXml/item2.xml><?xml version="1.0" encoding="utf-8"?>
 <ct:contentTypeSchema xmlns:ct="http://schemas.microsoft.com/office/2006/metadata/contentType" xmlns:ma="http://schemas.microsoft.com/office/2006/metadata/properties/metaAttributes" ct:_="" ma:_="" ma:contentTypeName="Dokument" ma:contentTypeID="0x0101006D002FDE7163574DB40222E8981F3698" ma:contentTypeVersion="5" ma:contentTypeDescription="Ein neues Dokument erstellen." ma:contentTypeScope="" ma:versionID="2edde0d93576e5927b241fa7c2f72a42">
   <xsd:schema xmlns:xsd="http://www.w3.org/2001/XMLSchema" xmlns:xs="http://www.w3.org/2001/XMLSchema" xmlns:p="http://schemas.microsoft.com/office/2006/metadata/properties" xmlns:ns2="b58a100f-d82e-42bd-9463-97b1040303a1" targetNamespace="http://schemas.microsoft.com/office/2006/metadata/properties" ma:root="true" ma:fieldsID="20660e5945343c88d38fb64c211d8d2e" ns2:_="">
     <xsd:import namespace="b58a100f-d82e-42bd-9463-97b1040303a1"/>
@@ -44485,15 +44414,6 @@
 </ct:contentTypeSchema>
 </file>
 
-<file path=customXml/item2.xml><?xml version="1.0" encoding="utf-8"?>
-<?mso-contentType ?>
-<FormTemplates xmlns="http://schemas.microsoft.com/sharepoint/v3/contenttype/forms">
-  <Display>DocumentLibraryForm</Display>
-  <Edit>DocumentLibraryForm</Edit>
-  <New>DocumentLibraryForm</New>
-</FormTemplates>
-</file>
-
 <file path=customXml/item3.xml><?xml version="1.0" encoding="utf-8"?>
 <p:properties xmlns:p="http://schemas.microsoft.com/office/2006/metadata/properties" xmlns:xsi="http://www.w3.org/2001/XMLSchema-instance" xmlns:pc="http://schemas.microsoft.com/office/infopath/2007/PartnerControls">
   <documentManagement>
@@ -44503,6 +44423,14 @@
 </file>
 
 <file path=customXml/itemProps1.xml><?xml version="1.0" encoding="utf-8"?>
+<ds:datastoreItem xmlns:ds="http://schemas.openxmlformats.org/officeDocument/2006/customXml" ds:itemID="{367FB75D-F70B-4660-AB7E-C20E7B16A13D}">
+  <ds:schemaRefs>
+    <ds:schemaRef ds:uri="http://schemas.microsoft.com/sharepoint/v3/contenttype/forms"/>
+  </ds:schemaRefs>
+</ds:datastoreItem>
+</file>
+
+<file path=customXml/itemProps2.xml><?xml version="1.0" encoding="utf-8"?>
 <ds:datastoreItem xmlns:ds="http://schemas.openxmlformats.org/officeDocument/2006/customXml" ds:itemID="{BB3F971A-6B06-48BD-85FD-6BA426F4640A}">
   <ds:schemaRefs>
     <ds:schemaRef ds:uri="http://schemas.microsoft.com/office/2006/metadata/contentType"/>
@@ -44520,14 +44448,6 @@
 </ds:datastoreItem>
 </file>
 
-<file path=customXml/itemProps2.xml><?xml version="1.0" encoding="utf-8"?>
-<ds:datastoreItem xmlns:ds="http://schemas.openxmlformats.org/officeDocument/2006/customXml" ds:itemID="{367FB75D-F70B-4660-AB7E-C20E7B16A13D}">
-  <ds:schemaRefs>
-    <ds:schemaRef ds:uri="http://schemas.microsoft.com/sharepoint/v3/contenttype/forms"/>
-  </ds:schemaRefs>
-</ds:datastoreItem>
-</file>
-
 <file path=customXml/itemProps3.xml><?xml version="1.0" encoding="utf-8"?>
 <ds:datastoreItem xmlns:ds="http://schemas.openxmlformats.org/officeDocument/2006/customXml" ds:itemID="{C2077F53-92EE-4857-AAC1-BA1FF4BD2AFD}">
   <ds:schemaRefs>

--- a/alles was kein code ist/Vortrag Algorithmen/gaengige_algorithmen_luna_bruentrup.pptx
+++ b/alles was kein code ist/Vortrag Algorithmen/gaengige_algorithmen_luna_bruentrup.pptx
@@ -197,7 +197,7 @@
   <pc:docChgLst>
     <pc:chgData name="Brüntrup, Luna Nox Fea" userId="e756c84f-b282-410e-9d44-26088df5a1d0" providerId="ADAL" clId="{6AA40660-2766-4BD1-A74F-821FA76EB466}"/>
     <pc:docChg chg="undo custSel addSld delSld modSld sldOrd">
-      <pc:chgData name="Brüntrup, Luna Nox Fea" userId="e756c84f-b282-410e-9d44-26088df5a1d0" providerId="ADAL" clId="{6AA40660-2766-4BD1-A74F-821FA76EB466}" dt="2026-01-06T20:45:56.704" v="10335" actId="47"/>
+      <pc:chgData name="Brüntrup, Luna Nox Fea" userId="e756c84f-b282-410e-9d44-26088df5a1d0" providerId="ADAL" clId="{6AA40660-2766-4BD1-A74F-821FA76EB466}" dt="2026-01-07T11:24:54.223" v="10372" actId="729"/>
       <pc:docMkLst>
         <pc:docMk/>
       </pc:docMkLst>
@@ -252,28 +252,12 @@
           <pc:docMk/>
           <pc:sldMk cId="531105595" sldId="260"/>
         </pc:sldMkLst>
-        <pc:spChg chg="del">
-          <ac:chgData name="Brüntrup, Luna Nox Fea" userId="e756c84f-b282-410e-9d44-26088df5a1d0" providerId="ADAL" clId="{6AA40660-2766-4BD1-A74F-821FA76EB466}" dt="2026-01-05T19:50:12.330" v="452" actId="478"/>
-          <ac:spMkLst>
-            <pc:docMk/>
-            <pc:sldMk cId="531105595" sldId="260"/>
-            <ac:spMk id="2" creationId="{A3BAAC1B-5A00-419A-A85C-39942FD53177}"/>
-          </ac:spMkLst>
-        </pc:spChg>
         <pc:spChg chg="mod">
           <ac:chgData name="Brüntrup, Luna Nox Fea" userId="e756c84f-b282-410e-9d44-26088df5a1d0" providerId="ADAL" clId="{6AA40660-2766-4BD1-A74F-821FA76EB466}" dt="2026-01-05T19:49:39.040" v="451" actId="20577"/>
           <ac:spMkLst>
             <pc:docMk/>
             <pc:sldMk cId="531105595" sldId="260"/>
             <ac:spMk id="3" creationId="{6F843B00-350B-4A55-B5BE-5162E766D9A6}"/>
-          </ac:spMkLst>
-        </pc:spChg>
-        <pc:spChg chg="add del mod">
-          <ac:chgData name="Brüntrup, Luna Nox Fea" userId="e756c84f-b282-410e-9d44-26088df5a1d0" providerId="ADAL" clId="{6AA40660-2766-4BD1-A74F-821FA76EB466}" dt="2026-01-05T19:50:34.230" v="456" actId="478"/>
-          <ac:spMkLst>
-            <pc:docMk/>
-            <pc:sldMk cId="531105595" sldId="260"/>
-            <ac:spMk id="5" creationId="{B162C871-3ADF-0F74-5822-58536B02A868}"/>
           </ac:spMkLst>
         </pc:spChg>
         <pc:spChg chg="add mod">
@@ -599,28 +583,12 @@
             <ac:spMk id="2" creationId="{3FD228C8-F404-34BD-3308-C6C615688FAF}"/>
           </ac:spMkLst>
         </pc:spChg>
-        <pc:spChg chg="add del mod">
-          <ac:chgData name="Brüntrup, Luna Nox Fea" userId="e756c84f-b282-410e-9d44-26088df5a1d0" providerId="ADAL" clId="{6AA40660-2766-4BD1-A74F-821FA76EB466}" dt="2026-01-05T19:38:42.046" v="277" actId="478"/>
-          <ac:spMkLst>
-            <pc:docMk/>
-            <pc:sldMk cId="3888003861" sldId="363"/>
-            <ac:spMk id="4" creationId="{F2AAC016-A84F-C020-34D9-0CFD919C39BA}"/>
-          </ac:spMkLst>
-        </pc:spChg>
         <pc:spChg chg="mod">
           <ac:chgData name="Brüntrup, Luna Nox Fea" userId="e756c84f-b282-410e-9d44-26088df5a1d0" providerId="ADAL" clId="{6AA40660-2766-4BD1-A74F-821FA76EB466}" dt="2026-01-06T02:29:52.120" v="10121" actId="20577"/>
           <ac:spMkLst>
             <pc:docMk/>
             <pc:sldMk cId="3888003861" sldId="363"/>
             <ac:spMk id="5" creationId="{56AC557D-8F70-1E10-C143-12C84A28BE17}"/>
-          </ac:spMkLst>
-        </pc:spChg>
-        <pc:spChg chg="del mod">
-          <ac:chgData name="Brüntrup, Luna Nox Fea" userId="e756c84f-b282-410e-9d44-26088df5a1d0" providerId="ADAL" clId="{6AA40660-2766-4BD1-A74F-821FA76EB466}" dt="2026-01-05T19:38:38.370" v="276" actId="478"/>
-          <ac:spMkLst>
-            <pc:docMk/>
-            <pc:sldMk cId="3888003861" sldId="363"/>
-            <ac:spMk id="6" creationId="{008D6F4A-601F-4349-9BBC-C061FF58D383}"/>
           </ac:spMkLst>
         </pc:spChg>
         <pc:spChg chg="mod">
@@ -724,28 +692,12 @@
             <ac:spMk id="2" creationId="{43DBD9D2-B905-61A4-D1D7-00C8090CFC4D}"/>
           </ac:spMkLst>
         </pc:spChg>
-        <pc:spChg chg="add del mod">
-          <ac:chgData name="Brüntrup, Luna Nox Fea" userId="e756c84f-b282-410e-9d44-26088df5a1d0" providerId="ADAL" clId="{6AA40660-2766-4BD1-A74F-821FA76EB466}" dt="2026-01-05T21:07:36.254" v="2257" actId="478"/>
-          <ac:spMkLst>
-            <pc:docMk/>
-            <pc:sldMk cId="1536928947" sldId="374"/>
-            <ac:spMk id="4" creationId="{39FB94C0-D928-5B74-166F-EFE51F461BFF}"/>
-          </ac:spMkLst>
-        </pc:spChg>
         <pc:spChg chg="mod">
           <ac:chgData name="Brüntrup, Luna Nox Fea" userId="e756c84f-b282-410e-9d44-26088df5a1d0" providerId="ADAL" clId="{6AA40660-2766-4BD1-A74F-821FA76EB466}" dt="2026-01-05T21:08:13.587" v="2307" actId="122"/>
           <ac:spMkLst>
             <pc:docMk/>
             <pc:sldMk cId="1536928947" sldId="374"/>
             <ac:spMk id="5" creationId="{326E3DC6-CB93-EA17-8894-E7A9AFAAAC97}"/>
-          </ac:spMkLst>
-        </pc:spChg>
-        <pc:spChg chg="del">
-          <ac:chgData name="Brüntrup, Luna Nox Fea" userId="e756c84f-b282-410e-9d44-26088df5a1d0" providerId="ADAL" clId="{6AA40660-2766-4BD1-A74F-821FA76EB466}" dt="2026-01-05T21:07:32.897" v="2256" actId="478"/>
-          <ac:spMkLst>
-            <pc:docMk/>
-            <pc:sldMk cId="1536928947" sldId="374"/>
-            <ac:spMk id="6" creationId="{7240246E-F681-2859-2994-456CFACBD20B}"/>
           </ac:spMkLst>
         </pc:spChg>
         <pc:spChg chg="del">
@@ -1042,28 +994,12 @@
           <pc:docMk/>
           <pc:sldMk cId="2294793074" sldId="2147481832"/>
         </pc:sldMkLst>
-        <pc:spChg chg="del">
-          <ac:chgData name="Brüntrup, Luna Nox Fea" userId="e756c84f-b282-410e-9d44-26088df5a1d0" providerId="ADAL" clId="{6AA40660-2766-4BD1-A74F-821FA76EB466}" dt="2026-01-05T20:02:02.397" v="911" actId="478"/>
-          <ac:spMkLst>
-            <pc:docMk/>
-            <pc:sldMk cId="2294793074" sldId="2147481832"/>
-            <ac:spMk id="2" creationId="{1CBA0CFA-2343-6C5B-0208-6E046271F26D}"/>
-          </ac:spMkLst>
-        </pc:spChg>
         <pc:spChg chg="mod">
           <ac:chgData name="Brüntrup, Luna Nox Fea" userId="e756c84f-b282-410e-9d44-26088df5a1d0" providerId="ADAL" clId="{6AA40660-2766-4BD1-A74F-821FA76EB466}" dt="2026-01-05T20:01:16.405" v="909"/>
           <ac:spMkLst>
             <pc:docMk/>
             <pc:sldMk cId="2294793074" sldId="2147481832"/>
             <ac:spMk id="3" creationId="{3DAD74AE-3095-1342-44C0-671F60FB9F7E}"/>
-          </ac:spMkLst>
-        </pc:spChg>
-        <pc:spChg chg="add del mod">
-          <ac:chgData name="Brüntrup, Luna Nox Fea" userId="e756c84f-b282-410e-9d44-26088df5a1d0" providerId="ADAL" clId="{6AA40660-2766-4BD1-A74F-821FA76EB466}" dt="2026-01-05T20:02:11.514" v="912" actId="478"/>
-          <ac:spMkLst>
-            <pc:docMk/>
-            <pc:sldMk cId="2294793074" sldId="2147481832"/>
-            <ac:spMk id="5" creationId="{CEB6663E-798A-319E-8CFE-4E08F1F0A9C9}"/>
           </ac:spMkLst>
         </pc:spChg>
         <pc:spChg chg="del">
@@ -1097,28 +1033,12 @@
           <pc:docMk/>
           <pc:sldMk cId="4163776567" sldId="2147481833"/>
         </pc:sldMkLst>
-        <pc:spChg chg="del">
-          <ac:chgData name="Brüntrup, Luna Nox Fea" userId="e756c84f-b282-410e-9d44-26088df5a1d0" providerId="ADAL" clId="{6AA40660-2766-4BD1-A74F-821FA76EB466}" dt="2026-01-05T21:47:12.069" v="2923" actId="478"/>
-          <ac:spMkLst>
-            <pc:docMk/>
-            <pc:sldMk cId="4163776567" sldId="2147481833"/>
-            <ac:spMk id="2" creationId="{38D9BA16-DFE7-A223-4A3C-8242C3F8B5DE}"/>
-          </ac:spMkLst>
-        </pc:spChg>
         <pc:spChg chg="mod">
           <ac:chgData name="Brüntrup, Luna Nox Fea" userId="e756c84f-b282-410e-9d44-26088df5a1d0" providerId="ADAL" clId="{6AA40660-2766-4BD1-A74F-821FA76EB466}" dt="2026-01-05T21:46:43.680" v="2920" actId="20577"/>
           <ac:spMkLst>
             <pc:docMk/>
             <pc:sldMk cId="4163776567" sldId="2147481833"/>
             <ac:spMk id="3" creationId="{0A5CD6DB-5FBA-D32A-8492-5BE875267EF0}"/>
-          </ac:spMkLst>
-        </pc:spChg>
-        <pc:spChg chg="add del mod">
-          <ac:chgData name="Brüntrup, Luna Nox Fea" userId="e756c84f-b282-410e-9d44-26088df5a1d0" providerId="ADAL" clId="{6AA40660-2766-4BD1-A74F-821FA76EB466}" dt="2026-01-05T21:47:13.030" v="2924" actId="478"/>
-          <ac:spMkLst>
-            <pc:docMk/>
-            <pc:sldMk cId="4163776567" sldId="2147481833"/>
-            <ac:spMk id="5" creationId="{07C4473F-665B-3D6B-59CD-7E903753CB7D}"/>
           </ac:spMkLst>
         </pc:spChg>
         <pc:spChg chg="del">
@@ -1152,14 +1072,6 @@
           <pc:docMk/>
           <pc:sldMk cId="3402023525" sldId="2147481834"/>
         </pc:sldMkLst>
-        <pc:spChg chg="del">
-          <ac:chgData name="Brüntrup, Luna Nox Fea" userId="e756c84f-b282-410e-9d44-26088df5a1d0" providerId="ADAL" clId="{6AA40660-2766-4BD1-A74F-821FA76EB466}" dt="2026-01-05T20:17:17.761" v="1342" actId="478"/>
-          <ac:spMkLst>
-            <pc:docMk/>
-            <pc:sldMk cId="3402023525" sldId="2147481834"/>
-            <ac:spMk id="2" creationId="{6725CEFF-BE28-CFC7-A168-80825BA0BEBF}"/>
-          </ac:spMkLst>
-        </pc:spChg>
         <pc:spChg chg="mod">
           <ac:chgData name="Brüntrup, Luna Nox Fea" userId="e756c84f-b282-410e-9d44-26088df5a1d0" providerId="ADAL" clId="{6AA40660-2766-4BD1-A74F-821FA76EB466}" dt="2026-01-05T20:16:43.348" v="1339"/>
           <ac:spMkLst>
@@ -1168,28 +1080,12 @@
             <ac:spMk id="3" creationId="{B1B09DD1-C58A-84EC-D119-234DF46E1A10}"/>
           </ac:spMkLst>
         </pc:spChg>
-        <pc:spChg chg="add del mod">
-          <ac:chgData name="Brüntrup, Luna Nox Fea" userId="e756c84f-b282-410e-9d44-26088df5a1d0" providerId="ADAL" clId="{6AA40660-2766-4BD1-A74F-821FA76EB466}" dt="2026-01-05T20:17:44.507" v="1416" actId="478"/>
-          <ac:spMkLst>
-            <pc:docMk/>
-            <pc:sldMk cId="3402023525" sldId="2147481834"/>
-            <ac:spMk id="5" creationId="{8F9CF4C0-9C57-E3F8-4151-CC5F393710FB}"/>
-          </ac:spMkLst>
-        </pc:spChg>
         <pc:spChg chg="mod">
           <ac:chgData name="Brüntrup, Luna Nox Fea" userId="e756c84f-b282-410e-9d44-26088df5a1d0" providerId="ADAL" clId="{6AA40660-2766-4BD1-A74F-821FA76EB466}" dt="2026-01-06T02:35:46.556" v="10252"/>
           <ac:spMkLst>
             <pc:docMk/>
             <pc:sldMk cId="3402023525" sldId="2147481834"/>
             <ac:spMk id="8" creationId="{6F9911D8-CC8A-FF1D-C9E8-84D211D163FA}"/>
-          </ac:spMkLst>
-        </pc:spChg>
-        <pc:spChg chg="add del mod">
-          <ac:chgData name="Brüntrup, Luna Nox Fea" userId="e756c84f-b282-410e-9d44-26088df5a1d0" providerId="ADAL" clId="{6AA40660-2766-4BD1-A74F-821FA76EB466}" dt="2026-01-05T20:17:45.328" v="1417" actId="478"/>
-          <ac:spMkLst>
-            <pc:docMk/>
-            <pc:sldMk cId="3402023525" sldId="2147481834"/>
-            <ac:spMk id="9" creationId="{3FC0A333-81F2-8A47-F6BC-D0B732F58C78}"/>
           </ac:spMkLst>
         </pc:spChg>
         <pc:spChg chg="mod">
@@ -1223,28 +1119,12 @@
           <pc:docMk/>
           <pc:sldMk cId="809194188" sldId="2147481835"/>
         </pc:sldMkLst>
-        <pc:spChg chg="del">
-          <ac:chgData name="Brüntrup, Luna Nox Fea" userId="e756c84f-b282-410e-9d44-26088df5a1d0" providerId="ADAL" clId="{6AA40660-2766-4BD1-A74F-821FA76EB466}" dt="2026-01-05T20:45:03.001" v="1666" actId="478"/>
-          <ac:spMkLst>
-            <pc:docMk/>
-            <pc:sldMk cId="809194188" sldId="2147481835"/>
-            <ac:spMk id="2" creationId="{A4828598-34EE-942A-78D2-A3793D4FF907}"/>
-          </ac:spMkLst>
-        </pc:spChg>
         <pc:spChg chg="mod">
           <ac:chgData name="Brüntrup, Luna Nox Fea" userId="e756c84f-b282-410e-9d44-26088df5a1d0" providerId="ADAL" clId="{6AA40660-2766-4BD1-A74F-821FA76EB466}" dt="2026-01-05T20:44:21.220" v="1663" actId="20577"/>
           <ac:spMkLst>
             <pc:docMk/>
             <pc:sldMk cId="809194188" sldId="2147481835"/>
             <ac:spMk id="3" creationId="{506200A4-D813-3FB0-118E-2934DC5782D8}"/>
-          </ac:spMkLst>
-        </pc:spChg>
-        <pc:spChg chg="add del mod">
-          <ac:chgData name="Brüntrup, Luna Nox Fea" userId="e756c84f-b282-410e-9d44-26088df5a1d0" providerId="ADAL" clId="{6AA40660-2766-4BD1-A74F-821FA76EB466}" dt="2026-01-05T20:45:03.836" v="1667" actId="478"/>
-          <ac:spMkLst>
-            <pc:docMk/>
-            <pc:sldMk cId="809194188" sldId="2147481835"/>
-            <ac:spMk id="5" creationId="{C72D1D3C-6548-F138-20EF-6C3038CA3534}"/>
           </ac:spMkLst>
         </pc:spChg>
         <pc:spChg chg="del">
@@ -1278,28 +1158,12 @@
           <pc:docMk/>
           <pc:sldMk cId="1393126421" sldId="2147481836"/>
         </pc:sldMkLst>
-        <pc:spChg chg="del">
-          <ac:chgData name="Brüntrup, Luna Nox Fea" userId="e756c84f-b282-410e-9d44-26088df5a1d0" providerId="ADAL" clId="{6AA40660-2766-4BD1-A74F-821FA76EB466}" dt="2026-01-05T20:47:11.790" v="1758" actId="478"/>
-          <ac:spMkLst>
-            <pc:docMk/>
-            <pc:sldMk cId="1393126421" sldId="2147481836"/>
-            <ac:spMk id="2" creationId="{313BDCEF-2175-0C70-03B7-8876206035FC}"/>
-          </ac:spMkLst>
-        </pc:spChg>
         <pc:spChg chg="mod">
           <ac:chgData name="Brüntrup, Luna Nox Fea" userId="e756c84f-b282-410e-9d44-26088df5a1d0" providerId="ADAL" clId="{6AA40660-2766-4BD1-A74F-821FA76EB466}" dt="2026-01-05T20:46:58.325" v="1755" actId="20577"/>
           <ac:spMkLst>
             <pc:docMk/>
             <pc:sldMk cId="1393126421" sldId="2147481836"/>
             <ac:spMk id="3" creationId="{8CF416FA-185F-4E1D-BEE0-CEC2F6EC46FA}"/>
-          </ac:spMkLst>
-        </pc:spChg>
-        <pc:spChg chg="add del mod">
-          <ac:chgData name="Brüntrup, Luna Nox Fea" userId="e756c84f-b282-410e-9d44-26088df5a1d0" providerId="ADAL" clId="{6AA40660-2766-4BD1-A74F-821FA76EB466}" dt="2026-01-05T20:47:13.591" v="1759" actId="478"/>
-          <ac:spMkLst>
-            <pc:docMk/>
-            <pc:sldMk cId="1393126421" sldId="2147481836"/>
-            <ac:spMk id="5" creationId="{2B66B036-7875-F62A-F9F8-80BA63DD6B36}"/>
           </ac:spMkLst>
         </pc:spChg>
         <pc:spChg chg="del">
@@ -1349,28 +1213,12 @@
             <ac:spMk id="3" creationId="{2858E038-9992-5502-7FE7-42A36040D957}"/>
           </ac:spMkLst>
         </pc:spChg>
-        <pc:spChg chg="add del mod">
-          <ac:chgData name="Brüntrup, Luna Nox Fea" userId="e756c84f-b282-410e-9d44-26088df5a1d0" providerId="ADAL" clId="{6AA40660-2766-4BD1-A74F-821FA76EB466}" dt="2026-01-05T20:55:45.218" v="2120" actId="478"/>
-          <ac:spMkLst>
-            <pc:docMk/>
-            <pc:sldMk cId="916444098" sldId="2147481837"/>
-            <ac:spMk id="5" creationId="{0348C165-4E4F-F2D7-2FDF-928C6408451C}"/>
-          </ac:spMkLst>
-        </pc:spChg>
         <pc:spChg chg="mod">
           <ac:chgData name="Brüntrup, Luna Nox Fea" userId="e756c84f-b282-410e-9d44-26088df5a1d0" providerId="ADAL" clId="{6AA40660-2766-4BD1-A74F-821FA76EB466}" dt="2026-01-06T02:35:35.556" v="10249"/>
           <ac:spMkLst>
             <pc:docMk/>
             <pc:sldMk cId="916444098" sldId="2147481837"/>
             <ac:spMk id="8" creationId="{D2A96241-B21D-AD04-6A70-FB2772FAD3E1}"/>
-          </ac:spMkLst>
-        </pc:spChg>
-        <pc:spChg chg="del">
-          <ac:chgData name="Brüntrup, Luna Nox Fea" userId="e756c84f-b282-410e-9d44-26088df5a1d0" providerId="ADAL" clId="{6AA40660-2766-4BD1-A74F-821FA76EB466}" dt="2026-01-05T20:55:40.032" v="2119" actId="478"/>
-          <ac:spMkLst>
-            <pc:docMk/>
-            <pc:sldMk cId="916444098" sldId="2147481837"/>
-            <ac:spMk id="10" creationId="{397A4351-D9C2-5A9E-5E6C-9904760D7CA9}"/>
           </ac:spMkLst>
         </pc:spChg>
         <pc:picChg chg="add mod">
@@ -1388,60 +1236,12 @@
           <pc:docMk/>
           <pc:sldMk cId="3610164447" sldId="2147481838"/>
         </pc:sldMkLst>
-        <pc:spChg chg="del">
-          <ac:chgData name="Brüntrup, Luna Nox Fea" userId="e756c84f-b282-410e-9d44-26088df5a1d0" providerId="ADAL" clId="{6AA40660-2766-4BD1-A74F-821FA76EB466}" dt="2026-01-05T20:57:34.302" v="2142" actId="478"/>
-          <ac:spMkLst>
-            <pc:docMk/>
-            <pc:sldMk cId="3610164447" sldId="2147481838"/>
-            <ac:spMk id="2" creationId="{05BB12E8-5D39-27B6-E71D-BDCBD3681A86}"/>
-          </ac:spMkLst>
-        </pc:spChg>
-        <pc:spChg chg="del">
-          <ac:chgData name="Brüntrup, Luna Nox Fea" userId="e756c84f-b282-410e-9d44-26088df5a1d0" providerId="ADAL" clId="{6AA40660-2766-4BD1-A74F-821FA76EB466}" dt="2026-01-05T20:57:30.583" v="2140" actId="478"/>
-          <ac:spMkLst>
-            <pc:docMk/>
-            <pc:sldMk cId="3610164447" sldId="2147481838"/>
-            <ac:spMk id="3" creationId="{CA942099-327D-37DA-F83D-13DCB14050E8}"/>
-          </ac:spMkLst>
-        </pc:spChg>
         <pc:spChg chg="mod">
           <ac:chgData name="Brüntrup, Luna Nox Fea" userId="e756c84f-b282-410e-9d44-26088df5a1d0" providerId="ADAL" clId="{6AA40660-2766-4BD1-A74F-821FA76EB466}" dt="2026-01-06T02:35:31.187" v="10248" actId="1076"/>
           <ac:spMkLst>
             <pc:docMk/>
             <pc:sldMk cId="3610164447" sldId="2147481838"/>
             <ac:spMk id="8" creationId="{8E45F1A5-D10B-7B21-EB22-1BB63B5029F0}"/>
-          </ac:spMkLst>
-        </pc:spChg>
-        <pc:spChg chg="add del mod">
-          <ac:chgData name="Brüntrup, Luna Nox Fea" userId="e756c84f-b282-410e-9d44-26088df5a1d0" providerId="ADAL" clId="{6AA40660-2766-4BD1-A74F-821FA76EB466}" dt="2026-01-05T20:57:32.581" v="2141" actId="478"/>
-          <ac:spMkLst>
-            <pc:docMk/>
-            <pc:sldMk cId="3610164447" sldId="2147481838"/>
-            <ac:spMk id="9" creationId="{97A71745-1C10-379F-DA2D-0546749F4875}"/>
-          </ac:spMkLst>
-        </pc:spChg>
-        <pc:spChg chg="del">
-          <ac:chgData name="Brüntrup, Luna Nox Fea" userId="e756c84f-b282-410e-9d44-26088df5a1d0" providerId="ADAL" clId="{6AA40660-2766-4BD1-A74F-821FA76EB466}" dt="2026-01-05T20:57:36.829" v="2144" actId="478"/>
-          <ac:spMkLst>
-            <pc:docMk/>
-            <pc:sldMk cId="3610164447" sldId="2147481838"/>
-            <ac:spMk id="10" creationId="{7831FD96-B516-143C-8CBD-E87EB5CE4C70}"/>
-          </ac:spMkLst>
-        </pc:spChg>
-        <pc:spChg chg="add del mod">
-          <ac:chgData name="Brüntrup, Luna Nox Fea" userId="e756c84f-b282-410e-9d44-26088df5a1d0" providerId="ADAL" clId="{6AA40660-2766-4BD1-A74F-821FA76EB466}" dt="2026-01-05T20:57:35.471" v="2143" actId="478"/>
-          <ac:spMkLst>
-            <pc:docMk/>
-            <pc:sldMk cId="3610164447" sldId="2147481838"/>
-            <ac:spMk id="12" creationId="{58AD11C3-D9ED-8DAB-C64D-9B56E056C9D5}"/>
-          </ac:spMkLst>
-        </pc:spChg>
-        <pc:spChg chg="add del mod">
-          <ac:chgData name="Brüntrup, Luna Nox Fea" userId="e756c84f-b282-410e-9d44-26088df5a1d0" providerId="ADAL" clId="{6AA40660-2766-4BD1-A74F-821FA76EB466}" dt="2026-01-05T20:57:38.166" v="2145" actId="478"/>
-          <ac:spMkLst>
-            <pc:docMk/>
-            <pc:sldMk cId="3610164447" sldId="2147481838"/>
-            <ac:spMk id="14" creationId="{73F3384E-5EB7-D785-844D-4CF4BD773943}"/>
           </ac:spMkLst>
         </pc:spChg>
         <pc:spChg chg="add mod">
@@ -1475,14 +1275,6 @@
           <pc:docMk/>
           <pc:sldMk cId="992657464" sldId="2147481839"/>
         </pc:sldMkLst>
-        <pc:spChg chg="del">
-          <ac:chgData name="Brüntrup, Luna Nox Fea" userId="e756c84f-b282-410e-9d44-26088df5a1d0" providerId="ADAL" clId="{6AA40660-2766-4BD1-A74F-821FA76EB466}" dt="2026-01-05T21:29:48.931" v="2718" actId="478"/>
-          <ac:spMkLst>
-            <pc:docMk/>
-            <pc:sldMk cId="992657464" sldId="2147481839"/>
-            <ac:spMk id="2" creationId="{281C6750-6705-429E-F2E7-DF6132317184}"/>
-          </ac:spMkLst>
-        </pc:spChg>
         <pc:spChg chg="mod">
           <ac:chgData name="Brüntrup, Luna Nox Fea" userId="e756c84f-b282-410e-9d44-26088df5a1d0" providerId="ADAL" clId="{6AA40660-2766-4BD1-A74F-821FA76EB466}" dt="2026-01-05T21:26:45.743" v="2716" actId="20577"/>
           <ac:spMkLst>
@@ -1491,28 +1283,12 @@
             <ac:spMk id="3" creationId="{0D02F7BA-E77C-4FCE-9CB5-CC813ED3F914}"/>
           </ac:spMkLst>
         </pc:spChg>
-        <pc:spChg chg="del">
-          <ac:chgData name="Brüntrup, Luna Nox Fea" userId="e756c84f-b282-410e-9d44-26088df5a1d0" providerId="ADAL" clId="{6AA40660-2766-4BD1-A74F-821FA76EB466}" dt="2026-01-05T21:25:18.522" v="2703" actId="478"/>
-          <ac:spMkLst>
-            <pc:docMk/>
-            <pc:sldMk cId="992657464" sldId="2147481839"/>
-            <ac:spMk id="7" creationId="{E7500BDD-07D4-DFCD-02C1-BE6069E60304}"/>
-          </ac:spMkLst>
-        </pc:spChg>
         <pc:spChg chg="mod">
           <ac:chgData name="Brüntrup, Luna Nox Fea" userId="e756c84f-b282-410e-9d44-26088df5a1d0" providerId="ADAL" clId="{6AA40660-2766-4BD1-A74F-821FA76EB466}" dt="2026-01-06T02:34:44.964" v="10236"/>
           <ac:spMkLst>
             <pc:docMk/>
             <pc:sldMk cId="992657464" sldId="2147481839"/>
             <ac:spMk id="8" creationId="{4E96F93A-5678-DFA7-826F-6EC785E56A79}"/>
-          </ac:spMkLst>
-        </pc:spChg>
-        <pc:spChg chg="add del mod">
-          <ac:chgData name="Brüntrup, Luna Nox Fea" userId="e756c84f-b282-410e-9d44-26088df5a1d0" providerId="ADAL" clId="{6AA40660-2766-4BD1-A74F-821FA76EB466}" dt="2026-01-05T21:29:49.864" v="2719" actId="478"/>
-          <ac:spMkLst>
-            <pc:docMk/>
-            <pc:sldMk cId="992657464" sldId="2147481839"/>
-            <ac:spMk id="9" creationId="{A77E1E3B-2B66-E91E-E5B5-FD40C462C0D0}"/>
           </ac:spMkLst>
         </pc:spChg>
         <pc:spChg chg="mod">
@@ -1646,14 +1422,6 @@
           <pc:docMk/>
           <pc:sldMk cId="1809663128" sldId="2147481844"/>
         </pc:sldMkLst>
-        <pc:spChg chg="add del mod">
-          <ac:chgData name="Brüntrup, Luna Nox Fea" userId="e756c84f-b282-410e-9d44-26088df5a1d0" providerId="ADAL" clId="{6AA40660-2766-4BD1-A74F-821FA76EB466}" dt="2026-01-05T22:15:26.505" v="3655" actId="478"/>
-          <ac:spMkLst>
-            <pc:docMk/>
-            <pc:sldMk cId="1809663128" sldId="2147481844"/>
-            <ac:spMk id="2" creationId="{B59B0F84-8C25-6CED-D035-D01609AB069A}"/>
-          </ac:spMkLst>
-        </pc:spChg>
         <pc:spChg chg="mod">
           <ac:chgData name="Brüntrup, Luna Nox Fea" userId="e756c84f-b282-410e-9d44-26088df5a1d0" providerId="ADAL" clId="{6AA40660-2766-4BD1-A74F-821FA76EB466}" dt="2026-01-05T22:14:05.737" v="3636" actId="20577"/>
           <ac:spMkLst>
@@ -1693,28 +1461,12 @@
           <pc:docMk/>
           <pc:sldMk cId="3760142812" sldId="2147481845"/>
         </pc:sldMkLst>
-        <pc:spChg chg="del">
-          <ac:chgData name="Brüntrup, Luna Nox Fea" userId="e756c84f-b282-410e-9d44-26088df5a1d0" providerId="ADAL" clId="{6AA40660-2766-4BD1-A74F-821FA76EB466}" dt="2026-01-05T22:39:41.859" v="4389" actId="478"/>
-          <ac:spMkLst>
-            <pc:docMk/>
-            <pc:sldMk cId="3760142812" sldId="2147481845"/>
-            <ac:spMk id="2" creationId="{F0263731-7FC2-D6E5-9238-FE5B90418CBA}"/>
-          </ac:spMkLst>
-        </pc:spChg>
         <pc:spChg chg="mod">
           <ac:chgData name="Brüntrup, Luna Nox Fea" userId="e756c84f-b282-410e-9d44-26088df5a1d0" providerId="ADAL" clId="{6AA40660-2766-4BD1-A74F-821FA76EB466}" dt="2026-01-05T22:39:33.391" v="4386" actId="20577"/>
           <ac:spMkLst>
             <pc:docMk/>
             <pc:sldMk cId="3760142812" sldId="2147481845"/>
             <ac:spMk id="3" creationId="{BC60AEB9-A752-3B96-8A0E-42FB76812FD8}"/>
-          </ac:spMkLst>
-        </pc:spChg>
-        <pc:spChg chg="add del mod">
-          <ac:chgData name="Brüntrup, Luna Nox Fea" userId="e756c84f-b282-410e-9d44-26088df5a1d0" providerId="ADAL" clId="{6AA40660-2766-4BD1-A74F-821FA76EB466}" dt="2026-01-05T22:39:39.603" v="4388" actId="478"/>
-          <ac:spMkLst>
-            <pc:docMk/>
-            <pc:sldMk cId="3760142812" sldId="2147481845"/>
-            <ac:spMk id="5" creationId="{77AFADBE-CCE0-B699-8CD3-B215319C10F4}"/>
           </ac:spMkLst>
         </pc:spChg>
         <pc:spChg chg="del">
@@ -1731,22 +1483,6 @@
             <pc:docMk/>
             <pc:sldMk cId="3760142812" sldId="2147481845"/>
             <ac:spMk id="8" creationId="{5F1065F3-F81F-56A1-C738-EF41E40DA219}"/>
-          </ac:spMkLst>
-        </pc:spChg>
-        <pc:spChg chg="add del mod">
-          <ac:chgData name="Brüntrup, Luna Nox Fea" userId="e756c84f-b282-410e-9d44-26088df5a1d0" providerId="ADAL" clId="{6AA40660-2766-4BD1-A74F-821FA76EB466}" dt="2026-01-05T22:39:43.153" v="4390" actId="478"/>
-          <ac:spMkLst>
-            <pc:docMk/>
-            <pc:sldMk cId="3760142812" sldId="2147481845"/>
-            <ac:spMk id="9" creationId="{2B0F07D4-FD38-E907-F448-60D34F840AC5}"/>
-          </ac:spMkLst>
-        </pc:spChg>
-        <pc:spChg chg="del">
-          <ac:chgData name="Brüntrup, Luna Nox Fea" userId="e756c84f-b282-410e-9d44-26088df5a1d0" providerId="ADAL" clId="{6AA40660-2766-4BD1-A74F-821FA76EB466}" dt="2026-01-05T22:39:37.037" v="4387" actId="478"/>
-          <ac:spMkLst>
-            <pc:docMk/>
-            <pc:sldMk cId="3760142812" sldId="2147481845"/>
-            <ac:spMk id="10" creationId="{56C23BB5-D0F1-6CB7-D950-CF34775EFB25}"/>
           </ac:spMkLst>
         </pc:spChg>
         <pc:picChg chg="add mod">
@@ -1772,36 +1508,12 @@
           <pc:docMk/>
           <pc:sldMk cId="2318839022" sldId="2147481846"/>
         </pc:sldMkLst>
-        <pc:spChg chg="del">
-          <ac:chgData name="Brüntrup, Luna Nox Fea" userId="e756c84f-b282-410e-9d44-26088df5a1d0" providerId="ADAL" clId="{6AA40660-2766-4BD1-A74F-821FA76EB466}" dt="2026-01-05T21:55:12.680" v="3311" actId="478"/>
-          <ac:spMkLst>
-            <pc:docMk/>
-            <pc:sldMk cId="2318839022" sldId="2147481846"/>
-            <ac:spMk id="2" creationId="{A1810657-84FB-68F2-F5CC-221DEF0FBF80}"/>
-          </ac:spMkLst>
-        </pc:spChg>
         <pc:spChg chg="mod">
           <ac:chgData name="Brüntrup, Luna Nox Fea" userId="e756c84f-b282-410e-9d44-26088df5a1d0" providerId="ADAL" clId="{6AA40660-2766-4BD1-A74F-821FA76EB466}" dt="2026-01-05T21:51:28.742" v="3176" actId="20577"/>
           <ac:spMkLst>
             <pc:docMk/>
             <pc:sldMk cId="2318839022" sldId="2147481846"/>
             <ac:spMk id="3" creationId="{CE51E77B-F0D3-E37A-DBF4-AAA3F65DF313}"/>
-          </ac:spMkLst>
-        </pc:spChg>
-        <pc:spChg chg="add del mod">
-          <ac:chgData name="Brüntrup, Luna Nox Fea" userId="e756c84f-b282-410e-9d44-26088df5a1d0" providerId="ADAL" clId="{6AA40660-2766-4BD1-A74F-821FA76EB466}" dt="2026-01-05T21:55:14.445" v="3312" actId="478"/>
-          <ac:spMkLst>
-            <pc:docMk/>
-            <pc:sldMk cId="2318839022" sldId="2147481846"/>
-            <ac:spMk id="5" creationId="{26AF0485-0251-F93F-F066-7DAA435547D6}"/>
-          </ac:spMkLst>
-        </pc:spChg>
-        <pc:spChg chg="add del mod">
-          <ac:chgData name="Brüntrup, Luna Nox Fea" userId="e756c84f-b282-410e-9d44-26088df5a1d0" providerId="ADAL" clId="{6AA40660-2766-4BD1-A74F-821FA76EB466}" dt="2026-01-05T22:03:27.002" v="3492" actId="478"/>
-          <ac:spMkLst>
-            <pc:docMk/>
-            <pc:sldMk cId="2318839022" sldId="2147481846"/>
-            <ac:spMk id="6" creationId="{3F05C8E6-4655-D2A6-835B-38271B3C53BD}"/>
           </ac:spMkLst>
         </pc:spChg>
         <pc:spChg chg="del">
@@ -1843,30 +1555,6 @@
           <pc:docMk/>
           <pc:sldMk cId="2933860232" sldId="2147481847"/>
         </pc:sldMkLst>
-        <pc:spChg chg="mod">
-          <ac:chgData name="Brüntrup, Luna Nox Fea" userId="e756c84f-b282-410e-9d44-26088df5a1d0" providerId="ADAL" clId="{6AA40660-2766-4BD1-A74F-821FA76EB466}" dt="2026-01-05T22:11:57.242" v="3583" actId="21"/>
-          <ac:spMkLst>
-            <pc:docMk/>
-            <pc:sldMk cId="2933860232" sldId="2147481847"/>
-            <ac:spMk id="2" creationId="{7AC669C8-3CED-38F4-6FA7-78B66215AE34}"/>
-          </ac:spMkLst>
-        </pc:spChg>
-        <pc:spChg chg="mod">
-          <ac:chgData name="Brüntrup, Luna Nox Fea" userId="e756c84f-b282-410e-9d44-26088df5a1d0" providerId="ADAL" clId="{6AA40660-2766-4BD1-A74F-821FA76EB466}" dt="2026-01-05T22:00:30.329" v="3375"/>
-          <ac:spMkLst>
-            <pc:docMk/>
-            <pc:sldMk cId="2933860232" sldId="2147481847"/>
-            <ac:spMk id="3" creationId="{6E4F3C5B-6286-928E-A33F-065A52F4143A}"/>
-          </ac:spMkLst>
-        </pc:spChg>
-        <pc:picChg chg="add mod">
-          <ac:chgData name="Brüntrup, Luna Nox Fea" userId="e756c84f-b282-410e-9d44-26088df5a1d0" providerId="ADAL" clId="{6AA40660-2766-4BD1-A74F-821FA76EB466}" dt="2026-01-05T22:05:04.305" v="3577" actId="1076"/>
-          <ac:picMkLst>
-            <pc:docMk/>
-            <pc:sldMk cId="2933860232" sldId="2147481847"/>
-            <ac:picMk id="5" creationId="{30280F8E-4228-6512-7927-6DFB87B29CB6}"/>
-          </ac:picMkLst>
-        </pc:picChg>
       </pc:sldChg>
       <pc:sldChg chg="addSp delSp modSp add mod">
         <pc:chgData name="Brüntrup, Luna Nox Fea" userId="e756c84f-b282-410e-9d44-26088df5a1d0" providerId="ADAL" clId="{6AA40660-2766-4BD1-A74F-821FA76EB466}" dt="2026-01-06T02:37:28.415" v="10284" actId="478"/>
@@ -1874,28 +1562,12 @@
           <pc:docMk/>
           <pc:sldMk cId="4101832338" sldId="2147481848"/>
         </pc:sldMkLst>
-        <pc:spChg chg="del">
-          <ac:chgData name="Brüntrup, Luna Nox Fea" userId="e756c84f-b282-410e-9d44-26088df5a1d0" providerId="ADAL" clId="{6AA40660-2766-4BD1-A74F-821FA76EB466}" dt="2026-01-05T22:16:59.377" v="3672" actId="478"/>
-          <ac:spMkLst>
-            <pc:docMk/>
-            <pc:sldMk cId="4101832338" sldId="2147481848"/>
-            <ac:spMk id="2" creationId="{047E14ED-C6CD-F826-A3BE-B6AFE07D7299}"/>
-          </ac:spMkLst>
-        </pc:spChg>
         <pc:spChg chg="mod">
           <ac:chgData name="Brüntrup, Luna Nox Fea" userId="e756c84f-b282-410e-9d44-26088df5a1d0" providerId="ADAL" clId="{6AA40660-2766-4BD1-A74F-821FA76EB466}" dt="2026-01-05T22:16:18.890" v="3669" actId="20577"/>
           <ac:spMkLst>
             <pc:docMk/>
             <pc:sldMk cId="4101832338" sldId="2147481848"/>
             <ac:spMk id="3" creationId="{914EDE88-6AB1-D7BD-AAF8-5CBD1A730854}"/>
-          </ac:spMkLst>
-        </pc:spChg>
-        <pc:spChg chg="add del mod">
-          <ac:chgData name="Brüntrup, Luna Nox Fea" userId="e756c84f-b282-410e-9d44-26088df5a1d0" providerId="ADAL" clId="{6AA40660-2766-4BD1-A74F-821FA76EB466}" dt="2026-01-05T22:17:01.169" v="3673" actId="478"/>
-          <ac:spMkLst>
-            <pc:docMk/>
-            <pc:sldMk cId="4101832338" sldId="2147481848"/>
-            <ac:spMk id="5" creationId="{7D1C5D3F-BAC2-CAE9-38DB-8537A2F06CD1}"/>
           </ac:spMkLst>
         </pc:spChg>
         <pc:spChg chg="del mod">
@@ -1953,14 +1625,6 @@
             <ac:spMk id="3" creationId="{BE21442C-F54A-07E6-8FFD-A906E3A9B732}"/>
           </ac:spMkLst>
         </pc:spChg>
-        <pc:spChg chg="add del mod">
-          <ac:chgData name="Brüntrup, Luna Nox Fea" userId="e756c84f-b282-410e-9d44-26088df5a1d0" providerId="ADAL" clId="{6AA40660-2766-4BD1-A74F-821FA76EB466}" dt="2026-01-05T22:27:18.046" v="4189" actId="478"/>
-          <ac:spMkLst>
-            <pc:docMk/>
-            <pc:sldMk cId="2299093528" sldId="2147481849"/>
-            <ac:spMk id="5" creationId="{2DF97E10-9042-4647-C108-DEB3BAC25262}"/>
-          </ac:spMkLst>
-        </pc:spChg>
         <pc:spChg chg="del">
           <ac:chgData name="Brüntrup, Luna Nox Fea" userId="e756c84f-b282-410e-9d44-26088df5a1d0" providerId="ADAL" clId="{6AA40660-2766-4BD1-A74F-821FA76EB466}" dt="2026-01-06T02:37:31.717" v="10285" actId="478"/>
           <ac:spMkLst>
@@ -1977,14 +1641,6 @@
             <ac:spMk id="8" creationId="{DD282836-5C35-661F-A4B8-0B1A99A45AD4}"/>
           </ac:spMkLst>
         </pc:spChg>
-        <pc:spChg chg="del">
-          <ac:chgData name="Brüntrup, Luna Nox Fea" userId="e756c84f-b282-410e-9d44-26088df5a1d0" providerId="ADAL" clId="{6AA40660-2766-4BD1-A74F-821FA76EB466}" dt="2026-01-05T22:27:15.799" v="4188" actId="478"/>
-          <ac:spMkLst>
-            <pc:docMk/>
-            <pc:sldMk cId="2299093528" sldId="2147481849"/>
-            <ac:spMk id="10" creationId="{389B1296-9E63-B933-1A17-875C552188EE}"/>
-          </ac:spMkLst>
-        </pc:spChg>
         <pc:spChg chg="add mod">
           <ac:chgData name="Brüntrup, Luna Nox Fea" userId="e756c84f-b282-410e-9d44-26088df5a1d0" providerId="ADAL" clId="{6AA40660-2766-4BD1-A74F-821FA76EB466}" dt="2026-01-05T22:29:57.981" v="4236" actId="20577"/>
           <ac:spMkLst>
@@ -1993,14 +1649,6 @@
             <ac:spMk id="11" creationId="{DDB748D2-E25F-2993-D825-B5E7980FAAF2}"/>
           </ac:spMkLst>
         </pc:spChg>
-        <pc:picChg chg="add del mod">
-          <ac:chgData name="Brüntrup, Luna Nox Fea" userId="e756c84f-b282-410e-9d44-26088df5a1d0" providerId="ADAL" clId="{6AA40660-2766-4BD1-A74F-821FA76EB466}" dt="2026-01-05T22:27:47.745" v="4191" actId="478"/>
-          <ac:picMkLst>
-            <pc:docMk/>
-            <pc:sldMk cId="2299093528" sldId="2147481849"/>
-            <ac:picMk id="9" creationId="{FF2298FC-A656-85A0-73AE-936B5B585FC1}"/>
-          </ac:picMkLst>
-        </pc:picChg>
       </pc:sldChg>
       <pc:sldChg chg="delSp modSp add mod ord">
         <pc:chgData name="Brüntrup, Luna Nox Fea" userId="e756c84f-b282-410e-9d44-26088df5a1d0" providerId="ADAL" clId="{6AA40660-2766-4BD1-A74F-821FA76EB466}" dt="2026-01-06T02:37:39.266" v="10287" actId="478"/>
@@ -2047,14 +1695,6 @@
           <pc:docMk/>
           <pc:sldMk cId="2364971072" sldId="2147481851"/>
         </pc:sldMkLst>
-        <pc:spChg chg="del">
-          <ac:chgData name="Brüntrup, Luna Nox Fea" userId="e756c84f-b282-410e-9d44-26088df5a1d0" providerId="ADAL" clId="{6AA40660-2766-4BD1-A74F-821FA76EB466}" dt="2026-01-05T22:38:11.512" v="4343" actId="478"/>
-          <ac:spMkLst>
-            <pc:docMk/>
-            <pc:sldMk cId="2364971072" sldId="2147481851"/>
-            <ac:spMk id="2" creationId="{BEE951C4-AB33-5235-108E-128215E38312}"/>
-          </ac:spMkLst>
-        </pc:spChg>
         <pc:spChg chg="mod">
           <ac:chgData name="Brüntrup, Luna Nox Fea" userId="e756c84f-b282-410e-9d44-26088df5a1d0" providerId="ADAL" clId="{6AA40660-2766-4BD1-A74F-821FA76EB466}" dt="2026-01-05T22:37:01.201" v="4337" actId="20577"/>
           <ac:spMkLst>
@@ -2079,30 +1719,6 @@
             <ac:spMk id="8" creationId="{74995D6F-6740-1916-8B1B-EA6579A38CEC}"/>
           </ac:spMkLst>
         </pc:spChg>
-        <pc:spChg chg="add del mod">
-          <ac:chgData name="Brüntrup, Luna Nox Fea" userId="e756c84f-b282-410e-9d44-26088df5a1d0" providerId="ADAL" clId="{6AA40660-2766-4BD1-A74F-821FA76EB466}" dt="2026-01-05T22:38:17.889" v="4346" actId="478"/>
-          <ac:spMkLst>
-            <pc:docMk/>
-            <pc:sldMk cId="2364971072" sldId="2147481851"/>
-            <ac:spMk id="9" creationId="{20648E65-5569-85BD-DC71-ABBCF9AAC043}"/>
-          </ac:spMkLst>
-        </pc:spChg>
-        <pc:spChg chg="del">
-          <ac:chgData name="Brüntrup, Luna Nox Fea" userId="e756c84f-b282-410e-9d44-26088df5a1d0" providerId="ADAL" clId="{6AA40660-2766-4BD1-A74F-821FA76EB466}" dt="2026-01-05T22:38:13.611" v="4344" actId="478"/>
-          <ac:spMkLst>
-            <pc:docMk/>
-            <pc:sldMk cId="2364971072" sldId="2147481851"/>
-            <ac:spMk id="10" creationId="{995F694A-C88A-0BBE-FEC8-966C8DE19FD5}"/>
-          </ac:spMkLst>
-        </pc:spChg>
-        <pc:spChg chg="add del mod">
-          <ac:chgData name="Brüntrup, Luna Nox Fea" userId="e756c84f-b282-410e-9d44-26088df5a1d0" providerId="ADAL" clId="{6AA40660-2766-4BD1-A74F-821FA76EB466}" dt="2026-01-05T22:38:16.663" v="4345" actId="478"/>
-          <ac:spMkLst>
-            <pc:docMk/>
-            <pc:sldMk cId="2364971072" sldId="2147481851"/>
-            <ac:spMk id="12" creationId="{5CD89F09-EF4A-8E75-5537-C151BC2931B9}"/>
-          </ac:spMkLst>
-        </pc:spChg>
         <pc:picChg chg="add mod">
           <ac:chgData name="Brüntrup, Luna Nox Fea" userId="e756c84f-b282-410e-9d44-26088df5a1d0" providerId="ADAL" clId="{6AA40660-2766-4BD1-A74F-821FA76EB466}" dt="2026-01-05T22:38:21.753" v="4347" actId="1076"/>
           <ac:picMkLst>
@@ -2118,68 +1734,12 @@
           <pc:docMk/>
           <pc:sldMk cId="1197734483" sldId="2147481852"/>
         </pc:sldMkLst>
-        <pc:spChg chg="del">
-          <ac:chgData name="Brüntrup, Luna Nox Fea" userId="e756c84f-b282-410e-9d44-26088df5a1d0" providerId="ADAL" clId="{6AA40660-2766-4BD1-A74F-821FA76EB466}" dt="2026-01-05T22:30:17.086" v="4242" actId="478"/>
-          <ac:spMkLst>
-            <pc:docMk/>
-            <pc:sldMk cId="1197734483" sldId="2147481852"/>
-            <ac:spMk id="2" creationId="{570F194A-86D3-80F0-EAE0-05A1A3E48518}"/>
-          </ac:spMkLst>
-        </pc:spChg>
-        <pc:spChg chg="del">
-          <ac:chgData name="Brüntrup, Luna Nox Fea" userId="e756c84f-b282-410e-9d44-26088df5a1d0" providerId="ADAL" clId="{6AA40660-2766-4BD1-A74F-821FA76EB466}" dt="2026-01-05T22:30:13.428" v="4240" actId="478"/>
-          <ac:spMkLst>
-            <pc:docMk/>
-            <pc:sldMk cId="1197734483" sldId="2147481852"/>
-            <ac:spMk id="3" creationId="{D7580D6C-F3EF-D6DD-9194-136387A6086D}"/>
-          </ac:spMkLst>
-        </pc:spChg>
-        <pc:spChg chg="add del mod">
-          <ac:chgData name="Brüntrup, Luna Nox Fea" userId="e756c84f-b282-410e-9d44-26088df5a1d0" providerId="ADAL" clId="{6AA40660-2766-4BD1-A74F-821FA76EB466}" dt="2026-01-05T22:30:15.491" v="4241" actId="478"/>
-          <ac:spMkLst>
-            <pc:docMk/>
-            <pc:sldMk cId="1197734483" sldId="2147481852"/>
-            <ac:spMk id="5" creationId="{B201EA55-AA4D-A3C5-8C9C-8B216A896584}"/>
-          </ac:spMkLst>
-        </pc:spChg>
-        <pc:spChg chg="del">
-          <ac:chgData name="Brüntrup, Luna Nox Fea" userId="e756c84f-b282-410e-9d44-26088df5a1d0" providerId="ADAL" clId="{6AA40660-2766-4BD1-A74F-821FA76EB466}" dt="2026-01-05T22:30:41.868" v="4249" actId="478"/>
-          <ac:spMkLst>
-            <pc:docMk/>
-            <pc:sldMk cId="1197734483" sldId="2147481852"/>
-            <ac:spMk id="7" creationId="{EF59A13E-A71D-F9CA-185B-096414077BE4}"/>
-          </ac:spMkLst>
-        </pc:spChg>
         <pc:spChg chg="mod">
           <ac:chgData name="Brüntrup, Luna Nox Fea" userId="e756c84f-b282-410e-9d44-26088df5a1d0" providerId="ADAL" clId="{6AA40660-2766-4BD1-A74F-821FA76EB466}" dt="2026-01-06T02:34:17.856" v="10229"/>
           <ac:spMkLst>
             <pc:docMk/>
             <pc:sldMk cId="1197734483" sldId="2147481852"/>
             <ac:spMk id="8" creationId="{34433A7E-8D74-8152-7C28-1C5E947F5242}"/>
-          </ac:spMkLst>
-        </pc:spChg>
-        <pc:spChg chg="add del mod">
-          <ac:chgData name="Brüntrup, Luna Nox Fea" userId="e756c84f-b282-410e-9d44-26088df5a1d0" providerId="ADAL" clId="{6AA40660-2766-4BD1-A74F-821FA76EB466}" dt="2026-01-05T22:30:20.643" v="4245" actId="478"/>
-          <ac:spMkLst>
-            <pc:docMk/>
-            <pc:sldMk cId="1197734483" sldId="2147481852"/>
-            <ac:spMk id="9" creationId="{F8AA5C29-9608-B5FC-BEFB-EE0FB8A56366}"/>
-          </ac:spMkLst>
-        </pc:spChg>
-        <pc:spChg chg="del">
-          <ac:chgData name="Brüntrup, Luna Nox Fea" userId="e756c84f-b282-410e-9d44-26088df5a1d0" providerId="ADAL" clId="{6AA40660-2766-4BD1-A74F-821FA76EB466}" dt="2026-01-05T22:30:18.460" v="4243" actId="478"/>
-          <ac:spMkLst>
-            <pc:docMk/>
-            <pc:sldMk cId="1197734483" sldId="2147481852"/>
-            <ac:spMk id="10" creationId="{6BD157ED-1C31-0884-BADB-85FA2ECCA09B}"/>
-          </ac:spMkLst>
-        </pc:spChg>
-        <pc:spChg chg="add del mod">
-          <ac:chgData name="Brüntrup, Luna Nox Fea" userId="e756c84f-b282-410e-9d44-26088df5a1d0" providerId="ADAL" clId="{6AA40660-2766-4BD1-A74F-821FA76EB466}" dt="2026-01-05T22:30:19.738" v="4244" actId="478"/>
-          <ac:spMkLst>
-            <pc:docMk/>
-            <pc:sldMk cId="1197734483" sldId="2147481852"/>
-            <ac:spMk id="12" creationId="{0E6E55FA-247E-629F-9BFD-ADA2B0D90C29}"/>
           </ac:spMkLst>
         </pc:spChg>
         <pc:spChg chg="add mod">
@@ -2236,28 +1796,12 @@
           <pc:docMk/>
           <pc:sldMk cId="1823854446" sldId="2147481854"/>
         </pc:sldMkLst>
-        <pc:spChg chg="del">
-          <ac:chgData name="Brüntrup, Luna Nox Fea" userId="e756c84f-b282-410e-9d44-26088df5a1d0" providerId="ADAL" clId="{6AA40660-2766-4BD1-A74F-821FA76EB466}" dt="2026-01-05T23:49:49.857" v="5513" actId="478"/>
-          <ac:spMkLst>
-            <pc:docMk/>
-            <pc:sldMk cId="1823854446" sldId="2147481854"/>
-            <ac:spMk id="2" creationId="{2E304267-5FB2-0D84-4C8C-A4133006DDC9}"/>
-          </ac:spMkLst>
-        </pc:spChg>
         <pc:spChg chg="mod">
           <ac:chgData name="Brüntrup, Luna Nox Fea" userId="e756c84f-b282-410e-9d44-26088df5a1d0" providerId="ADAL" clId="{6AA40660-2766-4BD1-A74F-821FA76EB466}" dt="2026-01-05T23:43:55.145" v="5510" actId="14100"/>
           <ac:spMkLst>
             <pc:docMk/>
             <pc:sldMk cId="1823854446" sldId="2147481854"/>
             <ac:spMk id="3" creationId="{A7340B33-BF3A-D674-3D34-6078967A6EE1}"/>
-          </ac:spMkLst>
-        </pc:spChg>
-        <pc:spChg chg="add del mod">
-          <ac:chgData name="Brüntrup, Luna Nox Fea" userId="e756c84f-b282-410e-9d44-26088df5a1d0" providerId="ADAL" clId="{6AA40660-2766-4BD1-A74F-821FA76EB466}" dt="2026-01-05T23:49:50.769" v="5514" actId="478"/>
-          <ac:spMkLst>
-            <pc:docMk/>
-            <pc:sldMk cId="1823854446" sldId="2147481854"/>
-            <ac:spMk id="5" creationId="{91E7AE48-0838-EED9-31EA-615149B02CC2}"/>
           </ac:spMkLst>
         </pc:spChg>
         <pc:spChg chg="del">
@@ -2291,28 +1835,12 @@
           <pc:docMk/>
           <pc:sldMk cId="3687085298" sldId="2147481855"/>
         </pc:sldMkLst>
-        <pc:spChg chg="del">
-          <ac:chgData name="Brüntrup, Luna Nox Fea" userId="e756c84f-b282-410e-9d44-26088df5a1d0" providerId="ADAL" clId="{6AA40660-2766-4BD1-A74F-821FA76EB466}" dt="2026-01-05T22:46:04.513" v="4495" actId="478"/>
-          <ac:spMkLst>
-            <pc:docMk/>
-            <pc:sldMk cId="3687085298" sldId="2147481855"/>
-            <ac:spMk id="2" creationId="{A167E173-48F1-8A2F-8CE1-8B7FAB3B59D5}"/>
-          </ac:spMkLst>
-        </pc:spChg>
         <pc:spChg chg="mod">
           <ac:chgData name="Brüntrup, Luna Nox Fea" userId="e756c84f-b282-410e-9d44-26088df5a1d0" providerId="ADAL" clId="{6AA40660-2766-4BD1-A74F-821FA76EB466}" dt="2026-01-05T22:45:51.902" v="4492" actId="20577"/>
           <ac:spMkLst>
             <pc:docMk/>
             <pc:sldMk cId="3687085298" sldId="2147481855"/>
             <ac:spMk id="3" creationId="{263234A2-22D9-C0F1-9F3F-2D92EC54919F}"/>
-          </ac:spMkLst>
-        </pc:spChg>
-        <pc:spChg chg="add del mod">
-          <ac:chgData name="Brüntrup, Luna Nox Fea" userId="e756c84f-b282-410e-9d44-26088df5a1d0" providerId="ADAL" clId="{6AA40660-2766-4BD1-A74F-821FA76EB466}" dt="2026-01-05T22:46:02.994" v="4494" actId="478"/>
-          <ac:spMkLst>
-            <pc:docMk/>
-            <pc:sldMk cId="3687085298" sldId="2147481855"/>
-            <ac:spMk id="5" creationId="{DD51E472-4620-4B3D-6001-D1DD0F283255}"/>
           </ac:spMkLst>
         </pc:spChg>
         <pc:spChg chg="del">
@@ -2331,36 +1859,12 @@
             <ac:spMk id="8" creationId="{1EE82A8F-35A4-9972-B15B-F35DECF9B34D}"/>
           </ac:spMkLst>
         </pc:spChg>
-        <pc:spChg chg="add del mod">
-          <ac:chgData name="Brüntrup, Luna Nox Fea" userId="e756c84f-b282-410e-9d44-26088df5a1d0" providerId="ADAL" clId="{6AA40660-2766-4BD1-A74F-821FA76EB466}" dt="2026-01-05T22:46:06.348" v="4496" actId="478"/>
-          <ac:spMkLst>
-            <pc:docMk/>
-            <pc:sldMk cId="3687085298" sldId="2147481855"/>
-            <ac:spMk id="9" creationId="{B88A8631-DBA1-5AAF-4B9D-452A72D05A49}"/>
-          </ac:spMkLst>
-        </pc:spChg>
-        <pc:spChg chg="del">
-          <ac:chgData name="Brüntrup, Luna Nox Fea" userId="e756c84f-b282-410e-9d44-26088df5a1d0" providerId="ADAL" clId="{6AA40660-2766-4BD1-A74F-821FA76EB466}" dt="2026-01-05T22:46:00.549" v="4493" actId="478"/>
-          <ac:spMkLst>
-            <pc:docMk/>
-            <pc:sldMk cId="3687085298" sldId="2147481855"/>
-            <ac:spMk id="10" creationId="{DB8FE289-0847-F155-A409-EE3F8541812C}"/>
-          </ac:spMkLst>
-        </pc:spChg>
         <pc:spChg chg="add mod">
           <ac:chgData name="Brüntrup, Luna Nox Fea" userId="e756c84f-b282-410e-9d44-26088df5a1d0" providerId="ADAL" clId="{6AA40660-2766-4BD1-A74F-821FA76EB466}" dt="2026-01-05T22:56:29.015" v="4718" actId="1076"/>
           <ac:spMkLst>
             <pc:docMk/>
             <pc:sldMk cId="3687085298" sldId="2147481855"/>
             <ac:spMk id="17" creationId="{10C803F9-89A9-5E26-F60E-165812960500}"/>
-          </ac:spMkLst>
-        </pc:spChg>
-        <pc:spChg chg="add del mod">
-          <ac:chgData name="Brüntrup, Luna Nox Fea" userId="e756c84f-b282-410e-9d44-26088df5a1d0" providerId="ADAL" clId="{6AA40660-2766-4BD1-A74F-821FA76EB466}" dt="2026-01-05T22:48:55.498" v="4564" actId="478"/>
-          <ac:spMkLst>
-            <pc:docMk/>
-            <pc:sldMk cId="3687085298" sldId="2147481855"/>
-            <ac:spMk id="18" creationId="{89DD2CAB-8182-21AF-EA08-C5851F0146FD}"/>
           </ac:spMkLst>
         </pc:spChg>
         <pc:spChg chg="add mod">
@@ -2371,36 +1875,12 @@
             <ac:spMk id="19" creationId="{47FB6306-DD7D-E0A8-8033-14CB025168CD}"/>
           </ac:spMkLst>
         </pc:spChg>
-        <pc:spChg chg="add">
-          <ac:chgData name="Brüntrup, Luna Nox Fea" userId="e756c84f-b282-410e-9d44-26088df5a1d0" providerId="ADAL" clId="{6AA40660-2766-4BD1-A74F-821FA76EB466}" dt="2026-01-05T22:53:31.946" v="4567"/>
-          <ac:spMkLst>
-            <pc:docMk/>
-            <pc:sldMk cId="3687085298" sldId="2147481855"/>
-            <ac:spMk id="20" creationId="{BD203F78-CB42-C6FA-5898-94D984DB7581}"/>
-          </ac:spMkLst>
-        </pc:spChg>
         <pc:picChg chg="add mod">
           <ac:chgData name="Brüntrup, Luna Nox Fea" userId="e756c84f-b282-410e-9d44-26088df5a1d0" providerId="ADAL" clId="{6AA40660-2766-4BD1-A74F-821FA76EB466}" dt="2026-01-05T22:56:26.008" v="4717" actId="1076"/>
           <ac:picMkLst>
             <pc:docMk/>
             <pc:sldMk cId="3687085298" sldId="2147481855"/>
             <ac:picMk id="12" creationId="{47989E5B-4088-D5D5-4BC7-BA525BF117E2}"/>
-          </ac:picMkLst>
-        </pc:picChg>
-        <pc:picChg chg="add del mod">
-          <ac:chgData name="Brüntrup, Luna Nox Fea" userId="e756c84f-b282-410e-9d44-26088df5a1d0" providerId="ADAL" clId="{6AA40660-2766-4BD1-A74F-821FA76EB466}" dt="2026-01-05T22:48:49.668" v="4563" actId="478"/>
-          <ac:picMkLst>
-            <pc:docMk/>
-            <pc:sldMk cId="3687085298" sldId="2147481855"/>
-            <ac:picMk id="14" creationId="{4E1DD592-F724-D0F8-7BD1-CAB44C8B31D5}"/>
-          </ac:picMkLst>
-        </pc:picChg>
-        <pc:picChg chg="add del mod">
-          <ac:chgData name="Brüntrup, Luna Nox Fea" userId="e756c84f-b282-410e-9d44-26088df5a1d0" providerId="ADAL" clId="{6AA40660-2766-4BD1-A74F-821FA76EB466}" dt="2026-01-05T22:48:49.003" v="4562" actId="478"/>
-          <ac:picMkLst>
-            <pc:docMk/>
-            <pc:sldMk cId="3687085298" sldId="2147481855"/>
-            <ac:picMk id="16" creationId="{FC6DB675-B935-70FF-8D42-899B88451AB1}"/>
           </ac:picMkLst>
         </pc:picChg>
       </pc:sldChg>
@@ -2465,14 +1945,6 @@
             <ac:spMk id="3" creationId="{3CD372B1-EEE3-323D-7B61-6219473620EC}"/>
           </ac:spMkLst>
         </pc:spChg>
-        <pc:spChg chg="add del mod">
-          <ac:chgData name="Brüntrup, Luna Nox Fea" userId="e756c84f-b282-410e-9d44-26088df5a1d0" providerId="ADAL" clId="{6AA40660-2766-4BD1-A74F-821FA76EB466}" dt="2026-01-05T22:58:04.742" v="4792" actId="478"/>
-          <ac:spMkLst>
-            <pc:docMk/>
-            <pc:sldMk cId="1094150608" sldId="2147481857"/>
-            <ac:spMk id="5" creationId="{8C7B68B5-1DB4-C1E0-405E-45A620B03B0E}"/>
-          </ac:spMkLst>
-        </pc:spChg>
         <pc:spChg chg="del">
           <ac:chgData name="Brüntrup, Luna Nox Fea" userId="e756c84f-b282-410e-9d44-26088df5a1d0" providerId="ADAL" clId="{6AA40660-2766-4BD1-A74F-821FA76EB466}" dt="2026-01-06T02:38:00.766" v="10293" actId="478"/>
           <ac:spMkLst>
@@ -2487,14 +1959,6 @@
             <pc:docMk/>
             <pc:sldMk cId="1094150608" sldId="2147481857"/>
             <ac:spMk id="8" creationId="{F42799E0-A949-6388-58B8-852D7719D643}"/>
-          </ac:spMkLst>
-        </pc:spChg>
-        <pc:spChg chg="del">
-          <ac:chgData name="Brüntrup, Luna Nox Fea" userId="e756c84f-b282-410e-9d44-26088df5a1d0" providerId="ADAL" clId="{6AA40660-2766-4BD1-A74F-821FA76EB466}" dt="2026-01-05T22:58:02.229" v="4791" actId="478"/>
-          <ac:spMkLst>
-            <pc:docMk/>
-            <pc:sldMk cId="1094150608" sldId="2147481857"/>
-            <ac:spMk id="10" creationId="{33FF252C-5034-2B6A-A354-EB8A80DA792A}"/>
           </ac:spMkLst>
         </pc:spChg>
         <pc:picChg chg="add mod">
@@ -2520,28 +1984,12 @@
           <pc:docMk/>
           <pc:sldMk cId="99629194" sldId="2147481858"/>
         </pc:sldMkLst>
-        <pc:spChg chg="del">
-          <ac:chgData name="Brüntrup, Luna Nox Fea" userId="e756c84f-b282-410e-9d44-26088df5a1d0" providerId="ADAL" clId="{6AA40660-2766-4BD1-A74F-821FA76EB466}" dt="2026-01-05T23:00:17.674" v="4804" actId="478"/>
-          <ac:spMkLst>
-            <pc:docMk/>
-            <pc:sldMk cId="99629194" sldId="2147481858"/>
-            <ac:spMk id="2" creationId="{9F17E5C7-9ADE-C7F3-64FE-5790A73051BC}"/>
-          </ac:spMkLst>
-        </pc:spChg>
         <pc:spChg chg="mod">
           <ac:chgData name="Brüntrup, Luna Nox Fea" userId="e756c84f-b282-410e-9d44-26088df5a1d0" providerId="ADAL" clId="{6AA40660-2766-4BD1-A74F-821FA76EB466}" dt="2026-01-05T23:00:13.383" v="4801"/>
           <ac:spMkLst>
             <pc:docMk/>
             <pc:sldMk cId="99629194" sldId="2147481858"/>
             <ac:spMk id="3" creationId="{70BB5AAA-62E8-AD20-19B5-BCBBF174ADA0}"/>
-          </ac:spMkLst>
-        </pc:spChg>
-        <pc:spChg chg="add del mod">
-          <ac:chgData name="Brüntrup, Luna Nox Fea" userId="e756c84f-b282-410e-9d44-26088df5a1d0" providerId="ADAL" clId="{6AA40660-2766-4BD1-A74F-821FA76EB466}" dt="2026-01-05T23:00:16.621" v="4803" actId="478"/>
-          <ac:spMkLst>
-            <pc:docMk/>
-            <pc:sldMk cId="99629194" sldId="2147481858"/>
-            <ac:spMk id="5" creationId="{6AE681B1-61FD-4CDD-C8C9-6CC4C75ABBD0}"/>
           </ac:spMkLst>
         </pc:spChg>
         <pc:spChg chg="del">
@@ -2558,22 +2006,6 @@
             <pc:docMk/>
             <pc:sldMk cId="99629194" sldId="2147481858"/>
             <ac:spMk id="8" creationId="{CA4CA12E-8792-2B6C-A497-CCC44F7057A2}"/>
-          </ac:spMkLst>
-        </pc:spChg>
-        <pc:spChg chg="add del mod">
-          <ac:chgData name="Brüntrup, Luna Nox Fea" userId="e756c84f-b282-410e-9d44-26088df5a1d0" providerId="ADAL" clId="{6AA40660-2766-4BD1-A74F-821FA76EB466}" dt="2026-01-05T23:00:18.217" v="4805" actId="478"/>
-          <ac:spMkLst>
-            <pc:docMk/>
-            <pc:sldMk cId="99629194" sldId="2147481858"/>
-            <ac:spMk id="9" creationId="{BD41AD40-EA57-8558-861F-E91A73C59043}"/>
-          </ac:spMkLst>
-        </pc:spChg>
-        <pc:spChg chg="del">
-          <ac:chgData name="Brüntrup, Luna Nox Fea" userId="e756c84f-b282-410e-9d44-26088df5a1d0" providerId="ADAL" clId="{6AA40660-2766-4BD1-A74F-821FA76EB466}" dt="2026-01-05T23:00:16.018" v="4802" actId="478"/>
-          <ac:spMkLst>
-            <pc:docMk/>
-            <pc:sldMk cId="99629194" sldId="2147481858"/>
-            <ac:spMk id="10" creationId="{B076031C-103F-AD55-E99A-056A6E645FAA}"/>
           </ac:spMkLst>
         </pc:spChg>
         <pc:picChg chg="add mod">
@@ -2607,14 +2039,6 @@
             <ac:spMk id="3" creationId="{E4E1C7C9-A6D3-405A-00E6-A2E5EBA5A63F}"/>
           </ac:spMkLst>
         </pc:spChg>
-        <pc:spChg chg="add del mod">
-          <ac:chgData name="Brüntrup, Luna Nox Fea" userId="e756c84f-b282-410e-9d44-26088df5a1d0" providerId="ADAL" clId="{6AA40660-2766-4BD1-A74F-821FA76EB466}" dt="2026-01-05T23:12:30.081" v="4959" actId="478"/>
-          <ac:spMkLst>
-            <pc:docMk/>
-            <pc:sldMk cId="2055007057" sldId="2147481859"/>
-            <ac:spMk id="5" creationId="{617083BC-2B43-55F8-4D2B-46708F7A0DA2}"/>
-          </ac:spMkLst>
-        </pc:spChg>
         <pc:spChg chg="del">
           <ac:chgData name="Brüntrup, Luna Nox Fea" userId="e756c84f-b282-410e-9d44-26088df5a1d0" providerId="ADAL" clId="{6AA40660-2766-4BD1-A74F-821FA76EB466}" dt="2026-01-06T02:38:08.020" v="10295" actId="478"/>
           <ac:spMkLst>
@@ -2629,22 +2053,6 @@
             <pc:docMk/>
             <pc:sldMk cId="2055007057" sldId="2147481859"/>
             <ac:spMk id="8" creationId="{F446FE91-9825-D181-3737-DF81395A0010}"/>
-          </ac:spMkLst>
-        </pc:spChg>
-        <pc:spChg chg="del">
-          <ac:chgData name="Brüntrup, Luna Nox Fea" userId="e756c84f-b282-410e-9d44-26088df5a1d0" providerId="ADAL" clId="{6AA40660-2766-4BD1-A74F-821FA76EB466}" dt="2026-01-05T23:12:27.771" v="4958" actId="478"/>
-          <ac:spMkLst>
-            <pc:docMk/>
-            <pc:sldMk cId="2055007057" sldId="2147481859"/>
-            <ac:spMk id="10" creationId="{7F6AB261-9791-30F8-CF47-2D07018EE00A}"/>
-          </ac:spMkLst>
-        </pc:spChg>
-        <pc:spChg chg="add del mod">
-          <ac:chgData name="Brüntrup, Luna Nox Fea" userId="e756c84f-b282-410e-9d44-26088df5a1d0" providerId="ADAL" clId="{6AA40660-2766-4BD1-A74F-821FA76EB466}" dt="2026-01-05T23:15:22.350" v="4995" actId="478"/>
-          <ac:spMkLst>
-            <pc:docMk/>
-            <pc:sldMk cId="2055007057" sldId="2147481859"/>
-            <ac:spMk id="11" creationId="{5ECC2A8F-792C-8C8F-A6D0-4AC9DF7BC367}"/>
           </ac:spMkLst>
         </pc:spChg>
         <pc:spChg chg="add mod">
@@ -2671,22 +2079,6 @@
           <pc:sldMk cId="2919476013" sldId="2147481860"/>
         </pc:sldMkLst>
         <pc:spChg chg="del">
-          <ac:chgData name="Brüntrup, Luna Nox Fea" userId="e756c84f-b282-410e-9d44-26088df5a1d0" providerId="ADAL" clId="{6AA40660-2766-4BD1-A74F-821FA76EB466}" dt="2026-01-05T23:18:28.247" v="5028" actId="478"/>
-          <ac:spMkLst>
-            <pc:docMk/>
-            <pc:sldMk cId="2919476013" sldId="2147481860"/>
-            <ac:spMk id="2" creationId="{9721DA8A-90BF-6B0C-9213-49BF107CB825}"/>
-          </ac:spMkLst>
-        </pc:spChg>
-        <pc:spChg chg="del mod">
-          <ac:chgData name="Brüntrup, Luna Nox Fea" userId="e756c84f-b282-410e-9d44-26088df5a1d0" providerId="ADAL" clId="{6AA40660-2766-4BD1-A74F-821FA76EB466}" dt="2026-01-05T23:19:02.319" v="5039" actId="478"/>
-          <ac:spMkLst>
-            <pc:docMk/>
-            <pc:sldMk cId="2919476013" sldId="2147481860"/>
-            <ac:spMk id="3" creationId="{17C60BC4-63B5-1691-2C88-CB14378E79C7}"/>
-          </ac:spMkLst>
-        </pc:spChg>
-        <pc:spChg chg="del">
           <ac:chgData name="Brüntrup, Luna Nox Fea" userId="e756c84f-b282-410e-9d44-26088df5a1d0" providerId="ADAL" clId="{6AA40660-2766-4BD1-A74F-821FA76EB466}" dt="2026-01-06T02:38:10.941" v="10296" actId="478"/>
           <ac:spMkLst>
             <pc:docMk/>
@@ -2700,38 +2092,6 @@
             <pc:docMk/>
             <pc:sldMk cId="2919476013" sldId="2147481860"/>
             <ac:spMk id="8" creationId="{6F4D07E9-2619-1B93-7D11-2D90F536FD32}"/>
-          </ac:spMkLst>
-        </pc:spChg>
-        <pc:spChg chg="add del mod">
-          <ac:chgData name="Brüntrup, Luna Nox Fea" userId="e756c84f-b282-410e-9d44-26088df5a1d0" providerId="ADAL" clId="{6AA40660-2766-4BD1-A74F-821FA76EB466}" dt="2026-01-05T23:18:26.602" v="5027" actId="478"/>
-          <ac:spMkLst>
-            <pc:docMk/>
-            <pc:sldMk cId="2919476013" sldId="2147481860"/>
-            <ac:spMk id="9" creationId="{483FCF24-2050-B92F-B69A-9878E979C636}"/>
-          </ac:spMkLst>
-        </pc:spChg>
-        <pc:spChg chg="del">
-          <ac:chgData name="Brüntrup, Luna Nox Fea" userId="e756c84f-b282-410e-9d44-26088df5a1d0" providerId="ADAL" clId="{6AA40660-2766-4BD1-A74F-821FA76EB466}" dt="2026-01-05T23:18:24.781" v="5026" actId="478"/>
-          <ac:spMkLst>
-            <pc:docMk/>
-            <pc:sldMk cId="2919476013" sldId="2147481860"/>
-            <ac:spMk id="10" creationId="{7907F66D-F7EB-6EAC-DAD5-A5299015CA39}"/>
-          </ac:spMkLst>
-        </pc:spChg>
-        <pc:spChg chg="add del mod">
-          <ac:chgData name="Brüntrup, Luna Nox Fea" userId="e756c84f-b282-410e-9d44-26088df5a1d0" providerId="ADAL" clId="{6AA40660-2766-4BD1-A74F-821FA76EB466}" dt="2026-01-05T23:18:29.728" v="5029" actId="478"/>
-          <ac:spMkLst>
-            <pc:docMk/>
-            <pc:sldMk cId="2919476013" sldId="2147481860"/>
-            <ac:spMk id="12" creationId="{5CE2D824-87B9-25F4-F1B7-A084E7CE4D7F}"/>
-          </ac:spMkLst>
-        </pc:spChg>
-        <pc:spChg chg="add del mod">
-          <ac:chgData name="Brüntrup, Luna Nox Fea" userId="e756c84f-b282-410e-9d44-26088df5a1d0" providerId="ADAL" clId="{6AA40660-2766-4BD1-A74F-821FA76EB466}" dt="2026-01-05T23:19:03.324" v="5040" actId="478"/>
-          <ac:spMkLst>
-            <pc:docMk/>
-            <pc:sldMk cId="2919476013" sldId="2147481860"/>
-            <ac:spMk id="16" creationId="{F8C9CDA3-0D0A-827D-9705-6089855F65F8}"/>
           </ac:spMkLst>
         </pc:spChg>
         <pc:spChg chg="add mod">
@@ -2766,12 +2126,44 @@
           <pc:sldMk cId="1647928786" sldId="2147481861"/>
         </pc:sldMkLst>
       </pc:sldChg>
-      <pc:sldChg chg="addSp delSp modSp add mod">
-        <pc:chgData name="Brüntrup, Luna Nox Fea" userId="e756c84f-b282-410e-9d44-26088df5a1d0" providerId="ADAL" clId="{6AA40660-2766-4BD1-A74F-821FA76EB466}" dt="2026-01-06T02:38:13.283" v="10297" actId="478"/>
+      <pc:sldChg chg="addSp delSp modSp add mod modShow chgLayout">
+        <pc:chgData name="Brüntrup, Luna Nox Fea" userId="e756c84f-b282-410e-9d44-26088df5a1d0" providerId="ADAL" clId="{6AA40660-2766-4BD1-A74F-821FA76EB466}" dt="2026-01-07T11:24:48.199" v="10370" actId="729"/>
         <pc:sldMkLst>
           <pc:docMk/>
           <pc:sldMk cId="2393206176" sldId="2147481861"/>
         </pc:sldMkLst>
+        <pc:spChg chg="add del mod">
+          <ac:chgData name="Brüntrup, Luna Nox Fea" userId="e756c84f-b282-410e-9d44-26088df5a1d0" providerId="ADAL" clId="{6AA40660-2766-4BD1-A74F-821FA76EB466}" dt="2026-01-07T11:24:42.890" v="10369" actId="6264"/>
+          <ac:spMkLst>
+            <pc:docMk/>
+            <pc:sldMk cId="2393206176" sldId="2147481861"/>
+            <ac:spMk id="2" creationId="{60FB6552-7F85-2BF6-0F0E-FC2140E57C1F}"/>
+          </ac:spMkLst>
+        </pc:spChg>
+        <pc:spChg chg="add del mod">
+          <ac:chgData name="Brüntrup, Luna Nox Fea" userId="e756c84f-b282-410e-9d44-26088df5a1d0" providerId="ADAL" clId="{6AA40660-2766-4BD1-A74F-821FA76EB466}" dt="2026-01-07T11:24:42.890" v="10369" actId="6264"/>
+          <ac:spMkLst>
+            <pc:docMk/>
+            <pc:sldMk cId="2393206176" sldId="2147481861"/>
+            <ac:spMk id="3" creationId="{179EE11F-5A25-36AF-A94D-AE87C87418D7}"/>
+          </ac:spMkLst>
+        </pc:spChg>
+        <pc:spChg chg="add del mod ord">
+          <ac:chgData name="Brüntrup, Luna Nox Fea" userId="e756c84f-b282-410e-9d44-26088df5a1d0" providerId="ADAL" clId="{6AA40660-2766-4BD1-A74F-821FA76EB466}" dt="2026-01-07T11:24:42.890" v="10369" actId="6264"/>
+          <ac:spMkLst>
+            <pc:docMk/>
+            <pc:sldMk cId="2393206176" sldId="2147481861"/>
+            <ac:spMk id="4" creationId="{06A6036F-206B-D787-8A7E-44302E2B9471}"/>
+          </ac:spMkLst>
+        </pc:spChg>
+        <pc:spChg chg="add del mod ord">
+          <ac:chgData name="Brüntrup, Luna Nox Fea" userId="e756c84f-b282-410e-9d44-26088df5a1d0" providerId="ADAL" clId="{6AA40660-2766-4BD1-A74F-821FA76EB466}" dt="2026-01-07T11:24:42.890" v="10369" actId="6264"/>
+          <ac:spMkLst>
+            <pc:docMk/>
+            <pc:sldMk cId="2393206176" sldId="2147481861"/>
+            <ac:spMk id="5" creationId="{3461D9C9-F989-893E-F96F-1A0118DF1189}"/>
+          </ac:spMkLst>
+        </pc:spChg>
         <pc:spChg chg="del">
           <ac:chgData name="Brüntrup, Luna Nox Fea" userId="e756c84f-b282-410e-9d44-26088df5a1d0" providerId="ADAL" clId="{6AA40660-2766-4BD1-A74F-821FA76EB466}" dt="2026-01-06T02:38:13.283" v="10297" actId="478"/>
           <ac:spMkLst>
@@ -2780,38 +2172,22 @@
             <ac:spMk id="7" creationId="{7AF0A3D8-A241-0070-E293-FD2B3633F3AF}"/>
           </ac:spMkLst>
         </pc:spChg>
-        <pc:spChg chg="mod">
-          <ac:chgData name="Brüntrup, Luna Nox Fea" userId="e756c84f-b282-410e-9d44-26088df5a1d0" providerId="ADAL" clId="{6AA40660-2766-4BD1-A74F-821FA76EB466}" dt="2026-01-06T02:33:37.593" v="10217"/>
+        <pc:spChg chg="mod ord">
+          <ac:chgData name="Brüntrup, Luna Nox Fea" userId="e756c84f-b282-410e-9d44-26088df5a1d0" providerId="ADAL" clId="{6AA40660-2766-4BD1-A74F-821FA76EB466}" dt="2026-01-07T11:24:42.890" v="10369" actId="6264"/>
           <ac:spMkLst>
             <pc:docMk/>
             <pc:sldMk cId="2393206176" sldId="2147481861"/>
             <ac:spMk id="8" creationId="{085BF4E9-815B-8A33-927C-4D9B89852FC7}"/>
           </ac:spMkLst>
         </pc:spChg>
-        <pc:spChg chg="mod">
-          <ac:chgData name="Brüntrup, Luna Nox Fea" userId="e756c84f-b282-410e-9d44-26088df5a1d0" providerId="ADAL" clId="{6AA40660-2766-4BD1-A74F-821FA76EB466}" dt="2026-01-05T23:21:40.967" v="5109" actId="1076"/>
+        <pc:spChg chg="mod ord">
+          <ac:chgData name="Brüntrup, Luna Nox Fea" userId="e756c84f-b282-410e-9d44-26088df5a1d0" providerId="ADAL" clId="{6AA40660-2766-4BD1-A74F-821FA76EB466}" dt="2026-01-07T11:24:42.890" v="10369" actId="6264"/>
           <ac:spMkLst>
             <pc:docMk/>
             <pc:sldMk cId="2393206176" sldId="2147481861"/>
             <ac:spMk id="17" creationId="{DB058B96-C932-302A-8708-CD59B7C5FE0C}"/>
           </ac:spMkLst>
         </pc:spChg>
-        <pc:picChg chg="add del mod">
-          <ac:chgData name="Brüntrup, Luna Nox Fea" userId="e756c84f-b282-410e-9d44-26088df5a1d0" providerId="ADAL" clId="{6AA40660-2766-4BD1-A74F-821FA76EB466}" dt="2026-01-05T23:20:20.028" v="5069" actId="478"/>
-          <ac:picMkLst>
-            <pc:docMk/>
-            <pc:sldMk cId="2393206176" sldId="2147481861"/>
-            <ac:picMk id="3" creationId="{EB05BA3B-D6EB-748D-E7E8-317F02452F71}"/>
-          </ac:picMkLst>
-        </pc:picChg>
-        <pc:picChg chg="del">
-          <ac:chgData name="Brüntrup, Luna Nox Fea" userId="e756c84f-b282-410e-9d44-26088df5a1d0" providerId="ADAL" clId="{6AA40660-2766-4BD1-A74F-821FA76EB466}" dt="2026-01-05T23:20:32.855" v="5072" actId="478"/>
-          <ac:picMkLst>
-            <pc:docMk/>
-            <pc:sldMk cId="2393206176" sldId="2147481861"/>
-            <ac:picMk id="5" creationId="{9CF92F7B-3E35-99FE-B001-9CF59A137665}"/>
-          </ac:picMkLst>
-        </pc:picChg>
         <pc:picChg chg="add mod">
           <ac:chgData name="Brüntrup, Luna Nox Fea" userId="e756c84f-b282-410e-9d44-26088df5a1d0" providerId="ADAL" clId="{6AA40660-2766-4BD1-A74F-821FA76EB466}" dt="2026-01-05T23:20:46.802" v="5078" actId="1076"/>
           <ac:picMkLst>
@@ -2828,21 +2204,37 @@
             <ac:picMk id="10" creationId="{8893FFF7-B623-96C7-D90C-8915A212FA3F}"/>
           </ac:picMkLst>
         </pc:picChg>
-        <pc:picChg chg="del">
-          <ac:chgData name="Brüntrup, Luna Nox Fea" userId="e756c84f-b282-410e-9d44-26088df5a1d0" providerId="ADAL" clId="{6AA40660-2766-4BD1-A74F-821FA76EB466}" dt="2026-01-05T23:20:33.792" v="5073" actId="478"/>
-          <ac:picMkLst>
-            <pc:docMk/>
-            <pc:sldMk cId="2393206176" sldId="2147481861"/>
-            <ac:picMk id="14" creationId="{0F33CE75-AC46-6692-9B0C-476498298EE3}"/>
-          </ac:picMkLst>
-        </pc:picChg>
       </pc:sldChg>
-      <pc:sldChg chg="addSp delSp modSp add mod">
-        <pc:chgData name="Brüntrup, Luna Nox Fea" userId="e756c84f-b282-410e-9d44-26088df5a1d0" providerId="ADAL" clId="{6AA40660-2766-4BD1-A74F-821FA76EB466}" dt="2026-01-06T02:38:17.627" v="10299" actId="478"/>
+      <pc:sldChg chg="addSp delSp modSp add mod modShow chgLayout">
+        <pc:chgData name="Brüntrup, Luna Nox Fea" userId="e756c84f-b282-410e-9d44-26088df5a1d0" providerId="ADAL" clId="{6AA40660-2766-4BD1-A74F-821FA76EB466}" dt="2026-01-07T11:24:51.273" v="10371" actId="729"/>
         <pc:sldMkLst>
           <pc:docMk/>
           <pc:sldMk cId="2871782862" sldId="2147481862"/>
         </pc:sldMkLst>
+        <pc:spChg chg="add del mod">
+          <ac:chgData name="Brüntrup, Luna Nox Fea" userId="e756c84f-b282-410e-9d44-26088df5a1d0" providerId="ADAL" clId="{6AA40660-2766-4BD1-A74F-821FA76EB466}" dt="2026-01-07T11:24:41.856" v="10368" actId="6264"/>
+          <ac:spMkLst>
+            <pc:docMk/>
+            <pc:sldMk cId="2871782862" sldId="2147481862"/>
+            <ac:spMk id="2" creationId="{667297D6-FB1D-8769-440E-59DF2802560A}"/>
+          </ac:spMkLst>
+        </pc:spChg>
+        <pc:spChg chg="add del mod">
+          <ac:chgData name="Brüntrup, Luna Nox Fea" userId="e756c84f-b282-410e-9d44-26088df5a1d0" providerId="ADAL" clId="{6AA40660-2766-4BD1-A74F-821FA76EB466}" dt="2026-01-07T11:24:41.856" v="10368" actId="6264"/>
+          <ac:spMkLst>
+            <pc:docMk/>
+            <pc:sldMk cId="2871782862" sldId="2147481862"/>
+            <ac:spMk id="4" creationId="{26FC1AC0-2E51-69D9-1075-47242D8AA25C}"/>
+          </ac:spMkLst>
+        </pc:spChg>
+        <pc:spChg chg="add del mod ord">
+          <ac:chgData name="Brüntrup, Luna Nox Fea" userId="e756c84f-b282-410e-9d44-26088df5a1d0" providerId="ADAL" clId="{6AA40660-2766-4BD1-A74F-821FA76EB466}" dt="2026-01-07T11:24:41.856" v="10368" actId="6264"/>
+          <ac:spMkLst>
+            <pc:docMk/>
+            <pc:sldMk cId="2871782862" sldId="2147481862"/>
+            <ac:spMk id="6" creationId="{F899E577-199A-B9FB-A708-8A2A7334DD8D}"/>
+          </ac:spMkLst>
+        </pc:spChg>
         <pc:spChg chg="del mod">
           <ac:chgData name="Brüntrup, Luna Nox Fea" userId="e756c84f-b282-410e-9d44-26088df5a1d0" providerId="ADAL" clId="{6AA40660-2766-4BD1-A74F-821FA76EB466}" dt="2026-01-06T02:38:17.627" v="10299" actId="478"/>
           <ac:spMkLst>
@@ -2851,8 +2243,16 @@
             <ac:spMk id="7" creationId="{2F1216B5-556A-2AEB-CF05-EB23BB0BD573}"/>
           </ac:spMkLst>
         </pc:spChg>
-        <pc:spChg chg="mod">
-          <ac:chgData name="Brüntrup, Luna Nox Fea" userId="e756c84f-b282-410e-9d44-26088df5a1d0" providerId="ADAL" clId="{6AA40660-2766-4BD1-A74F-821FA76EB466}" dt="2026-01-06T02:33:33.280" v="10216"/>
+        <pc:spChg chg="add del mod ord">
+          <ac:chgData name="Brüntrup, Luna Nox Fea" userId="e756c84f-b282-410e-9d44-26088df5a1d0" providerId="ADAL" clId="{6AA40660-2766-4BD1-A74F-821FA76EB466}" dt="2026-01-07T11:24:41.856" v="10368" actId="6264"/>
+          <ac:spMkLst>
+            <pc:docMk/>
+            <pc:sldMk cId="2871782862" sldId="2147481862"/>
+            <ac:spMk id="7" creationId="{314F86EA-FFDB-4E6D-831E-3F7678A5818B}"/>
+          </ac:spMkLst>
+        </pc:spChg>
+        <pc:spChg chg="mod ord">
+          <ac:chgData name="Brüntrup, Luna Nox Fea" userId="e756c84f-b282-410e-9d44-26088df5a1d0" providerId="ADAL" clId="{6AA40660-2766-4BD1-A74F-821FA76EB466}" dt="2026-01-07T11:24:41.856" v="10368" actId="6264"/>
           <ac:spMkLst>
             <pc:docMk/>
             <pc:sldMk cId="2871782862" sldId="2147481862"/>
@@ -2867,8 +2267,8 @@
             <ac:spMk id="9" creationId="{087D39F4-9D60-5E65-1AE5-D51FF380E2DD}"/>
           </ac:spMkLst>
         </pc:spChg>
-        <pc:spChg chg="mod">
-          <ac:chgData name="Brüntrup, Luna Nox Fea" userId="e756c84f-b282-410e-9d44-26088df5a1d0" providerId="ADAL" clId="{6AA40660-2766-4BD1-A74F-821FA76EB466}" dt="2026-01-05T23:22:11.095" v="5116" actId="20577"/>
+        <pc:spChg chg="mod ord">
+          <ac:chgData name="Brüntrup, Luna Nox Fea" userId="e756c84f-b282-410e-9d44-26088df5a1d0" providerId="ADAL" clId="{6AA40660-2766-4BD1-A74F-821FA76EB466}" dt="2026-01-07T11:24:41.856" v="10368" actId="6264"/>
           <ac:spMkLst>
             <pc:docMk/>
             <pc:sldMk cId="2871782862" sldId="2147481862"/>
@@ -2891,25 +2291,9 @@
             <ac:picMk id="5" creationId="{B7469992-9906-8AD4-5E15-F82A0332F196}"/>
           </ac:picMkLst>
         </pc:picChg>
-        <pc:picChg chg="del">
-          <ac:chgData name="Brüntrup, Luna Nox Fea" userId="e756c84f-b282-410e-9d44-26088df5a1d0" providerId="ADAL" clId="{6AA40660-2766-4BD1-A74F-821FA76EB466}" dt="2026-01-05T23:21:53.830" v="5111" actId="478"/>
-          <ac:picMkLst>
-            <pc:docMk/>
-            <pc:sldMk cId="2871782862" sldId="2147481862"/>
-            <ac:picMk id="6" creationId="{CA0ADF03-1DC6-D013-04DB-57C275852FDB}"/>
-          </ac:picMkLst>
-        </pc:picChg>
-        <pc:picChg chg="del">
-          <ac:chgData name="Brüntrup, Luna Nox Fea" userId="e756c84f-b282-410e-9d44-26088df5a1d0" providerId="ADAL" clId="{6AA40660-2766-4BD1-A74F-821FA76EB466}" dt="2026-01-05T23:21:55.517" v="5112" actId="478"/>
-          <ac:picMkLst>
-            <pc:docMk/>
-            <pc:sldMk cId="2871782862" sldId="2147481862"/>
-            <ac:picMk id="10" creationId="{22F7ED48-9DCD-F239-D3FF-F4682056E5A9}"/>
-          </ac:picMkLst>
-        </pc:picChg>
       </pc:sldChg>
-      <pc:sldChg chg="addSp delSp modSp add mod ord">
-        <pc:chgData name="Brüntrup, Luna Nox Fea" userId="e756c84f-b282-410e-9d44-26088df5a1d0" providerId="ADAL" clId="{6AA40660-2766-4BD1-A74F-821FA76EB466}" dt="2026-01-06T02:38:20.171" v="10300" actId="478"/>
+      <pc:sldChg chg="addSp delSp modSp add mod ord modShow">
+        <pc:chgData name="Brüntrup, Luna Nox Fea" userId="e756c84f-b282-410e-9d44-26088df5a1d0" providerId="ADAL" clId="{6AA40660-2766-4BD1-A74F-821FA76EB466}" dt="2026-01-07T11:24:54.223" v="10372" actId="729"/>
         <pc:sldMkLst>
           <pc:docMk/>
           <pc:sldMk cId="2797603171" sldId="2147481863"/>
@@ -2954,22 +2338,6 @@
             <ac:picMk id="5" creationId="{85F5C4F8-F8B0-DFA7-A980-64AE61BC4B4D}"/>
           </ac:picMkLst>
         </pc:picChg>
-        <pc:picChg chg="del">
-          <ac:chgData name="Brüntrup, Luna Nox Fea" userId="e756c84f-b282-410e-9d44-26088df5a1d0" providerId="ADAL" clId="{6AA40660-2766-4BD1-A74F-821FA76EB466}" dt="2026-01-05T23:23:03.140" v="5130" actId="478"/>
-          <ac:picMkLst>
-            <pc:docMk/>
-            <pc:sldMk cId="2797603171" sldId="2147481863"/>
-            <ac:picMk id="6" creationId="{6500ECBC-E80F-F0B7-4F21-53E9033D4A05}"/>
-          </ac:picMkLst>
-        </pc:picChg>
-        <pc:picChg chg="del">
-          <ac:chgData name="Brüntrup, Luna Nox Fea" userId="e756c84f-b282-410e-9d44-26088df5a1d0" providerId="ADAL" clId="{6AA40660-2766-4BD1-A74F-821FA76EB466}" dt="2026-01-05T23:23:03.741" v="5131" actId="478"/>
-          <ac:picMkLst>
-            <pc:docMk/>
-            <pc:sldMk cId="2797603171" sldId="2147481863"/>
-            <ac:picMk id="10" creationId="{597486D8-9CD8-AC2F-4965-C049DB50F881}"/>
-          </ac:picMkLst>
-        </pc:picChg>
       </pc:sldChg>
       <pc:sldChg chg="addSp delSp modSp add mod ord">
         <pc:chgData name="Brüntrup, Luna Nox Fea" userId="e756c84f-b282-410e-9d44-26088df5a1d0" providerId="ADAL" clId="{6AA40660-2766-4BD1-A74F-821FA76EB466}" dt="2026-01-06T02:38:22.619" v="10301" actId="478"/>
@@ -2977,28 +2345,12 @@
           <pc:docMk/>
           <pc:sldMk cId="1049565513" sldId="2147481864"/>
         </pc:sldMkLst>
-        <pc:spChg chg="del">
-          <ac:chgData name="Brüntrup, Luna Nox Fea" userId="e756c84f-b282-410e-9d44-26088df5a1d0" providerId="ADAL" clId="{6AA40660-2766-4BD1-A74F-821FA76EB466}" dt="2026-01-05T23:29:05.191" v="5154" actId="478"/>
-          <ac:spMkLst>
-            <pc:docMk/>
-            <pc:sldMk cId="1049565513" sldId="2147481864"/>
-            <ac:spMk id="2" creationId="{2110A17C-3D9B-8C04-6897-FC8F33BB33BD}"/>
-          </ac:spMkLst>
-        </pc:spChg>
         <pc:spChg chg="mod">
           <ac:chgData name="Brüntrup, Luna Nox Fea" userId="e756c84f-b282-410e-9d44-26088df5a1d0" providerId="ADAL" clId="{6AA40660-2766-4BD1-A74F-821FA76EB466}" dt="2026-01-05T23:29:55.100" v="5186"/>
           <ac:spMkLst>
             <pc:docMk/>
             <pc:sldMk cId="1049565513" sldId="2147481864"/>
             <ac:spMk id="3" creationId="{0837C842-7D47-EB11-59E3-4F2B078E7442}"/>
-          </ac:spMkLst>
-        </pc:spChg>
-        <pc:spChg chg="add del mod">
-          <ac:chgData name="Brüntrup, Luna Nox Fea" userId="e756c84f-b282-410e-9d44-26088df5a1d0" providerId="ADAL" clId="{6AA40660-2766-4BD1-A74F-821FA76EB466}" dt="2026-01-05T23:29:08.309" v="5155" actId="478"/>
-          <ac:spMkLst>
-            <pc:docMk/>
-            <pc:sldMk cId="1049565513" sldId="2147481864"/>
-            <ac:spMk id="5" creationId="{EFD4059A-43EB-38AD-9B4C-C40ECCD5FD53}"/>
           </ac:spMkLst>
         </pc:spChg>
         <pc:spChg chg="del">
@@ -3231,11 +2583,19 @@
         </pc:spChg>
       </pc:sldChg>
       <pc:sldChg chg="addSp delSp modSp add mod">
-        <pc:chgData name="Brüntrup, Luna Nox Fea" userId="e756c84f-b282-410e-9d44-26088df5a1d0" providerId="ADAL" clId="{6AA40660-2766-4BD1-A74F-821FA76EB466}" dt="2026-01-06T02:39:25.994" v="10323" actId="478"/>
+        <pc:chgData name="Brüntrup, Luna Nox Fea" userId="e756c84f-b282-410e-9d44-26088df5a1d0" providerId="ADAL" clId="{6AA40660-2766-4BD1-A74F-821FA76EB466}" dt="2026-01-07T11:21:01.390" v="10365" actId="20577"/>
         <pc:sldMkLst>
           <pc:docMk/>
           <pc:sldMk cId="1876752761" sldId="2147481869"/>
         </pc:sldMkLst>
+        <pc:spChg chg="mod">
+          <ac:chgData name="Brüntrup, Luna Nox Fea" userId="e756c84f-b282-410e-9d44-26088df5a1d0" providerId="ADAL" clId="{6AA40660-2766-4BD1-A74F-821FA76EB466}" dt="2026-01-07T11:21:01.390" v="10365" actId="20577"/>
+          <ac:spMkLst>
+            <pc:docMk/>
+            <pc:sldMk cId="1876752761" sldId="2147481869"/>
+            <ac:spMk id="2" creationId="{5BE16790-FCFE-D99D-E159-6F7105E9DEF6}"/>
+          </ac:spMkLst>
+        </pc:spChg>
         <pc:spChg chg="mod">
           <ac:chgData name="Brüntrup, Luna Nox Fea" userId="e756c84f-b282-410e-9d44-26088df5a1d0" providerId="ADAL" clId="{6AA40660-2766-4BD1-A74F-821FA76EB466}" dt="2026-01-06T00:11:15.281" v="6227" actId="20577"/>
           <ac:spMkLst>
@@ -3629,8 +2989,8 @@
           </ac:spMkLst>
         </pc:spChg>
       </pc:sldChg>
-      <pc:sldChg chg="addSp delSp modSp add mod">
-        <pc:chgData name="Brüntrup, Luna Nox Fea" userId="e756c84f-b282-410e-9d44-26088df5a1d0" providerId="ADAL" clId="{6AA40660-2766-4BD1-A74F-821FA76EB466}" dt="2026-01-06T02:38:53.317" v="10311" actId="478"/>
+      <pc:sldChg chg="addSp delSp modSp add mod modShow">
+        <pc:chgData name="Brüntrup, Luna Nox Fea" userId="e756c84f-b282-410e-9d44-26088df5a1d0" providerId="ADAL" clId="{6AA40660-2766-4BD1-A74F-821FA76EB466}" dt="2026-01-07T11:18:01.170" v="10339" actId="729"/>
         <pc:sldMkLst>
           <pc:docMk/>
           <pc:sldMk cId="4055625423" sldId="2147481878"/>
@@ -4064,7 +3424,7 @@
           <a:p>
             <a:fld id="{135F3136-E1EB-4003-A604-A7ADCA986A7A}" type="datetimeFigureOut">
               <a:rPr lang="de-DE" smtClean="0"/>
-              <a:t>06.01.2026</a:t>
+              <a:t>07.01.2026</a:t>
             </a:fld>
             <a:endParaRPr lang="de-DE"/>
           </a:p>
@@ -4257,7 +3617,7 @@
           <a:p>
             <a:fld id="{E59BDBB7-78C1-47D7-ADDE-2A30F9A7DC5B}" type="datetimeFigureOut">
               <a:rPr lang="de-DE" smtClean="0"/>
-              <a:t>06.01.2026</a:t>
+              <a:t>07.01.2026</a:t>
             </a:fld>
             <a:endParaRPr lang="de-DE"/>
           </a:p>
@@ -4857,7 +4217,7 @@
           <a:p>
             <a:fld id="{C5BAB1C2-B95E-46E9-ACD9-692B4877A4DB}" type="datetime1">
               <a:rPr lang="de-DE" smtClean="0"/>
-              <a:t>06.01.2026</a:t>
+              <a:t>07.01.2026</a:t>
             </a:fld>
             <a:r>
               <a:rPr lang="de-DE"/>
@@ -5213,7 +4573,7 @@
                   <a:srgbClr val="000000"/>
                 </a:solidFill>
               </a:rPr>
-              <a:t>06.01.2026</a:t>
+              <a:t>07.01.2026</a:t>
             </a:fld>
             <a:endParaRPr lang="de-DE" sz="1000">
               <a:solidFill>
@@ -5389,7 +4749,7 @@
                   <a:srgbClr val="000000"/>
                 </a:solidFill>
               </a:rPr>
-              <a:t>06.01.2026</a:t>
+              <a:t>07.01.2026</a:t>
             </a:fld>
             <a:endParaRPr lang="de-DE" sz="1000">
               <a:solidFill>
@@ -5639,7 +4999,7 @@
                   <a:srgbClr val="000000"/>
                 </a:solidFill>
               </a:rPr>
-              <a:t>06.01.2026</a:t>
+              <a:t>07.01.2026</a:t>
             </a:fld>
             <a:endParaRPr lang="de-DE" sz="1000">
               <a:solidFill>
@@ -5979,7 +5339,7 @@
                   <a:srgbClr val="000000"/>
                 </a:solidFill>
               </a:rPr>
-              <a:t>06.01.2026</a:t>
+              <a:t>07.01.2026</a:t>
             </a:fld>
             <a:endParaRPr lang="de-DE" sz="1000">
               <a:solidFill>
@@ -6282,7 +5642,7 @@
                   <a:srgbClr val="000000"/>
                 </a:solidFill>
               </a:rPr>
-              <a:t>06.01.2026</a:t>
+              <a:t>07.01.2026</a:t>
             </a:fld>
             <a:endParaRPr lang="de-DE" sz="1000">
               <a:solidFill>
@@ -6595,7 +5955,7 @@
                   <a:srgbClr val="000000"/>
                 </a:solidFill>
               </a:rPr>
-              <a:t>06.01.2026</a:t>
+              <a:t>07.01.2026</a:t>
             </a:fld>
             <a:endParaRPr lang="de-DE" sz="1000">
               <a:solidFill>
@@ -6907,7 +6267,7 @@
                   <a:srgbClr val="000000"/>
                 </a:solidFill>
               </a:rPr>
-              <a:t>06.01.2026</a:t>
+              <a:t>07.01.2026</a:t>
             </a:fld>
             <a:endParaRPr lang="de-DE" sz="1000">
               <a:solidFill>
@@ -7217,7 +6577,7 @@
                   <a:srgbClr val="000000"/>
                 </a:solidFill>
               </a:rPr>
-              <a:t>06.01.2026</a:t>
+              <a:t>07.01.2026</a:t>
             </a:fld>
             <a:endParaRPr lang="de-DE" sz="1000">
               <a:solidFill>
@@ -7880,7 +7240,7 @@
                   <a:srgbClr val="000000"/>
                 </a:solidFill>
               </a:rPr>
-              <a:t>06.01.2026</a:t>
+              <a:t>07.01.2026</a:t>
             </a:fld>
             <a:endParaRPr lang="de-DE" sz="1000">
               <a:solidFill>
@@ -8541,7 +7901,7 @@
                   <a:srgbClr val="000000"/>
                 </a:solidFill>
               </a:rPr>
-              <a:t>06.01.2026</a:t>
+              <a:t>07.01.2026</a:t>
             </a:fld>
             <a:endParaRPr lang="de-DE" sz="1000">
               <a:solidFill>
@@ -9012,7 +8372,7 @@
           <a:p>
             <a:fld id="{E83B46C3-D3AB-4BD0-A0BF-3748CABCFA13}" type="datetime1">
               <a:rPr lang="de-DE" smtClean="0"/>
-              <a:t>06.01.2026</a:t>
+              <a:t>07.01.2026</a:t>
             </a:fld>
             <a:r>
               <a:rPr lang="de-DE"/>
@@ -9383,7 +8743,7 @@
                   <a:srgbClr val="000000"/>
                 </a:solidFill>
               </a:rPr>
-              <a:t>06.01.2026</a:t>
+              <a:t>07.01.2026</a:t>
             </a:fld>
             <a:endParaRPr lang="de-DE" sz="1000">
               <a:solidFill>
@@ -9723,7 +9083,7 @@
                   <a:srgbClr val="000000"/>
                 </a:solidFill>
               </a:rPr>
-              <a:t>06.01.2026</a:t>
+              <a:t>07.01.2026</a:t>
             </a:fld>
             <a:endParaRPr lang="de-DE" sz="1000">
               <a:solidFill>
@@ -10341,7 +9701,7 @@
                   <a:srgbClr val="000000"/>
                 </a:solidFill>
               </a:rPr>
-              <a:t>06.01.2026</a:t>
+              <a:t>07.01.2026</a:t>
             </a:fld>
             <a:endParaRPr lang="de-DE" sz="1000">
               <a:solidFill>
@@ -10813,7 +10173,7 @@
                   <a:srgbClr val="000000"/>
                 </a:solidFill>
               </a:rPr>
-              <a:t>06.01.2026</a:t>
+              <a:t>07.01.2026</a:t>
             </a:fld>
             <a:endParaRPr lang="de-DE" sz="1000">
               <a:solidFill>
@@ -12199,7 +11559,7 @@
                   <a:srgbClr val="000000"/>
                 </a:solidFill>
               </a:rPr>
-              <a:t>06.01.2026</a:t>
+              <a:t>07.01.2026</a:t>
             </a:fld>
             <a:endParaRPr lang="de-DE" sz="1000">
               <a:solidFill>
@@ -13165,7 +12525,7 @@
                   <a:srgbClr val="000000"/>
                 </a:solidFill>
               </a:rPr>
-              <a:t>06.01.2026</a:t>
+              <a:t>07.01.2026</a:t>
             </a:fld>
             <a:endParaRPr lang="de-DE" sz="1000">
               <a:solidFill>
@@ -13682,7 +13042,7 @@
                   <a:srgbClr val="000000"/>
                 </a:solidFill>
               </a:rPr>
-              <a:t>06.01.2026</a:t>
+              <a:t>07.01.2026</a:t>
             </a:fld>
             <a:endParaRPr lang="de-DE" sz="1000">
               <a:solidFill>
@@ -14213,7 +13573,7 @@
                   <a:srgbClr val="000000"/>
                 </a:solidFill>
               </a:rPr>
-              <a:t>06.01.2026</a:t>
+              <a:t>07.01.2026</a:t>
             </a:fld>
             <a:endParaRPr lang="de-DE" sz="1000">
               <a:solidFill>
@@ -14733,7 +14093,7 @@
           <a:p>
             <a:fld id="{1F60AF2E-5BFA-49CD-BD58-2886C5AEF071}" type="datetime1">
               <a:rPr lang="de-DE" smtClean="0"/>
-              <a:t>06.01.2026</a:t>
+              <a:t>07.01.2026</a:t>
             </a:fld>
             <a:r>
               <a:rPr lang="de-DE"/>
@@ -15154,7 +14514,7 @@
                   <a:srgbClr val="000000"/>
                 </a:solidFill>
               </a:rPr>
-              <a:t>06.01.2026</a:t>
+              <a:t>07.01.2026</a:t>
             </a:fld>
             <a:endParaRPr lang="de-DE" sz="1000">
               <a:solidFill>
@@ -15559,7 +14919,7 @@
                   <a:srgbClr val="000000"/>
                 </a:solidFill>
               </a:rPr>
-              <a:t>06.01.2026</a:t>
+              <a:t>07.01.2026</a:t>
             </a:fld>
             <a:endParaRPr lang="de-DE" sz="1000">
               <a:solidFill>
@@ -17121,7 +16481,7 @@
                   <a:srgbClr val="000000"/>
                 </a:solidFill>
               </a:rPr>
-              <a:t>06.01.2026</a:t>
+              <a:t>07.01.2026</a:t>
             </a:fld>
             <a:endParaRPr lang="de-DE" sz="1000">
               <a:solidFill>
@@ -18573,7 +17933,7 @@
                   <a:srgbClr val="000000"/>
                 </a:solidFill>
               </a:rPr>
-              <a:t>06.01.2026</a:t>
+              <a:t>07.01.2026</a:t>
             </a:fld>
             <a:endParaRPr lang="de-DE" sz="1000">
               <a:solidFill>
@@ -19522,7 +18882,7 @@
                   <a:srgbClr val="000000"/>
                 </a:solidFill>
               </a:rPr>
-              <a:t>06.01.2026</a:t>
+              <a:t>07.01.2026</a:t>
             </a:fld>
             <a:endParaRPr lang="de-DE" sz="1000">
               <a:solidFill>
@@ -19902,7 +19262,7 @@
                   <a:srgbClr val="000000"/>
                 </a:solidFill>
               </a:rPr>
-              <a:t>06.01.2026</a:t>
+              <a:t>07.01.2026</a:t>
             </a:fld>
             <a:endParaRPr lang="de-DE" sz="1000">
               <a:solidFill>
@@ -20287,7 +19647,7 @@
                   <a:srgbClr val="000000"/>
                 </a:solidFill>
               </a:rPr>
-              <a:t>06.01.2026</a:t>
+              <a:t>07.01.2026</a:t>
             </a:fld>
             <a:endParaRPr lang="de-DE" sz="1000">
               <a:solidFill>
@@ -20580,7 +19940,7 @@
                   <a:srgbClr val="000000"/>
                 </a:solidFill>
               </a:rPr>
-              <a:t>06.01.2026</a:t>
+              <a:t>07.01.2026</a:t>
             </a:fld>
             <a:endParaRPr lang="de-DE" sz="1000">
               <a:solidFill>
@@ -20975,7 +20335,7 @@
                   <a:srgbClr val="000000"/>
                 </a:solidFill>
               </a:rPr>
-              <a:t>06.01.2026</a:t>
+              <a:t>07.01.2026</a:t>
             </a:fld>
             <a:endParaRPr lang="de-DE" sz="1000">
               <a:solidFill>
@@ -21378,7 +20738,7 @@
                   <a:srgbClr val="000000"/>
                 </a:solidFill>
               </a:rPr>
-              <a:t>06.01.2026</a:t>
+              <a:t>07.01.2026</a:t>
             </a:fld>
             <a:endParaRPr lang="de-DE" sz="1000">
               <a:solidFill>
@@ -21860,7 +21220,7 @@
           <a:p>
             <a:fld id="{225F03D2-45F0-4A98-BAD3-9C8997ED6FFB}" type="datetime1">
               <a:rPr lang="de-DE" smtClean="0"/>
-              <a:t>06.01.2026</a:t>
+              <a:t>07.01.2026</a:t>
             </a:fld>
             <a:r>
               <a:rPr lang="de-DE"/>
@@ -23224,7 +22584,7 @@
                   <a:srgbClr val="000000"/>
                 </a:solidFill>
               </a:rPr>
-              <a:t>06.01.2026</a:t>
+              <a:t>07.01.2026</a:t>
             </a:fld>
             <a:endParaRPr lang="de-DE" sz="1000">
               <a:solidFill>
@@ -23854,7 +23214,7 @@
                   <a:srgbClr val="000000"/>
                 </a:solidFill>
               </a:rPr>
-              <a:t>06.01.2026</a:t>
+              <a:t>07.01.2026</a:t>
             </a:fld>
             <a:endParaRPr lang="de-DE" sz="1000">
               <a:solidFill>
@@ -25279,7 +24639,7 @@
                   <a:srgbClr val="000000"/>
                 </a:solidFill>
               </a:rPr>
-              <a:t>06.01.2026</a:t>
+              <a:t>07.01.2026</a:t>
             </a:fld>
             <a:endParaRPr lang="de-DE" sz="1000">
               <a:solidFill>
@@ -25677,7 +25037,7 @@
                   <a:srgbClr val="000000"/>
                 </a:solidFill>
               </a:rPr>
-              <a:t>06.01.2026</a:t>
+              <a:t>07.01.2026</a:t>
             </a:fld>
             <a:endParaRPr lang="de-DE" sz="1000">
               <a:solidFill>
@@ -26067,7 +25427,7 @@
                   <a:srgbClr val="000000"/>
                 </a:solidFill>
               </a:rPr>
-              <a:t>06.01.2026</a:t>
+              <a:t>07.01.2026</a:t>
             </a:fld>
             <a:endParaRPr lang="de-DE" sz="1000">
               <a:solidFill>
@@ -26488,7 +25848,7 @@
                   <a:srgbClr val="000000"/>
                 </a:solidFill>
               </a:rPr>
-              <a:t>06.01.2026</a:t>
+              <a:t>07.01.2026</a:t>
             </a:fld>
             <a:endParaRPr lang="de-DE" sz="1000">
               <a:solidFill>
@@ -26778,7 +26138,7 @@
                   <a:srgbClr val="000000"/>
                 </a:solidFill>
               </a:rPr>
-              <a:t>06.01.2026</a:t>
+              <a:t>07.01.2026</a:t>
             </a:fld>
             <a:endParaRPr lang="de-DE" sz="1000">
               <a:solidFill>
@@ -27435,7 +26795,7 @@
                   <a:srgbClr val="000000"/>
                 </a:solidFill>
               </a:rPr>
-              <a:t>06.01.2026</a:t>
+              <a:t>07.01.2026</a:t>
             </a:fld>
             <a:endParaRPr lang="de-DE" sz="1000">
               <a:solidFill>
@@ -28121,7 +27481,7 @@
           <a:p>
             <a:fld id="{003102F7-326F-497C-B128-E026DECD7822}" type="datetime1">
               <a:rPr lang="de-DE" smtClean="0"/>
-              <a:t>06.01.2026</a:t>
+              <a:t>07.01.2026</a:t>
             </a:fld>
             <a:r>
               <a:rPr lang="de-DE" dirty="0"/>
@@ -31283,7 +30643,7 @@
                   <a:srgbClr val="000000"/>
                 </a:solidFill>
               </a:rPr>
-              <a:t>06.01.2026</a:t>
+              <a:t>07.01.2026</a:t>
             </a:fld>
             <a:endParaRPr lang="de-DE" sz="1000" dirty="0">
               <a:solidFill>
@@ -34049,7 +33409,7 @@
                   <a:srgbClr val="000000"/>
                 </a:solidFill>
               </a:rPr>
-              <a:t>06.01.2026</a:t>
+              <a:t>07.01.2026</a:t>
             </a:fld>
             <a:endParaRPr lang="de-DE" sz="1000">
               <a:solidFill>
@@ -35072,7 +34432,7 @@
               <a:t>34</a:t>
             </a:fld>
             <a:r>
-              <a:rPr lang="de-DE" dirty="0"/>
+              <a:rPr lang="de-DE"/>
               <a:t> / 57</a:t>
             </a:r>
             <a:endParaRPr lang="de-DE" dirty="0">
@@ -35110,13 +34470,18 @@
           <a:lstStyle/>
           <a:p>
             <a:r>
-              <a:rPr lang="de-DE" dirty="0">
+              <a:rPr lang="de-DE">
                 <a:solidFill>
                   <a:srgbClr val="000000"/>
                 </a:solidFill>
               </a:rPr>
               <a:t>Rotation um die z-Achse</a:t>
             </a:r>
+            <a:endParaRPr lang="de-DE" dirty="0">
+              <a:solidFill>
+                <a:srgbClr val="000000"/>
+              </a:solidFill>
+            </a:endParaRPr>
           </a:p>
         </p:txBody>
       </p:sp>
@@ -35264,7 +34629,7 @@
               <a:t>35</a:t>
             </a:fld>
             <a:r>
-              <a:rPr lang="de-DE" dirty="0"/>
+              <a:rPr lang="de-DE"/>
               <a:t> / 57</a:t>
             </a:r>
             <a:endParaRPr lang="de-DE" dirty="0">
@@ -35302,13 +34667,18 @@
           <a:lstStyle/>
           <a:p>
             <a:r>
-              <a:rPr lang="de-DE" dirty="0">
+              <a:rPr lang="de-DE">
                 <a:solidFill>
                   <a:srgbClr val="000000"/>
                 </a:solidFill>
               </a:rPr>
               <a:t>Rotation um die x-Achse</a:t>
             </a:r>
+            <a:endParaRPr lang="de-DE" dirty="0">
+              <a:solidFill>
+                <a:srgbClr val="000000"/>
+              </a:solidFill>
+            </a:endParaRPr>
           </a:p>
         </p:txBody>
       </p:sp>
@@ -36252,7 +35622,7 @@
                   <a:srgbClr val="000000"/>
                 </a:solidFill>
               </a:rPr>
-              <a:t>06.01.2026</a:t>
+              <a:t>07.01.2026</a:t>
             </a:fld>
             <a:endParaRPr lang="de-DE" sz="1000">
               <a:solidFill>
@@ -36648,7 +36018,7 @@
                   <a:srgbClr val="000000"/>
                 </a:solidFill>
               </a:rPr>
-              <a:t>06.01.2026</a:t>
+              <a:t>07.01.2026</a:t>
             </a:fld>
             <a:endParaRPr lang="de-DE" sz="1000">
               <a:solidFill>
@@ -39019,7 +38389,7 @@
 </file>
 
 <file path=ppt/slides/slide47.xml><?xml version="1.0" encoding="utf-8"?>
-<p:sld xmlns:a="http://schemas.openxmlformats.org/drawingml/2006/main" xmlns:r="http://schemas.openxmlformats.org/officeDocument/2006/relationships" xmlns:p="http://schemas.openxmlformats.org/presentationml/2006/main">
+<p:sld xmlns:a="http://schemas.openxmlformats.org/drawingml/2006/main" xmlns:r="http://schemas.openxmlformats.org/officeDocument/2006/relationships" xmlns:p="http://schemas.openxmlformats.org/presentationml/2006/main" show="0">
   <p:cSld>
     <p:spTree>
       <p:nvGrpSpPr>
@@ -41690,7 +41060,7 @@
                   <a:srgbClr val="000000"/>
                 </a:solidFill>
               </a:rPr>
-              <a:t>. Es kann/sollte danach die gleiche Zeitkomplexität haben.</a:t>
+              <a:t>. Es kann danach die gleiche Zeitkomplexität haben.</a:t>
             </a:r>
           </a:p>
         </p:txBody>
@@ -44251,15 +43621,6 @@
 </file>
 
 <file path=customXml/item1.xml><?xml version="1.0" encoding="utf-8"?>
-<?mso-contentType ?>
-<FormTemplates xmlns="http://schemas.microsoft.com/sharepoint/v3/contenttype/forms">
-  <Display>DocumentLibraryForm</Display>
-  <Edit>DocumentLibraryForm</Edit>
-  <New>DocumentLibraryForm</New>
-</FormTemplates>
-</file>
-
-<file path=customXml/item2.xml><?xml version="1.0" encoding="utf-8"?>
 <ct:contentTypeSchema xmlns:ct="http://schemas.microsoft.com/office/2006/metadata/contentType" xmlns:ma="http://schemas.microsoft.com/office/2006/metadata/properties/metaAttributes" ct:_="" ma:_="" ma:contentTypeName="Dokument" ma:contentTypeID="0x0101006D002FDE7163574DB40222E8981F3698" ma:contentTypeVersion="5" ma:contentTypeDescription="Ein neues Dokument erstellen." ma:contentTypeScope="" ma:versionID="2edde0d93576e5927b241fa7c2f72a42">
   <xsd:schema xmlns:xsd="http://www.w3.org/2001/XMLSchema" xmlns:xs="http://www.w3.org/2001/XMLSchema" xmlns:p="http://schemas.microsoft.com/office/2006/metadata/properties" xmlns:ns2="b58a100f-d82e-42bd-9463-97b1040303a1" targetNamespace="http://schemas.microsoft.com/office/2006/metadata/properties" ma:root="true" ma:fieldsID="20660e5945343c88d38fb64c211d8d2e" ns2:_="">
     <xsd:import namespace="b58a100f-d82e-42bd-9463-97b1040303a1"/>
@@ -44414,6 +43775,15 @@
 </ct:contentTypeSchema>
 </file>
 
+<file path=customXml/item2.xml><?xml version="1.0" encoding="utf-8"?>
+<?mso-contentType ?>
+<FormTemplates xmlns="http://schemas.microsoft.com/sharepoint/v3/contenttype/forms">
+  <Display>DocumentLibraryForm</Display>
+  <Edit>DocumentLibraryForm</Edit>
+  <New>DocumentLibraryForm</New>
+</FormTemplates>
+</file>
+
 <file path=customXml/item3.xml><?xml version="1.0" encoding="utf-8"?>
 <p:properties xmlns:p="http://schemas.microsoft.com/office/2006/metadata/properties" xmlns:xsi="http://www.w3.org/2001/XMLSchema-instance" xmlns:pc="http://schemas.microsoft.com/office/infopath/2007/PartnerControls">
   <documentManagement>
@@ -44423,14 +43793,6 @@
 </file>
 
 <file path=customXml/itemProps1.xml><?xml version="1.0" encoding="utf-8"?>
-<ds:datastoreItem xmlns:ds="http://schemas.openxmlformats.org/officeDocument/2006/customXml" ds:itemID="{367FB75D-F70B-4660-AB7E-C20E7B16A13D}">
-  <ds:schemaRefs>
-    <ds:schemaRef ds:uri="http://schemas.microsoft.com/sharepoint/v3/contenttype/forms"/>
-  </ds:schemaRefs>
-</ds:datastoreItem>
-</file>
-
-<file path=customXml/itemProps2.xml><?xml version="1.0" encoding="utf-8"?>
 <ds:datastoreItem xmlns:ds="http://schemas.openxmlformats.org/officeDocument/2006/customXml" ds:itemID="{BB3F971A-6B06-48BD-85FD-6BA426F4640A}">
   <ds:schemaRefs>
     <ds:schemaRef ds:uri="http://schemas.microsoft.com/office/2006/metadata/contentType"/>
@@ -44448,12 +43810,26 @@
 </ds:datastoreItem>
 </file>
 
+<file path=customXml/itemProps2.xml><?xml version="1.0" encoding="utf-8"?>
+<ds:datastoreItem xmlns:ds="http://schemas.openxmlformats.org/officeDocument/2006/customXml" ds:itemID="{367FB75D-F70B-4660-AB7E-C20E7B16A13D}">
+  <ds:schemaRefs>
+    <ds:schemaRef ds:uri="http://schemas.microsoft.com/sharepoint/v3/contenttype/forms"/>
+  </ds:schemaRefs>
+</ds:datastoreItem>
+</file>
+
 <file path=customXml/itemProps3.xml><?xml version="1.0" encoding="utf-8"?>
 <ds:datastoreItem xmlns:ds="http://schemas.openxmlformats.org/officeDocument/2006/customXml" ds:itemID="{C2077F53-92EE-4857-AAC1-BA1FF4BD2AFD}">
   <ds:schemaRefs>
     <ds:schemaRef ds:uri="http://schemas.microsoft.com/office/2006/metadata/properties"/>
+    <ds:schemaRef ds:uri="b58a100f-d82e-42bd-9463-97b1040303a1"/>
+    <ds:schemaRef ds:uri="http://purl.org/dc/terms/"/>
+    <ds:schemaRef ds:uri="http://schemas.openxmlformats.org/package/2006/metadata/core-properties"/>
+    <ds:schemaRef ds:uri="http://purl.org/dc/dcmitype/"/>
     <ds:schemaRef ds:uri="http://schemas.microsoft.com/office/infopath/2007/PartnerControls"/>
-    <ds:schemaRef ds:uri="b58a100f-d82e-42bd-9463-97b1040303a1"/>
+    <ds:schemaRef ds:uri="http://schemas.microsoft.com/office/2006/documentManagement/types"/>
+    <ds:schemaRef ds:uri="http://www.w3.org/XML/1998/namespace"/>
+    <ds:schemaRef ds:uri="http://purl.org/dc/elements/1.1/"/>
   </ds:schemaRefs>
 </ds:datastoreItem>
 </file>
--- a/alles was kein code ist/Vortrag Algorithmen/gaengige_algorithmen_luna_bruentrup.pptx
+++ b/alles was kein code ist/Vortrag Algorithmen/gaengige_algorithmen_luna_bruentrup.pptx
@@ -187,7 +187,7 @@
 <file path=ppt/revisionInfo.xml><?xml version="1.0" encoding="utf-8"?>
 <p1510:revInfo xmlns:a="http://schemas.openxmlformats.org/drawingml/2006/main" xmlns:r="http://schemas.openxmlformats.org/officeDocument/2006/relationships" xmlns:p1510="http://schemas.microsoft.com/office/powerpoint/2015/10/main">
   <p1510:revLst>
-    <p1510:client id="{6AA40660-2766-4BD1-A74F-821FA76EB466}" v="213" dt="2026-01-06T20:11:54.152"/>
+    <p1510:client id="{6AA40660-2766-4BD1-A74F-821FA76EB466}" v="214" dt="2026-01-08T08:05:51.609"/>
   </p1510:revLst>
 </p1510:revInfo>
 </file>
@@ -197,7 +197,7 @@
   <pc:docChgLst>
     <pc:chgData name="Brüntrup, Luna Nox Fea" userId="e756c84f-b282-410e-9d44-26088df5a1d0" providerId="ADAL" clId="{6AA40660-2766-4BD1-A74F-821FA76EB466}"/>
     <pc:docChg chg="undo custSel addSld delSld modSld sldOrd">
-      <pc:chgData name="Brüntrup, Luna Nox Fea" userId="e756c84f-b282-410e-9d44-26088df5a1d0" providerId="ADAL" clId="{6AA40660-2766-4BD1-A74F-821FA76EB466}" dt="2026-01-07T11:24:54.223" v="10372" actId="729"/>
+      <pc:chgData name="Brüntrup, Luna Nox Fea" userId="e756c84f-b282-410e-9d44-26088df5a1d0" providerId="ADAL" clId="{6AA40660-2766-4BD1-A74F-821FA76EB466}" dt="2026-01-08T08:06:06.088" v="10437" actId="20577"/>
       <pc:docMkLst>
         <pc:docMk/>
       </pc:docMkLst>
@@ -266,14 +266,6 @@
             <pc:docMk/>
             <pc:sldMk cId="531105595" sldId="260"/>
             <ac:spMk id="6" creationId="{7FD061C3-AE58-9AA2-C9F1-165202C623BE}"/>
-          </ac:spMkLst>
-        </pc:spChg>
-        <pc:spChg chg="del mod">
-          <ac:chgData name="Brüntrup, Luna Nox Fea" userId="e756c84f-b282-410e-9d44-26088df5a1d0" providerId="ADAL" clId="{6AA40660-2766-4BD1-A74F-821FA76EB466}" dt="2026-01-06T02:36:25.577" v="10260" actId="478"/>
-          <ac:spMkLst>
-            <pc:docMk/>
-            <pc:sldMk cId="531105595" sldId="260"/>
-            <ac:spMk id="7" creationId="{F01D48D1-D924-3840-29C6-A159DBD6320D}"/>
           </ac:spMkLst>
         </pc:spChg>
         <pc:spChg chg="mod">
@@ -382,22 +374,6 @@
             <pc:docMk/>
             <pc:sldMk cId="3476532268" sldId="275"/>
             <ac:spMk id="2" creationId="{3609DEE9-19A7-466E-9C2B-53E78AA14BD6}"/>
-          </ac:spMkLst>
-        </pc:spChg>
-        <pc:spChg chg="del">
-          <ac:chgData name="Brüntrup, Luna Nox Fea" userId="e756c84f-b282-410e-9d44-26088df5a1d0" providerId="ADAL" clId="{6AA40660-2766-4BD1-A74F-821FA76EB466}" dt="2026-01-06T02:31:15.522" v="10146" actId="478"/>
-          <ac:spMkLst>
-            <pc:docMk/>
-            <pc:sldMk cId="3476532268" sldId="275"/>
-            <ac:spMk id="3" creationId="{267F3B79-9952-4824-8D01-0D67C352AC13}"/>
-          </ac:spMkLst>
-        </pc:spChg>
-        <pc:spChg chg="add del mod">
-          <ac:chgData name="Brüntrup, Luna Nox Fea" userId="e756c84f-b282-410e-9d44-26088df5a1d0" providerId="ADAL" clId="{6AA40660-2766-4BD1-A74F-821FA76EB466}" dt="2026-01-06T02:31:18.707" v="10147" actId="478"/>
-          <ac:spMkLst>
-            <pc:docMk/>
-            <pc:sldMk cId="3476532268" sldId="275"/>
-            <ac:spMk id="5" creationId="{AC98E117-2350-4BD1-9B60-FD71FBC75599}"/>
           </ac:spMkLst>
         </pc:spChg>
       </pc:sldChg>
@@ -520,14 +496,6 @@
             <pc:docMk/>
             <pc:sldMk cId="1971462252" sldId="358"/>
             <ac:spMk id="4" creationId="{04B0E111-12CD-12AD-6DF8-F078BA59466A}"/>
-          </ac:spMkLst>
-        </pc:spChg>
-        <pc:spChg chg="del">
-          <ac:chgData name="Brüntrup, Luna Nox Fea" userId="e756c84f-b282-410e-9d44-26088df5a1d0" providerId="ADAL" clId="{6AA40660-2766-4BD1-A74F-821FA76EB466}" dt="2026-01-06T02:36:19.981" v="10258" actId="478"/>
-          <ac:spMkLst>
-            <pc:docMk/>
-            <pc:sldMk cId="1971462252" sldId="358"/>
-            <ac:spMk id="13" creationId="{E796551A-A0FB-716E-0C84-55989624F5E4}"/>
           </ac:spMkLst>
         </pc:spChg>
         <pc:spChg chg="mod">
@@ -698,22 +666,6 @@
             <pc:docMk/>
             <pc:sldMk cId="1536928947" sldId="374"/>
             <ac:spMk id="5" creationId="{326E3DC6-CB93-EA17-8894-E7A9AFAAAC97}"/>
-          </ac:spMkLst>
-        </pc:spChg>
-        <pc:spChg chg="del">
-          <ac:chgData name="Brüntrup, Luna Nox Fea" userId="e756c84f-b282-410e-9d44-26088df5a1d0" providerId="ADAL" clId="{6AA40660-2766-4BD1-A74F-821FA76EB466}" dt="2026-01-06T02:36:44.830" v="10264" actId="478"/>
-          <ac:spMkLst>
-            <pc:docMk/>
-            <pc:sldMk cId="1536928947" sldId="374"/>
-            <ac:spMk id="14" creationId="{163DC136-8F57-21FF-84FC-E66C05A73F2B}"/>
-          </ac:spMkLst>
-        </pc:spChg>
-        <pc:spChg chg="del">
-          <ac:chgData name="Brüntrup, Luna Nox Fea" userId="e756c84f-b282-410e-9d44-26088df5a1d0" providerId="ADAL" clId="{6AA40660-2766-4BD1-A74F-821FA76EB466}" dt="2026-01-06T02:36:46.668" v="10265" actId="478"/>
-          <ac:spMkLst>
-            <pc:docMk/>
-            <pc:sldMk cId="1536928947" sldId="374"/>
-            <ac:spMk id="15" creationId="{72696220-DB9D-DFCC-1108-0CB8A2F19173}"/>
           </ac:spMkLst>
         </pc:spChg>
         <pc:spChg chg="mod">
@@ -902,22 +854,6 @@
             <ac:spMk id="6" creationId="{29A79CA8-6C82-FEDE-E628-518EEFF69DCD}"/>
           </ac:spMkLst>
         </pc:spChg>
-        <pc:spChg chg="del">
-          <ac:chgData name="Brüntrup, Luna Nox Fea" userId="e756c84f-b282-410e-9d44-26088df5a1d0" providerId="ADAL" clId="{6AA40660-2766-4BD1-A74F-821FA76EB466}" dt="2026-01-06T02:36:52.178" v="10267" actId="478"/>
-          <ac:spMkLst>
-            <pc:docMk/>
-            <pc:sldMk cId="2624159182" sldId="2147481828"/>
-            <ac:spMk id="14" creationId="{E3474841-D401-2957-AD94-12B6C3B7A679}"/>
-          </ac:spMkLst>
-        </pc:spChg>
-        <pc:spChg chg="del">
-          <ac:chgData name="Brüntrup, Luna Nox Fea" userId="e756c84f-b282-410e-9d44-26088df5a1d0" providerId="ADAL" clId="{6AA40660-2766-4BD1-A74F-821FA76EB466}" dt="2026-01-06T02:36:50.079" v="10266" actId="478"/>
-          <ac:spMkLst>
-            <pc:docMk/>
-            <pc:sldMk cId="2624159182" sldId="2147481828"/>
-            <ac:spMk id="16" creationId="{61430F84-DFE0-0F3B-C097-5CFA317A8AA4}"/>
-          </ac:spMkLst>
-        </pc:spChg>
         <pc:spChg chg="mod">
           <ac:chgData name="Brüntrup, Luna Nox Fea" userId="e756c84f-b282-410e-9d44-26088df5a1d0" providerId="ADAL" clId="{6AA40660-2766-4BD1-A74F-821FA76EB466}" dt="2026-01-06T02:35:13.756" v="10244" actId="14100"/>
           <ac:spMkLst>
@@ -956,22 +892,6 @@
             <ac:spMk id="8" creationId="{A21891B4-8420-597A-D75C-D41D03F1F7B2}"/>
           </ac:spMkLst>
         </pc:spChg>
-        <pc:spChg chg="del">
-          <ac:chgData name="Brüntrup, Luna Nox Fea" userId="e756c84f-b282-410e-9d44-26088df5a1d0" providerId="ADAL" clId="{6AA40660-2766-4BD1-A74F-821FA76EB466}" dt="2026-01-06T02:37:10.165" v="10277" actId="478"/>
-          <ac:spMkLst>
-            <pc:docMk/>
-            <pc:sldMk cId="2481984091" sldId="2147481830"/>
-            <ac:spMk id="10" creationId="{ADC87016-960A-8DE2-F964-BCBD59C57E95}"/>
-          </ac:spMkLst>
-        </pc:spChg>
-        <pc:spChg chg="del">
-          <ac:chgData name="Brüntrup, Luna Nox Fea" userId="e756c84f-b282-410e-9d44-26088df5a1d0" providerId="ADAL" clId="{6AA40660-2766-4BD1-A74F-821FA76EB466}" dt="2026-01-06T02:37:08.766" v="10276" actId="478"/>
-          <ac:spMkLst>
-            <pc:docMk/>
-            <pc:sldMk cId="2481984091" sldId="2147481830"/>
-            <ac:spMk id="11" creationId="{AE83BDB4-8CCD-1698-04EE-513A88561A6E}"/>
-          </ac:spMkLst>
-        </pc:spChg>
         <pc:spChg chg="mod">
           <ac:chgData name="Brüntrup, Luna Nox Fea" userId="e756c84f-b282-410e-9d44-26088df5a1d0" providerId="ADAL" clId="{6AA40660-2766-4BD1-A74F-821FA76EB466}" dt="2026-01-06T02:34:53.909" v="10238" actId="14100"/>
           <ac:spMkLst>
@@ -1000,14 +920,6 @@
             <pc:docMk/>
             <pc:sldMk cId="2294793074" sldId="2147481832"/>
             <ac:spMk id="3" creationId="{3DAD74AE-3095-1342-44C0-671F60FB9F7E}"/>
-          </ac:spMkLst>
-        </pc:spChg>
-        <pc:spChg chg="del">
-          <ac:chgData name="Brüntrup, Luna Nox Fea" userId="e756c84f-b282-410e-9d44-26088df5a1d0" providerId="ADAL" clId="{6AA40660-2766-4BD1-A74F-821FA76EB466}" dt="2026-01-06T02:36:30.856" v="10261" actId="478"/>
-          <ac:spMkLst>
-            <pc:docMk/>
-            <pc:sldMk cId="2294793074" sldId="2147481832"/>
-            <ac:spMk id="7" creationId="{EC5C4AC4-5A90-47E2-8AB4-599C116C3AB7}"/>
           </ac:spMkLst>
         </pc:spChg>
         <pc:spChg chg="mod">
@@ -1039,14 +951,6 @@
             <pc:docMk/>
             <pc:sldMk cId="4163776567" sldId="2147481833"/>
             <ac:spMk id="3" creationId="{0A5CD6DB-5FBA-D32A-8492-5BE875267EF0}"/>
-          </ac:spMkLst>
-        </pc:spChg>
-        <pc:spChg chg="del">
-          <ac:chgData name="Brüntrup, Luna Nox Fea" userId="e756c84f-b282-410e-9d44-26088df5a1d0" providerId="ADAL" clId="{6AA40660-2766-4BD1-A74F-821FA76EB466}" dt="2026-01-06T02:37:15.915" v="10278" actId="478"/>
-          <ac:spMkLst>
-            <pc:docMk/>
-            <pc:sldMk cId="4163776567" sldId="2147481833"/>
-            <ac:spMk id="7" creationId="{9562D862-CC46-3E1F-9686-A208143D4230}"/>
           </ac:spMkLst>
         </pc:spChg>
         <pc:spChg chg="mod">
@@ -1127,14 +1031,6 @@
             <ac:spMk id="3" creationId="{506200A4-D813-3FB0-118E-2934DC5782D8}"/>
           </ac:spMkLst>
         </pc:spChg>
-        <pc:spChg chg="del">
-          <ac:chgData name="Brüntrup, Luna Nox Fea" userId="e756c84f-b282-410e-9d44-26088df5a1d0" providerId="ADAL" clId="{6AA40660-2766-4BD1-A74F-821FA76EB466}" dt="2026-01-06T02:36:36.318" v="10262" actId="478"/>
-          <ac:spMkLst>
-            <pc:docMk/>
-            <pc:sldMk cId="809194188" sldId="2147481835"/>
-            <ac:spMk id="7" creationId="{95AFFFC3-9772-1124-3784-9EB3FFBCF6E5}"/>
-          </ac:spMkLst>
-        </pc:spChg>
         <pc:spChg chg="mod">
           <ac:chgData name="Brüntrup, Luna Nox Fea" userId="e756c84f-b282-410e-9d44-26088df5a1d0" providerId="ADAL" clId="{6AA40660-2766-4BD1-A74F-821FA76EB466}" dt="2026-01-06T02:35:42.281" v="10251"/>
           <ac:spMkLst>
@@ -1164,14 +1060,6 @@
             <pc:docMk/>
             <pc:sldMk cId="1393126421" sldId="2147481836"/>
             <ac:spMk id="3" creationId="{8CF416FA-185F-4E1D-BEE0-CEC2F6EC46FA}"/>
-          </ac:spMkLst>
-        </pc:spChg>
-        <pc:spChg chg="del">
-          <ac:chgData name="Brüntrup, Luna Nox Fea" userId="e756c84f-b282-410e-9d44-26088df5a1d0" providerId="ADAL" clId="{6AA40660-2766-4BD1-A74F-821FA76EB466}" dt="2026-01-06T02:36:38.946" v="10263" actId="478"/>
-          <ac:spMkLst>
-            <pc:docMk/>
-            <pc:sldMk cId="1393126421" sldId="2147481836"/>
-            <ac:spMk id="7" creationId="{2AA14D33-7A89-6D36-41B0-51972BBE5683}"/>
           </ac:spMkLst>
         </pc:spChg>
         <pc:spChg chg="mod">
@@ -1352,22 +1240,6 @@
             <ac:spMk id="6" creationId="{C3B1A4E2-02D9-1A7C-3D12-939A4C311D87}"/>
           </ac:spMkLst>
         </pc:spChg>
-        <pc:spChg chg="del mod">
-          <ac:chgData name="Brüntrup, Luna Nox Fea" userId="e756c84f-b282-410e-9d44-26088df5a1d0" providerId="ADAL" clId="{6AA40660-2766-4BD1-A74F-821FA76EB466}" dt="2026-01-06T02:37:02.794" v="10274" actId="478"/>
-          <ac:spMkLst>
-            <pc:docMk/>
-            <pc:sldMk cId="211355464" sldId="2147481842"/>
-            <ac:spMk id="14" creationId="{9B479489-CAFF-6C82-E28A-02FB4C4FFC7F}"/>
-          </ac:spMkLst>
-        </pc:spChg>
-        <pc:spChg chg="del mod">
-          <ac:chgData name="Brüntrup, Luna Nox Fea" userId="e756c84f-b282-410e-9d44-26088df5a1d0" providerId="ADAL" clId="{6AA40660-2766-4BD1-A74F-821FA76EB466}" dt="2026-01-06T02:37:05.166" v="10275" actId="478"/>
-          <ac:spMkLst>
-            <pc:docMk/>
-            <pc:sldMk cId="211355464" sldId="2147481842"/>
-            <ac:spMk id="16" creationId="{64154EFD-D4E7-19B5-DA24-24AB5E04F2E5}"/>
-          </ac:spMkLst>
-        </pc:spChg>
         <pc:spChg chg="mod">
           <ac:chgData name="Brüntrup, Luna Nox Fea" userId="e756c84f-b282-410e-9d44-26088df5a1d0" providerId="ADAL" clId="{6AA40660-2766-4BD1-A74F-821FA76EB466}" dt="2026-01-06T02:34:59.216" v="10240" actId="14100"/>
           <ac:spMkLst>
@@ -1389,22 +1261,6 @@
             <pc:docMk/>
             <pc:sldMk cId="689206708" sldId="2147481843"/>
             <ac:spMk id="5" creationId="{5948630D-F507-CF1F-74FD-0B6C868FA4A6}"/>
-          </ac:spMkLst>
-        </pc:spChg>
-        <pc:spChg chg="del mod">
-          <ac:chgData name="Brüntrup, Luna Nox Fea" userId="e756c84f-b282-410e-9d44-26088df5a1d0" providerId="ADAL" clId="{6AA40660-2766-4BD1-A74F-821FA76EB466}" dt="2026-01-06T02:36:57.579" v="10271" actId="478"/>
-          <ac:spMkLst>
-            <pc:docMk/>
-            <pc:sldMk cId="689206708" sldId="2147481843"/>
-            <ac:spMk id="14" creationId="{76A8C94A-9A25-6E4F-8A60-CBB94E5BBF88}"/>
-          </ac:spMkLst>
-        </pc:spChg>
-        <pc:spChg chg="del mod">
-          <ac:chgData name="Brüntrup, Luna Nox Fea" userId="e756c84f-b282-410e-9d44-26088df5a1d0" providerId="ADAL" clId="{6AA40660-2766-4BD1-A74F-821FA76EB466}" dt="2026-01-06T02:36:55.796" v="10269" actId="478"/>
-          <ac:spMkLst>
-            <pc:docMk/>
-            <pc:sldMk cId="689206708" sldId="2147481843"/>
-            <ac:spMk id="15" creationId="{EF6A9FFA-840A-5FC7-F320-99EBFA271DEC}"/>
           </ac:spMkLst>
         </pc:spChg>
         <pc:spChg chg="mod">
@@ -1430,22 +1286,6 @@
             <ac:spMk id="8" creationId="{5751F1D0-873C-B082-A6D2-59902E69A1EB}"/>
           </ac:spMkLst>
         </pc:spChg>
-        <pc:spChg chg="del mod">
-          <ac:chgData name="Brüntrup, Luna Nox Fea" userId="e756c84f-b282-410e-9d44-26088df5a1d0" providerId="ADAL" clId="{6AA40660-2766-4BD1-A74F-821FA76EB466}" dt="2026-01-06T02:37:23.142" v="10281" actId="478"/>
-          <ac:spMkLst>
-            <pc:docMk/>
-            <pc:sldMk cId="1809663128" sldId="2147481844"/>
-            <ac:spMk id="10" creationId="{76AE6EDB-B51C-6FAD-E182-D20EE7DAE90B}"/>
-          </ac:spMkLst>
-        </pc:spChg>
-        <pc:spChg chg="del">
-          <ac:chgData name="Brüntrup, Luna Nox Fea" userId="e756c84f-b282-410e-9d44-26088df5a1d0" providerId="ADAL" clId="{6AA40660-2766-4BD1-A74F-821FA76EB466}" dt="2026-01-06T02:37:24.576" v="10282" actId="478"/>
-          <ac:spMkLst>
-            <pc:docMk/>
-            <pc:sldMk cId="1809663128" sldId="2147481844"/>
-            <ac:spMk id="11" creationId="{3C2F9421-DDB0-1E05-AB88-119B1CB477EE}"/>
-          </ac:spMkLst>
-        </pc:spChg>
         <pc:spChg chg="mod">
           <ac:chgData name="Brüntrup, Luna Nox Fea" userId="e756c84f-b282-410e-9d44-26088df5a1d0" providerId="ADAL" clId="{6AA40660-2766-4BD1-A74F-821FA76EB466}" dt="2026-01-06T02:34:28.174" v="10233" actId="14100"/>
           <ac:spMkLst>
@@ -1467,14 +1307,6 @@
             <pc:docMk/>
             <pc:sldMk cId="3760142812" sldId="2147481845"/>
             <ac:spMk id="3" creationId="{BC60AEB9-A752-3B96-8A0E-42FB76812FD8}"/>
-          </ac:spMkLst>
-        </pc:spChg>
-        <pc:spChg chg="del">
-          <ac:chgData name="Brüntrup, Luna Nox Fea" userId="e756c84f-b282-410e-9d44-26088df5a1d0" providerId="ADAL" clId="{6AA40660-2766-4BD1-A74F-821FA76EB466}" dt="2026-01-06T02:37:47.815" v="10289" actId="478"/>
-          <ac:spMkLst>
-            <pc:docMk/>
-            <pc:sldMk cId="3760142812" sldId="2147481845"/>
-            <ac:spMk id="7" creationId="{82C2ABA2-1A42-F234-3CD9-14D85E3AACCB}"/>
           </ac:spMkLst>
         </pc:spChg>
         <pc:spChg chg="mod">
@@ -1514,14 +1346,6 @@
             <pc:docMk/>
             <pc:sldMk cId="2318839022" sldId="2147481846"/>
             <ac:spMk id="3" creationId="{CE51E77B-F0D3-E37A-DBF4-AAA3F65DF313}"/>
-          </ac:spMkLst>
-        </pc:spChg>
-        <pc:spChg chg="del">
-          <ac:chgData name="Brüntrup, Luna Nox Fea" userId="e756c84f-b282-410e-9d44-26088df5a1d0" providerId="ADAL" clId="{6AA40660-2766-4BD1-A74F-821FA76EB466}" dt="2026-01-06T02:37:19.580" v="10279" actId="478"/>
-          <ac:spMkLst>
-            <pc:docMk/>
-            <pc:sldMk cId="2318839022" sldId="2147481846"/>
-            <ac:spMk id="7" creationId="{80CB495C-FB65-E099-27C2-D7F7799563FF}"/>
           </ac:spMkLst>
         </pc:spChg>
         <pc:spChg chg="mod">
@@ -1568,14 +1392,6 @@
             <pc:docMk/>
             <pc:sldMk cId="4101832338" sldId="2147481848"/>
             <ac:spMk id="3" creationId="{914EDE88-6AB1-D7BD-AAF8-5CBD1A730854}"/>
-          </ac:spMkLst>
-        </pc:spChg>
-        <pc:spChg chg="del mod">
-          <ac:chgData name="Brüntrup, Luna Nox Fea" userId="e756c84f-b282-410e-9d44-26088df5a1d0" providerId="ADAL" clId="{6AA40660-2766-4BD1-A74F-821FA76EB466}" dt="2026-01-06T02:37:28.415" v="10284" actId="478"/>
-          <ac:spMkLst>
-            <pc:docMk/>
-            <pc:sldMk cId="4101832338" sldId="2147481848"/>
-            <ac:spMk id="7" creationId="{C7E0D74B-4969-3035-F4C3-544C98633A25}"/>
           </ac:spMkLst>
         </pc:spChg>
         <pc:spChg chg="mod">
@@ -1625,14 +1441,6 @@
             <ac:spMk id="3" creationId="{BE21442C-F54A-07E6-8FFD-A906E3A9B732}"/>
           </ac:spMkLst>
         </pc:spChg>
-        <pc:spChg chg="del">
-          <ac:chgData name="Brüntrup, Luna Nox Fea" userId="e756c84f-b282-410e-9d44-26088df5a1d0" providerId="ADAL" clId="{6AA40660-2766-4BD1-A74F-821FA76EB466}" dt="2026-01-06T02:37:31.717" v="10285" actId="478"/>
-          <ac:spMkLst>
-            <pc:docMk/>
-            <pc:sldMk cId="2299093528" sldId="2147481849"/>
-            <ac:spMk id="7" creationId="{7EFA7D83-4E65-1D7F-0347-CA8094FC41BA}"/>
-          </ac:spMkLst>
-        </pc:spChg>
         <pc:spChg chg="mod">
           <ac:chgData name="Brüntrup, Luna Nox Fea" userId="e756c84f-b282-410e-9d44-26088df5a1d0" providerId="ADAL" clId="{6AA40660-2766-4BD1-A74F-821FA76EB466}" dt="2026-01-06T02:34:21.378" v="10230"/>
           <ac:spMkLst>
@@ -1664,22 +1472,6 @@
             <ac:spMk id="8" creationId="{B728A33C-5F6E-7180-2257-A559A7187C94}"/>
           </ac:spMkLst>
         </pc:spChg>
-        <pc:spChg chg="del">
-          <ac:chgData name="Brüntrup, Luna Nox Fea" userId="e756c84f-b282-410e-9d44-26088df5a1d0" providerId="ADAL" clId="{6AA40660-2766-4BD1-A74F-821FA76EB466}" dt="2026-01-06T02:37:39.266" v="10287" actId="478"/>
-          <ac:spMkLst>
-            <pc:docMk/>
-            <pc:sldMk cId="2424582006" sldId="2147481850"/>
-            <ac:spMk id="10" creationId="{FDECCB79-031B-132B-2801-65BCB2724633}"/>
-          </ac:spMkLst>
-        </pc:spChg>
-        <pc:spChg chg="del">
-          <ac:chgData name="Brüntrup, Luna Nox Fea" userId="e756c84f-b282-410e-9d44-26088df5a1d0" providerId="ADAL" clId="{6AA40660-2766-4BD1-A74F-821FA76EB466}" dt="2026-01-06T02:37:37.704" v="10286" actId="478"/>
-          <ac:spMkLst>
-            <pc:docMk/>
-            <pc:sldMk cId="2424582006" sldId="2147481850"/>
-            <ac:spMk id="11" creationId="{0B1E3574-4CBF-CBAE-431E-FAEEDCFA7F80}"/>
-          </ac:spMkLst>
-        </pc:spChg>
         <pc:spChg chg="mod">
           <ac:chgData name="Brüntrup, Luna Nox Fea" userId="e756c84f-b282-410e-9d44-26088df5a1d0" providerId="ADAL" clId="{6AA40660-2766-4BD1-A74F-821FA76EB466}" dt="2026-01-06T02:34:14.719" v="10228" actId="14100"/>
           <ac:spMkLst>
@@ -1701,14 +1493,6 @@
             <pc:docMk/>
             <pc:sldMk cId="2364971072" sldId="2147481851"/>
             <ac:spMk id="3" creationId="{8AC017F5-C98A-4101-0D6B-0250D911EEC9}"/>
-          </ac:spMkLst>
-        </pc:spChg>
-        <pc:spChg chg="del">
-          <ac:chgData name="Brüntrup, Luna Nox Fea" userId="e756c84f-b282-410e-9d44-26088df5a1d0" providerId="ADAL" clId="{6AA40660-2766-4BD1-A74F-821FA76EB466}" dt="2026-01-06T02:37:43.269" v="10288" actId="478"/>
-          <ac:spMkLst>
-            <pc:docMk/>
-            <pc:sldMk cId="2364971072" sldId="2147481851"/>
-            <ac:spMk id="7" creationId="{EEC15EF2-3F6C-C94A-0DC8-EB69D485577A}"/>
           </ac:spMkLst>
         </pc:spChg>
         <pc:spChg chg="mod">
@@ -1804,14 +1588,6 @@
             <ac:spMk id="3" creationId="{A7340B33-BF3A-D674-3D34-6078967A6EE1}"/>
           </ac:spMkLst>
         </pc:spChg>
-        <pc:spChg chg="del">
-          <ac:chgData name="Brüntrup, Luna Nox Fea" userId="e756c84f-b282-410e-9d44-26088df5a1d0" providerId="ADAL" clId="{6AA40660-2766-4BD1-A74F-821FA76EB466}" dt="2026-01-06T02:38:25.116" v="10302" actId="478"/>
-          <ac:spMkLst>
-            <pc:docMk/>
-            <pc:sldMk cId="1823854446" sldId="2147481854"/>
-            <ac:spMk id="7" creationId="{8A7EDADA-96AF-23AC-4A4D-E22E71C39704}"/>
-          </ac:spMkLst>
-        </pc:spChg>
         <pc:spChg chg="mod">
           <ac:chgData name="Brüntrup, Luna Nox Fea" userId="e756c84f-b282-410e-9d44-26088df5a1d0" providerId="ADAL" clId="{6AA40660-2766-4BD1-A74F-821FA76EB466}" dt="2026-01-06T02:33:23.920" v="10213"/>
           <ac:spMkLst>
@@ -1841,14 +1617,6 @@
             <pc:docMk/>
             <pc:sldMk cId="3687085298" sldId="2147481855"/>
             <ac:spMk id="3" creationId="{263234A2-22D9-C0F1-9F3F-2D92EC54919F}"/>
-          </ac:spMkLst>
-        </pc:spChg>
-        <pc:spChg chg="del">
-          <ac:chgData name="Brüntrup, Luna Nox Fea" userId="e756c84f-b282-410e-9d44-26088df5a1d0" providerId="ADAL" clId="{6AA40660-2766-4BD1-A74F-821FA76EB466}" dt="2026-01-06T02:37:56.496" v="10292" actId="478"/>
-          <ac:spMkLst>
-            <pc:docMk/>
-            <pc:sldMk cId="3687085298" sldId="2147481855"/>
-            <ac:spMk id="7" creationId="{F31FF3A2-9158-68F1-A707-B7991A05035B}"/>
           </ac:spMkLst>
         </pc:spChg>
         <pc:spChg chg="mod">
@@ -1898,22 +1666,6 @@
             <ac:spMk id="8" creationId="{A9D50BE7-F2BE-89C5-4940-F643760C4F1A}"/>
           </ac:spMkLst>
         </pc:spChg>
-        <pc:spChg chg="del">
-          <ac:chgData name="Brüntrup, Luna Nox Fea" userId="e756c84f-b282-410e-9d44-26088df5a1d0" providerId="ADAL" clId="{6AA40660-2766-4BD1-A74F-821FA76EB466}" dt="2026-01-06T02:37:53.539" v="10291" actId="478"/>
-          <ac:spMkLst>
-            <pc:docMk/>
-            <pc:sldMk cId="3574643954" sldId="2147481856"/>
-            <ac:spMk id="10" creationId="{3D84D92C-74F3-AFF8-7C4F-6BF73E08E9C7}"/>
-          </ac:spMkLst>
-        </pc:spChg>
-        <pc:spChg chg="del">
-          <ac:chgData name="Brüntrup, Luna Nox Fea" userId="e756c84f-b282-410e-9d44-26088df5a1d0" providerId="ADAL" clId="{6AA40660-2766-4BD1-A74F-821FA76EB466}" dt="2026-01-06T02:37:51.627" v="10290" actId="478"/>
-          <ac:spMkLst>
-            <pc:docMk/>
-            <pc:sldMk cId="3574643954" sldId="2147481856"/>
-            <ac:spMk id="11" creationId="{A2FF9A12-16AA-69E3-512F-CCDA338BC7FE}"/>
-          </ac:spMkLst>
-        </pc:spChg>
         <pc:spChg chg="mod">
           <ac:chgData name="Brüntrup, Luna Nox Fea" userId="e756c84f-b282-410e-9d44-26088df5a1d0" providerId="ADAL" clId="{6AA40660-2766-4BD1-A74F-821FA76EB466}" dt="2026-01-06T02:33:59.874" v="10224" actId="14100"/>
           <ac:spMkLst>
@@ -1943,14 +1695,6 @@
             <pc:docMk/>
             <pc:sldMk cId="1094150608" sldId="2147481857"/>
             <ac:spMk id="3" creationId="{3CD372B1-EEE3-323D-7B61-6219473620EC}"/>
-          </ac:spMkLst>
-        </pc:spChg>
-        <pc:spChg chg="del">
-          <ac:chgData name="Brüntrup, Luna Nox Fea" userId="e756c84f-b282-410e-9d44-26088df5a1d0" providerId="ADAL" clId="{6AA40660-2766-4BD1-A74F-821FA76EB466}" dt="2026-01-06T02:38:00.766" v="10293" actId="478"/>
-          <ac:spMkLst>
-            <pc:docMk/>
-            <pc:sldMk cId="1094150608" sldId="2147481857"/>
-            <ac:spMk id="7" creationId="{2E43E2DC-82F3-86F2-23E9-E26E21521C48}"/>
           </ac:spMkLst>
         </pc:spChg>
         <pc:spChg chg="mod">
@@ -1992,14 +1736,6 @@
             <ac:spMk id="3" creationId="{70BB5AAA-62E8-AD20-19B5-BCBBF174ADA0}"/>
           </ac:spMkLst>
         </pc:spChg>
-        <pc:spChg chg="del">
-          <ac:chgData name="Brüntrup, Luna Nox Fea" userId="e756c84f-b282-410e-9d44-26088df5a1d0" providerId="ADAL" clId="{6AA40660-2766-4BD1-A74F-821FA76EB466}" dt="2026-01-06T02:38:03.593" v="10294" actId="478"/>
-          <ac:spMkLst>
-            <pc:docMk/>
-            <pc:sldMk cId="99629194" sldId="2147481858"/>
-            <ac:spMk id="7" creationId="{D19BB84F-E3AF-2A04-4353-9FFD33C60AB1}"/>
-          </ac:spMkLst>
-        </pc:spChg>
         <pc:spChg chg="mod">
           <ac:chgData name="Brüntrup, Luna Nox Fea" userId="e756c84f-b282-410e-9d44-26088df5a1d0" providerId="ADAL" clId="{6AA40660-2766-4BD1-A74F-821FA76EB466}" dt="2026-01-06T02:33:47.374" v="10220"/>
           <ac:spMkLst>
@@ -2039,14 +1775,6 @@
             <ac:spMk id="3" creationId="{E4E1C7C9-A6D3-405A-00E6-A2E5EBA5A63F}"/>
           </ac:spMkLst>
         </pc:spChg>
-        <pc:spChg chg="del">
-          <ac:chgData name="Brüntrup, Luna Nox Fea" userId="e756c84f-b282-410e-9d44-26088df5a1d0" providerId="ADAL" clId="{6AA40660-2766-4BD1-A74F-821FA76EB466}" dt="2026-01-06T02:38:08.020" v="10295" actId="478"/>
-          <ac:spMkLst>
-            <pc:docMk/>
-            <pc:sldMk cId="2055007057" sldId="2147481859"/>
-            <ac:spMk id="7" creationId="{16CE3B98-8355-ED10-14A1-6EF9B6AFC8A5}"/>
-          </ac:spMkLst>
-        </pc:spChg>
         <pc:spChg chg="mod">
           <ac:chgData name="Brüntrup, Luna Nox Fea" userId="e756c84f-b282-410e-9d44-26088df5a1d0" providerId="ADAL" clId="{6AA40660-2766-4BD1-A74F-821FA76EB466}" dt="2026-01-06T02:33:45.368" v="10219"/>
           <ac:spMkLst>
@@ -2078,14 +1806,6 @@
           <pc:docMk/>
           <pc:sldMk cId="2919476013" sldId="2147481860"/>
         </pc:sldMkLst>
-        <pc:spChg chg="del">
-          <ac:chgData name="Brüntrup, Luna Nox Fea" userId="e756c84f-b282-410e-9d44-26088df5a1d0" providerId="ADAL" clId="{6AA40660-2766-4BD1-A74F-821FA76EB466}" dt="2026-01-06T02:38:10.941" v="10296" actId="478"/>
-          <ac:spMkLst>
-            <pc:docMk/>
-            <pc:sldMk cId="2919476013" sldId="2147481860"/>
-            <ac:spMk id="7" creationId="{DD740B68-0CDB-C35D-1A4F-0B0FB4FC4EA7}"/>
-          </ac:spMkLst>
-        </pc:spChg>
         <pc:spChg chg="mod">
           <ac:chgData name="Brüntrup, Luna Nox Fea" userId="e756c84f-b282-410e-9d44-26088df5a1d0" providerId="ADAL" clId="{6AA40660-2766-4BD1-A74F-821FA76EB466}" dt="2026-01-06T02:33:40.797" v="10218"/>
           <ac:spMkLst>
@@ -2164,14 +1884,6 @@
             <ac:spMk id="5" creationId="{3461D9C9-F989-893E-F96F-1A0118DF1189}"/>
           </ac:spMkLst>
         </pc:spChg>
-        <pc:spChg chg="del">
-          <ac:chgData name="Brüntrup, Luna Nox Fea" userId="e756c84f-b282-410e-9d44-26088df5a1d0" providerId="ADAL" clId="{6AA40660-2766-4BD1-A74F-821FA76EB466}" dt="2026-01-06T02:38:13.283" v="10297" actId="478"/>
-          <ac:spMkLst>
-            <pc:docMk/>
-            <pc:sldMk cId="2393206176" sldId="2147481861"/>
-            <ac:spMk id="7" creationId="{7AF0A3D8-A241-0070-E293-FD2B3633F3AF}"/>
-          </ac:spMkLst>
-        </pc:spChg>
         <pc:spChg chg="mod ord">
           <ac:chgData name="Brüntrup, Luna Nox Fea" userId="e756c84f-b282-410e-9d44-26088df5a1d0" providerId="ADAL" clId="{6AA40660-2766-4BD1-A74F-821FA76EB466}" dt="2026-01-07T11:24:42.890" v="10369" actId="6264"/>
           <ac:spMkLst>
@@ -2235,14 +1947,6 @@
             <ac:spMk id="6" creationId="{F899E577-199A-B9FB-A708-8A2A7334DD8D}"/>
           </ac:spMkLst>
         </pc:spChg>
-        <pc:spChg chg="del mod">
-          <ac:chgData name="Brüntrup, Luna Nox Fea" userId="e756c84f-b282-410e-9d44-26088df5a1d0" providerId="ADAL" clId="{6AA40660-2766-4BD1-A74F-821FA76EB466}" dt="2026-01-06T02:38:17.627" v="10299" actId="478"/>
-          <ac:spMkLst>
-            <pc:docMk/>
-            <pc:sldMk cId="2871782862" sldId="2147481862"/>
-            <ac:spMk id="7" creationId="{2F1216B5-556A-2AEB-CF05-EB23BB0BD573}"/>
-          </ac:spMkLst>
-        </pc:spChg>
         <pc:spChg chg="add del mod ord">
           <ac:chgData name="Brüntrup, Luna Nox Fea" userId="e756c84f-b282-410e-9d44-26088df5a1d0" providerId="ADAL" clId="{6AA40660-2766-4BD1-A74F-821FA76EB466}" dt="2026-01-07T11:24:41.856" v="10368" actId="6264"/>
           <ac:spMkLst>
@@ -2298,14 +2002,6 @@
           <pc:docMk/>
           <pc:sldMk cId="2797603171" sldId="2147481863"/>
         </pc:sldMkLst>
-        <pc:spChg chg="del">
-          <ac:chgData name="Brüntrup, Luna Nox Fea" userId="e756c84f-b282-410e-9d44-26088df5a1d0" providerId="ADAL" clId="{6AA40660-2766-4BD1-A74F-821FA76EB466}" dt="2026-01-06T02:38:20.171" v="10300" actId="478"/>
-          <ac:spMkLst>
-            <pc:docMk/>
-            <pc:sldMk cId="2797603171" sldId="2147481863"/>
-            <ac:spMk id="7" creationId="{CB516073-9B91-786B-8328-CA82855C715B}"/>
-          </ac:spMkLst>
-        </pc:spChg>
         <pc:spChg chg="mod">
           <ac:chgData name="Brüntrup, Luna Nox Fea" userId="e756c84f-b282-410e-9d44-26088df5a1d0" providerId="ADAL" clId="{6AA40660-2766-4BD1-A74F-821FA76EB466}" dt="2026-01-06T02:33:30.785" v="10215"/>
           <ac:spMkLst>
@@ -2353,14 +2049,6 @@
             <ac:spMk id="3" creationId="{0837C842-7D47-EB11-59E3-4F2B078E7442}"/>
           </ac:spMkLst>
         </pc:spChg>
-        <pc:spChg chg="del">
-          <ac:chgData name="Brüntrup, Luna Nox Fea" userId="e756c84f-b282-410e-9d44-26088df5a1d0" providerId="ADAL" clId="{6AA40660-2766-4BD1-A74F-821FA76EB466}" dt="2026-01-06T02:38:22.619" v="10301" actId="478"/>
-          <ac:spMkLst>
-            <pc:docMk/>
-            <pc:sldMk cId="1049565513" sldId="2147481864"/>
-            <ac:spMk id="7" creationId="{BF895E71-340C-D84A-9F20-42F7FD62FD45}"/>
-          </ac:spMkLst>
-        </pc:spChg>
         <pc:spChg chg="mod">
           <ac:chgData name="Brüntrup, Luna Nox Fea" userId="e756c84f-b282-410e-9d44-26088df5a1d0" providerId="ADAL" clId="{6AA40660-2766-4BD1-A74F-821FA76EB466}" dt="2026-01-06T02:33:26.670" v="10214"/>
           <ac:spMkLst>
@@ -2379,13 +2067,13 @@
         </pc:spChg>
       </pc:sldChg>
       <pc:sldChg chg="addSp delSp modSp add mod">
-        <pc:chgData name="Brüntrup, Luna Nox Fea" userId="e756c84f-b282-410e-9d44-26088df5a1d0" providerId="ADAL" clId="{6AA40660-2766-4BD1-A74F-821FA76EB466}" dt="2026-01-06T02:39:23.290" v="10322" actId="478"/>
+        <pc:chgData name="Brüntrup, Luna Nox Fea" userId="e756c84f-b282-410e-9d44-26088df5a1d0" providerId="ADAL" clId="{6AA40660-2766-4BD1-A74F-821FA76EB466}" dt="2026-01-08T08:06:06.088" v="10437" actId="20577"/>
         <pc:sldMkLst>
           <pc:docMk/>
           <pc:sldMk cId="521774658" sldId="2147481865"/>
         </pc:sldMkLst>
         <pc:spChg chg="mod">
-          <ac:chgData name="Brüntrup, Luna Nox Fea" userId="e756c84f-b282-410e-9d44-26088df5a1d0" providerId="ADAL" clId="{6AA40660-2766-4BD1-A74F-821FA76EB466}" dt="2026-01-06T00:23:40.548" v="6836" actId="20577"/>
+          <ac:chgData name="Brüntrup, Luna Nox Fea" userId="e756c84f-b282-410e-9d44-26088df5a1d0" providerId="ADAL" clId="{6AA40660-2766-4BD1-A74F-821FA76EB466}" dt="2026-01-08T08:06:06.088" v="10437" actId="20577"/>
           <ac:spMkLst>
             <pc:docMk/>
             <pc:sldMk cId="521774658" sldId="2147481865"/>
@@ -2400,36 +2088,12 @@
             <ac:spMk id="3" creationId="{E69848AB-510C-9B97-05D9-89561C2EAE8B}"/>
           </ac:spMkLst>
         </pc:spChg>
-        <pc:spChg chg="add del mod">
-          <ac:chgData name="Brüntrup, Luna Nox Fea" userId="e756c84f-b282-410e-9d44-26088df5a1d0" providerId="ADAL" clId="{6AA40660-2766-4BD1-A74F-821FA76EB466}" dt="2026-01-06T00:03:01.298" v="5843" actId="478"/>
-          <ac:spMkLst>
-            <pc:docMk/>
-            <pc:sldMk cId="521774658" sldId="2147481865"/>
-            <ac:spMk id="5" creationId="{F621FCC2-A6D2-52CB-EB45-AA9618E38404}"/>
-          </ac:spMkLst>
-        </pc:spChg>
-        <pc:spChg chg="del mod">
-          <ac:chgData name="Brüntrup, Luna Nox Fea" userId="e756c84f-b282-410e-9d44-26088df5a1d0" providerId="ADAL" clId="{6AA40660-2766-4BD1-A74F-821FA76EB466}" dt="2026-01-06T02:39:23.290" v="10322" actId="478"/>
-          <ac:spMkLst>
-            <pc:docMk/>
-            <pc:sldMk cId="521774658" sldId="2147481865"/>
-            <ac:spMk id="7" creationId="{DE2118B4-C8C2-5FD8-4C16-62386DDB5CB9}"/>
-          </ac:spMkLst>
-        </pc:spChg>
         <pc:spChg chg="mod">
           <ac:chgData name="Brüntrup, Luna Nox Fea" userId="e756c84f-b282-410e-9d44-26088df5a1d0" providerId="ADAL" clId="{6AA40660-2766-4BD1-A74F-821FA76EB466}" dt="2026-01-06T02:32:06.521" v="10192"/>
           <ac:spMkLst>
             <pc:docMk/>
             <pc:sldMk cId="521774658" sldId="2147481865"/>
             <ac:spMk id="8" creationId="{1077E1CE-6459-1F71-515C-689509606304}"/>
-          </ac:spMkLst>
-        </pc:spChg>
-        <pc:spChg chg="del">
-          <ac:chgData name="Brüntrup, Luna Nox Fea" userId="e756c84f-b282-410e-9d44-26088df5a1d0" providerId="ADAL" clId="{6AA40660-2766-4BD1-A74F-821FA76EB466}" dt="2026-01-06T00:02:57.896" v="5842" actId="478"/>
-          <ac:spMkLst>
-            <pc:docMk/>
-            <pc:sldMk cId="521774658" sldId="2147481865"/>
-            <ac:spMk id="10" creationId="{02FE0267-333F-C53D-D7CA-EB6F1E1C6D50}"/>
           </ac:spMkLst>
         </pc:spChg>
       </pc:sldChg>
@@ -2446,14 +2110,6 @@
           <pc:docMk/>
           <pc:sldMk cId="3619777134" sldId="2147481867"/>
         </pc:sldMkLst>
-        <pc:spChg chg="del">
-          <ac:chgData name="Brüntrup, Luna Nox Fea" userId="e756c84f-b282-410e-9d44-26088df5a1d0" providerId="ADAL" clId="{6AA40660-2766-4BD1-A74F-821FA76EB466}" dt="2026-01-06T00:32:56.452" v="6870" actId="478"/>
-          <ac:spMkLst>
-            <pc:docMk/>
-            <pc:sldMk cId="3619777134" sldId="2147481867"/>
-            <ac:spMk id="2" creationId="{E8DC6369-32E8-2BD1-D57A-0C6A61504677}"/>
-          </ac:spMkLst>
-        </pc:spChg>
         <pc:spChg chg="mod">
           <ac:chgData name="Brüntrup, Luna Nox Fea" userId="e756c84f-b282-410e-9d44-26088df5a1d0" providerId="ADAL" clId="{6AA40660-2766-4BD1-A74F-821FA76EB466}" dt="2026-01-06T00:38:22.205" v="7146" actId="1035"/>
           <ac:spMkLst>
@@ -2462,28 +2118,12 @@
             <ac:spMk id="3" creationId="{581EA932-D185-6849-91AC-23D0F767F03B}"/>
           </ac:spMkLst>
         </pc:spChg>
-        <pc:spChg chg="del">
-          <ac:chgData name="Brüntrup, Luna Nox Fea" userId="e756c84f-b282-410e-9d44-26088df5a1d0" providerId="ADAL" clId="{6AA40660-2766-4BD1-A74F-821FA76EB466}" dt="2026-01-06T02:38:28.777" v="10303" actId="478"/>
-          <ac:spMkLst>
-            <pc:docMk/>
-            <pc:sldMk cId="3619777134" sldId="2147481867"/>
-            <ac:spMk id="7" creationId="{15533DCC-07DC-B97E-740F-9C8DFB30EB11}"/>
-          </ac:spMkLst>
-        </pc:spChg>
         <pc:spChg chg="mod">
           <ac:chgData name="Brüntrup, Luna Nox Fea" userId="e756c84f-b282-410e-9d44-26088df5a1d0" providerId="ADAL" clId="{6AA40660-2766-4BD1-A74F-821FA76EB466}" dt="2026-01-06T02:33:12.621" v="10210"/>
           <ac:spMkLst>
             <pc:docMk/>
             <pc:sldMk cId="3619777134" sldId="2147481867"/>
             <ac:spMk id="8" creationId="{222432DE-1D05-6349-1E6F-9331309FC077}"/>
-          </ac:spMkLst>
-        </pc:spChg>
-        <pc:spChg chg="add del mod">
-          <ac:chgData name="Brüntrup, Luna Nox Fea" userId="e756c84f-b282-410e-9d44-26088df5a1d0" providerId="ADAL" clId="{6AA40660-2766-4BD1-A74F-821FA76EB466}" dt="2026-01-06T00:32:57.650" v="6871" actId="478"/>
-          <ac:spMkLst>
-            <pc:docMk/>
-            <pc:sldMk cId="3619777134" sldId="2147481867"/>
-            <ac:spMk id="9" creationId="{D5D4BED5-7B44-38DE-5BD1-0C03B63A1C72}"/>
           </ac:spMkLst>
         </pc:spChg>
         <pc:spChg chg="mod">
@@ -2518,14 +2158,6 @@
             <ac:spMk id="17" creationId="{5693C96E-5EC4-E5A4-2101-80FABB21C44B}"/>
           </ac:spMkLst>
         </pc:spChg>
-        <pc:picChg chg="add del mod">
-          <ac:chgData name="Brüntrup, Luna Nox Fea" userId="e756c84f-b282-410e-9d44-26088df5a1d0" providerId="ADAL" clId="{6AA40660-2766-4BD1-A74F-821FA76EB466}" dt="2026-01-06T00:31:32.668" v="6867" actId="478"/>
-          <ac:picMkLst>
-            <pc:docMk/>
-            <pc:sldMk cId="3619777134" sldId="2147481867"/>
-            <ac:picMk id="5" creationId="{B989CF95-2E5F-2570-9244-FEDDC1EA55BC}"/>
-          </ac:picMkLst>
-        </pc:picChg>
         <pc:picChg chg="add mod">
           <ac:chgData name="Brüntrup, Luna Nox Fea" userId="e756c84f-b282-410e-9d44-26088df5a1d0" providerId="ADAL" clId="{6AA40660-2766-4BD1-A74F-821FA76EB466}" dt="2026-01-06T00:38:22.205" v="7146" actId="1035"/>
           <ac:picMkLst>
@@ -2555,22 +2187,6 @@
             <pc:docMk/>
             <pc:sldMk cId="1626559163" sldId="2147481868"/>
             <ac:spMk id="8" creationId="{CA86ED41-D268-C75B-61CE-738678145093}"/>
-          </ac:spMkLst>
-        </pc:spChg>
-        <pc:spChg chg="del mod">
-          <ac:chgData name="Brüntrup, Luna Nox Fea" userId="e756c84f-b282-410e-9d44-26088df5a1d0" providerId="ADAL" clId="{6AA40660-2766-4BD1-A74F-821FA76EB466}" dt="2026-01-06T02:39:18.691" v="10320" actId="478"/>
-          <ac:spMkLst>
-            <pc:docMk/>
-            <pc:sldMk cId="1626559163" sldId="2147481868"/>
-            <ac:spMk id="10" creationId="{7877B87C-5772-FE9B-DCAA-8C22D09BFE20}"/>
-          </ac:spMkLst>
-        </pc:spChg>
-        <pc:spChg chg="del">
-          <ac:chgData name="Brüntrup, Luna Nox Fea" userId="e756c84f-b282-410e-9d44-26088df5a1d0" providerId="ADAL" clId="{6AA40660-2766-4BD1-A74F-821FA76EB466}" dt="2026-01-06T02:39:16.864" v="10318" actId="478"/>
-          <ac:spMkLst>
-            <pc:docMk/>
-            <pc:sldMk cId="1626559163" sldId="2147481868"/>
-            <ac:spMk id="11" creationId="{931C58EF-04CB-52DA-F01D-99D0CF03664E}"/>
           </ac:spMkLst>
         </pc:spChg>
         <pc:spChg chg="mod">
@@ -2612,14 +2228,6 @@
             <ac:spMk id="4" creationId="{2BC5AFC6-94BA-6F3F-C754-E9D26588E700}"/>
           </ac:spMkLst>
         </pc:spChg>
-        <pc:spChg chg="del">
-          <ac:chgData name="Brüntrup, Luna Nox Fea" userId="e756c84f-b282-410e-9d44-26088df5a1d0" providerId="ADAL" clId="{6AA40660-2766-4BD1-A74F-821FA76EB466}" dt="2026-01-06T02:39:25.994" v="10323" actId="478"/>
-          <ac:spMkLst>
-            <pc:docMk/>
-            <pc:sldMk cId="1876752761" sldId="2147481869"/>
-            <ac:spMk id="7" creationId="{1C7B4CB8-F423-E761-85F3-0BF1F987317F}"/>
-          </ac:spMkLst>
-        </pc:spChg>
         <pc:spChg chg="mod">
           <ac:chgData name="Brüntrup, Luna Nox Fea" userId="e756c84f-b282-410e-9d44-26088df5a1d0" providerId="ADAL" clId="{6AA40660-2766-4BD1-A74F-821FA76EB466}" dt="2026-01-06T02:32:03.195" v="10191"/>
           <ac:spMkLst>
@@ -2651,36 +2259,12 @@
             <ac:spMk id="3" creationId="{FCE15E21-0BEA-B6DF-2DA2-4A1EDA0A236F}"/>
           </ac:spMkLst>
         </pc:spChg>
-        <pc:spChg chg="add del mod">
-          <ac:chgData name="Brüntrup, Luna Nox Fea" userId="e756c84f-b282-410e-9d44-26088df5a1d0" providerId="ADAL" clId="{6AA40660-2766-4BD1-A74F-821FA76EB466}" dt="2026-01-06T00:39:57.634" v="7160" actId="478"/>
-          <ac:spMkLst>
-            <pc:docMk/>
-            <pc:sldMk cId="2921317405" sldId="2147481870"/>
-            <ac:spMk id="5" creationId="{82137729-F858-3911-1701-0C7923319197}"/>
-          </ac:spMkLst>
-        </pc:spChg>
-        <pc:spChg chg="del">
-          <ac:chgData name="Brüntrup, Luna Nox Fea" userId="e756c84f-b282-410e-9d44-26088df5a1d0" providerId="ADAL" clId="{6AA40660-2766-4BD1-A74F-821FA76EB466}" dt="2026-01-06T02:38:31.292" v="10304" actId="478"/>
-          <ac:spMkLst>
-            <pc:docMk/>
-            <pc:sldMk cId="2921317405" sldId="2147481870"/>
-            <ac:spMk id="7" creationId="{4DE1DB9B-2CB7-CCD4-7859-91EC55BFE821}"/>
-          </ac:spMkLst>
-        </pc:spChg>
         <pc:spChg chg="mod">
           <ac:chgData name="Brüntrup, Luna Nox Fea" userId="e756c84f-b282-410e-9d44-26088df5a1d0" providerId="ADAL" clId="{6AA40660-2766-4BD1-A74F-821FA76EB466}" dt="2026-01-06T02:33:09.970" v="10209"/>
           <ac:spMkLst>
             <pc:docMk/>
             <pc:sldMk cId="2921317405" sldId="2147481870"/>
             <ac:spMk id="8" creationId="{88DAA593-0877-52FD-1AB0-4D6A0AC7AFE4}"/>
-          </ac:spMkLst>
-        </pc:spChg>
-        <pc:spChg chg="del">
-          <ac:chgData name="Brüntrup, Luna Nox Fea" userId="e756c84f-b282-410e-9d44-26088df5a1d0" providerId="ADAL" clId="{6AA40660-2766-4BD1-A74F-821FA76EB466}" dt="2026-01-06T00:39:55.842" v="7159" actId="478"/>
-          <ac:spMkLst>
-            <pc:docMk/>
-            <pc:sldMk cId="2921317405" sldId="2147481870"/>
-            <ac:spMk id="10" creationId="{D76878A1-06AF-60FD-640E-65A3924F3A55}"/>
           </ac:spMkLst>
         </pc:spChg>
       </pc:sldChg>
@@ -2706,36 +2290,12 @@
             <ac:spMk id="3" creationId="{1C026977-2CF4-2A13-5E80-D62F827766B0}"/>
           </ac:spMkLst>
         </pc:spChg>
-        <pc:spChg chg="del">
-          <ac:chgData name="Brüntrup, Luna Nox Fea" userId="e756c84f-b282-410e-9d44-26088df5a1d0" providerId="ADAL" clId="{6AA40660-2766-4BD1-A74F-821FA76EB466}" dt="2026-01-06T02:38:42.616" v="10307" actId="478"/>
-          <ac:spMkLst>
-            <pc:docMk/>
-            <pc:sldMk cId="2235354465" sldId="2147481871"/>
-            <ac:spMk id="7" creationId="{E5A054B4-A45C-1FDB-BA84-C5C7100AA48D}"/>
-          </ac:spMkLst>
-        </pc:spChg>
         <pc:spChg chg="mod">
           <ac:chgData name="Brüntrup, Luna Nox Fea" userId="e756c84f-b282-410e-9d44-26088df5a1d0" providerId="ADAL" clId="{6AA40660-2766-4BD1-A74F-821FA76EB466}" dt="2026-01-06T02:32:59.333" v="10206"/>
           <ac:spMkLst>
             <pc:docMk/>
             <pc:sldMk cId="2235354465" sldId="2147481871"/>
             <ac:spMk id="8" creationId="{76DDE22D-64A9-692F-C80A-C603AEE43EEA}"/>
-          </ac:spMkLst>
-        </pc:spChg>
-        <pc:spChg chg="del mod">
-          <ac:chgData name="Brüntrup, Luna Nox Fea" userId="e756c84f-b282-410e-9d44-26088df5a1d0" providerId="ADAL" clId="{6AA40660-2766-4BD1-A74F-821FA76EB466}" dt="2026-01-06T00:54:08.074" v="7647" actId="478"/>
-          <ac:spMkLst>
-            <pc:docMk/>
-            <pc:sldMk cId="2235354465" sldId="2147481871"/>
-            <ac:spMk id="10" creationId="{DC7F2B3B-1E95-DA06-1215-E6C65EC24AD3}"/>
-          </ac:spMkLst>
-        </pc:spChg>
-        <pc:spChg chg="add del mod">
-          <ac:chgData name="Brüntrup, Luna Nox Fea" userId="e756c84f-b282-410e-9d44-26088df5a1d0" providerId="ADAL" clId="{6AA40660-2766-4BD1-A74F-821FA76EB466}" dt="2026-01-06T00:54:10.737" v="7648" actId="478"/>
-          <ac:spMkLst>
-            <pc:docMk/>
-            <pc:sldMk cId="2235354465" sldId="2147481871"/>
-            <ac:spMk id="14" creationId="{031CDEDC-330B-F510-C138-F0BF56A806AE}"/>
           </ac:spMkLst>
         </pc:spChg>
         <pc:picChg chg="add mod">
@@ -2784,22 +2344,6 @@
             <ac:spMk id="8" creationId="{A9D08DE0-664F-4282-D6A9-96B861D40E28}"/>
           </ac:spMkLst>
         </pc:spChg>
-        <pc:spChg chg="del">
-          <ac:chgData name="Brüntrup, Luna Nox Fea" userId="e756c84f-b282-410e-9d44-26088df5a1d0" providerId="ADAL" clId="{6AA40660-2766-4BD1-A74F-821FA76EB466}" dt="2026-01-06T02:38:38.405" v="10306" actId="478"/>
-          <ac:spMkLst>
-            <pc:docMk/>
-            <pc:sldMk cId="1319663889" sldId="2147481873"/>
-            <ac:spMk id="10" creationId="{3B32DE07-D4F6-3333-0306-02EE97D24DF1}"/>
-          </ac:spMkLst>
-        </pc:spChg>
-        <pc:spChg chg="del">
-          <ac:chgData name="Brüntrup, Luna Nox Fea" userId="e756c84f-b282-410e-9d44-26088df5a1d0" providerId="ADAL" clId="{6AA40660-2766-4BD1-A74F-821FA76EB466}" dt="2026-01-06T02:38:36.652" v="10305" actId="478"/>
-          <ac:spMkLst>
-            <pc:docMk/>
-            <pc:sldMk cId="1319663889" sldId="2147481873"/>
-            <ac:spMk id="11" creationId="{4AF657A8-6988-1038-E3D8-433E313C738A}"/>
-          </ac:spMkLst>
-        </pc:spChg>
         <pc:spChg chg="mod">
           <ac:chgData name="Brüntrup, Luna Nox Fea" userId="e756c84f-b282-410e-9d44-26088df5a1d0" providerId="ADAL" clId="{6AA40660-2766-4BD1-A74F-821FA76EB466}" dt="2026-01-06T02:33:04.632" v="10208" actId="14100"/>
           <ac:spMkLst>
@@ -2829,14 +2373,6 @@
             <pc:docMk/>
             <pc:sldMk cId="1880554932" sldId="2147481874"/>
             <ac:spMk id="3" creationId="{6FD979A9-57C7-1CE7-17E0-6E810F5D92B8}"/>
-          </ac:spMkLst>
-        </pc:spChg>
-        <pc:spChg chg="del">
-          <ac:chgData name="Brüntrup, Luna Nox Fea" userId="e756c84f-b282-410e-9d44-26088df5a1d0" providerId="ADAL" clId="{6AA40660-2766-4BD1-A74F-821FA76EB466}" dt="2026-01-06T02:38:45.254" v="10308" actId="478"/>
-          <ac:spMkLst>
-            <pc:docMk/>
-            <pc:sldMk cId="1880554932" sldId="2147481874"/>
-            <ac:spMk id="7" creationId="{8584A74B-6505-EBB8-3352-3AB1C8864780}"/>
           </ac:spMkLst>
         </pc:spChg>
         <pc:spChg chg="mod">
@@ -2878,14 +2414,6 @@
             <ac:spMk id="3" creationId="{FB92E6F1-5BEC-929D-040F-FEA0B07A7105}"/>
           </ac:spMkLst>
         </pc:spChg>
-        <pc:spChg chg="del">
-          <ac:chgData name="Brüntrup, Luna Nox Fea" userId="e756c84f-b282-410e-9d44-26088df5a1d0" providerId="ADAL" clId="{6AA40660-2766-4BD1-A74F-821FA76EB466}" dt="2026-01-06T02:39:28.568" v="10324" actId="478"/>
-          <ac:spMkLst>
-            <pc:docMk/>
-            <pc:sldMk cId="2364042984" sldId="2147481875"/>
-            <ac:spMk id="7" creationId="{700F3DA4-E540-9535-834D-B5809E3C0D4C}"/>
-          </ac:spMkLst>
-        </pc:spChg>
         <pc:spChg chg="mod">
           <ac:chgData name="Brüntrup, Luna Nox Fea" userId="e756c84f-b282-410e-9d44-26088df5a1d0" providerId="ADAL" clId="{6AA40660-2766-4BD1-A74F-821FA76EB466}" dt="2026-01-06T02:31:52.616" v="10190" actId="20577"/>
           <ac:spMkLst>
@@ -2915,14 +2443,6 @@
             <pc:docMk/>
             <pc:sldMk cId="3507859249" sldId="2147481876"/>
             <ac:spMk id="3" creationId="{9548C5E3-7A1D-5422-1092-FB151013D8BB}"/>
-          </ac:spMkLst>
-        </pc:spChg>
-        <pc:spChg chg="del">
-          <ac:chgData name="Brüntrup, Luna Nox Fea" userId="e756c84f-b282-410e-9d44-26088df5a1d0" providerId="ADAL" clId="{6AA40660-2766-4BD1-A74F-821FA76EB466}" dt="2026-01-06T02:38:48.043" v="10309" actId="478"/>
-          <ac:spMkLst>
-            <pc:docMk/>
-            <pc:sldMk cId="3507859249" sldId="2147481876"/>
-            <ac:spMk id="7" creationId="{2191D11A-1E1E-5AA6-4F9C-361967257B33}"/>
           </ac:spMkLst>
         </pc:spChg>
         <pc:spChg chg="mod">
@@ -2964,14 +2484,6 @@
             <ac:spMk id="3" creationId="{8474A388-4C55-BC1A-F4C0-B34B8017E31E}"/>
           </ac:spMkLst>
         </pc:spChg>
-        <pc:spChg chg="del">
-          <ac:chgData name="Brüntrup, Luna Nox Fea" userId="e756c84f-b282-410e-9d44-26088df5a1d0" providerId="ADAL" clId="{6AA40660-2766-4BD1-A74F-821FA76EB466}" dt="2026-01-06T02:38:50.939" v="10310" actId="478"/>
-          <ac:spMkLst>
-            <pc:docMk/>
-            <pc:sldMk cId="1232536617" sldId="2147481877"/>
-            <ac:spMk id="7" creationId="{01FD6C7A-E456-E7C5-DBBB-8D4FAC77E68B}"/>
-          </ac:spMkLst>
-        </pc:spChg>
         <pc:spChg chg="mod">
           <ac:chgData name="Brüntrup, Luna Nox Fea" userId="e756c84f-b282-410e-9d44-26088df5a1d0" providerId="ADAL" clId="{6AA40660-2766-4BD1-A74F-821FA76EB466}" dt="2026-01-06T02:32:47.396" v="10203"/>
           <ac:spMkLst>
@@ -2995,14 +2507,6 @@
           <pc:docMk/>
           <pc:sldMk cId="4055625423" sldId="2147481878"/>
         </pc:sldMkLst>
-        <pc:spChg chg="del">
-          <ac:chgData name="Brüntrup, Luna Nox Fea" userId="e756c84f-b282-410e-9d44-26088df5a1d0" providerId="ADAL" clId="{6AA40660-2766-4BD1-A74F-821FA76EB466}" dt="2026-01-06T01:33:48.790" v="9470" actId="478"/>
-          <ac:spMkLst>
-            <pc:docMk/>
-            <pc:sldMk cId="4055625423" sldId="2147481878"/>
-            <ac:spMk id="2" creationId="{AA2817EA-2BFD-40E1-2908-663A1AA92427}"/>
-          </ac:spMkLst>
-        </pc:spChg>
         <pc:spChg chg="mod">
           <ac:chgData name="Brüntrup, Luna Nox Fea" userId="e756c84f-b282-410e-9d44-26088df5a1d0" providerId="ADAL" clId="{6AA40660-2766-4BD1-A74F-821FA76EB466}" dt="2026-01-06T01:33:04.493" v="9463" actId="20577"/>
           <ac:spMkLst>
@@ -3011,28 +2515,12 @@
             <ac:spMk id="3" creationId="{93C41F15-1940-8F26-EFFE-26CA17A53F09}"/>
           </ac:spMkLst>
         </pc:spChg>
-        <pc:spChg chg="del">
-          <ac:chgData name="Brüntrup, Luna Nox Fea" userId="e756c84f-b282-410e-9d44-26088df5a1d0" providerId="ADAL" clId="{6AA40660-2766-4BD1-A74F-821FA76EB466}" dt="2026-01-06T02:38:53.317" v="10311" actId="478"/>
-          <ac:spMkLst>
-            <pc:docMk/>
-            <pc:sldMk cId="4055625423" sldId="2147481878"/>
-            <ac:spMk id="7" creationId="{9745B699-3B29-B93E-CF8D-5A2FC3A0DA88}"/>
-          </ac:spMkLst>
-        </pc:spChg>
         <pc:spChg chg="mod">
           <ac:chgData name="Brüntrup, Luna Nox Fea" userId="e756c84f-b282-410e-9d44-26088df5a1d0" providerId="ADAL" clId="{6AA40660-2766-4BD1-A74F-821FA76EB466}" dt="2026-01-06T02:32:44.767" v="10202"/>
           <ac:spMkLst>
             <pc:docMk/>
             <pc:sldMk cId="4055625423" sldId="2147481878"/>
             <ac:spMk id="8" creationId="{17F7D20C-8D73-BD49-B387-7A486D7B399D}"/>
-          </ac:spMkLst>
-        </pc:spChg>
-        <pc:spChg chg="add del mod">
-          <ac:chgData name="Brüntrup, Luna Nox Fea" userId="e756c84f-b282-410e-9d44-26088df5a1d0" providerId="ADAL" clId="{6AA40660-2766-4BD1-A74F-821FA76EB466}" dt="2026-01-06T01:33:49.478" v="9471" actId="478"/>
-          <ac:spMkLst>
-            <pc:docMk/>
-            <pc:sldMk cId="4055625423" sldId="2147481878"/>
-            <ac:spMk id="9" creationId="{EDB510F2-17D2-8AF0-5C85-4A8572A817EB}"/>
           </ac:spMkLst>
         </pc:spChg>
         <pc:spChg chg="mod">
@@ -3058,14 +2546,6 @@
           <pc:docMk/>
           <pc:sldMk cId="1334824769" sldId="2147481879"/>
         </pc:sldMkLst>
-        <pc:spChg chg="del">
-          <ac:chgData name="Brüntrup, Luna Nox Fea" userId="e756c84f-b282-410e-9d44-26088df5a1d0" providerId="ADAL" clId="{6AA40660-2766-4BD1-A74F-821FA76EB466}" dt="2026-01-06T01:39:54.589" v="9574" actId="478"/>
-          <ac:spMkLst>
-            <pc:docMk/>
-            <pc:sldMk cId="1334824769" sldId="2147481879"/>
-            <ac:spMk id="2" creationId="{1B661061-FA08-2B45-55AE-AA0933728C43}"/>
-          </ac:spMkLst>
-        </pc:spChg>
         <pc:spChg chg="mod">
           <ac:chgData name="Brüntrup, Luna Nox Fea" userId="e756c84f-b282-410e-9d44-26088df5a1d0" providerId="ADAL" clId="{6AA40660-2766-4BD1-A74F-821FA76EB466}" dt="2026-01-06T01:49:59.358" v="9745" actId="20577"/>
           <ac:spMkLst>
@@ -3074,28 +2554,12 @@
             <ac:spMk id="3" creationId="{8A5BB62D-8AF8-0054-AE1B-7FBA039760C5}"/>
           </ac:spMkLst>
         </pc:spChg>
-        <pc:spChg chg="add del mod">
-          <ac:chgData name="Brüntrup, Luna Nox Fea" userId="e756c84f-b282-410e-9d44-26088df5a1d0" providerId="ADAL" clId="{6AA40660-2766-4BD1-A74F-821FA76EB466}" dt="2026-01-06T01:39:56.424" v="9575" actId="478"/>
-          <ac:spMkLst>
-            <pc:docMk/>
-            <pc:sldMk cId="1334824769" sldId="2147481879"/>
-            <ac:spMk id="5" creationId="{4EC45D11-E4C3-4B69-E470-B8007DE5E3C3}"/>
-          </ac:spMkLst>
-        </pc:spChg>
         <pc:spChg chg="add mod">
           <ac:chgData name="Brüntrup, Luna Nox Fea" userId="e756c84f-b282-410e-9d44-26088df5a1d0" providerId="ADAL" clId="{6AA40660-2766-4BD1-A74F-821FA76EB466}" dt="2026-01-06T01:49:23.936" v="9742" actId="14100"/>
           <ac:spMkLst>
             <pc:docMk/>
             <pc:sldMk cId="1334824769" sldId="2147481879"/>
             <ac:spMk id="6" creationId="{FD749DCB-045E-BFD1-D64A-C487C57E7E10}"/>
-          </ac:spMkLst>
-        </pc:spChg>
-        <pc:spChg chg="del">
-          <ac:chgData name="Brüntrup, Luna Nox Fea" userId="e756c84f-b282-410e-9d44-26088df5a1d0" providerId="ADAL" clId="{6AA40660-2766-4BD1-A74F-821FA76EB466}" dt="2026-01-06T02:38:56.353" v="10312" actId="478"/>
-          <ac:spMkLst>
-            <pc:docMk/>
-            <pc:sldMk cId="1334824769" sldId="2147481879"/>
-            <ac:spMk id="7" creationId="{D45794B4-AFA5-3CC1-1086-61E489FBC0FC}"/>
           </ac:spMkLst>
         </pc:spChg>
         <pc:spChg chg="mod">
@@ -3129,22 +2593,6 @@
           <pc:docMk/>
           <pc:sldMk cId="2651614653" sldId="2147481880"/>
         </pc:sldMkLst>
-        <pc:spChg chg="del">
-          <ac:chgData name="Brüntrup, Luna Nox Fea" userId="e756c84f-b282-410e-9d44-26088df5a1d0" providerId="ADAL" clId="{6AA40660-2766-4BD1-A74F-821FA76EB466}" dt="2026-01-06T02:39:13.604" v="10317" actId="478"/>
-          <ac:spMkLst>
-            <pc:docMk/>
-            <pc:sldMk cId="2651614653" sldId="2147481880"/>
-            <ac:spMk id="7" creationId="{81CA7845-A3EB-8289-5E0F-0B6D741ABE11}"/>
-          </ac:spMkLst>
-        </pc:spChg>
-        <pc:spChg chg="mod">
-          <ac:chgData name="Brüntrup, Luna Nox Fea" userId="e756c84f-b282-410e-9d44-26088df5a1d0" providerId="ADAL" clId="{6AA40660-2766-4BD1-A74F-821FA76EB466}" dt="2026-01-06T02:32:22.304" v="10196"/>
-          <ac:spMkLst>
-            <pc:docMk/>
-            <pc:sldMk cId="2651614653" sldId="2147481880"/>
-            <ac:spMk id="8" creationId="{15900611-F5F9-F823-E2E6-AB5801FC4A80}"/>
-          </ac:spMkLst>
-        </pc:spChg>
       </pc:sldChg>
       <pc:sldChg chg="delSp modSp add mod">
         <pc:chgData name="Brüntrup, Luna Nox Fea" userId="e756c84f-b282-410e-9d44-26088df5a1d0" providerId="ADAL" clId="{6AA40660-2766-4BD1-A74F-821FA76EB466}" dt="2026-01-06T20:41:36.713" v="10334" actId="20577"/>
@@ -3158,14 +2606,6 @@
             <pc:docMk/>
             <pc:sldMk cId="3573771183" sldId="2147481881"/>
             <ac:spMk id="3" creationId="{B40303A9-67ED-B320-3F80-1873185B5ADF}"/>
-          </ac:spMkLst>
-        </pc:spChg>
-        <pc:spChg chg="del">
-          <ac:chgData name="Brüntrup, Luna Nox Fea" userId="e756c84f-b282-410e-9d44-26088df5a1d0" providerId="ADAL" clId="{6AA40660-2766-4BD1-A74F-821FA76EB466}" dt="2026-01-06T02:39:01.507" v="10313" actId="478"/>
-          <ac:spMkLst>
-            <pc:docMk/>
-            <pc:sldMk cId="3573771183" sldId="2147481881"/>
-            <ac:spMk id="7" creationId="{8D7E8E8A-6C2C-C657-797A-0EBCD7122F1B}"/>
           </ac:spMkLst>
         </pc:spChg>
         <pc:spChg chg="mod">
@@ -3191,14 +2631,6 @@
           <pc:docMk/>
           <pc:sldMk cId="2526433449" sldId="2147481882"/>
         </pc:sldMkLst>
-        <pc:spChg chg="del">
-          <ac:chgData name="Brüntrup, Luna Nox Fea" userId="e756c84f-b282-410e-9d44-26088df5a1d0" providerId="ADAL" clId="{6AA40660-2766-4BD1-A74F-821FA76EB466}" dt="2026-01-06T02:39:04.790" v="10314" actId="478"/>
-          <ac:spMkLst>
-            <pc:docMk/>
-            <pc:sldMk cId="2526433449" sldId="2147481882"/>
-            <ac:spMk id="7" creationId="{C34C405D-3008-CA5C-2FF0-9A90AEF30AF7}"/>
-          </ac:spMkLst>
-        </pc:spChg>
         <pc:spChg chg="mod">
           <ac:chgData name="Brüntrup, Luna Nox Fea" userId="e756c84f-b282-410e-9d44-26088df5a1d0" providerId="ADAL" clId="{6AA40660-2766-4BD1-A74F-821FA76EB466}" dt="2026-01-06T02:32:33.982" v="10199"/>
           <ac:spMkLst>
@@ -3222,14 +2654,6 @@
           <pc:docMk/>
           <pc:sldMk cId="1356993522" sldId="2147481883"/>
         </pc:sldMkLst>
-        <pc:spChg chg="del">
-          <ac:chgData name="Brüntrup, Luna Nox Fea" userId="e756c84f-b282-410e-9d44-26088df5a1d0" providerId="ADAL" clId="{6AA40660-2766-4BD1-A74F-821FA76EB466}" dt="2026-01-06T02:39:07.095" v="10315" actId="478"/>
-          <ac:spMkLst>
-            <pc:docMk/>
-            <pc:sldMk cId="1356993522" sldId="2147481883"/>
-            <ac:spMk id="7" creationId="{FFBBB1C8-FC82-3CFC-3D09-0539A26B0A7A}"/>
-          </ac:spMkLst>
-        </pc:spChg>
         <pc:spChg chg="mod">
           <ac:chgData name="Brüntrup, Luna Nox Fea" userId="e756c84f-b282-410e-9d44-26088df5a1d0" providerId="ADAL" clId="{6AA40660-2766-4BD1-A74F-821FA76EB466}" dt="2026-01-06T02:32:30.763" v="10198"/>
           <ac:spMkLst>
@@ -3253,22 +2677,6 @@
           <pc:docMk/>
           <pc:sldMk cId="350746444" sldId="2147481884"/>
         </pc:sldMkLst>
-        <pc:spChg chg="add del mod">
-          <ac:chgData name="Brüntrup, Luna Nox Fea" userId="e756c84f-b282-410e-9d44-26088df5a1d0" providerId="ADAL" clId="{6AA40660-2766-4BD1-A74F-821FA76EB466}" dt="2026-01-06T02:29:20.279" v="10117" actId="478"/>
-          <ac:spMkLst>
-            <pc:docMk/>
-            <pc:sldMk cId="350746444" sldId="2147481884"/>
-            <ac:spMk id="2" creationId="{7857D705-B650-2E85-8574-8CF36AD708CB}"/>
-          </ac:spMkLst>
-        </pc:spChg>
-        <pc:spChg chg="del">
-          <ac:chgData name="Brüntrup, Luna Nox Fea" userId="e756c84f-b282-410e-9d44-26088df5a1d0" providerId="ADAL" clId="{6AA40660-2766-4BD1-A74F-821FA76EB466}" dt="2026-01-06T02:39:10.652" v="10316" actId="478"/>
-          <ac:spMkLst>
-            <pc:docMk/>
-            <pc:sldMk cId="350746444" sldId="2147481884"/>
-            <ac:spMk id="7" creationId="{09614008-0ABB-053E-D52F-03509BC2A85E}"/>
-          </ac:spMkLst>
-        </pc:spChg>
         <pc:spChg chg="mod">
           <ac:chgData name="Brüntrup, Luna Nox Fea" userId="e756c84f-b282-410e-9d44-26088df5a1d0" providerId="ADAL" clId="{6AA40660-2766-4BD1-A74F-821FA76EB466}" dt="2026-01-06T02:32:26.794" v="10197"/>
           <ac:spMkLst>
@@ -3292,36 +2700,12 @@
           <pc:docMk/>
           <pc:sldMk cId="1933430912" sldId="2147481885"/>
         </pc:sldMkLst>
-        <pc:spChg chg="del">
-          <ac:chgData name="Brüntrup, Luna Nox Fea" userId="e756c84f-b282-410e-9d44-26088df5a1d0" providerId="ADAL" clId="{6AA40660-2766-4BD1-A74F-821FA76EB466}" dt="2026-01-06T20:12:02.960" v="10330" actId="478"/>
-          <ac:spMkLst>
-            <pc:docMk/>
-            <pc:sldMk cId="1933430912" sldId="2147481885"/>
-            <ac:spMk id="15" creationId="{E5EC8613-B80B-7296-0CF4-6C6F5F4CFE38}"/>
-          </ac:spMkLst>
-        </pc:spChg>
-        <pc:spChg chg="del">
-          <ac:chgData name="Brüntrup, Luna Nox Fea" userId="e756c84f-b282-410e-9d44-26088df5a1d0" providerId="ADAL" clId="{6AA40660-2766-4BD1-A74F-821FA76EB466}" dt="2026-01-06T20:11:44.437" v="10327" actId="478"/>
-          <ac:spMkLst>
-            <pc:docMk/>
-            <pc:sldMk cId="1933430912" sldId="2147481885"/>
-            <ac:spMk id="16" creationId="{A5150009-F47D-F751-E8CC-D4B042A687B8}"/>
-          </ac:spMkLst>
-        </pc:spChg>
         <pc:picChg chg="add mod">
           <ac:chgData name="Brüntrup, Luna Nox Fea" userId="e756c84f-b282-410e-9d44-26088df5a1d0" providerId="ADAL" clId="{6AA40660-2766-4BD1-A74F-821FA76EB466}" dt="2026-01-06T20:12:07.564" v="10331" actId="1076"/>
           <ac:picMkLst>
             <pc:docMk/>
             <pc:sldMk cId="1933430912" sldId="2147481885"/>
             <ac:picMk id="3" creationId="{6DCCFE72-7663-AFCD-6DAF-F8B2FE1A5489}"/>
-          </ac:picMkLst>
-        </pc:picChg>
-        <pc:picChg chg="del">
-          <ac:chgData name="Brüntrup, Luna Nox Fea" userId="e756c84f-b282-410e-9d44-26088df5a1d0" providerId="ADAL" clId="{6AA40660-2766-4BD1-A74F-821FA76EB466}" dt="2026-01-06T20:11:37.430" v="10326" actId="478"/>
-          <ac:picMkLst>
-            <pc:docMk/>
-            <pc:sldMk cId="1933430912" sldId="2147481885"/>
-            <ac:picMk id="14" creationId="{06D7D06D-DD6C-44A4-C63A-29F7D439638F}"/>
           </ac:picMkLst>
         </pc:picChg>
       </pc:sldChg>
@@ -3424,7 +2808,7 @@
           <a:p>
             <a:fld id="{135F3136-E1EB-4003-A604-A7ADCA986A7A}" type="datetimeFigureOut">
               <a:rPr lang="de-DE" smtClean="0"/>
-              <a:t>07.01.2026</a:t>
+              <a:t>08.01.2026</a:t>
             </a:fld>
             <a:endParaRPr lang="de-DE"/>
           </a:p>
@@ -3617,7 +3001,7 @@
           <a:p>
             <a:fld id="{E59BDBB7-78C1-47D7-ADDE-2A30F9A7DC5B}" type="datetimeFigureOut">
               <a:rPr lang="de-DE" smtClean="0"/>
-              <a:t>07.01.2026</a:t>
+              <a:t>08.01.2026</a:t>
             </a:fld>
             <a:endParaRPr lang="de-DE"/>
           </a:p>
@@ -4217,7 +3601,7 @@
           <a:p>
             <a:fld id="{C5BAB1C2-B95E-46E9-ACD9-692B4877A4DB}" type="datetime1">
               <a:rPr lang="de-DE" smtClean="0"/>
-              <a:t>07.01.2026</a:t>
+              <a:t>08.01.2026</a:t>
             </a:fld>
             <a:r>
               <a:rPr lang="de-DE"/>
@@ -4573,7 +3957,7 @@
                   <a:srgbClr val="000000"/>
                 </a:solidFill>
               </a:rPr>
-              <a:t>07.01.2026</a:t>
+              <a:t>08.01.2026</a:t>
             </a:fld>
             <a:endParaRPr lang="de-DE" sz="1000">
               <a:solidFill>
@@ -4749,7 +4133,7 @@
                   <a:srgbClr val="000000"/>
                 </a:solidFill>
               </a:rPr>
-              <a:t>07.01.2026</a:t>
+              <a:t>08.01.2026</a:t>
             </a:fld>
             <a:endParaRPr lang="de-DE" sz="1000">
               <a:solidFill>
@@ -4999,7 +4383,7 @@
                   <a:srgbClr val="000000"/>
                 </a:solidFill>
               </a:rPr>
-              <a:t>07.01.2026</a:t>
+              <a:t>08.01.2026</a:t>
             </a:fld>
             <a:endParaRPr lang="de-DE" sz="1000">
               <a:solidFill>
@@ -5339,7 +4723,7 @@
                   <a:srgbClr val="000000"/>
                 </a:solidFill>
               </a:rPr>
-              <a:t>07.01.2026</a:t>
+              <a:t>08.01.2026</a:t>
             </a:fld>
             <a:endParaRPr lang="de-DE" sz="1000">
               <a:solidFill>
@@ -5642,7 +5026,7 @@
                   <a:srgbClr val="000000"/>
                 </a:solidFill>
               </a:rPr>
-              <a:t>07.01.2026</a:t>
+              <a:t>08.01.2026</a:t>
             </a:fld>
             <a:endParaRPr lang="de-DE" sz="1000">
               <a:solidFill>
@@ -5955,7 +5339,7 @@
                   <a:srgbClr val="000000"/>
                 </a:solidFill>
               </a:rPr>
-              <a:t>07.01.2026</a:t>
+              <a:t>08.01.2026</a:t>
             </a:fld>
             <a:endParaRPr lang="de-DE" sz="1000">
               <a:solidFill>
@@ -6267,7 +5651,7 @@
                   <a:srgbClr val="000000"/>
                 </a:solidFill>
               </a:rPr>
-              <a:t>07.01.2026</a:t>
+              <a:t>08.01.2026</a:t>
             </a:fld>
             <a:endParaRPr lang="de-DE" sz="1000">
               <a:solidFill>
@@ -6577,7 +5961,7 @@
                   <a:srgbClr val="000000"/>
                 </a:solidFill>
               </a:rPr>
-              <a:t>07.01.2026</a:t>
+              <a:t>08.01.2026</a:t>
             </a:fld>
             <a:endParaRPr lang="de-DE" sz="1000">
               <a:solidFill>
@@ -7240,7 +6624,7 @@
                   <a:srgbClr val="000000"/>
                 </a:solidFill>
               </a:rPr>
-              <a:t>07.01.2026</a:t>
+              <a:t>08.01.2026</a:t>
             </a:fld>
             <a:endParaRPr lang="de-DE" sz="1000">
               <a:solidFill>
@@ -7901,7 +7285,7 @@
                   <a:srgbClr val="000000"/>
                 </a:solidFill>
               </a:rPr>
-              <a:t>07.01.2026</a:t>
+              <a:t>08.01.2026</a:t>
             </a:fld>
             <a:endParaRPr lang="de-DE" sz="1000">
               <a:solidFill>
@@ -8372,7 +7756,7 @@
           <a:p>
             <a:fld id="{E83B46C3-D3AB-4BD0-A0BF-3748CABCFA13}" type="datetime1">
               <a:rPr lang="de-DE" smtClean="0"/>
-              <a:t>07.01.2026</a:t>
+              <a:t>08.01.2026</a:t>
             </a:fld>
             <a:r>
               <a:rPr lang="de-DE"/>
@@ -8743,7 +8127,7 @@
                   <a:srgbClr val="000000"/>
                 </a:solidFill>
               </a:rPr>
-              <a:t>07.01.2026</a:t>
+              <a:t>08.01.2026</a:t>
             </a:fld>
             <a:endParaRPr lang="de-DE" sz="1000">
               <a:solidFill>
@@ -9083,7 +8467,7 @@
                   <a:srgbClr val="000000"/>
                 </a:solidFill>
               </a:rPr>
-              <a:t>07.01.2026</a:t>
+              <a:t>08.01.2026</a:t>
             </a:fld>
             <a:endParaRPr lang="de-DE" sz="1000">
               <a:solidFill>
@@ -9701,7 +9085,7 @@
                   <a:srgbClr val="000000"/>
                 </a:solidFill>
               </a:rPr>
-              <a:t>07.01.2026</a:t>
+              <a:t>08.01.2026</a:t>
             </a:fld>
             <a:endParaRPr lang="de-DE" sz="1000">
               <a:solidFill>
@@ -10173,7 +9557,7 @@
                   <a:srgbClr val="000000"/>
                 </a:solidFill>
               </a:rPr>
-              <a:t>07.01.2026</a:t>
+              <a:t>08.01.2026</a:t>
             </a:fld>
             <a:endParaRPr lang="de-DE" sz="1000">
               <a:solidFill>
@@ -11559,7 +10943,7 @@
                   <a:srgbClr val="000000"/>
                 </a:solidFill>
               </a:rPr>
-              <a:t>07.01.2026</a:t>
+              <a:t>08.01.2026</a:t>
             </a:fld>
             <a:endParaRPr lang="de-DE" sz="1000">
               <a:solidFill>
@@ -12525,7 +11909,7 @@
                   <a:srgbClr val="000000"/>
                 </a:solidFill>
               </a:rPr>
-              <a:t>07.01.2026</a:t>
+              <a:t>08.01.2026</a:t>
             </a:fld>
             <a:endParaRPr lang="de-DE" sz="1000">
               <a:solidFill>
@@ -13042,7 +12426,7 @@
                   <a:srgbClr val="000000"/>
                 </a:solidFill>
               </a:rPr>
-              <a:t>07.01.2026</a:t>
+              <a:t>08.01.2026</a:t>
             </a:fld>
             <a:endParaRPr lang="de-DE" sz="1000">
               <a:solidFill>
@@ -13573,7 +12957,7 @@
                   <a:srgbClr val="000000"/>
                 </a:solidFill>
               </a:rPr>
-              <a:t>07.01.2026</a:t>
+              <a:t>08.01.2026</a:t>
             </a:fld>
             <a:endParaRPr lang="de-DE" sz="1000">
               <a:solidFill>
@@ -14093,7 +13477,7 @@
           <a:p>
             <a:fld id="{1F60AF2E-5BFA-49CD-BD58-2886C5AEF071}" type="datetime1">
               <a:rPr lang="de-DE" smtClean="0"/>
-              <a:t>07.01.2026</a:t>
+              <a:t>08.01.2026</a:t>
             </a:fld>
             <a:r>
               <a:rPr lang="de-DE"/>
@@ -14514,7 +13898,7 @@
                   <a:srgbClr val="000000"/>
                 </a:solidFill>
               </a:rPr>
-              <a:t>07.01.2026</a:t>
+              <a:t>08.01.2026</a:t>
             </a:fld>
             <a:endParaRPr lang="de-DE" sz="1000">
               <a:solidFill>
@@ -14919,7 +14303,7 @@
                   <a:srgbClr val="000000"/>
                 </a:solidFill>
               </a:rPr>
-              <a:t>07.01.2026</a:t>
+              <a:t>08.01.2026</a:t>
             </a:fld>
             <a:endParaRPr lang="de-DE" sz="1000">
               <a:solidFill>
@@ -16481,7 +15865,7 @@
                   <a:srgbClr val="000000"/>
                 </a:solidFill>
               </a:rPr>
-              <a:t>07.01.2026</a:t>
+              <a:t>08.01.2026</a:t>
             </a:fld>
             <a:endParaRPr lang="de-DE" sz="1000">
               <a:solidFill>
@@ -17933,7 +17317,7 @@
                   <a:srgbClr val="000000"/>
                 </a:solidFill>
               </a:rPr>
-              <a:t>07.01.2026</a:t>
+              <a:t>08.01.2026</a:t>
             </a:fld>
             <a:endParaRPr lang="de-DE" sz="1000">
               <a:solidFill>
@@ -18882,7 +18266,7 @@
                   <a:srgbClr val="000000"/>
                 </a:solidFill>
               </a:rPr>
-              <a:t>07.01.2026</a:t>
+              <a:t>08.01.2026</a:t>
             </a:fld>
             <a:endParaRPr lang="de-DE" sz="1000">
               <a:solidFill>
@@ -19262,7 +18646,7 @@
                   <a:srgbClr val="000000"/>
                 </a:solidFill>
               </a:rPr>
-              <a:t>07.01.2026</a:t>
+              <a:t>08.01.2026</a:t>
             </a:fld>
             <a:endParaRPr lang="de-DE" sz="1000">
               <a:solidFill>
@@ -19647,7 +19031,7 @@
                   <a:srgbClr val="000000"/>
                 </a:solidFill>
               </a:rPr>
-              <a:t>07.01.2026</a:t>
+              <a:t>08.01.2026</a:t>
             </a:fld>
             <a:endParaRPr lang="de-DE" sz="1000">
               <a:solidFill>
@@ -19940,7 +19324,7 @@
                   <a:srgbClr val="000000"/>
                 </a:solidFill>
               </a:rPr>
-              <a:t>07.01.2026</a:t>
+              <a:t>08.01.2026</a:t>
             </a:fld>
             <a:endParaRPr lang="de-DE" sz="1000">
               <a:solidFill>
@@ -20335,7 +19719,7 @@
                   <a:srgbClr val="000000"/>
                 </a:solidFill>
               </a:rPr>
-              <a:t>07.01.2026</a:t>
+              <a:t>08.01.2026</a:t>
             </a:fld>
             <a:endParaRPr lang="de-DE" sz="1000">
               <a:solidFill>
@@ -20738,7 +20122,7 @@
                   <a:srgbClr val="000000"/>
                 </a:solidFill>
               </a:rPr>
-              <a:t>07.01.2026</a:t>
+              <a:t>08.01.2026</a:t>
             </a:fld>
             <a:endParaRPr lang="de-DE" sz="1000">
               <a:solidFill>
@@ -21220,7 +20604,7 @@
           <a:p>
             <a:fld id="{225F03D2-45F0-4A98-BAD3-9C8997ED6FFB}" type="datetime1">
               <a:rPr lang="de-DE" smtClean="0"/>
-              <a:t>07.01.2026</a:t>
+              <a:t>08.01.2026</a:t>
             </a:fld>
             <a:r>
               <a:rPr lang="de-DE"/>
@@ -22584,7 +21968,7 @@
                   <a:srgbClr val="000000"/>
                 </a:solidFill>
               </a:rPr>
-              <a:t>07.01.2026</a:t>
+              <a:t>08.01.2026</a:t>
             </a:fld>
             <a:endParaRPr lang="de-DE" sz="1000">
               <a:solidFill>
@@ -23214,7 +22598,7 @@
                   <a:srgbClr val="000000"/>
                 </a:solidFill>
               </a:rPr>
-              <a:t>07.01.2026</a:t>
+              <a:t>08.01.2026</a:t>
             </a:fld>
             <a:endParaRPr lang="de-DE" sz="1000">
               <a:solidFill>
@@ -24639,7 +24023,7 @@
                   <a:srgbClr val="000000"/>
                 </a:solidFill>
               </a:rPr>
-              <a:t>07.01.2026</a:t>
+              <a:t>08.01.2026</a:t>
             </a:fld>
             <a:endParaRPr lang="de-DE" sz="1000">
               <a:solidFill>
@@ -25037,7 +24421,7 @@
                   <a:srgbClr val="000000"/>
                 </a:solidFill>
               </a:rPr>
-              <a:t>07.01.2026</a:t>
+              <a:t>08.01.2026</a:t>
             </a:fld>
             <a:endParaRPr lang="de-DE" sz="1000">
               <a:solidFill>
@@ -25427,7 +24811,7 @@
                   <a:srgbClr val="000000"/>
                 </a:solidFill>
               </a:rPr>
-              <a:t>07.01.2026</a:t>
+              <a:t>08.01.2026</a:t>
             </a:fld>
             <a:endParaRPr lang="de-DE" sz="1000">
               <a:solidFill>
@@ -25848,7 +25232,7 @@
                   <a:srgbClr val="000000"/>
                 </a:solidFill>
               </a:rPr>
-              <a:t>07.01.2026</a:t>
+              <a:t>08.01.2026</a:t>
             </a:fld>
             <a:endParaRPr lang="de-DE" sz="1000">
               <a:solidFill>
@@ -26138,7 +25522,7 @@
                   <a:srgbClr val="000000"/>
                 </a:solidFill>
               </a:rPr>
-              <a:t>07.01.2026</a:t>
+              <a:t>08.01.2026</a:t>
             </a:fld>
             <a:endParaRPr lang="de-DE" sz="1000">
               <a:solidFill>
@@ -26795,7 +26179,7 @@
                   <a:srgbClr val="000000"/>
                 </a:solidFill>
               </a:rPr>
-              <a:t>07.01.2026</a:t>
+              <a:t>08.01.2026</a:t>
             </a:fld>
             <a:endParaRPr lang="de-DE" sz="1000">
               <a:solidFill>
@@ -27481,7 +26865,7 @@
           <a:p>
             <a:fld id="{003102F7-326F-497C-B128-E026DECD7822}" type="datetime1">
               <a:rPr lang="de-DE" smtClean="0"/>
-              <a:t>07.01.2026</a:t>
+              <a:t>08.01.2026</a:t>
             </a:fld>
             <a:r>
               <a:rPr lang="de-DE" dirty="0"/>
@@ -30643,7 +30027,7 @@
                   <a:srgbClr val="000000"/>
                 </a:solidFill>
               </a:rPr>
-              <a:t>07.01.2026</a:t>
+              <a:t>08.01.2026</a:t>
             </a:fld>
             <a:endParaRPr lang="de-DE" sz="1000" dirty="0">
               <a:solidFill>
@@ -33409,7 +32793,7 @@
                   <a:srgbClr val="000000"/>
                 </a:solidFill>
               </a:rPr>
-              <a:t>07.01.2026</a:t>
+              <a:t>08.01.2026</a:t>
             </a:fld>
             <a:endParaRPr lang="de-DE" sz="1000">
               <a:solidFill>
@@ -35622,7 +35006,7 @@
                   <a:srgbClr val="000000"/>
                 </a:solidFill>
               </a:rPr>
-              <a:t>07.01.2026</a:t>
+              <a:t>08.01.2026</a:t>
             </a:fld>
             <a:endParaRPr lang="de-DE" sz="1000">
               <a:solidFill>
@@ -36018,7 +35402,7 @@
                   <a:srgbClr val="000000"/>
                 </a:solidFill>
               </a:rPr>
-              <a:t>07.01.2026</a:t>
+              <a:t>08.01.2026</a:t>
             </a:fld>
             <a:endParaRPr lang="de-DE" sz="1000">
               <a:solidFill>
@@ -40843,6 +40227,37 @@
               <a:rPr lang="de-DE" dirty="0"/>
               <a:t> Zahl zurück gibt.</a:t>
             </a:r>
+          </a:p>
+          <a:p>
+            <a:endParaRPr lang="de-DE" dirty="0"/>
+          </a:p>
+          <a:p>
+            <a:r>
+              <a:rPr lang="de-DE" dirty="0"/>
+              <a:t>Beispiel für die 4. Fibonacci Zahl: 0 + 1 + 1 = 2</a:t>
+            </a:r>
+          </a:p>
+          <a:p>
+            <a:r>
+              <a:rPr lang="de-DE" dirty="0"/>
+              <a:t>Beispiel für die 5. Fibonacci Zahl</a:t>
+            </a:r>
+            <a:r>
+              <a:rPr lang="de-DE"/>
+              <a:t>: 1 </a:t>
+            </a:r>
+            <a:r>
+              <a:rPr lang="de-DE" dirty="0"/>
+              <a:t>+ 1 </a:t>
+            </a:r>
+            <a:r>
+              <a:rPr lang="de-DE"/>
+              <a:t>+ 2 = 4</a:t>
+            </a:r>
+            <a:endParaRPr lang="de-DE" dirty="0"/>
+          </a:p>
+          <a:p>
+            <a:endParaRPr lang="de-DE" dirty="0"/>
           </a:p>
           <a:p>
             <a:endParaRPr lang="de-DE" dirty="0"/>
@@ -43621,6 +43036,15 @@
 </file>
 
 <file path=customXml/item1.xml><?xml version="1.0" encoding="utf-8"?>
+<?mso-contentType ?>
+<FormTemplates xmlns="http://schemas.microsoft.com/sharepoint/v3/contenttype/forms">
+  <Display>DocumentLibraryForm</Display>
+  <Edit>DocumentLibraryForm</Edit>
+  <New>DocumentLibraryForm</New>
+</FormTemplates>
+</file>
+
+<file path=customXml/item2.xml><?xml version="1.0" encoding="utf-8"?>
 <ct:contentTypeSchema xmlns:ct="http://schemas.microsoft.com/office/2006/metadata/contentType" xmlns:ma="http://schemas.microsoft.com/office/2006/metadata/properties/metaAttributes" ct:_="" ma:_="" ma:contentTypeName="Dokument" ma:contentTypeID="0x0101006D002FDE7163574DB40222E8981F3698" ma:contentTypeVersion="5" ma:contentTypeDescription="Ein neues Dokument erstellen." ma:contentTypeScope="" ma:versionID="2edde0d93576e5927b241fa7c2f72a42">
   <xsd:schema xmlns:xsd="http://www.w3.org/2001/XMLSchema" xmlns:xs="http://www.w3.org/2001/XMLSchema" xmlns:p="http://schemas.microsoft.com/office/2006/metadata/properties" xmlns:ns2="b58a100f-d82e-42bd-9463-97b1040303a1" targetNamespace="http://schemas.microsoft.com/office/2006/metadata/properties" ma:root="true" ma:fieldsID="20660e5945343c88d38fb64c211d8d2e" ns2:_="">
     <xsd:import namespace="b58a100f-d82e-42bd-9463-97b1040303a1"/>
@@ -43775,15 +43199,6 @@
 </ct:contentTypeSchema>
 </file>
 
-<file path=customXml/item2.xml><?xml version="1.0" encoding="utf-8"?>
-<?mso-contentType ?>
-<FormTemplates xmlns="http://schemas.microsoft.com/sharepoint/v3/contenttype/forms">
-  <Display>DocumentLibraryForm</Display>
-  <Edit>DocumentLibraryForm</Edit>
-  <New>DocumentLibraryForm</New>
-</FormTemplates>
-</file>
-
 <file path=customXml/item3.xml><?xml version="1.0" encoding="utf-8"?>
 <p:properties xmlns:p="http://schemas.microsoft.com/office/2006/metadata/properties" xmlns:xsi="http://www.w3.org/2001/XMLSchema-instance" xmlns:pc="http://schemas.microsoft.com/office/infopath/2007/PartnerControls">
   <documentManagement>
@@ -43793,6 +43208,14 @@
 </file>
 
 <file path=customXml/itemProps1.xml><?xml version="1.0" encoding="utf-8"?>
+<ds:datastoreItem xmlns:ds="http://schemas.openxmlformats.org/officeDocument/2006/customXml" ds:itemID="{367FB75D-F70B-4660-AB7E-C20E7B16A13D}">
+  <ds:schemaRefs>
+    <ds:schemaRef ds:uri="http://schemas.microsoft.com/sharepoint/v3/contenttype/forms"/>
+  </ds:schemaRefs>
+</ds:datastoreItem>
+</file>
+
+<file path=customXml/itemProps2.xml><?xml version="1.0" encoding="utf-8"?>
 <ds:datastoreItem xmlns:ds="http://schemas.openxmlformats.org/officeDocument/2006/customXml" ds:itemID="{BB3F971A-6B06-48BD-85FD-6BA426F4640A}">
   <ds:schemaRefs>
     <ds:schemaRef ds:uri="http://schemas.microsoft.com/office/2006/metadata/contentType"/>
@@ -43806,14 +43229,6 @@
     <ds:schemaRef ds:uri="http://purl.org/dc/elements/1.1/"/>
     <ds:schemaRef ds:uri="http://purl.org/dc/terms/"/>
     <ds:schemaRef ds:uri="http://schemas.microsoft.com/internal/obd"/>
-  </ds:schemaRefs>
-</ds:datastoreItem>
-</file>
-
-<file path=customXml/itemProps2.xml><?xml version="1.0" encoding="utf-8"?>
-<ds:datastoreItem xmlns:ds="http://schemas.openxmlformats.org/officeDocument/2006/customXml" ds:itemID="{367FB75D-F70B-4660-AB7E-C20E7B16A13D}">
-  <ds:schemaRefs>
-    <ds:schemaRef ds:uri="http://schemas.microsoft.com/sharepoint/v3/contenttype/forms"/>
   </ds:schemaRefs>
 </ds:datastoreItem>
 </file>
